--- a/机器学习超声波浓度计.pptx
+++ b/机器学习超声波浓度计.pptx
@@ -210,7 +210,7 @@
           <a:p>
             <a:fld id="{7847351C-C40C-48F4-A16E-71001CD5D461}" type="datetimeFigureOut">
               <a:rPr lang="zh-CN" altLang="en-US" smtClean="0"/>
-              <a:t>2020/12/1</a:t>
+              <a:t>2020/12/2</a:t>
             </a:fld>
             <a:endParaRPr lang="zh-CN" altLang="en-US"/>
           </a:p>
@@ -761,7 +761,7 @@
           <a:p>
             <a:fld id="{CC1E3A38-61D5-4945-B55D-CAA481F2DA76}" type="datetimeFigureOut">
               <a:rPr lang="zh-CN" altLang="en-US" smtClean="0"/>
-              <a:t>2020/12/1</a:t>
+              <a:t>2020/12/2</a:t>
             </a:fld>
             <a:endParaRPr lang="zh-CN" altLang="en-US"/>
           </a:p>
@@ -951,7 +951,7 @@
           <a:p>
             <a:fld id="{CC1E3A38-61D5-4945-B55D-CAA481F2DA76}" type="datetimeFigureOut">
               <a:rPr lang="zh-CN" altLang="en-US" smtClean="0"/>
-              <a:t>2020/12/1</a:t>
+              <a:t>2020/12/2</a:t>
             </a:fld>
             <a:endParaRPr lang="zh-CN" altLang="en-US"/>
           </a:p>
@@ -1131,7 +1131,7 @@
           <a:p>
             <a:fld id="{CC1E3A38-61D5-4945-B55D-CAA481F2DA76}" type="datetimeFigureOut">
               <a:rPr lang="zh-CN" altLang="en-US" smtClean="0"/>
-              <a:t>2020/12/1</a:t>
+              <a:t>2020/12/2</a:t>
             </a:fld>
             <a:endParaRPr lang="zh-CN" altLang="en-US"/>
           </a:p>
@@ -1301,7 +1301,7 @@
           <a:p>
             <a:fld id="{CC1E3A38-61D5-4945-B55D-CAA481F2DA76}" type="datetimeFigureOut">
               <a:rPr lang="zh-CN" altLang="en-US" smtClean="0"/>
-              <a:t>2020/12/1</a:t>
+              <a:t>2020/12/2</a:t>
             </a:fld>
             <a:endParaRPr lang="zh-CN" altLang="en-US"/>
           </a:p>
@@ -1557,7 +1557,7 @@
           <a:p>
             <a:fld id="{CC1E3A38-61D5-4945-B55D-CAA481F2DA76}" type="datetimeFigureOut">
               <a:rPr lang="zh-CN" altLang="en-US" smtClean="0"/>
-              <a:t>2020/12/1</a:t>
+              <a:t>2020/12/2</a:t>
             </a:fld>
             <a:endParaRPr lang="zh-CN" altLang="en-US"/>
           </a:p>
@@ -1845,7 +1845,7 @@
           <a:p>
             <a:fld id="{CC1E3A38-61D5-4945-B55D-CAA481F2DA76}" type="datetimeFigureOut">
               <a:rPr lang="zh-CN" altLang="en-US" smtClean="0"/>
-              <a:t>2020/12/1</a:t>
+              <a:t>2020/12/2</a:t>
             </a:fld>
             <a:endParaRPr lang="zh-CN" altLang="en-US"/>
           </a:p>
@@ -2283,7 +2283,7 @@
           <a:p>
             <a:fld id="{CC1E3A38-61D5-4945-B55D-CAA481F2DA76}" type="datetimeFigureOut">
               <a:rPr lang="zh-CN" altLang="en-US" smtClean="0"/>
-              <a:t>2020/12/1</a:t>
+              <a:t>2020/12/2</a:t>
             </a:fld>
             <a:endParaRPr lang="zh-CN" altLang="en-US"/>
           </a:p>
@@ -2401,7 +2401,7 @@
           <a:p>
             <a:fld id="{CC1E3A38-61D5-4945-B55D-CAA481F2DA76}" type="datetimeFigureOut">
               <a:rPr lang="zh-CN" altLang="en-US" smtClean="0"/>
-              <a:t>2020/12/1</a:t>
+              <a:t>2020/12/2</a:t>
             </a:fld>
             <a:endParaRPr lang="zh-CN" altLang="en-US"/>
           </a:p>
@@ -2496,7 +2496,7 @@
           <a:p>
             <a:fld id="{CC1E3A38-61D5-4945-B55D-CAA481F2DA76}" type="datetimeFigureOut">
               <a:rPr lang="zh-CN" altLang="en-US" smtClean="0"/>
-              <a:t>2020/12/1</a:t>
+              <a:t>2020/12/2</a:t>
             </a:fld>
             <a:endParaRPr lang="zh-CN" altLang="en-US"/>
           </a:p>
@@ -2852,7 +2852,7 @@
           <a:p>
             <a:fld id="{CC1E3A38-61D5-4945-B55D-CAA481F2DA76}" type="datetimeFigureOut">
               <a:rPr lang="zh-CN" altLang="en-US" smtClean="0"/>
-              <a:t>2020/12/1</a:t>
+              <a:t>2020/12/2</a:t>
             </a:fld>
             <a:endParaRPr lang="zh-CN" altLang="en-US"/>
           </a:p>
@@ -3168,7 +3168,7 @@
           <a:p>
             <a:fld id="{CC1E3A38-61D5-4945-B55D-CAA481F2DA76}" type="datetimeFigureOut">
               <a:rPr lang="zh-CN" altLang="en-US" smtClean="0"/>
-              <a:t>2020/12/1</a:t>
+              <a:t>2020/12/2</a:t>
             </a:fld>
             <a:endParaRPr lang="zh-CN" altLang="en-US"/>
           </a:p>
@@ -3401,7 +3401,7 @@
           <a:p>
             <a:fld id="{CC1E3A38-61D5-4945-B55D-CAA481F2DA76}" type="datetimeFigureOut">
               <a:rPr lang="zh-CN" altLang="en-US" smtClean="0"/>
-              <a:t>2020/12/1</a:t>
+              <a:t>2020/12/2</a:t>
             </a:fld>
             <a:endParaRPr lang="zh-CN" altLang="en-US"/>
           </a:p>
@@ -3960,6 +3960,861 @@
           </a:p>
         </p:txBody>
       </p:sp>
+      <p:pic>
+        <p:nvPicPr>
+          <p:cNvPr id="3" name="图片 2">
+            <a:extLst>
+              <a:ext uri="{FF2B5EF4-FFF2-40B4-BE49-F238E27FC236}">
+                <a16:creationId xmlns:a16="http://schemas.microsoft.com/office/drawing/2014/main" id="{C9FA2C3F-685F-4F07-95A9-61B7B057E4CC}"/>
+              </a:ext>
+            </a:extLst>
+          </p:cNvPr>
+          <p:cNvPicPr>
+            <a:picLocks noChangeAspect="1"/>
+          </p:cNvPicPr>
+          <p:nvPr/>
+        </p:nvPicPr>
+        <p:blipFill>
+          <a:blip r:embed="rId2"/>
+          <a:stretch>
+            <a:fillRect/>
+          </a:stretch>
+        </p:blipFill>
+        <p:spPr>
+          <a:xfrm>
+            <a:off x="711652" y="2044141"/>
+            <a:ext cx="3853543" cy="1966240"/>
+          </a:xfrm>
+          <a:prstGeom prst="rect">
+            <a:avLst/>
+          </a:prstGeom>
+        </p:spPr>
+      </p:pic>
+      <p:pic>
+        <p:nvPicPr>
+          <p:cNvPr id="4" name="图片 3">
+            <a:extLst>
+              <a:ext uri="{FF2B5EF4-FFF2-40B4-BE49-F238E27FC236}">
+                <a16:creationId xmlns:a16="http://schemas.microsoft.com/office/drawing/2014/main" id="{8900E6E9-ADB8-4EE7-8CC7-059A81410EBE}"/>
+              </a:ext>
+            </a:extLst>
+          </p:cNvPr>
+          <p:cNvPicPr>
+            <a:picLocks noChangeAspect="1"/>
+          </p:cNvPicPr>
+          <p:nvPr/>
+        </p:nvPicPr>
+        <p:blipFill>
+          <a:blip r:embed="rId3"/>
+          <a:stretch>
+            <a:fillRect/>
+          </a:stretch>
+        </p:blipFill>
+        <p:spPr>
+          <a:xfrm>
+            <a:off x="1322125" y="4529503"/>
+            <a:ext cx="2698332" cy="1631811"/>
+          </a:xfrm>
+          <a:prstGeom prst="rect">
+            <a:avLst/>
+          </a:prstGeom>
+        </p:spPr>
+      </p:pic>
+      <p:cxnSp>
+        <p:nvCxnSpPr>
+          <p:cNvPr id="6" name="直接连接符 5">
+            <a:extLst>
+              <a:ext uri="{FF2B5EF4-FFF2-40B4-BE49-F238E27FC236}">
+                <a16:creationId xmlns:a16="http://schemas.microsoft.com/office/drawing/2014/main" id="{C7B274E8-50E5-4550-AE3A-7DAA1A535C7B}"/>
+              </a:ext>
+            </a:extLst>
+          </p:cNvPr>
+          <p:cNvCxnSpPr/>
+          <p:nvPr/>
+        </p:nvCxnSpPr>
+        <p:spPr>
+          <a:xfrm>
+            <a:off x="2576286" y="2184400"/>
+            <a:ext cx="2322285" cy="0"/>
+          </a:xfrm>
+          <a:prstGeom prst="line">
+            <a:avLst/>
+          </a:prstGeom>
+        </p:spPr>
+        <p:style>
+          <a:lnRef idx="1">
+            <a:schemeClr val="accent1"/>
+          </a:lnRef>
+          <a:fillRef idx="0">
+            <a:schemeClr val="accent1"/>
+          </a:fillRef>
+          <a:effectRef idx="0">
+            <a:schemeClr val="accent1"/>
+          </a:effectRef>
+          <a:fontRef idx="minor">
+            <a:schemeClr val="tx1"/>
+          </a:fontRef>
+        </p:style>
+      </p:cxnSp>
+      <p:cxnSp>
+        <p:nvCxnSpPr>
+          <p:cNvPr id="7" name="直接连接符 6">
+            <a:extLst>
+              <a:ext uri="{FF2B5EF4-FFF2-40B4-BE49-F238E27FC236}">
+                <a16:creationId xmlns:a16="http://schemas.microsoft.com/office/drawing/2014/main" id="{AF70B4BB-3163-40C9-92FB-F402B8997953}"/>
+              </a:ext>
+            </a:extLst>
+          </p:cNvPr>
+          <p:cNvCxnSpPr/>
+          <p:nvPr/>
+        </p:nvCxnSpPr>
+        <p:spPr>
+          <a:xfrm>
+            <a:off x="2576285" y="3857171"/>
+            <a:ext cx="2322285" cy="0"/>
+          </a:xfrm>
+          <a:prstGeom prst="line">
+            <a:avLst/>
+          </a:prstGeom>
+        </p:spPr>
+        <p:style>
+          <a:lnRef idx="1">
+            <a:schemeClr val="accent1"/>
+          </a:lnRef>
+          <a:fillRef idx="0">
+            <a:schemeClr val="accent1"/>
+          </a:fillRef>
+          <a:effectRef idx="0">
+            <a:schemeClr val="accent1"/>
+          </a:effectRef>
+          <a:fontRef idx="minor">
+            <a:schemeClr val="tx1"/>
+          </a:fontRef>
+        </p:style>
+      </p:cxnSp>
+      <p:cxnSp>
+        <p:nvCxnSpPr>
+          <p:cNvPr id="9" name="直接箭头连接符 8">
+            <a:extLst>
+              <a:ext uri="{FF2B5EF4-FFF2-40B4-BE49-F238E27FC236}">
+                <a16:creationId xmlns:a16="http://schemas.microsoft.com/office/drawing/2014/main" id="{6EF7344D-2A48-4991-84A6-2CCDD973174F}"/>
+              </a:ext>
+            </a:extLst>
+          </p:cNvPr>
+          <p:cNvCxnSpPr/>
+          <p:nvPr/>
+        </p:nvCxnSpPr>
+        <p:spPr>
+          <a:xfrm>
+            <a:off x="4829629" y="2217057"/>
+            <a:ext cx="0" cy="1582057"/>
+          </a:xfrm>
+          <a:prstGeom prst="straightConnector1">
+            <a:avLst/>
+          </a:prstGeom>
+          <a:ln>
+            <a:headEnd type="triangle"/>
+            <a:tailEnd type="triangle"/>
+          </a:ln>
+        </p:spPr>
+        <p:style>
+          <a:lnRef idx="1">
+            <a:schemeClr val="accent1"/>
+          </a:lnRef>
+          <a:fillRef idx="0">
+            <a:schemeClr val="accent1"/>
+          </a:fillRef>
+          <a:effectRef idx="0">
+            <a:schemeClr val="accent1"/>
+          </a:effectRef>
+          <a:fontRef idx="minor">
+            <a:schemeClr val="tx1"/>
+          </a:fontRef>
+        </p:style>
+      </p:cxnSp>
+      <p:sp>
+        <p:nvSpPr>
+          <p:cNvPr id="10" name="文本框 9">
+            <a:extLst>
+              <a:ext uri="{FF2B5EF4-FFF2-40B4-BE49-F238E27FC236}">
+                <a16:creationId xmlns:a16="http://schemas.microsoft.com/office/drawing/2014/main" id="{7BE113DA-7470-4D1B-A2A8-9A8710F1C18F}"/>
+              </a:ext>
+            </a:extLst>
+          </p:cNvPr>
+          <p:cNvSpPr txBox="1"/>
+          <p:nvPr/>
+        </p:nvSpPr>
+        <p:spPr>
+          <a:xfrm>
+            <a:off x="4439346" y="2855616"/>
+            <a:ext cx="711184" cy="276999"/>
+          </a:xfrm>
+          <a:prstGeom prst="rect">
+            <a:avLst/>
+          </a:prstGeom>
+          <a:noFill/>
+        </p:spPr>
+        <p:txBody>
+          <a:bodyPr wrap="square" rtlCol="0">
+            <a:spAutoFit/>
+          </a:bodyPr>
+          <a:lstStyle/>
+          <a:p>
+            <a:r>
+              <a:rPr lang="en-US" altLang="zh-CN" sz="1200" b="1" dirty="0">
+                <a:solidFill>
+                  <a:schemeClr val="accent1"/>
+                </a:solidFill>
+              </a:rPr>
+              <a:t>300</a:t>
+            </a:r>
+            <a:endParaRPr lang="zh-CN" altLang="en-US" sz="1200" b="1" dirty="0">
+              <a:solidFill>
+                <a:schemeClr val="accent1"/>
+              </a:solidFill>
+            </a:endParaRPr>
+          </a:p>
+        </p:txBody>
+      </p:sp>
+      <p:cxnSp>
+        <p:nvCxnSpPr>
+          <p:cNvPr id="11" name="直接连接符 10">
+            <a:extLst>
+              <a:ext uri="{FF2B5EF4-FFF2-40B4-BE49-F238E27FC236}">
+                <a16:creationId xmlns:a16="http://schemas.microsoft.com/office/drawing/2014/main" id="{D0EC5E26-8F11-4116-8331-499E304F9401}"/>
+              </a:ext>
+            </a:extLst>
+          </p:cNvPr>
+          <p:cNvCxnSpPr/>
+          <p:nvPr/>
+        </p:nvCxnSpPr>
+        <p:spPr>
+          <a:xfrm>
+            <a:off x="2576284" y="4775200"/>
+            <a:ext cx="2322285" cy="0"/>
+          </a:xfrm>
+          <a:prstGeom prst="line">
+            <a:avLst/>
+          </a:prstGeom>
+        </p:spPr>
+        <p:style>
+          <a:lnRef idx="1">
+            <a:schemeClr val="accent1"/>
+          </a:lnRef>
+          <a:fillRef idx="0">
+            <a:schemeClr val="accent1"/>
+          </a:fillRef>
+          <a:effectRef idx="0">
+            <a:schemeClr val="accent1"/>
+          </a:effectRef>
+          <a:fontRef idx="minor">
+            <a:schemeClr val="tx1"/>
+          </a:fontRef>
+        </p:style>
+      </p:cxnSp>
+      <p:cxnSp>
+        <p:nvCxnSpPr>
+          <p:cNvPr id="12" name="直接连接符 11">
+            <a:extLst>
+              <a:ext uri="{FF2B5EF4-FFF2-40B4-BE49-F238E27FC236}">
+                <a16:creationId xmlns:a16="http://schemas.microsoft.com/office/drawing/2014/main" id="{FF47B0F9-8310-4726-BE21-D42BF2405476}"/>
+              </a:ext>
+            </a:extLst>
+          </p:cNvPr>
+          <p:cNvCxnSpPr/>
+          <p:nvPr/>
+        </p:nvCxnSpPr>
+        <p:spPr>
+          <a:xfrm>
+            <a:off x="2576284" y="5889171"/>
+            <a:ext cx="2322285" cy="0"/>
+          </a:xfrm>
+          <a:prstGeom prst="line">
+            <a:avLst/>
+          </a:prstGeom>
+        </p:spPr>
+        <p:style>
+          <a:lnRef idx="1">
+            <a:schemeClr val="accent1"/>
+          </a:lnRef>
+          <a:fillRef idx="0">
+            <a:schemeClr val="accent1"/>
+          </a:fillRef>
+          <a:effectRef idx="0">
+            <a:schemeClr val="accent1"/>
+          </a:effectRef>
+          <a:fontRef idx="minor">
+            <a:schemeClr val="tx1"/>
+          </a:fontRef>
+        </p:style>
+      </p:cxnSp>
+      <p:cxnSp>
+        <p:nvCxnSpPr>
+          <p:cNvPr id="13" name="直接箭头连接符 12">
+            <a:extLst>
+              <a:ext uri="{FF2B5EF4-FFF2-40B4-BE49-F238E27FC236}">
+                <a16:creationId xmlns:a16="http://schemas.microsoft.com/office/drawing/2014/main" id="{014D73C8-769A-4843-AA21-A5D208657079}"/>
+              </a:ext>
+            </a:extLst>
+          </p:cNvPr>
+          <p:cNvCxnSpPr>
+            <a:cxnSpLocks/>
+          </p:cNvCxnSpPr>
+          <p:nvPr/>
+        </p:nvCxnSpPr>
+        <p:spPr>
+          <a:xfrm>
+            <a:off x="4823967" y="4775200"/>
+            <a:ext cx="0" cy="1113971"/>
+          </a:xfrm>
+          <a:prstGeom prst="straightConnector1">
+            <a:avLst/>
+          </a:prstGeom>
+          <a:ln>
+            <a:headEnd type="triangle"/>
+            <a:tailEnd type="triangle"/>
+          </a:ln>
+        </p:spPr>
+        <p:style>
+          <a:lnRef idx="1">
+            <a:schemeClr val="accent1"/>
+          </a:lnRef>
+          <a:fillRef idx="0">
+            <a:schemeClr val="accent1"/>
+          </a:fillRef>
+          <a:effectRef idx="0">
+            <a:schemeClr val="accent1"/>
+          </a:effectRef>
+          <a:fontRef idx="minor">
+            <a:schemeClr val="tx1"/>
+          </a:fontRef>
+        </p:style>
+      </p:cxnSp>
+      <p:sp>
+        <p:nvSpPr>
+          <p:cNvPr id="15" name="文本框 14">
+            <a:extLst>
+              <a:ext uri="{FF2B5EF4-FFF2-40B4-BE49-F238E27FC236}">
+                <a16:creationId xmlns:a16="http://schemas.microsoft.com/office/drawing/2014/main" id="{89A85368-5A32-4449-A1DD-688BC5681ACA}"/>
+              </a:ext>
+            </a:extLst>
+          </p:cNvPr>
+          <p:cNvSpPr txBox="1"/>
+          <p:nvPr/>
+        </p:nvSpPr>
+        <p:spPr>
+          <a:xfrm>
+            <a:off x="4410317" y="5182800"/>
+            <a:ext cx="711184" cy="276999"/>
+          </a:xfrm>
+          <a:prstGeom prst="rect">
+            <a:avLst/>
+          </a:prstGeom>
+          <a:noFill/>
+        </p:spPr>
+        <p:txBody>
+          <a:bodyPr wrap="square" rtlCol="0">
+            <a:spAutoFit/>
+          </a:bodyPr>
+          <a:lstStyle/>
+          <a:p>
+            <a:r>
+              <a:rPr lang="en-US" altLang="zh-CN" sz="1200" b="1" dirty="0">
+                <a:solidFill>
+                  <a:schemeClr val="accent1"/>
+                </a:solidFill>
+              </a:rPr>
+              <a:t>300</a:t>
+            </a:r>
+            <a:endParaRPr lang="zh-CN" altLang="en-US" sz="1200" b="1" dirty="0">
+              <a:solidFill>
+                <a:schemeClr val="accent1"/>
+              </a:solidFill>
+            </a:endParaRPr>
+          </a:p>
+        </p:txBody>
+      </p:sp>
+      <p:graphicFrame>
+        <p:nvGraphicFramePr>
+          <p:cNvPr id="16" name="表格 16">
+            <a:extLst>
+              <a:ext uri="{FF2B5EF4-FFF2-40B4-BE49-F238E27FC236}">
+                <a16:creationId xmlns:a16="http://schemas.microsoft.com/office/drawing/2014/main" id="{A456A347-A4C0-42AA-8698-BB7E1803B695}"/>
+              </a:ext>
+            </a:extLst>
+          </p:cNvPr>
+          <p:cNvGraphicFramePr>
+            <a:graphicFrameLocks noGrp="1"/>
+          </p:cNvGraphicFramePr>
+          <p:nvPr>
+            <p:extLst>
+              <p:ext uri="{D42A27DB-BD31-4B8C-83A1-F6EECF244321}">
+                <p14:modId xmlns:p14="http://schemas.microsoft.com/office/powerpoint/2010/main" val="2701350935"/>
+              </p:ext>
+            </p:extLst>
+          </p:nvPr>
+        </p:nvGraphicFramePr>
+        <p:xfrm>
+          <a:off x="5455782" y="2045350"/>
+          <a:ext cx="6024561" cy="3376992"/>
+        </p:xfrm>
+        <a:graphic>
+          <a:graphicData uri="http://schemas.openxmlformats.org/drawingml/2006/table">
+            <a:tbl>
+              <a:tblPr firstRow="1" bandRow="1">
+                <a:tableStyleId>{5C22544A-7EE6-4342-B048-85BDC9FD1C3A}</a:tableStyleId>
+              </a:tblPr>
+              <a:tblGrid>
+                <a:gridCol w="2008187">
+                  <a:extLst>
+                    <a:ext uri="{9D8B030D-6E8A-4147-A177-3AD203B41FA5}">
+                      <a16:colId xmlns:a16="http://schemas.microsoft.com/office/drawing/2014/main" val="1578515739"/>
+                    </a:ext>
+                  </a:extLst>
+                </a:gridCol>
+                <a:gridCol w="2008187">
+                  <a:extLst>
+                    <a:ext uri="{9D8B030D-6E8A-4147-A177-3AD203B41FA5}">
+                      <a16:colId xmlns:a16="http://schemas.microsoft.com/office/drawing/2014/main" val="986104016"/>
+                    </a:ext>
+                  </a:extLst>
+                </a:gridCol>
+                <a:gridCol w="2008187">
+                  <a:extLst>
+                    <a:ext uri="{9D8B030D-6E8A-4147-A177-3AD203B41FA5}">
+                      <a16:colId xmlns:a16="http://schemas.microsoft.com/office/drawing/2014/main" val="3331766350"/>
+                    </a:ext>
+                  </a:extLst>
+                </a:gridCol>
+              </a:tblGrid>
+              <a:tr h="422124">
+                <a:tc>
+                  <a:txBody>
+                    <a:bodyPr/>
+                    <a:lstStyle/>
+                    <a:p>
+                      <a:r>
+                        <a:rPr lang="zh-CN" altLang="en-US" dirty="0"/>
+                        <a:t>传感器名称</a:t>
+                      </a:r>
+                    </a:p>
+                  </a:txBody>
+                  <a:tcPr/>
+                </a:tc>
+                <a:tc>
+                  <a:txBody>
+                    <a:bodyPr/>
+                    <a:lstStyle/>
+                    <a:p>
+                      <a:r>
+                        <a:rPr lang="zh-CN" altLang="en-US" dirty="0"/>
+                        <a:t>型号</a:t>
+                      </a:r>
+                    </a:p>
+                  </a:txBody>
+                  <a:tcPr/>
+                </a:tc>
+                <a:tc>
+                  <a:txBody>
+                    <a:bodyPr/>
+                    <a:lstStyle/>
+                    <a:p>
+                      <a:r>
+                        <a:rPr lang="zh-CN" altLang="en-US" dirty="0"/>
+                        <a:t>参数</a:t>
+                      </a:r>
+                    </a:p>
+                  </a:txBody>
+                  <a:tcPr/>
+                </a:tc>
+                <a:extLst>
+                  <a:ext uri="{0D108BD9-81ED-4DB2-BD59-A6C34878D82A}">
+                    <a16:rowId xmlns:a16="http://schemas.microsoft.com/office/drawing/2014/main" val="2735985280"/>
+                  </a:ext>
+                </a:extLst>
+              </a:tr>
+              <a:tr h="422124">
+                <a:tc>
+                  <a:txBody>
+                    <a:bodyPr/>
+                    <a:lstStyle/>
+                    <a:p>
+                      <a:r>
+                        <a:rPr lang="zh-CN" altLang="en-US" dirty="0"/>
+                        <a:t>超声波探头</a:t>
+                      </a:r>
+                      <a:r>
+                        <a:rPr lang="en-US" altLang="zh-CN" dirty="0"/>
+                        <a:t>1</a:t>
+                      </a:r>
+                      <a:endParaRPr lang="zh-CN" altLang="en-US" dirty="0"/>
+                    </a:p>
+                  </a:txBody>
+                  <a:tcPr/>
+                </a:tc>
+                <a:tc>
+                  <a:txBody>
+                    <a:bodyPr/>
+                    <a:lstStyle/>
+                    <a:p>
+                      <a:endParaRPr lang="zh-CN" altLang="en-US"/>
+                    </a:p>
+                  </a:txBody>
+                  <a:tcPr/>
+                </a:tc>
+                <a:tc>
+                  <a:txBody>
+                    <a:bodyPr/>
+                    <a:lstStyle/>
+                    <a:p>
+                      <a:endParaRPr lang="zh-CN" altLang="en-US"/>
+                    </a:p>
+                  </a:txBody>
+                  <a:tcPr/>
+                </a:tc>
+                <a:extLst>
+                  <a:ext uri="{0D108BD9-81ED-4DB2-BD59-A6C34878D82A}">
+                    <a16:rowId xmlns:a16="http://schemas.microsoft.com/office/drawing/2014/main" val="119577629"/>
+                  </a:ext>
+                </a:extLst>
+              </a:tr>
+              <a:tr h="422124">
+                <a:tc>
+                  <a:txBody>
+                    <a:bodyPr/>
+                    <a:lstStyle/>
+                    <a:p>
+                      <a:pPr marL="0" marR="0" lvl="0" indent="0" algn="l" defTabSz="914400" rtl="0" eaLnBrk="1" fontAlgn="auto" latinLnBrk="0" hangingPunct="1">
+                        <a:lnSpc>
+                          <a:spcPct val="100000"/>
+                        </a:lnSpc>
+                        <a:spcBef>
+                          <a:spcPts val="0"/>
+                        </a:spcBef>
+                        <a:spcAft>
+                          <a:spcPts val="0"/>
+                        </a:spcAft>
+                        <a:buClrTx/>
+                        <a:buSzTx/>
+                        <a:buFontTx/>
+                        <a:buNone/>
+                        <a:tabLst/>
+                        <a:defRPr/>
+                      </a:pPr>
+                      <a:r>
+                        <a:rPr lang="zh-CN" altLang="en-US" dirty="0"/>
+                        <a:t>超声波探头</a:t>
+                      </a:r>
+                      <a:r>
+                        <a:rPr lang="en-US" altLang="zh-CN" dirty="0"/>
+                        <a:t>2</a:t>
+                      </a:r>
+                      <a:endParaRPr lang="zh-CN" altLang="en-US" dirty="0"/>
+                    </a:p>
+                  </a:txBody>
+                  <a:tcPr/>
+                </a:tc>
+                <a:tc>
+                  <a:txBody>
+                    <a:bodyPr/>
+                    <a:lstStyle/>
+                    <a:p>
+                      <a:endParaRPr lang="zh-CN" altLang="en-US"/>
+                    </a:p>
+                  </a:txBody>
+                  <a:tcPr/>
+                </a:tc>
+                <a:tc>
+                  <a:txBody>
+                    <a:bodyPr/>
+                    <a:lstStyle/>
+                    <a:p>
+                      <a:endParaRPr lang="zh-CN" altLang="en-US" dirty="0"/>
+                    </a:p>
+                  </a:txBody>
+                  <a:tcPr/>
+                </a:tc>
+                <a:extLst>
+                  <a:ext uri="{0D108BD9-81ED-4DB2-BD59-A6C34878D82A}">
+                    <a16:rowId xmlns:a16="http://schemas.microsoft.com/office/drawing/2014/main" val="2241767081"/>
+                  </a:ext>
+                </a:extLst>
+              </a:tr>
+              <a:tr h="422124">
+                <a:tc>
+                  <a:txBody>
+                    <a:bodyPr/>
+                    <a:lstStyle/>
+                    <a:p>
+                      <a:pPr marL="0" marR="0" lvl="0" indent="0" algn="l" defTabSz="914400" rtl="0" eaLnBrk="1" fontAlgn="auto" latinLnBrk="0" hangingPunct="1">
+                        <a:lnSpc>
+                          <a:spcPct val="100000"/>
+                        </a:lnSpc>
+                        <a:spcBef>
+                          <a:spcPts val="0"/>
+                        </a:spcBef>
+                        <a:spcAft>
+                          <a:spcPts val="0"/>
+                        </a:spcAft>
+                        <a:buClrTx/>
+                        <a:buSzTx/>
+                        <a:buFontTx/>
+                        <a:buNone/>
+                        <a:tabLst/>
+                        <a:defRPr/>
+                      </a:pPr>
+                      <a:r>
+                        <a:rPr lang="zh-CN" altLang="en-US" dirty="0"/>
+                        <a:t>超声波探头</a:t>
+                      </a:r>
+                      <a:r>
+                        <a:rPr lang="en-US" altLang="zh-CN" dirty="0"/>
+                        <a:t>3</a:t>
+                      </a:r>
+                      <a:endParaRPr lang="zh-CN" altLang="en-US" dirty="0"/>
+                    </a:p>
+                  </a:txBody>
+                  <a:tcPr/>
+                </a:tc>
+                <a:tc>
+                  <a:txBody>
+                    <a:bodyPr/>
+                    <a:lstStyle/>
+                    <a:p>
+                      <a:endParaRPr lang="zh-CN" altLang="en-US"/>
+                    </a:p>
+                  </a:txBody>
+                  <a:tcPr/>
+                </a:tc>
+                <a:tc>
+                  <a:txBody>
+                    <a:bodyPr/>
+                    <a:lstStyle/>
+                    <a:p>
+                      <a:endParaRPr lang="zh-CN" altLang="en-US"/>
+                    </a:p>
+                  </a:txBody>
+                  <a:tcPr/>
+                </a:tc>
+                <a:extLst>
+                  <a:ext uri="{0D108BD9-81ED-4DB2-BD59-A6C34878D82A}">
+                    <a16:rowId xmlns:a16="http://schemas.microsoft.com/office/drawing/2014/main" val="1142917262"/>
+                  </a:ext>
+                </a:extLst>
+              </a:tr>
+              <a:tr h="422124">
+                <a:tc>
+                  <a:txBody>
+                    <a:bodyPr/>
+                    <a:lstStyle/>
+                    <a:p>
+                      <a:pPr marL="0" marR="0" lvl="0" indent="0" algn="l" defTabSz="914400" rtl="0" eaLnBrk="1" fontAlgn="auto" latinLnBrk="0" hangingPunct="1">
+                        <a:lnSpc>
+                          <a:spcPct val="100000"/>
+                        </a:lnSpc>
+                        <a:spcBef>
+                          <a:spcPts val="0"/>
+                        </a:spcBef>
+                        <a:spcAft>
+                          <a:spcPts val="0"/>
+                        </a:spcAft>
+                        <a:buClrTx/>
+                        <a:buSzTx/>
+                        <a:buFontTx/>
+                        <a:buNone/>
+                        <a:tabLst/>
+                        <a:defRPr/>
+                      </a:pPr>
+                      <a:r>
+                        <a:rPr lang="zh-CN" altLang="en-US" dirty="0"/>
+                        <a:t>超声波探头</a:t>
+                      </a:r>
+                      <a:r>
+                        <a:rPr lang="en-US" altLang="zh-CN" dirty="0"/>
+                        <a:t>4</a:t>
+                      </a:r>
+                      <a:endParaRPr lang="zh-CN" altLang="en-US" dirty="0"/>
+                    </a:p>
+                  </a:txBody>
+                  <a:tcPr/>
+                </a:tc>
+                <a:tc>
+                  <a:txBody>
+                    <a:bodyPr/>
+                    <a:lstStyle/>
+                    <a:p>
+                      <a:endParaRPr lang="zh-CN" altLang="en-US"/>
+                    </a:p>
+                  </a:txBody>
+                  <a:tcPr/>
+                </a:tc>
+                <a:tc>
+                  <a:txBody>
+                    <a:bodyPr/>
+                    <a:lstStyle/>
+                    <a:p>
+                      <a:endParaRPr lang="zh-CN" altLang="en-US" dirty="0"/>
+                    </a:p>
+                  </a:txBody>
+                  <a:tcPr/>
+                </a:tc>
+                <a:extLst>
+                  <a:ext uri="{0D108BD9-81ED-4DB2-BD59-A6C34878D82A}">
+                    <a16:rowId xmlns:a16="http://schemas.microsoft.com/office/drawing/2014/main" val="3984963339"/>
+                  </a:ext>
+                </a:extLst>
+              </a:tr>
+              <a:tr h="422124">
+                <a:tc>
+                  <a:txBody>
+                    <a:bodyPr/>
+                    <a:lstStyle/>
+                    <a:p>
+                      <a:pPr marL="0" marR="0" lvl="0" indent="0" algn="l" defTabSz="914400" rtl="0" eaLnBrk="1" fontAlgn="auto" latinLnBrk="0" hangingPunct="1">
+                        <a:lnSpc>
+                          <a:spcPct val="100000"/>
+                        </a:lnSpc>
+                        <a:spcBef>
+                          <a:spcPts val="0"/>
+                        </a:spcBef>
+                        <a:spcAft>
+                          <a:spcPts val="0"/>
+                        </a:spcAft>
+                        <a:buClrTx/>
+                        <a:buSzTx/>
+                        <a:buFontTx/>
+                        <a:buNone/>
+                        <a:tabLst/>
+                        <a:defRPr/>
+                      </a:pPr>
+                      <a:r>
+                        <a:rPr lang="zh-CN" altLang="en-US" dirty="0"/>
+                        <a:t>温度传感器</a:t>
+                      </a:r>
+                    </a:p>
+                  </a:txBody>
+                  <a:tcPr/>
+                </a:tc>
+                <a:tc>
+                  <a:txBody>
+                    <a:bodyPr/>
+                    <a:lstStyle/>
+                    <a:p>
+                      <a:endParaRPr lang="zh-CN" altLang="en-US"/>
+                    </a:p>
+                  </a:txBody>
+                  <a:tcPr/>
+                </a:tc>
+                <a:tc>
+                  <a:txBody>
+                    <a:bodyPr/>
+                    <a:lstStyle/>
+                    <a:p>
+                      <a:endParaRPr lang="zh-CN" altLang="en-US"/>
+                    </a:p>
+                  </a:txBody>
+                  <a:tcPr/>
+                </a:tc>
+                <a:extLst>
+                  <a:ext uri="{0D108BD9-81ED-4DB2-BD59-A6C34878D82A}">
+                    <a16:rowId xmlns:a16="http://schemas.microsoft.com/office/drawing/2014/main" val="2758240923"/>
+                  </a:ext>
+                </a:extLst>
+              </a:tr>
+              <a:tr h="422124">
+                <a:tc>
+                  <a:txBody>
+                    <a:bodyPr/>
+                    <a:lstStyle/>
+                    <a:p>
+                      <a:r>
+                        <a:rPr lang="zh-CN" altLang="en-US" dirty="0"/>
+                        <a:t>压力传感器</a:t>
+                      </a:r>
+                      <a:r>
+                        <a:rPr lang="en-US" altLang="zh-CN" dirty="0"/>
+                        <a:t>1</a:t>
+                      </a:r>
+                      <a:endParaRPr lang="zh-CN" altLang="en-US" dirty="0"/>
+                    </a:p>
+                  </a:txBody>
+                  <a:tcPr/>
+                </a:tc>
+                <a:tc>
+                  <a:txBody>
+                    <a:bodyPr/>
+                    <a:lstStyle/>
+                    <a:p>
+                      <a:endParaRPr lang="zh-CN" altLang="en-US"/>
+                    </a:p>
+                  </a:txBody>
+                  <a:tcPr/>
+                </a:tc>
+                <a:tc>
+                  <a:txBody>
+                    <a:bodyPr/>
+                    <a:lstStyle/>
+                    <a:p>
+                      <a:endParaRPr lang="zh-CN" altLang="en-US"/>
+                    </a:p>
+                  </a:txBody>
+                  <a:tcPr/>
+                </a:tc>
+                <a:extLst>
+                  <a:ext uri="{0D108BD9-81ED-4DB2-BD59-A6C34878D82A}">
+                    <a16:rowId xmlns:a16="http://schemas.microsoft.com/office/drawing/2014/main" val="771717282"/>
+                  </a:ext>
+                </a:extLst>
+              </a:tr>
+              <a:tr h="422124">
+                <a:tc>
+                  <a:txBody>
+                    <a:bodyPr/>
+                    <a:lstStyle/>
+                    <a:p>
+                      <a:r>
+                        <a:rPr lang="zh-CN" altLang="en-US" dirty="0"/>
+                        <a:t>压力传感器</a:t>
+                      </a:r>
+                      <a:r>
+                        <a:rPr lang="en-US" altLang="zh-CN" dirty="0"/>
+                        <a:t>2</a:t>
+                      </a:r>
+                      <a:endParaRPr lang="zh-CN" altLang="en-US" dirty="0"/>
+                    </a:p>
+                  </a:txBody>
+                  <a:tcPr/>
+                </a:tc>
+                <a:tc>
+                  <a:txBody>
+                    <a:bodyPr/>
+                    <a:lstStyle/>
+                    <a:p>
+                      <a:endParaRPr lang="zh-CN" altLang="en-US"/>
+                    </a:p>
+                  </a:txBody>
+                  <a:tcPr/>
+                </a:tc>
+                <a:tc>
+                  <a:txBody>
+                    <a:bodyPr/>
+                    <a:lstStyle/>
+                    <a:p>
+                      <a:endParaRPr lang="zh-CN" altLang="en-US" dirty="0"/>
+                    </a:p>
+                  </a:txBody>
+                  <a:tcPr/>
+                </a:tc>
+                <a:extLst>
+                  <a:ext uri="{0D108BD9-81ED-4DB2-BD59-A6C34878D82A}">
+                    <a16:rowId xmlns:a16="http://schemas.microsoft.com/office/drawing/2014/main" val="2061946412"/>
+                  </a:ext>
+                </a:extLst>
+              </a:tr>
+            </a:tbl>
+          </a:graphicData>
+        </a:graphic>
+      </p:graphicFrame>
     </p:spTree>
     <p:extLst>
       <p:ext uri="{BB962C8B-B14F-4D97-AF65-F5344CB8AC3E}">
@@ -4586,8 +5441,8 @@
           </a:p>
         </p:txBody>
       </p:sp>
-      <mc:AlternateContent xmlns:mc="http://schemas.openxmlformats.org/markup-compatibility/2006" xmlns:a14="http://schemas.microsoft.com/office/drawing/2010/main">
-        <mc:Choice Requires="a14">
+      <mc:AlternateContent xmlns:mc="http://schemas.openxmlformats.org/markup-compatibility/2006">
+        <mc:Choice xmlns:a14="http://schemas.microsoft.com/office/drawing/2010/main" Requires="a14">
           <p:graphicFrame>
             <p:nvGraphicFramePr>
               <p:cNvPr id="3" name="表格 5">
@@ -4603,14 +5458,14 @@
               <p:nvPr>
                 <p:extLst>
                   <p:ext uri="{D42A27DB-BD31-4B8C-83A1-F6EECF244321}">
-                    <p14:modId xmlns:p14="http://schemas.microsoft.com/office/powerpoint/2010/main" val="2711215585"/>
+                    <p14:modId xmlns:p14="http://schemas.microsoft.com/office/powerpoint/2010/main" val="543443700"/>
                   </p:ext>
                 </p:extLst>
               </p:nvPr>
             </p:nvGraphicFramePr>
             <p:xfrm>
-              <a:off x="1405246" y="2286801"/>
-              <a:ext cx="8368144" cy="2284398"/>
+              <a:off x="760020" y="2307547"/>
+              <a:ext cx="5772785" cy="2284398"/>
             </p:xfrm>
             <a:graphic>
               <a:graphicData uri="http://schemas.openxmlformats.org/drawingml/2006/table">
@@ -4630,13 +5485,6 @@
                       <a:extLst>
                         <a:ext uri="{9D8B030D-6E8A-4147-A177-3AD203B41FA5}">
                           <a16:colId xmlns:a16="http://schemas.microsoft.com/office/drawing/2014/main" val="3235108931"/>
-                        </a:ext>
-                      </a:extLst>
-                    </a:gridCol>
-                    <a:gridCol w="2595359">
-                      <a:extLst>
-                        <a:ext uri="{9D8B030D-6E8A-4147-A177-3AD203B41FA5}">
-                          <a16:colId xmlns:a16="http://schemas.microsoft.com/office/drawing/2014/main" val="2558002059"/>
                         </a:ext>
                       </a:extLst>
                     </a:gridCol>
@@ -4671,19 +5519,6 @@
                           <a:r>
                             <a:rPr lang="zh-CN" altLang="en-US" dirty="0"/>
                             <a:t>通过）</a:t>
-                          </a:r>
-                        </a:p>
-                      </a:txBody>
-                      <a:tcPr/>
-                    </a:tc>
-                    <a:tc>
-                      <a:txBody>
-                        <a:bodyPr/>
-                        <a:lstStyle/>
-                        <a:p>
-                          <a:r>
-                            <a:rPr lang="zh-CN" altLang="en-US" dirty="0"/>
-                            <a:t>密度范围</a:t>
                           </a:r>
                         </a:p>
                       </a:txBody>
@@ -4756,16 +5591,6 @@
                             </m:oMathPara>
                           </a14:m>
                           <a:endParaRPr lang="en-US" altLang="zh-CN" dirty="0"/>
-                        </a:p>
-                      </a:txBody>
-                      <a:tcPr/>
-                    </a:tc>
-                    <a:tc>
-                      <a:txBody>
-                        <a:bodyPr/>
-                        <a:lstStyle/>
-                        <a:p>
-                          <a:endParaRPr lang="zh-CN" altLang="en-US" dirty="0"/>
                         </a:p>
                       </a:txBody>
                       <a:tcPr/>
@@ -4844,16 +5669,6 @@
                       </a:txBody>
                       <a:tcPr/>
                     </a:tc>
-                    <a:tc>
-                      <a:txBody>
-                        <a:bodyPr/>
-                        <a:lstStyle/>
-                        <a:p>
-                          <a:endParaRPr lang="zh-CN" altLang="en-US" dirty="0"/>
-                        </a:p>
-                      </a:txBody>
-                      <a:tcPr/>
-                    </a:tc>
                     <a:extLst>
                       <a:ext uri="{0D108BD9-81ED-4DB2-BD59-A6C34878D82A}">
                         <a16:rowId xmlns:a16="http://schemas.microsoft.com/office/drawing/2014/main" val="1967174275"/>
@@ -4928,16 +5743,6 @@
                       </a:txBody>
                       <a:tcPr/>
                     </a:tc>
-                    <a:tc>
-                      <a:txBody>
-                        <a:bodyPr/>
-                        <a:lstStyle/>
-                        <a:p>
-                          <a:endParaRPr lang="zh-CN" altLang="en-US" dirty="0"/>
-                        </a:p>
-                      </a:txBody>
-                      <a:tcPr/>
-                    </a:tc>
                     <a:extLst>
                       <a:ext uri="{0D108BD9-81ED-4DB2-BD59-A6C34878D82A}">
                         <a16:rowId xmlns:a16="http://schemas.microsoft.com/office/drawing/2014/main" val="2977517107"/>
@@ -5003,16 +5808,6 @@
                             </m:oMathPara>
                           </a14:m>
                           <a:endParaRPr lang="en-US" altLang="zh-CN" dirty="0"/>
-                        </a:p>
-                      </a:txBody>
-                      <a:tcPr/>
-                    </a:tc>
-                    <a:tc>
-                      <a:txBody>
-                        <a:bodyPr/>
-                        <a:lstStyle/>
-                        <a:p>
-                          <a:endParaRPr lang="zh-CN" altLang="en-US" dirty="0"/>
                         </a:p>
                       </a:txBody>
                       <a:tcPr/>
@@ -5086,16 +5881,6 @@
                       </a:txBody>
                       <a:tcPr/>
                     </a:tc>
-                    <a:tc>
-                      <a:txBody>
-                        <a:bodyPr/>
-                        <a:lstStyle/>
-                        <a:p>
-                          <a:endParaRPr lang="zh-CN" altLang="en-US" dirty="0"/>
-                        </a:p>
-                      </a:txBody>
-                      <a:tcPr/>
-                    </a:tc>
                     <a:extLst>
                       <a:ext uri="{0D108BD9-81ED-4DB2-BD59-A6C34878D82A}">
                         <a16:rowId xmlns:a16="http://schemas.microsoft.com/office/drawing/2014/main" val="617969171"/>
@@ -5107,7 +5892,7 @@
             </a:graphic>
           </p:graphicFrame>
         </mc:Choice>
-        <mc:Fallback xmlns="">
+        <mc:Fallback>
           <p:graphicFrame>
             <p:nvGraphicFramePr>
               <p:cNvPr id="3" name="表格 5">
@@ -5123,14 +5908,14 @@
               <p:nvPr>
                 <p:extLst>
                   <p:ext uri="{D42A27DB-BD31-4B8C-83A1-F6EECF244321}">
-                    <p14:modId xmlns:p14="http://schemas.microsoft.com/office/powerpoint/2010/main" val="2711215585"/>
+                    <p14:modId xmlns:p14="http://schemas.microsoft.com/office/powerpoint/2010/main" val="543443700"/>
                   </p:ext>
                 </p:extLst>
               </p:nvPr>
             </p:nvGraphicFramePr>
             <p:xfrm>
-              <a:off x="1405246" y="2286801"/>
-              <a:ext cx="8368144" cy="2284398"/>
+              <a:off x="760020" y="2307547"/>
+              <a:ext cx="5772785" cy="2284398"/>
             </p:xfrm>
             <a:graphic>
               <a:graphicData uri="http://schemas.openxmlformats.org/drawingml/2006/table">
@@ -5150,13 +5935,6 @@
                       <a:extLst>
                         <a:ext uri="{9D8B030D-6E8A-4147-A177-3AD203B41FA5}">
                           <a16:colId xmlns:a16="http://schemas.microsoft.com/office/drawing/2014/main" val="3235108931"/>
-                        </a:ext>
-                      </a:extLst>
-                    </a:gridCol>
-                    <a:gridCol w="2595359">
-                      <a:extLst>
-                        <a:ext uri="{9D8B030D-6E8A-4147-A177-3AD203B41FA5}">
-                          <a16:colId xmlns:a16="http://schemas.microsoft.com/office/drawing/2014/main" val="2558002059"/>
                         </a:ext>
                       </a:extLst>
                     </a:gridCol>
@@ -5191,19 +5969,6 @@
                           <a:r>
                             <a:rPr lang="zh-CN" altLang="en-US" dirty="0"/>
                             <a:t>通过）</a:t>
-                          </a:r>
-                        </a:p>
-                      </a:txBody>
-                      <a:tcPr/>
-                    </a:tc>
-                    <a:tc>
-                      <a:txBody>
-                        <a:bodyPr/>
-                        <a:lstStyle/>
-                        <a:p>
-                          <a:r>
-                            <a:rPr lang="zh-CN" altLang="en-US" dirty="0"/>
-                            <a:t>密度范围</a:t>
                           </a:r>
                         </a:p>
                       </a:txBody>
@@ -5254,20 +6019,10 @@
                         <a:blipFill>
                           <a:blip r:embed="rId2"/>
                           <a:stretch>
-                            <a:fillRect l="-81801" t="-114516" r="-82375" b="-419355"/>
+                            <a:fillRect l="-81801" t="-114516" r="-766" b="-420968"/>
                           </a:stretch>
                         </a:blipFill>
                       </a:tcPr>
-                    </a:tc>
-                    <a:tc>
-                      <a:txBody>
-                        <a:bodyPr/>
-                        <a:lstStyle/>
-                        <a:p>
-                          <a:endParaRPr lang="zh-CN" altLang="en-US" dirty="0"/>
-                        </a:p>
-                      </a:txBody>
-                      <a:tcPr/>
                     </a:tc>
                     <a:extLst>
                       <a:ext uri="{0D108BD9-81ED-4DB2-BD59-A6C34878D82A}">
@@ -5306,20 +6061,10 @@
                         <a:blipFill>
                           <a:blip r:embed="rId2"/>
                           <a:stretch>
-                            <a:fillRect l="-81801" t="-211111" r="-82375" b="-312698"/>
+                            <a:fillRect l="-81801" t="-211111" r="-766" b="-314286"/>
                           </a:stretch>
                         </a:blipFill>
                       </a:tcPr>
-                    </a:tc>
-                    <a:tc>
-                      <a:txBody>
-                        <a:bodyPr/>
-                        <a:lstStyle/>
-                        <a:p>
-                          <a:endParaRPr lang="zh-CN" altLang="en-US" dirty="0"/>
-                        </a:p>
-                      </a:txBody>
-                      <a:tcPr/>
                     </a:tc>
                     <a:extLst>
                       <a:ext uri="{0D108BD9-81ED-4DB2-BD59-A6C34878D82A}">
@@ -5358,20 +6103,10 @@
                         <a:blipFill>
                           <a:blip r:embed="rId2"/>
                           <a:stretch>
-                            <a:fillRect l="-81801" t="-316129" r="-82375" b="-217742"/>
+                            <a:fillRect l="-81801" t="-311111" r="-766" b="-214286"/>
                           </a:stretch>
                         </a:blipFill>
                       </a:tcPr>
-                    </a:tc>
-                    <a:tc>
-                      <a:txBody>
-                        <a:bodyPr/>
-                        <a:lstStyle/>
-                        <a:p>
-                          <a:endParaRPr lang="zh-CN" altLang="en-US" dirty="0"/>
-                        </a:p>
-                      </a:txBody>
-                      <a:tcPr/>
                     </a:tc>
                     <a:extLst>
                       <a:ext uri="{0D108BD9-81ED-4DB2-BD59-A6C34878D82A}">
@@ -5405,20 +6140,10 @@
                         <a:blipFill>
                           <a:blip r:embed="rId2"/>
                           <a:stretch>
-                            <a:fillRect l="-81801" t="-409524" r="-82375" b="-114286"/>
+                            <a:fillRect l="-81801" t="-417742" r="-766" b="-117742"/>
                           </a:stretch>
                         </a:blipFill>
                       </a:tcPr>
-                    </a:tc>
-                    <a:tc>
-                      <a:txBody>
-                        <a:bodyPr/>
-                        <a:lstStyle/>
-                        <a:p>
-                          <a:endParaRPr lang="zh-CN" altLang="en-US" dirty="0"/>
-                        </a:p>
-                      </a:txBody>
-                      <a:tcPr/>
                     </a:tc>
                     <a:extLst>
                       <a:ext uri="{0D108BD9-81ED-4DB2-BD59-A6C34878D82A}">
@@ -5452,20 +6177,10 @@
                         <a:blipFill>
                           <a:blip r:embed="rId2"/>
                           <a:stretch>
-                            <a:fillRect l="-81801" t="-517742" r="-82375" b="-16129"/>
+                            <a:fillRect l="-81801" t="-509524" r="-766" b="-15873"/>
                           </a:stretch>
                         </a:blipFill>
                       </a:tcPr>
-                    </a:tc>
-                    <a:tc>
-                      <a:txBody>
-                        <a:bodyPr/>
-                        <a:lstStyle/>
-                        <a:p>
-                          <a:endParaRPr lang="zh-CN" altLang="en-US" dirty="0"/>
-                        </a:p>
-                      </a:txBody>
-                      <a:tcPr/>
                     </a:tc>
                     <a:extLst>
                       <a:ext uri="{0D108BD9-81ED-4DB2-BD59-A6C34878D82A}">
@@ -5593,8 +6308,8 @@
           </a:p>
         </p:txBody>
       </p:sp>
-      <mc:AlternateContent xmlns:mc="http://schemas.openxmlformats.org/markup-compatibility/2006" xmlns:a14="http://schemas.microsoft.com/office/drawing/2010/main">
-        <mc:Choice Requires="a14">
+      <mc:AlternateContent xmlns:mc="http://schemas.openxmlformats.org/markup-compatibility/2006">
+        <mc:Choice xmlns:a14="http://schemas.microsoft.com/office/drawing/2010/main" Requires="a14">
           <p:sp>
             <p:nvSpPr>
               <p:cNvPr id="9" name="文本框 8">
@@ -5609,8 +6324,8 @@
             </p:nvSpPr>
             <p:spPr>
               <a:xfrm>
-                <a:off x="799093" y="4722193"/>
-                <a:ext cx="9944873" cy="1223989"/>
+                <a:off x="7342397" y="2489632"/>
+                <a:ext cx="3757073" cy="2031325"/>
               </a:xfrm>
               <a:prstGeom prst="rect">
                 <a:avLst/>
@@ -5624,8 +6339,41 @@
               <a:lstStyle/>
               <a:p>
                 <a:r>
+                  <a:rPr lang="zh-CN" altLang="en-US" b="1" dirty="0"/>
+                  <a:t>例：混凝土浆料：</a:t>
+                </a:r>
+                <a:endParaRPr lang="en-US" altLang="zh-CN" b="1" dirty="0"/>
+              </a:p>
+              <a:p>
+                <a:endParaRPr lang="en-US" altLang="zh-CN" dirty="0"/>
+              </a:p>
+              <a:p>
+                <a:r>
                   <a:rPr lang="zh-CN" altLang="en-US" dirty="0"/>
                   <a:t>连续相：水</a:t>
+                </a:r>
+                <a:endParaRPr lang="en-US" altLang="zh-CN" dirty="0"/>
+              </a:p>
+              <a:p>
+                <a:r>
+                  <a:rPr lang="zh-CN" altLang="en-US" dirty="0"/>
+                  <a:t>固相：砂</a:t>
+                </a:r>
+                <a:r>
+                  <a:rPr lang="en-US" altLang="zh-CN" dirty="0"/>
+                  <a:t>(</a:t>
+                </a:r>
+                <a:r>
+                  <a:rPr lang="zh-CN" altLang="en-US" dirty="0"/>
+                  <a:t>石粉</a:t>
+                </a:r>
+                <a:r>
+                  <a:rPr lang="en-US" altLang="zh-CN" dirty="0"/>
+                  <a:t>)</a:t>
+                </a:r>
+                <a:r>
+                  <a:rPr lang="zh-CN" altLang="en-US" dirty="0"/>
+                  <a:t>、水泥、黏土</a:t>
                 </a:r>
                 <a:endParaRPr lang="en-US" altLang="zh-CN" dirty="0"/>
               </a:p>
@@ -5822,7 +6570,7 @@
             </p:txBody>
           </p:sp>
         </mc:Choice>
-        <mc:Fallback xmlns="">
+        <mc:Fallback>
           <p:sp>
             <p:nvSpPr>
               <p:cNvPr id="9" name="文本框 8">
@@ -5839,8 +6587,8 @@
             </p:nvSpPr>
             <p:spPr>
               <a:xfrm>
-                <a:off x="799093" y="4722193"/>
-                <a:ext cx="9944873" cy="1223989"/>
+                <a:off x="7342397" y="2489632"/>
+                <a:ext cx="3757073" cy="2031325"/>
               </a:xfrm>
               <a:prstGeom prst="rect">
                 <a:avLst/>
@@ -5848,7 +6596,7 @@
               <a:blipFill>
                 <a:blip r:embed="rId3"/>
                 <a:stretch>
-                  <a:fillRect l="-490" t="-4500" b="-6000"/>
+                  <a:fillRect l="-1297" t="-2395" b="-3892"/>
                 </a:stretch>
               </a:blipFill>
             </p:spPr>
@@ -5947,7 +6695,7 @@
         </p:blipFill>
         <p:spPr>
           <a:xfrm>
-            <a:off x="815562" y="3125488"/>
+            <a:off x="2652279" y="3145281"/>
             <a:ext cx="6464012" cy="2728065"/>
           </a:xfrm>
           <a:prstGeom prst="rect">
@@ -7260,136 +8008,248 @@
           </p:sp>
         </mc:Fallback>
       </mc:AlternateContent>
-      <p:sp>
-        <p:nvSpPr>
-          <p:cNvPr id="6" name="文本框 5">
-            <a:extLst>
-              <a:ext uri="{FF2B5EF4-FFF2-40B4-BE49-F238E27FC236}">
-                <a16:creationId xmlns:a16="http://schemas.microsoft.com/office/drawing/2014/main" id="{10D0BB07-F56E-49C9-9151-04B99F6EE427}"/>
-              </a:ext>
-            </a:extLst>
-          </p:cNvPr>
-          <p:cNvSpPr txBox="1"/>
-          <p:nvPr/>
-        </p:nvSpPr>
-        <p:spPr>
-          <a:xfrm>
-            <a:off x="744187" y="3160172"/>
-            <a:ext cx="10474036" cy="646331"/>
-          </a:xfrm>
-          <a:prstGeom prst="rect">
-            <a:avLst/>
-          </a:prstGeom>
-          <a:noFill/>
-        </p:spPr>
-        <p:txBody>
-          <a:bodyPr wrap="square" rtlCol="0">
-            <a:spAutoFit/>
-          </a:bodyPr>
-          <a:lstStyle/>
-          <a:p>
-            <a:r>
-              <a:rPr lang="zh-CN" altLang="en-US" dirty="0"/>
-              <a:t>高月华</a:t>
-            </a:r>
-            <a:r>
-              <a:rPr lang="en-US" altLang="zh-CN" dirty="0"/>
-              <a:t>[2] </a:t>
-            </a:r>
-            <a:r>
-              <a:rPr lang="zh-CN" altLang="en-US" dirty="0"/>
-              <a:t>研究了超声波在发酵液中的传播速度与酵母浓度、温度的关系。</a:t>
-            </a:r>
-            <a:r>
-              <a:rPr lang="en-US" altLang="zh-CN" dirty="0"/>
-              <a:t> </a:t>
-            </a:r>
-          </a:p>
-          <a:p>
-            <a:r>
-              <a:rPr lang="en-US" altLang="zh-CN" dirty="0"/>
-              <a:t>	</a:t>
-            </a:r>
-            <a:r>
-              <a:rPr lang="zh-CN" altLang="en-US" sz="1400" dirty="0">
-                <a:solidFill>
-                  <a:schemeClr val="accent1">
-                    <a:lumMod val="75000"/>
-                  </a:schemeClr>
-                </a:solidFill>
-              </a:rPr>
-              <a:t>结论</a:t>
-            </a:r>
-            <a:r>
-              <a:rPr lang="en-US" altLang="zh-CN" sz="1400" dirty="0">
-                <a:solidFill>
-                  <a:schemeClr val="accent1">
-                    <a:lumMod val="75000"/>
-                  </a:schemeClr>
-                </a:solidFill>
-              </a:rPr>
-              <a:t>:  </a:t>
-            </a:r>
-            <a:r>
-              <a:rPr lang="zh-CN" altLang="en-US" sz="1400" dirty="0">
-                <a:solidFill>
-                  <a:schemeClr val="accent1">
-                    <a:lumMod val="75000"/>
-                  </a:schemeClr>
-                </a:solidFill>
-              </a:rPr>
-              <a:t>中心频率</a:t>
-            </a:r>
-            <a:r>
-              <a:rPr lang="en-US" altLang="zh-CN" sz="1400" dirty="0">
-                <a:solidFill>
-                  <a:schemeClr val="accent1">
-                    <a:lumMod val="75000"/>
-                  </a:schemeClr>
-                </a:solidFill>
-              </a:rPr>
-              <a:t>5.6MHz</a:t>
-            </a:r>
-            <a:r>
-              <a:rPr lang="zh-CN" altLang="en-US" sz="1400" dirty="0">
-                <a:solidFill>
-                  <a:schemeClr val="accent1">
-                    <a:lumMod val="75000"/>
-                  </a:schemeClr>
-                </a:solidFill>
-              </a:rPr>
-              <a:t>的超声波，对于酵母浓度敏感，通过补偿算法可实现</a:t>
-            </a:r>
-            <a:r>
-              <a:rPr lang="en-US" altLang="zh-CN" sz="1400" dirty="0">
-                <a:solidFill>
-                  <a:schemeClr val="accent1">
-                    <a:lumMod val="75000"/>
-                  </a:schemeClr>
-                </a:solidFill>
-              </a:rPr>
-              <a:t>0.2%</a:t>
-            </a:r>
-            <a:r>
-              <a:rPr lang="zh-CN" altLang="en-US" sz="1400" dirty="0">
-                <a:solidFill>
-                  <a:schemeClr val="accent1">
-                    <a:lumMod val="75000"/>
-                  </a:schemeClr>
-                </a:solidFill>
-              </a:rPr>
-              <a:t>测量精度，但易受气泡影响。</a:t>
-            </a:r>
-            <a:endParaRPr lang="en-US" altLang="zh-CN" dirty="0">
-              <a:solidFill>
-                <a:schemeClr val="accent1">
-                  <a:lumMod val="75000"/>
-                </a:schemeClr>
-              </a:solidFill>
-            </a:endParaRPr>
-          </a:p>
-        </p:txBody>
-      </p:sp>
+      <mc:AlternateContent xmlns:mc="http://schemas.openxmlformats.org/markup-compatibility/2006">
+        <mc:Choice xmlns:a14="http://schemas.microsoft.com/office/drawing/2010/main" Requires="a14">
+          <p:sp>
+            <p:nvSpPr>
+              <p:cNvPr id="6" name="文本框 5">
+                <a:extLst>
+                  <a:ext uri="{FF2B5EF4-FFF2-40B4-BE49-F238E27FC236}">
+                    <a16:creationId xmlns:a16="http://schemas.microsoft.com/office/drawing/2014/main" id="{10D0BB07-F56E-49C9-9151-04B99F6EE427}"/>
+                  </a:ext>
+                </a:extLst>
+              </p:cNvPr>
+              <p:cNvSpPr txBox="1"/>
+              <p:nvPr/>
+            </p:nvSpPr>
+            <p:spPr>
+              <a:xfrm>
+                <a:off x="744187" y="3160172"/>
+                <a:ext cx="10474036" cy="646331"/>
+              </a:xfrm>
+              <a:prstGeom prst="rect">
+                <a:avLst/>
+              </a:prstGeom>
+              <a:noFill/>
+            </p:spPr>
+            <p:txBody>
+              <a:bodyPr wrap="square" rtlCol="0">
+                <a:spAutoFit/>
+              </a:bodyPr>
+              <a:lstStyle/>
+              <a:p>
+                <a:r>
+                  <a:rPr lang="en-US" altLang="zh-CN" dirty="0"/>
+                  <a:t>Ahawley[2] </a:t>
+                </a:r>
+                <a:r>
+                  <a:rPr lang="zh-CN" altLang="en-US" dirty="0"/>
+                  <a:t>从散射角度提出了</a:t>
+                </a:r>
+                <a:r>
+                  <a:rPr lang="en-US" altLang="zh-CN" dirty="0"/>
+                  <a:t>ECAH</a:t>
+                </a:r>
+                <a:r>
+                  <a:rPr lang="zh-CN" altLang="en-US" dirty="0"/>
+                  <a:t>声衰减模型，可应用于超细颗粒悬浊液中声衰减和声速的计算。</a:t>
+                </a:r>
+                <a:r>
+                  <a:rPr lang="en-US" altLang="zh-CN" dirty="0"/>
+                  <a:t> </a:t>
+                </a:r>
+              </a:p>
+              <a:p>
+                <a:r>
+                  <a:rPr lang="en-US" altLang="zh-CN" dirty="0"/>
+                  <a:t>	</a:t>
+                </a:r>
+                <a:r>
+                  <a:rPr lang="zh-CN" altLang="en-US" sz="1400" dirty="0">
+                    <a:solidFill>
+                      <a:schemeClr val="accent1">
+                        <a:lumMod val="75000"/>
+                      </a:schemeClr>
+                    </a:solidFill>
+                  </a:rPr>
+                  <a:t>结论</a:t>
+                </a:r>
+                <a:r>
+                  <a:rPr lang="en-US" altLang="zh-CN" sz="1400" dirty="0">
+                    <a:solidFill>
+                      <a:schemeClr val="accent1">
+                        <a:lumMod val="75000"/>
+                      </a:schemeClr>
+                    </a:solidFill>
+                  </a:rPr>
+                  <a:t>:</a:t>
+                </a:r>
+                <a:r>
+                  <a:rPr lang="zh-CN" altLang="en-US" sz="1400" dirty="0">
+                    <a:solidFill>
+                      <a:schemeClr val="accent1">
+                        <a:lumMod val="75000"/>
+                      </a:schemeClr>
+                    </a:solidFill>
+                  </a:rPr>
+                  <a:t> 声衰减主要有</a:t>
+                </a:r>
+                <a:r>
+                  <a:rPr lang="en-US" altLang="zh-CN" sz="1400" dirty="0">
+                    <a:solidFill>
+                      <a:schemeClr val="accent1">
+                        <a:lumMod val="75000"/>
+                      </a:schemeClr>
+                    </a:solidFill>
+                  </a:rPr>
+                  <a:t>3</a:t>
+                </a:r>
+                <a:r>
+                  <a:rPr lang="zh-CN" altLang="en-US" sz="1400" dirty="0">
+                    <a:solidFill>
+                      <a:schemeClr val="accent1">
+                        <a:lumMod val="75000"/>
+                      </a:schemeClr>
+                    </a:solidFill>
+                  </a:rPr>
+                  <a:t>种机制：粘性、热传导和散射。当颗粒粒径较大</a:t>
+                </a:r>
+                <a:r>
+                  <a:rPr lang="en-US" altLang="zh-CN" sz="1400" dirty="0">
+                    <a:solidFill>
+                      <a:schemeClr val="accent1">
+                        <a:lumMod val="75000"/>
+                      </a:schemeClr>
+                    </a:solidFill>
+                  </a:rPr>
+                  <a:t>(</a:t>
+                </a:r>
+                <a:r>
+                  <a:rPr lang="zh-CN" altLang="en-US" sz="1400" dirty="0">
+                    <a:solidFill>
+                      <a:schemeClr val="accent1">
+                        <a:lumMod val="75000"/>
+                      </a:schemeClr>
+                    </a:solidFill>
+                  </a:rPr>
+                  <a:t>半径大于</a:t>
+                </a:r>
+                <a14:m>
+                  <m:oMath xmlns:m="http://schemas.openxmlformats.org/officeDocument/2006/math">
+                    <m:r>
+                      <a:rPr lang="en-US" altLang="zh-CN" sz="1400" b="0" i="1" dirty="0" smtClean="0">
+                        <a:solidFill>
+                          <a:schemeClr val="accent1"/>
+                        </a:solidFill>
+                        <a:latin typeface="Cambria Math" panose="02040503050406030204" pitchFamily="18" charset="0"/>
+                        <a:ea typeface="Cambria Math" panose="02040503050406030204" pitchFamily="18" charset="0"/>
+                      </a:rPr>
+                      <m:t>2</m:t>
+                    </m:r>
+                    <m:r>
+                      <a:rPr lang="en-US" altLang="zh-CN" sz="1400" i="1" dirty="0" smtClean="0">
+                        <a:solidFill>
+                          <a:schemeClr val="accent1"/>
+                        </a:solidFill>
+                        <a:latin typeface="Cambria Math" panose="02040503050406030204" pitchFamily="18" charset="0"/>
+                        <a:ea typeface="Cambria Math" panose="02040503050406030204" pitchFamily="18" charset="0"/>
+                      </a:rPr>
+                      <m:t>0</m:t>
+                    </m:r>
+                    <m:r>
+                      <m:rPr>
+                        <m:sty m:val="p"/>
+                      </m:rPr>
+                      <a:rPr lang="el-GR" altLang="zh-CN" b="0" i="1" smtClean="0">
+                        <a:solidFill>
+                          <a:schemeClr val="accent1"/>
+                        </a:solidFill>
+                        <a:latin typeface="Cambria Math" panose="02040503050406030204" pitchFamily="18" charset="0"/>
+                        <a:ea typeface="Cambria Math" panose="02040503050406030204" pitchFamily="18" charset="0"/>
+                      </a:rPr>
+                      <m:t>μ</m:t>
+                    </m:r>
+                    <m:r>
+                      <m:rPr>
+                        <m:sty m:val="p"/>
+                      </m:rPr>
+                      <a:rPr lang="en-US" altLang="zh-CN" b="0" i="0" smtClean="0">
+                        <a:solidFill>
+                          <a:schemeClr val="accent1"/>
+                        </a:solidFill>
+                        <a:latin typeface="Cambria Math" panose="02040503050406030204" pitchFamily="18" charset="0"/>
+                        <a:ea typeface="Cambria Math" panose="02040503050406030204" pitchFamily="18" charset="0"/>
+                      </a:rPr>
+                      <m:t>m</m:t>
+                    </m:r>
+                  </m:oMath>
+                </a14:m>
+                <a:r>
+                  <a:rPr lang="zh-CN" altLang="en-US" sz="1400" dirty="0">
+                    <a:solidFill>
+                      <a:schemeClr val="accent1">
+                        <a:lumMod val="75000"/>
+                      </a:schemeClr>
+                    </a:solidFill>
+                  </a:rPr>
+                  <a:t>）时，散射占主导地位</a:t>
+                </a:r>
+                <a:endParaRPr lang="en-US" altLang="zh-CN" dirty="0">
+                  <a:solidFill>
+                    <a:schemeClr val="accent1">
+                      <a:lumMod val="75000"/>
+                    </a:schemeClr>
+                  </a:solidFill>
+                </a:endParaRPr>
+              </a:p>
+            </p:txBody>
+          </p:sp>
+        </mc:Choice>
+        <mc:Fallback>
+          <p:sp>
+            <p:nvSpPr>
+              <p:cNvPr id="6" name="文本框 5">
+                <a:extLst>
+                  <a:ext uri="{FF2B5EF4-FFF2-40B4-BE49-F238E27FC236}">
+                    <a16:creationId xmlns:a16="http://schemas.microsoft.com/office/drawing/2014/main" id="{10D0BB07-F56E-49C9-9151-04B99F6EE427}"/>
+                  </a:ext>
+                </a:extLst>
+              </p:cNvPr>
+              <p:cNvSpPr txBox="1">
+                <a:spLocks noRot="1" noChangeAspect="1" noMove="1" noResize="1" noEditPoints="1" noAdjustHandles="1" noChangeArrowheads="1" noChangeShapeType="1" noTextEdit="1"/>
+              </p:cNvSpPr>
+              <p:nvPr/>
+            </p:nvSpPr>
+            <p:spPr>
+              <a:xfrm>
+                <a:off x="744187" y="3160172"/>
+                <a:ext cx="10474036" cy="646331"/>
+              </a:xfrm>
+              <a:prstGeom prst="rect">
+                <a:avLst/>
+              </a:prstGeom>
+              <a:blipFill>
+                <a:blip r:embed="rId3"/>
+                <a:stretch>
+                  <a:fillRect l="-466" t="-7547" b="-7547"/>
+                </a:stretch>
+              </a:blipFill>
+            </p:spPr>
+            <p:txBody>
+              <a:bodyPr/>
+              <a:lstStyle/>
+              <a:p>
+                <a:r>
+                  <a:rPr lang="zh-CN" altLang="en-US">
+                    <a:noFill/>
+                  </a:rPr>
+                  <a:t> </a:t>
+                </a:r>
+              </a:p>
+            </p:txBody>
+          </p:sp>
+        </mc:Fallback>
+      </mc:AlternateContent>
       <p:sp>
         <p:nvSpPr>
           <p:cNvPr id="7" name="文本框 6">
@@ -7636,7 +8496,7 @@
                   <a:srgbClr val="C00000"/>
                 </a:solidFill>
               </a:rPr>
-              <a:t>[2] </a:t>
+              <a:t>[2] ALLEGRA</a:t>
             </a:r>
             <a:r>
               <a:rPr lang="zh-CN" altLang="en-US" sz="1000" dirty="0">
@@ -7644,7 +8504,7 @@
                   <a:srgbClr val="C00000"/>
                 </a:solidFill>
               </a:rPr>
-              <a:t>高月华，超声波啤酒酵母浓度在线检测仪</a:t>
+              <a:t> </a:t>
             </a:r>
             <a:r>
               <a:rPr lang="en-US" altLang="zh-CN" sz="1000" dirty="0">
@@ -7652,15 +8512,15 @@
                   <a:srgbClr val="C00000"/>
                 </a:solidFill>
               </a:rPr>
-              <a:t>. </a:t>
-            </a:r>
-            <a:r>
-              <a:rPr lang="zh-CN" altLang="en-US" sz="1000" dirty="0">
+              <a:t>J, RS AHAWLEY. Attenuation of sound in suspensions emulsions: theory and experiments[J]. </a:t>
+            </a:r>
+            <a:r>
+              <a:rPr lang="en-US" altLang="zh-CN" sz="1000" dirty="0" err="1">
                 <a:solidFill>
                   <a:srgbClr val="C00000"/>
                 </a:solidFill>
               </a:rPr>
-              <a:t>压电与声光</a:t>
+              <a:t>Acoust</a:t>
             </a:r>
             <a:r>
               <a:rPr lang="en-US" altLang="zh-CN" sz="1000" dirty="0">
@@ -7668,7 +8528,7 @@
                   <a:srgbClr val="C00000"/>
                 </a:solidFill>
               </a:rPr>
-              <a:t>, 2007,29(1):112-114</a:t>
+              <a:t>. Soc. Am. 1972, 51, 1545-1564</a:t>
             </a:r>
           </a:p>
           <a:p>
@@ -7836,7 +8696,7 @@
         <p:spPr>
           <a:xfrm>
             <a:off x="760021" y="1741714"/>
-            <a:ext cx="10474036" cy="2308324"/>
+            <a:ext cx="10474036" cy="2585323"/>
           </a:xfrm>
           <a:prstGeom prst="rect">
             <a:avLst/>
@@ -7889,7 +8749,7 @@
             </a:pPr>
             <a:r>
               <a:rPr lang="zh-CN" altLang="en-US" dirty="0"/>
-              <a:t>多数研究均从声学和浆液物理性质的角度推导超声衰减模型，模型较为简单且存在局限性</a:t>
+              <a:t>多数研究均从声学和浆液物理性质的角度推导超声衰减模型，模型较为简单，存在局限性</a:t>
             </a:r>
             <a:endParaRPr lang="en-US" altLang="zh-CN" dirty="0"/>
           </a:p>
@@ -7905,7 +8765,7 @@
             </a:pPr>
             <a:r>
               <a:rPr lang="zh-CN" altLang="en-US" dirty="0"/>
-              <a:t>市售的几款超声波污泥浓度计均采用单频率、单对探头测量，测量方式较为简单</a:t>
+              <a:t>市售的几款超声波污泥浓度计均采用单频率、单对探头测量，测量方式较为简单，仅对特定成分的浆液有较好的测量效果。</a:t>
             </a:r>
             <a:endParaRPr lang="en-US" altLang="zh-CN" dirty="0"/>
           </a:p>
@@ -8136,75 +8996,12 @@
           <a:chExt cx="0" cy="0"/>
         </a:xfrm>
       </p:grpSpPr>
-      <p:sp>
-        <p:nvSpPr>
-          <p:cNvPr id="2" name="标题 1">
+      <p:pic>
+        <p:nvPicPr>
+          <p:cNvPr id="35" name="图片 34">
             <a:extLst>
               <a:ext uri="{FF2B5EF4-FFF2-40B4-BE49-F238E27FC236}">
-                <a16:creationId xmlns:a16="http://schemas.microsoft.com/office/drawing/2014/main" id="{F9FF4E26-1B9F-462E-9BC6-D6604CFF5438}"/>
-              </a:ext>
-            </a:extLst>
-          </p:cNvPr>
-          <p:cNvSpPr>
-            <a:spLocks noGrp="1"/>
-          </p:cNvSpPr>
-          <p:nvPr>
-            <p:ph type="title"/>
-          </p:nvPr>
-        </p:nvSpPr>
-        <p:spPr/>
-        <p:txBody>
-          <a:bodyPr/>
-          <a:lstStyle/>
-          <a:p>
-            <a:r>
-              <a:rPr lang="zh-CN" altLang="en-US" dirty="0"/>
-              <a:t>方案介绍</a:t>
-            </a:r>
-          </a:p>
-        </p:txBody>
-      </p:sp>
-      <p:sp>
-        <p:nvSpPr>
-          <p:cNvPr id="5" name="文本框 4">
-            <a:extLst>
-              <a:ext uri="{FF2B5EF4-FFF2-40B4-BE49-F238E27FC236}">
-                <a16:creationId xmlns:a16="http://schemas.microsoft.com/office/drawing/2014/main" id="{B458A5A2-55A6-4C71-AC44-54D4C45BA2FD}"/>
-              </a:ext>
-            </a:extLst>
-          </p:cNvPr>
-          <p:cNvSpPr txBox="1"/>
-          <p:nvPr/>
-        </p:nvSpPr>
-        <p:spPr>
-          <a:xfrm>
-            <a:off x="760021" y="1741714"/>
-            <a:ext cx="10474036" cy="646331"/>
-          </a:xfrm>
-          <a:prstGeom prst="rect">
-            <a:avLst/>
-          </a:prstGeom>
-          <a:noFill/>
-        </p:spPr>
-        <p:txBody>
-          <a:bodyPr wrap="square" rtlCol="0">
-            <a:spAutoFit/>
-          </a:bodyPr>
-          <a:lstStyle/>
-          <a:p>
-            <a:endParaRPr lang="en-US" altLang="zh-CN" dirty="0"/>
-          </a:p>
-          <a:p>
-            <a:endParaRPr lang="zh-CN" altLang="en-US" dirty="0"/>
-          </a:p>
-        </p:txBody>
-      </p:sp>
-      <p:pic>
-        <p:nvPicPr>
-          <p:cNvPr id="7" name="图片 6">
-            <a:extLst>
-              <a:ext uri="{FF2B5EF4-FFF2-40B4-BE49-F238E27FC236}">
-                <a16:creationId xmlns:a16="http://schemas.microsoft.com/office/drawing/2014/main" id="{8D08E27E-3AA0-4F52-9241-9368FAA77B7C}"/>
+                <a16:creationId xmlns:a16="http://schemas.microsoft.com/office/drawing/2014/main" id="{F2533B9A-ED43-40B9-862E-22BF2FC64027}"/>
               </a:ext>
             </a:extLst>
           </p:cNvPr>
@@ -8221,14 +9018,837 @@
         </p:blipFill>
         <p:spPr>
           <a:xfrm>
-            <a:off x="1088571" y="2312768"/>
-            <a:ext cx="4081154" cy="3582119"/>
+            <a:off x="8292702" y="4041367"/>
+            <a:ext cx="3017555" cy="2530416"/>
           </a:xfrm>
           <a:prstGeom prst="rect">
             <a:avLst/>
           </a:prstGeom>
         </p:spPr>
       </p:pic>
+      <p:pic>
+        <p:nvPicPr>
+          <p:cNvPr id="11" name="图片 10">
+            <a:extLst>
+              <a:ext uri="{FF2B5EF4-FFF2-40B4-BE49-F238E27FC236}">
+                <a16:creationId xmlns:a16="http://schemas.microsoft.com/office/drawing/2014/main" id="{59487299-4A32-45D6-BD10-C1AFC582A0AB}"/>
+              </a:ext>
+            </a:extLst>
+          </p:cNvPr>
+          <p:cNvPicPr>
+            <a:picLocks noChangeAspect="1"/>
+          </p:cNvPicPr>
+          <p:nvPr/>
+        </p:nvPicPr>
+        <p:blipFill>
+          <a:blip r:embed="rId3"/>
+          <a:stretch>
+            <a:fillRect/>
+          </a:stretch>
+        </p:blipFill>
+        <p:spPr>
+          <a:xfrm>
+            <a:off x="485415" y="2277876"/>
+            <a:ext cx="4710045" cy="4080591"/>
+          </a:xfrm>
+          <a:prstGeom prst="rect">
+            <a:avLst/>
+          </a:prstGeom>
+        </p:spPr>
+      </p:pic>
+      <p:sp>
+        <p:nvSpPr>
+          <p:cNvPr id="2" name="标题 1">
+            <a:extLst>
+              <a:ext uri="{FF2B5EF4-FFF2-40B4-BE49-F238E27FC236}">
+                <a16:creationId xmlns:a16="http://schemas.microsoft.com/office/drawing/2014/main" id="{F9FF4E26-1B9F-462E-9BC6-D6604CFF5438}"/>
+              </a:ext>
+            </a:extLst>
+          </p:cNvPr>
+          <p:cNvSpPr>
+            <a:spLocks noGrp="1"/>
+          </p:cNvSpPr>
+          <p:nvPr>
+            <p:ph type="title"/>
+          </p:nvPr>
+        </p:nvSpPr>
+        <p:spPr/>
+        <p:txBody>
+          <a:bodyPr/>
+          <a:lstStyle/>
+          <a:p>
+            <a:r>
+              <a:rPr lang="zh-CN" altLang="en-US" dirty="0"/>
+              <a:t>方案介绍</a:t>
+            </a:r>
+          </a:p>
+        </p:txBody>
+      </p:sp>
+      <p:sp>
+        <p:nvSpPr>
+          <p:cNvPr id="5" name="文本框 4">
+            <a:extLst>
+              <a:ext uri="{FF2B5EF4-FFF2-40B4-BE49-F238E27FC236}">
+                <a16:creationId xmlns:a16="http://schemas.microsoft.com/office/drawing/2014/main" id="{B458A5A2-55A6-4C71-AC44-54D4C45BA2FD}"/>
+              </a:ext>
+            </a:extLst>
+          </p:cNvPr>
+          <p:cNvSpPr txBox="1"/>
+          <p:nvPr/>
+        </p:nvSpPr>
+        <p:spPr>
+          <a:xfrm>
+            <a:off x="760021" y="1741714"/>
+            <a:ext cx="10474036" cy="646331"/>
+          </a:xfrm>
+          <a:prstGeom prst="rect">
+            <a:avLst/>
+          </a:prstGeom>
+          <a:noFill/>
+        </p:spPr>
+        <p:txBody>
+          <a:bodyPr wrap="square" rtlCol="0">
+            <a:spAutoFit/>
+          </a:bodyPr>
+          <a:lstStyle/>
+          <a:p>
+            <a:endParaRPr lang="en-US" altLang="zh-CN" dirty="0"/>
+          </a:p>
+          <a:p>
+            <a:endParaRPr lang="zh-CN" altLang="en-US" dirty="0"/>
+          </a:p>
+        </p:txBody>
+      </p:sp>
+      <p:cxnSp>
+        <p:nvCxnSpPr>
+          <p:cNvPr id="6" name="直接箭头连接符 5">
+            <a:extLst>
+              <a:ext uri="{FF2B5EF4-FFF2-40B4-BE49-F238E27FC236}">
+                <a16:creationId xmlns:a16="http://schemas.microsoft.com/office/drawing/2014/main" id="{511A1B56-AC5B-47CC-9C3D-BBFB3540BB6D}"/>
+              </a:ext>
+            </a:extLst>
+          </p:cNvPr>
+          <p:cNvCxnSpPr>
+            <a:cxnSpLocks/>
+          </p:cNvCxnSpPr>
+          <p:nvPr/>
+        </p:nvCxnSpPr>
+        <p:spPr>
+          <a:xfrm flipH="1">
+            <a:off x="3870863" y="2538405"/>
+            <a:ext cx="368135" cy="542520"/>
+          </a:xfrm>
+          <a:prstGeom prst="straightConnector1">
+            <a:avLst/>
+          </a:prstGeom>
+          <a:ln w="38100">
+            <a:tailEnd type="triangle"/>
+          </a:ln>
+        </p:spPr>
+        <p:style>
+          <a:lnRef idx="1">
+            <a:schemeClr val="accent1"/>
+          </a:lnRef>
+          <a:fillRef idx="0">
+            <a:schemeClr val="accent1"/>
+          </a:fillRef>
+          <a:effectRef idx="0">
+            <a:schemeClr val="accent1"/>
+          </a:effectRef>
+          <a:fontRef idx="minor">
+            <a:schemeClr val="tx1"/>
+          </a:fontRef>
+        </p:style>
+      </p:cxnSp>
+      <p:sp>
+        <p:nvSpPr>
+          <p:cNvPr id="8" name="文本框 7">
+            <a:extLst>
+              <a:ext uri="{FF2B5EF4-FFF2-40B4-BE49-F238E27FC236}">
+                <a16:creationId xmlns:a16="http://schemas.microsoft.com/office/drawing/2014/main" id="{060B1D02-DAF1-44F2-A01D-BC00F9B7B764}"/>
+              </a:ext>
+            </a:extLst>
+          </p:cNvPr>
+          <p:cNvSpPr txBox="1"/>
+          <p:nvPr/>
+        </p:nvSpPr>
+        <p:spPr>
+          <a:xfrm>
+            <a:off x="408215" y="1914966"/>
+            <a:ext cx="4310743" cy="461665"/>
+          </a:xfrm>
+          <a:prstGeom prst="rect">
+            <a:avLst/>
+          </a:prstGeom>
+          <a:noFill/>
+        </p:spPr>
+        <p:txBody>
+          <a:bodyPr wrap="square" rtlCol="0">
+            <a:spAutoFit/>
+          </a:bodyPr>
+          <a:lstStyle/>
+          <a:p>
+            <a:r>
+              <a:rPr lang="zh-CN" altLang="en-US" sz="2400" b="1" dirty="0"/>
+              <a:t>开发测试平台：</a:t>
+            </a:r>
+          </a:p>
+        </p:txBody>
+      </p:sp>
+      <p:sp>
+        <p:nvSpPr>
+          <p:cNvPr id="9" name="文本框 8">
+            <a:extLst>
+              <a:ext uri="{FF2B5EF4-FFF2-40B4-BE49-F238E27FC236}">
+                <a16:creationId xmlns:a16="http://schemas.microsoft.com/office/drawing/2014/main" id="{3349B972-FD24-4EC4-A41D-078FDF252517}"/>
+              </a:ext>
+            </a:extLst>
+          </p:cNvPr>
+          <p:cNvSpPr txBox="1"/>
+          <p:nvPr/>
+        </p:nvSpPr>
+        <p:spPr>
+          <a:xfrm>
+            <a:off x="3765428" y="2134837"/>
+            <a:ext cx="1907059" cy="369332"/>
+          </a:xfrm>
+          <a:prstGeom prst="rect">
+            <a:avLst/>
+          </a:prstGeom>
+          <a:noFill/>
+        </p:spPr>
+        <p:txBody>
+          <a:bodyPr wrap="square" rtlCol="0">
+            <a:spAutoFit/>
+          </a:bodyPr>
+          <a:lstStyle/>
+          <a:p>
+            <a:r>
+              <a:rPr lang="zh-CN" altLang="en-US" dirty="0"/>
+              <a:t>桶形容器（铝制）</a:t>
+            </a:r>
+          </a:p>
+        </p:txBody>
+      </p:sp>
+      <p:cxnSp>
+        <p:nvCxnSpPr>
+          <p:cNvPr id="12" name="直接箭头连接符 11">
+            <a:extLst>
+              <a:ext uri="{FF2B5EF4-FFF2-40B4-BE49-F238E27FC236}">
+                <a16:creationId xmlns:a16="http://schemas.microsoft.com/office/drawing/2014/main" id="{C634DE96-8ED2-437F-BA0E-2A6A218B286D}"/>
+              </a:ext>
+            </a:extLst>
+          </p:cNvPr>
+          <p:cNvCxnSpPr>
+            <a:cxnSpLocks/>
+          </p:cNvCxnSpPr>
+          <p:nvPr/>
+        </p:nvCxnSpPr>
+        <p:spPr>
+          <a:xfrm flipH="1" flipV="1">
+            <a:off x="4238998" y="3685409"/>
+            <a:ext cx="322116" cy="263430"/>
+          </a:xfrm>
+          <a:prstGeom prst="straightConnector1">
+            <a:avLst/>
+          </a:prstGeom>
+          <a:ln w="38100">
+            <a:tailEnd type="triangle"/>
+          </a:ln>
+        </p:spPr>
+        <p:style>
+          <a:lnRef idx="1">
+            <a:schemeClr val="accent1"/>
+          </a:lnRef>
+          <a:fillRef idx="0">
+            <a:schemeClr val="accent1"/>
+          </a:fillRef>
+          <a:effectRef idx="0">
+            <a:schemeClr val="accent1"/>
+          </a:effectRef>
+          <a:fontRef idx="minor">
+            <a:schemeClr val="tx1"/>
+          </a:fontRef>
+        </p:style>
+      </p:cxnSp>
+      <p:sp>
+        <p:nvSpPr>
+          <p:cNvPr id="14" name="文本框 13">
+            <a:extLst>
+              <a:ext uri="{FF2B5EF4-FFF2-40B4-BE49-F238E27FC236}">
+                <a16:creationId xmlns:a16="http://schemas.microsoft.com/office/drawing/2014/main" id="{36077543-78EC-4EBC-B391-EB268BFE6441}"/>
+              </a:ext>
+            </a:extLst>
+          </p:cNvPr>
+          <p:cNvSpPr txBox="1"/>
+          <p:nvPr/>
+        </p:nvSpPr>
+        <p:spPr>
+          <a:xfrm>
+            <a:off x="4343373" y="3948839"/>
+            <a:ext cx="2133167" cy="369332"/>
+          </a:xfrm>
+          <a:prstGeom prst="rect">
+            <a:avLst/>
+          </a:prstGeom>
+          <a:noFill/>
+        </p:spPr>
+        <p:txBody>
+          <a:bodyPr wrap="square" rtlCol="0">
+            <a:spAutoFit/>
+          </a:bodyPr>
+          <a:lstStyle/>
+          <a:p>
+            <a:r>
+              <a:rPr lang="zh-CN" altLang="en-US" dirty="0"/>
+              <a:t>防水超声波换能器</a:t>
+            </a:r>
+          </a:p>
+        </p:txBody>
+      </p:sp>
+      <p:cxnSp>
+        <p:nvCxnSpPr>
+          <p:cNvPr id="15" name="直接箭头连接符 14">
+            <a:extLst>
+              <a:ext uri="{FF2B5EF4-FFF2-40B4-BE49-F238E27FC236}">
+                <a16:creationId xmlns:a16="http://schemas.microsoft.com/office/drawing/2014/main" id="{84B4CCA2-5825-4CD4-880E-708EB5C4EDAD}"/>
+              </a:ext>
+            </a:extLst>
+          </p:cNvPr>
+          <p:cNvCxnSpPr>
+            <a:cxnSpLocks/>
+          </p:cNvCxnSpPr>
+          <p:nvPr/>
+        </p:nvCxnSpPr>
+        <p:spPr>
+          <a:xfrm>
+            <a:off x="881743" y="3000037"/>
+            <a:ext cx="653143" cy="1435892"/>
+          </a:xfrm>
+          <a:prstGeom prst="straightConnector1">
+            <a:avLst/>
+          </a:prstGeom>
+          <a:ln w="38100">
+            <a:tailEnd type="triangle"/>
+          </a:ln>
+        </p:spPr>
+        <p:style>
+          <a:lnRef idx="1">
+            <a:schemeClr val="accent1"/>
+          </a:lnRef>
+          <a:fillRef idx="0">
+            <a:schemeClr val="accent1"/>
+          </a:fillRef>
+          <a:effectRef idx="0">
+            <a:schemeClr val="accent1"/>
+          </a:effectRef>
+          <a:fontRef idx="minor">
+            <a:schemeClr val="tx1"/>
+          </a:fontRef>
+        </p:style>
+      </p:cxnSp>
+      <p:sp>
+        <p:nvSpPr>
+          <p:cNvPr id="17" name="文本框 16">
+            <a:extLst>
+              <a:ext uri="{FF2B5EF4-FFF2-40B4-BE49-F238E27FC236}">
+                <a16:creationId xmlns:a16="http://schemas.microsoft.com/office/drawing/2014/main" id="{E1EE59B1-CA24-42A3-A14D-869C49086ACE}"/>
+              </a:ext>
+            </a:extLst>
+          </p:cNvPr>
+          <p:cNvSpPr txBox="1"/>
+          <p:nvPr/>
+        </p:nvSpPr>
+        <p:spPr>
+          <a:xfrm>
+            <a:off x="321514" y="2613985"/>
+            <a:ext cx="4310743" cy="369332"/>
+          </a:xfrm>
+          <a:prstGeom prst="rect">
+            <a:avLst/>
+          </a:prstGeom>
+          <a:noFill/>
+        </p:spPr>
+        <p:txBody>
+          <a:bodyPr wrap="square" rtlCol="0">
+            <a:spAutoFit/>
+          </a:bodyPr>
+          <a:lstStyle/>
+          <a:p>
+            <a:r>
+              <a:rPr lang="zh-CN" altLang="en-US" dirty="0"/>
+              <a:t>温度传感器</a:t>
+            </a:r>
+          </a:p>
+        </p:txBody>
+      </p:sp>
+      <p:cxnSp>
+        <p:nvCxnSpPr>
+          <p:cNvPr id="18" name="直接箭头连接符 17">
+            <a:extLst>
+              <a:ext uri="{FF2B5EF4-FFF2-40B4-BE49-F238E27FC236}">
+                <a16:creationId xmlns:a16="http://schemas.microsoft.com/office/drawing/2014/main" id="{1BD67F0D-17BC-409C-B5D2-05A4177E0E74}"/>
+              </a:ext>
+            </a:extLst>
+          </p:cNvPr>
+          <p:cNvCxnSpPr>
+            <a:cxnSpLocks/>
+          </p:cNvCxnSpPr>
+          <p:nvPr/>
+        </p:nvCxnSpPr>
+        <p:spPr>
+          <a:xfrm flipH="1" flipV="1">
+            <a:off x="3774535" y="4352408"/>
+            <a:ext cx="1088143" cy="504910"/>
+          </a:xfrm>
+          <a:prstGeom prst="straightConnector1">
+            <a:avLst/>
+          </a:prstGeom>
+          <a:ln w="38100">
+            <a:tailEnd type="triangle"/>
+          </a:ln>
+        </p:spPr>
+        <p:style>
+          <a:lnRef idx="1">
+            <a:schemeClr val="accent1"/>
+          </a:lnRef>
+          <a:fillRef idx="0">
+            <a:schemeClr val="accent1"/>
+          </a:fillRef>
+          <a:effectRef idx="0">
+            <a:schemeClr val="accent1"/>
+          </a:effectRef>
+          <a:fontRef idx="minor">
+            <a:schemeClr val="tx1"/>
+          </a:fontRef>
+        </p:style>
+      </p:cxnSp>
+      <p:sp>
+        <p:nvSpPr>
+          <p:cNvPr id="20" name="文本框 19">
+            <a:extLst>
+              <a:ext uri="{FF2B5EF4-FFF2-40B4-BE49-F238E27FC236}">
+                <a16:creationId xmlns:a16="http://schemas.microsoft.com/office/drawing/2014/main" id="{84CA77CD-CC8A-48F5-AD0F-06CD70D4323A}"/>
+              </a:ext>
+            </a:extLst>
+          </p:cNvPr>
+          <p:cNvSpPr txBox="1"/>
+          <p:nvPr/>
+        </p:nvSpPr>
+        <p:spPr>
+          <a:xfrm>
+            <a:off x="4566557" y="4857318"/>
+            <a:ext cx="1568433" cy="369332"/>
+          </a:xfrm>
+          <a:prstGeom prst="rect">
+            <a:avLst/>
+          </a:prstGeom>
+          <a:noFill/>
+        </p:spPr>
+        <p:txBody>
+          <a:bodyPr wrap="square" rtlCol="0">
+            <a:spAutoFit/>
+          </a:bodyPr>
+          <a:lstStyle/>
+          <a:p>
+            <a:r>
+              <a:rPr lang="zh-CN" altLang="en-US" dirty="0"/>
+              <a:t>压力传感器</a:t>
+            </a:r>
+          </a:p>
+        </p:txBody>
+      </p:sp>
+      <p:cxnSp>
+        <p:nvCxnSpPr>
+          <p:cNvPr id="22" name="直接箭头连接符 21">
+            <a:extLst>
+              <a:ext uri="{FF2B5EF4-FFF2-40B4-BE49-F238E27FC236}">
+                <a16:creationId xmlns:a16="http://schemas.microsoft.com/office/drawing/2014/main" id="{2346DBEA-4269-4F75-9E14-27CB3D2EB5C9}"/>
+              </a:ext>
+            </a:extLst>
+          </p:cNvPr>
+          <p:cNvCxnSpPr>
+            <a:cxnSpLocks/>
+          </p:cNvCxnSpPr>
+          <p:nvPr/>
+        </p:nvCxnSpPr>
+        <p:spPr>
+          <a:xfrm flipH="1">
+            <a:off x="3831772" y="5260887"/>
+            <a:ext cx="1030906" cy="553272"/>
+          </a:xfrm>
+          <a:prstGeom prst="straightConnector1">
+            <a:avLst/>
+          </a:prstGeom>
+          <a:ln w="38100">
+            <a:tailEnd type="triangle"/>
+          </a:ln>
+        </p:spPr>
+        <p:style>
+          <a:lnRef idx="1">
+            <a:schemeClr val="accent1"/>
+          </a:lnRef>
+          <a:fillRef idx="0">
+            <a:schemeClr val="accent1"/>
+          </a:fillRef>
+          <a:effectRef idx="0">
+            <a:schemeClr val="accent1"/>
+          </a:effectRef>
+          <a:fontRef idx="minor">
+            <a:schemeClr val="tx1"/>
+          </a:fontRef>
+        </p:style>
+      </p:cxnSp>
+      <p:sp>
+        <p:nvSpPr>
+          <p:cNvPr id="32" name="文本框 31">
+            <a:extLst>
+              <a:ext uri="{FF2B5EF4-FFF2-40B4-BE49-F238E27FC236}">
+                <a16:creationId xmlns:a16="http://schemas.microsoft.com/office/drawing/2014/main" id="{952D8FC8-9662-4925-951A-FE995EA616EA}"/>
+              </a:ext>
+            </a:extLst>
+          </p:cNvPr>
+          <p:cNvSpPr txBox="1"/>
+          <p:nvPr/>
+        </p:nvSpPr>
+        <p:spPr>
+          <a:xfrm>
+            <a:off x="6476540" y="1343852"/>
+            <a:ext cx="4310743" cy="830997"/>
+          </a:xfrm>
+          <a:prstGeom prst="rect">
+            <a:avLst/>
+          </a:prstGeom>
+          <a:noFill/>
+        </p:spPr>
+        <p:txBody>
+          <a:bodyPr wrap="square" rtlCol="0">
+            <a:spAutoFit/>
+          </a:bodyPr>
+          <a:lstStyle/>
+          <a:p>
+            <a:r>
+              <a:rPr lang="zh-CN" altLang="en-US" sz="2400" b="1" dirty="0"/>
+              <a:t>主要测量手段：超声法</a:t>
+            </a:r>
+            <a:r>
+              <a:rPr lang="en-US" altLang="zh-CN" sz="2400" b="1" dirty="0"/>
+              <a:t>(</a:t>
+            </a:r>
+            <a:r>
+              <a:rPr lang="zh-CN" altLang="en-US" sz="2400" b="1" dirty="0"/>
+              <a:t>双频率</a:t>
+            </a:r>
+            <a:r>
+              <a:rPr lang="en-US" altLang="zh-CN" sz="2400" b="1" dirty="0"/>
+              <a:t>)</a:t>
+            </a:r>
+          </a:p>
+          <a:p>
+            <a:r>
+              <a:rPr lang="en-US" altLang="zh-CN" sz="2400" b="1" dirty="0"/>
+              <a:t>	</a:t>
+            </a:r>
+            <a:endParaRPr lang="zh-CN" altLang="en-US" sz="2400" b="1" dirty="0"/>
+          </a:p>
+        </p:txBody>
+      </p:sp>
+      <p:graphicFrame>
+        <p:nvGraphicFramePr>
+          <p:cNvPr id="33" name="表格 33">
+            <a:extLst>
+              <a:ext uri="{FF2B5EF4-FFF2-40B4-BE49-F238E27FC236}">
+                <a16:creationId xmlns:a16="http://schemas.microsoft.com/office/drawing/2014/main" id="{EFE9322C-45B2-4DF8-BAAF-2266AC366D41}"/>
+              </a:ext>
+            </a:extLst>
+          </p:cNvPr>
+          <p:cNvGraphicFramePr>
+            <a:graphicFrameLocks noGrp="1"/>
+          </p:cNvGraphicFramePr>
+          <p:nvPr>
+            <p:extLst>
+              <p:ext uri="{D42A27DB-BD31-4B8C-83A1-F6EECF244321}">
+                <p14:modId xmlns:p14="http://schemas.microsoft.com/office/powerpoint/2010/main" val="2313771850"/>
+              </p:ext>
+            </p:extLst>
+          </p:nvPr>
+        </p:nvGraphicFramePr>
+        <p:xfrm>
+          <a:off x="7130550" y="1892702"/>
+          <a:ext cx="3737430" cy="1833925"/>
+        </p:xfrm>
+        <a:graphic>
+          <a:graphicData uri="http://schemas.openxmlformats.org/drawingml/2006/table">
+            <a:tbl>
+              <a:tblPr firstRow="1" bandRow="1">
+                <a:tableStyleId>{5C22544A-7EE6-4342-B048-85BDC9FD1C3A}</a:tableStyleId>
+              </a:tblPr>
+              <a:tblGrid>
+                <a:gridCol w="1868715">
+                  <a:extLst>
+                    <a:ext uri="{9D8B030D-6E8A-4147-A177-3AD203B41FA5}">
+                      <a16:colId xmlns:a16="http://schemas.microsoft.com/office/drawing/2014/main" val="4091396822"/>
+                    </a:ext>
+                  </a:extLst>
+                </a:gridCol>
+                <a:gridCol w="1868715">
+                  <a:extLst>
+                    <a:ext uri="{9D8B030D-6E8A-4147-A177-3AD203B41FA5}">
+                      <a16:colId xmlns:a16="http://schemas.microsoft.com/office/drawing/2014/main" val="2342347641"/>
+                    </a:ext>
+                  </a:extLst>
+                </a:gridCol>
+              </a:tblGrid>
+              <a:tr h="366785">
+                <a:tc>
+                  <a:txBody>
+                    <a:bodyPr/>
+                    <a:lstStyle/>
+                    <a:p>
+                      <a:r>
+                        <a:rPr lang="zh-CN" altLang="en-US" dirty="0"/>
+                        <a:t>探头</a:t>
+                      </a:r>
+                    </a:p>
+                  </a:txBody>
+                  <a:tcPr/>
+                </a:tc>
+                <a:tc>
+                  <a:txBody>
+                    <a:bodyPr/>
+                    <a:lstStyle/>
+                    <a:p>
+                      <a:r>
+                        <a:rPr lang="zh-CN" altLang="en-US" dirty="0"/>
+                        <a:t>频率</a:t>
+                      </a:r>
+                    </a:p>
+                  </a:txBody>
+                  <a:tcPr/>
+                </a:tc>
+                <a:extLst>
+                  <a:ext uri="{0D108BD9-81ED-4DB2-BD59-A6C34878D82A}">
+                    <a16:rowId xmlns:a16="http://schemas.microsoft.com/office/drawing/2014/main" val="4235923266"/>
+                  </a:ext>
+                </a:extLst>
+              </a:tr>
+              <a:tr h="366785">
+                <a:tc>
+                  <a:txBody>
+                    <a:bodyPr/>
+                    <a:lstStyle/>
+                    <a:p>
+                      <a:r>
+                        <a:rPr lang="zh-CN" altLang="en-US" dirty="0"/>
+                        <a:t>探头</a:t>
+                      </a:r>
+                      <a:r>
+                        <a:rPr lang="en-US" altLang="zh-CN" dirty="0"/>
+                        <a:t>1</a:t>
+                      </a:r>
+                      <a:endParaRPr lang="zh-CN" altLang="en-US" dirty="0"/>
+                    </a:p>
+                  </a:txBody>
+                  <a:tcPr/>
+                </a:tc>
+                <a:tc>
+                  <a:txBody>
+                    <a:bodyPr/>
+                    <a:lstStyle/>
+                    <a:p>
+                      <a:r>
+                        <a:rPr lang="en-US" altLang="zh-CN" dirty="0"/>
+                        <a:t>1MHz</a:t>
+                      </a:r>
+                      <a:endParaRPr lang="zh-CN" altLang="en-US" dirty="0"/>
+                    </a:p>
+                  </a:txBody>
+                  <a:tcPr/>
+                </a:tc>
+                <a:extLst>
+                  <a:ext uri="{0D108BD9-81ED-4DB2-BD59-A6C34878D82A}">
+                    <a16:rowId xmlns:a16="http://schemas.microsoft.com/office/drawing/2014/main" val="1097621849"/>
+                  </a:ext>
+                </a:extLst>
+              </a:tr>
+              <a:tr h="366785">
+                <a:tc>
+                  <a:txBody>
+                    <a:bodyPr/>
+                    <a:lstStyle/>
+                    <a:p>
+                      <a:r>
+                        <a:rPr lang="zh-CN" altLang="en-US" dirty="0"/>
+                        <a:t>探头</a:t>
+                      </a:r>
+                      <a:r>
+                        <a:rPr lang="en-US" altLang="zh-CN" dirty="0"/>
+                        <a:t>2</a:t>
+                      </a:r>
+                      <a:endParaRPr lang="zh-CN" altLang="en-US" dirty="0"/>
+                    </a:p>
+                  </a:txBody>
+                  <a:tcPr/>
+                </a:tc>
+                <a:tc>
+                  <a:txBody>
+                    <a:bodyPr/>
+                    <a:lstStyle/>
+                    <a:p>
+                      <a:r>
+                        <a:rPr lang="en-US" altLang="zh-CN" dirty="0"/>
+                        <a:t>1MHz</a:t>
+                      </a:r>
+                      <a:endParaRPr lang="zh-CN" altLang="en-US" dirty="0"/>
+                    </a:p>
+                  </a:txBody>
+                  <a:tcPr/>
+                </a:tc>
+                <a:extLst>
+                  <a:ext uri="{0D108BD9-81ED-4DB2-BD59-A6C34878D82A}">
+                    <a16:rowId xmlns:a16="http://schemas.microsoft.com/office/drawing/2014/main" val="1997413199"/>
+                  </a:ext>
+                </a:extLst>
+              </a:tr>
+              <a:tr h="366785">
+                <a:tc>
+                  <a:txBody>
+                    <a:bodyPr/>
+                    <a:lstStyle/>
+                    <a:p>
+                      <a:r>
+                        <a:rPr lang="zh-CN" altLang="en-US" dirty="0"/>
+                        <a:t>探头</a:t>
+                      </a:r>
+                      <a:r>
+                        <a:rPr lang="en-US" altLang="zh-CN" dirty="0"/>
+                        <a:t>3</a:t>
+                      </a:r>
+                      <a:endParaRPr lang="zh-CN" altLang="en-US" dirty="0"/>
+                    </a:p>
+                  </a:txBody>
+                  <a:tcPr/>
+                </a:tc>
+                <a:tc>
+                  <a:txBody>
+                    <a:bodyPr/>
+                    <a:lstStyle/>
+                    <a:p>
+                      <a:r>
+                        <a:rPr lang="en-US" altLang="zh-CN" dirty="0"/>
+                        <a:t>2MHz</a:t>
+                      </a:r>
+                      <a:endParaRPr lang="zh-CN" altLang="en-US" dirty="0"/>
+                    </a:p>
+                  </a:txBody>
+                  <a:tcPr/>
+                </a:tc>
+                <a:extLst>
+                  <a:ext uri="{0D108BD9-81ED-4DB2-BD59-A6C34878D82A}">
+                    <a16:rowId xmlns:a16="http://schemas.microsoft.com/office/drawing/2014/main" val="688255085"/>
+                  </a:ext>
+                </a:extLst>
+              </a:tr>
+              <a:tr h="366785">
+                <a:tc>
+                  <a:txBody>
+                    <a:bodyPr/>
+                    <a:lstStyle/>
+                    <a:p>
+                      <a:r>
+                        <a:rPr lang="zh-CN" altLang="en-US" dirty="0"/>
+                        <a:t>探头</a:t>
+                      </a:r>
+                      <a:r>
+                        <a:rPr lang="en-US" altLang="zh-CN" dirty="0"/>
+                        <a:t>4</a:t>
+                      </a:r>
+                      <a:endParaRPr lang="zh-CN" altLang="en-US" dirty="0"/>
+                    </a:p>
+                  </a:txBody>
+                  <a:tcPr/>
+                </a:tc>
+                <a:tc>
+                  <a:txBody>
+                    <a:bodyPr/>
+                    <a:lstStyle/>
+                    <a:p>
+                      <a:r>
+                        <a:rPr lang="en-US" altLang="zh-CN" dirty="0"/>
+                        <a:t>2MHz</a:t>
+                      </a:r>
+                      <a:endParaRPr lang="zh-CN" altLang="en-US" dirty="0"/>
+                    </a:p>
+                  </a:txBody>
+                  <a:tcPr/>
+                </a:tc>
+                <a:extLst>
+                  <a:ext uri="{0D108BD9-81ED-4DB2-BD59-A6C34878D82A}">
+                    <a16:rowId xmlns:a16="http://schemas.microsoft.com/office/drawing/2014/main" val="3073169066"/>
+                  </a:ext>
+                </a:extLst>
+              </a:tr>
+            </a:tbl>
+          </a:graphicData>
+        </a:graphic>
+      </p:graphicFrame>
+      <p:sp>
+        <p:nvSpPr>
+          <p:cNvPr id="34" name="文本框 33">
+            <a:extLst>
+              <a:ext uri="{FF2B5EF4-FFF2-40B4-BE49-F238E27FC236}">
+                <a16:creationId xmlns:a16="http://schemas.microsoft.com/office/drawing/2014/main" id="{701E660B-4BF9-4456-8AEF-760BC456947C}"/>
+              </a:ext>
+            </a:extLst>
+          </p:cNvPr>
+          <p:cNvSpPr txBox="1"/>
+          <p:nvPr/>
+        </p:nvSpPr>
+        <p:spPr>
+          <a:xfrm>
+            <a:off x="6462682" y="4401833"/>
+            <a:ext cx="4310743" cy="1569660"/>
+          </a:xfrm>
+          <a:prstGeom prst="rect">
+            <a:avLst/>
+          </a:prstGeom>
+          <a:noFill/>
+        </p:spPr>
+        <p:txBody>
+          <a:bodyPr wrap="square" rtlCol="0">
+            <a:spAutoFit/>
+          </a:bodyPr>
+          <a:lstStyle/>
+          <a:p>
+            <a:r>
+              <a:rPr lang="zh-CN" altLang="en-US" sz="2400" b="1" dirty="0"/>
+              <a:t>辅助测量手段：</a:t>
+            </a:r>
+            <a:endParaRPr lang="en-US" altLang="zh-CN" sz="2400" b="1" dirty="0"/>
+          </a:p>
+          <a:p>
+            <a:r>
+              <a:rPr lang="en-US" altLang="zh-CN" sz="2400" b="1" dirty="0"/>
+              <a:t>		</a:t>
+            </a:r>
+            <a:r>
+              <a:rPr lang="zh-CN" altLang="en-US" sz="2400" b="1" dirty="0"/>
+              <a:t>压差法</a:t>
+            </a:r>
+            <a:endParaRPr lang="en-US" altLang="zh-CN" sz="2400" b="1" dirty="0"/>
+          </a:p>
+          <a:p>
+            <a:endParaRPr lang="en-US" altLang="zh-CN" sz="2400" b="1" dirty="0"/>
+          </a:p>
+          <a:p>
+            <a:r>
+              <a:rPr lang="en-US" altLang="zh-CN" sz="2400" b="1" dirty="0"/>
+              <a:t>	</a:t>
+            </a:r>
+            <a:endParaRPr lang="zh-CN" altLang="en-US" sz="2400" b="1" dirty="0"/>
+          </a:p>
+        </p:txBody>
+      </p:sp>
     </p:spTree>
     <p:extLst>
       <p:ext uri="{BB962C8B-B14F-4D97-AF65-F5344CB8AC3E}">
@@ -8302,7 +9922,7 @@
         <p:spPr>
           <a:xfrm>
             <a:off x="760021" y="1741714"/>
-            <a:ext cx="10474036" cy="923330"/>
+            <a:ext cx="10474036" cy="1200329"/>
           </a:xfrm>
           <a:prstGeom prst="rect">
             <a:avLst/>
@@ -8317,7 +9937,14 @@
           <a:p>
             <a:r>
               <a:rPr lang="zh-CN" altLang="en-US" dirty="0"/>
-              <a:t>换能器在一定时间内连续发出不同频率的超声波脉冲，在另一端被接收，接收到的信号包含了悬浮颗粒与浆液浓度的信息。使用机器学习方法，通过分析大量包含发射信号、接收信号以及浓度值、浆液成分的测试样本，可以推导出超声衰减特性与浆液性质的数学模型。</a:t>
+              <a:t>换能器在一定时间内连续发出不同频率的超声波脉冲，在另一端被接收，接收到的信号包含了悬浮颗粒与浆液浓度的信息。</a:t>
+            </a:r>
+            <a:endParaRPr lang="en-US" altLang="zh-CN" dirty="0"/>
+          </a:p>
+          <a:p>
+            <a:r>
+              <a:rPr lang="zh-CN" altLang="en-US" dirty="0"/>
+              <a:t>使用机器学习方法，通过分析大量包含发射信号、接收信号以及浓度值、浆液成分的测试样本，可以推导出超声衰减特性与浆液性质的数学模型。</a:t>
             </a:r>
           </a:p>
         </p:txBody>
@@ -8336,7 +9963,7 @@
         </p:nvSpPr>
         <p:spPr>
           <a:xfrm>
-            <a:off x="823356" y="3305299"/>
+            <a:off x="2292927" y="3559299"/>
             <a:ext cx="2280062" cy="542306"/>
           </a:xfrm>
           <a:prstGeom prst="rightArrow">
@@ -8385,7 +10012,7 @@
         </p:nvSpPr>
         <p:spPr>
           <a:xfrm>
-            <a:off x="823356" y="4009901"/>
+            <a:off x="2292927" y="4263901"/>
             <a:ext cx="2280062" cy="542306"/>
           </a:xfrm>
           <a:prstGeom prst="rightArrow">
@@ -8434,7 +10061,7 @@
         </p:nvSpPr>
         <p:spPr>
           <a:xfrm>
-            <a:off x="823356" y="4775860"/>
+            <a:off x="2292927" y="5029860"/>
             <a:ext cx="2280062" cy="542306"/>
           </a:xfrm>
           <a:prstGeom prst="rightArrow">
@@ -8483,8 +10110,8 @@
         </p:nvSpPr>
         <p:spPr>
           <a:xfrm>
-            <a:off x="3423123" y="3392384"/>
-            <a:ext cx="2620488" cy="1876302"/>
+            <a:off x="4846122" y="3683000"/>
+            <a:ext cx="1717963" cy="2516474"/>
           </a:xfrm>
           <a:prstGeom prst="roundRect">
             <a:avLst/>
@@ -8511,7 +10138,462 @@
           <a:lstStyle/>
           <a:p>
             <a:pPr algn="ctr"/>
-            <a:endParaRPr lang="zh-CN" altLang="en-US"/>
+            <a:r>
+              <a:rPr lang="en-US" altLang="zh-CN" dirty="0"/>
+              <a:t>ADC</a:t>
+            </a:r>
+            <a:endParaRPr lang="zh-CN" altLang="en-US" dirty="0"/>
+          </a:p>
+        </p:txBody>
+      </p:sp>
+      <p:sp>
+        <p:nvSpPr>
+          <p:cNvPr id="9" name="箭头: 右 8">
+            <a:extLst>
+              <a:ext uri="{FF2B5EF4-FFF2-40B4-BE49-F238E27FC236}">
+                <a16:creationId xmlns:a16="http://schemas.microsoft.com/office/drawing/2014/main" id="{D9C1C266-A578-472F-98BF-FCDF1EB56380}"/>
+              </a:ext>
+            </a:extLst>
+          </p:cNvPr>
+          <p:cNvSpPr/>
+          <p:nvPr/>
+        </p:nvSpPr>
+        <p:spPr>
+          <a:xfrm>
+            <a:off x="2292927" y="5748317"/>
+            <a:ext cx="2280062" cy="542306"/>
+          </a:xfrm>
+          <a:prstGeom prst="rightArrow">
+            <a:avLst/>
+          </a:prstGeom>
+        </p:spPr>
+        <p:style>
+          <a:lnRef idx="2">
+            <a:schemeClr val="accent1">
+              <a:shade val="50000"/>
+            </a:schemeClr>
+          </a:lnRef>
+          <a:fillRef idx="1">
+            <a:schemeClr val="accent1"/>
+          </a:fillRef>
+          <a:effectRef idx="0">
+            <a:schemeClr val="accent1"/>
+          </a:effectRef>
+          <a:fontRef idx="minor">
+            <a:schemeClr val="lt1"/>
+          </a:fontRef>
+        </p:style>
+        <p:txBody>
+          <a:bodyPr rtlCol="0" anchor="ctr"/>
+          <a:lstStyle/>
+          <a:p>
+            <a:pPr algn="ctr"/>
+            <a:r>
+              <a:rPr lang="zh-CN" altLang="en-US" dirty="0"/>
+              <a:t>压力传感器信号</a:t>
+            </a:r>
+          </a:p>
+        </p:txBody>
+      </p:sp>
+      <p:sp>
+        <p:nvSpPr>
+          <p:cNvPr id="10" name="箭头: 右 9">
+            <a:extLst>
+              <a:ext uri="{FF2B5EF4-FFF2-40B4-BE49-F238E27FC236}">
+                <a16:creationId xmlns:a16="http://schemas.microsoft.com/office/drawing/2014/main" id="{03784E52-0905-4DAF-ADF5-4889174E52A3}"/>
+              </a:ext>
+            </a:extLst>
+          </p:cNvPr>
+          <p:cNvSpPr/>
+          <p:nvPr/>
+        </p:nvSpPr>
+        <p:spPr>
+          <a:xfrm>
+            <a:off x="6754645" y="3868756"/>
+            <a:ext cx="1517073" cy="542306"/>
+          </a:xfrm>
+          <a:prstGeom prst="rightArrow">
+            <a:avLst/>
+          </a:prstGeom>
+        </p:spPr>
+        <p:style>
+          <a:lnRef idx="2">
+            <a:schemeClr val="accent1">
+              <a:shade val="50000"/>
+            </a:schemeClr>
+          </a:lnRef>
+          <a:fillRef idx="1">
+            <a:schemeClr val="accent1"/>
+          </a:fillRef>
+          <a:effectRef idx="0">
+            <a:schemeClr val="accent1"/>
+          </a:effectRef>
+          <a:fontRef idx="minor">
+            <a:schemeClr val="lt1"/>
+          </a:fontRef>
+        </p:style>
+        <p:txBody>
+          <a:bodyPr rtlCol="0" anchor="ctr"/>
+          <a:lstStyle/>
+          <a:p>
+            <a:pPr algn="ctr"/>
+            <a:endParaRPr lang="zh-CN" altLang="en-US" dirty="0"/>
+          </a:p>
+        </p:txBody>
+      </p:sp>
+      <p:sp>
+        <p:nvSpPr>
+          <p:cNvPr id="11" name="矩形: 圆角 10">
+            <a:extLst>
+              <a:ext uri="{FF2B5EF4-FFF2-40B4-BE49-F238E27FC236}">
+                <a16:creationId xmlns:a16="http://schemas.microsoft.com/office/drawing/2014/main" id="{9F28D601-23D6-4BEC-BE21-03AD446168BF}"/>
+              </a:ext>
+            </a:extLst>
+          </p:cNvPr>
+          <p:cNvSpPr/>
+          <p:nvPr/>
+        </p:nvSpPr>
+        <p:spPr>
+          <a:xfrm>
+            <a:off x="8494321" y="3786379"/>
+            <a:ext cx="1592777" cy="1493217"/>
+          </a:xfrm>
+          <a:prstGeom prst="roundRect">
+            <a:avLst/>
+          </a:prstGeom>
+        </p:spPr>
+        <p:style>
+          <a:lnRef idx="2">
+            <a:schemeClr val="accent1">
+              <a:shade val="50000"/>
+            </a:schemeClr>
+          </a:lnRef>
+          <a:fillRef idx="1">
+            <a:schemeClr val="accent1"/>
+          </a:fillRef>
+          <a:effectRef idx="0">
+            <a:schemeClr val="accent1"/>
+          </a:effectRef>
+          <a:fontRef idx="minor">
+            <a:schemeClr val="lt1"/>
+          </a:fontRef>
+        </p:style>
+        <p:txBody>
+          <a:bodyPr rtlCol="0" anchor="ctr"/>
+          <a:lstStyle/>
+          <a:p>
+            <a:pPr algn="ctr"/>
+            <a:r>
+              <a:rPr lang="zh-CN" altLang="en-US" dirty="0"/>
+              <a:t>机器学习模型</a:t>
+            </a:r>
+          </a:p>
+        </p:txBody>
+      </p:sp>
+      <p:sp>
+        <p:nvSpPr>
+          <p:cNvPr id="14" name="箭头: 右 13">
+            <a:extLst>
+              <a:ext uri="{FF2B5EF4-FFF2-40B4-BE49-F238E27FC236}">
+                <a16:creationId xmlns:a16="http://schemas.microsoft.com/office/drawing/2014/main" id="{43098296-8697-4B39-8F1E-959E701F397B}"/>
+              </a:ext>
+            </a:extLst>
+          </p:cNvPr>
+          <p:cNvSpPr/>
+          <p:nvPr/>
+        </p:nvSpPr>
+        <p:spPr>
+          <a:xfrm rot="18816139">
+            <a:off x="8325812" y="5560304"/>
+            <a:ext cx="830365" cy="542306"/>
+          </a:xfrm>
+          <a:prstGeom prst="rightArrow">
+            <a:avLst/>
+          </a:prstGeom>
+        </p:spPr>
+        <p:style>
+          <a:lnRef idx="2">
+            <a:schemeClr val="accent1">
+              <a:shade val="50000"/>
+            </a:schemeClr>
+          </a:lnRef>
+          <a:fillRef idx="1">
+            <a:schemeClr val="accent1"/>
+          </a:fillRef>
+          <a:effectRef idx="0">
+            <a:schemeClr val="accent1"/>
+          </a:effectRef>
+          <a:fontRef idx="minor">
+            <a:schemeClr val="lt1"/>
+          </a:fontRef>
+        </p:style>
+        <p:txBody>
+          <a:bodyPr rtlCol="0" anchor="ctr"/>
+          <a:lstStyle/>
+          <a:p>
+            <a:pPr algn="ctr"/>
+            <a:endParaRPr lang="zh-CN" altLang="en-US" dirty="0"/>
+          </a:p>
+        </p:txBody>
+      </p:sp>
+      <p:sp>
+        <p:nvSpPr>
+          <p:cNvPr id="15" name="文本框 14">
+            <a:extLst>
+              <a:ext uri="{FF2B5EF4-FFF2-40B4-BE49-F238E27FC236}">
+                <a16:creationId xmlns:a16="http://schemas.microsoft.com/office/drawing/2014/main" id="{708A1020-D1E9-4388-AED1-7451F122BE75}"/>
+              </a:ext>
+            </a:extLst>
+          </p:cNvPr>
+          <p:cNvSpPr txBox="1"/>
+          <p:nvPr/>
+        </p:nvSpPr>
+        <p:spPr>
+          <a:xfrm>
+            <a:off x="6879770" y="6256412"/>
+            <a:ext cx="3091282" cy="369332"/>
+          </a:xfrm>
+          <a:prstGeom prst="rect">
+            <a:avLst/>
+          </a:prstGeom>
+          <a:noFill/>
+        </p:spPr>
+        <p:txBody>
+          <a:bodyPr wrap="square">
+            <a:spAutoFit/>
+          </a:bodyPr>
+          <a:lstStyle/>
+          <a:p>
+            <a:r>
+              <a:rPr lang="zh-CN" altLang="en-US" b="1" dirty="0"/>
+              <a:t>人工烘干法测量浓度值</a:t>
+            </a:r>
+            <a:endParaRPr lang="zh-CN" altLang="en-US" dirty="0"/>
+          </a:p>
+        </p:txBody>
+      </p:sp>
+      <mc:AlternateContent xmlns:mc="http://schemas.openxmlformats.org/markup-compatibility/2006">
+        <mc:Choice xmlns:a14="http://schemas.microsoft.com/office/drawing/2010/main" Requires="a14">
+          <p:sp>
+            <p:nvSpPr>
+              <p:cNvPr id="16" name="文本框 15">
+                <a:extLst>
+                  <a:ext uri="{FF2B5EF4-FFF2-40B4-BE49-F238E27FC236}">
+                    <a16:creationId xmlns:a16="http://schemas.microsoft.com/office/drawing/2014/main" id="{FC65BFEE-99C1-40D4-912C-1F94F5D2635D}"/>
+                  </a:ext>
+                </a:extLst>
+              </p:cNvPr>
+              <p:cNvSpPr txBox="1"/>
+              <p:nvPr/>
+            </p:nvSpPr>
+            <p:spPr>
+              <a:xfrm>
+                <a:off x="5920969" y="4261577"/>
+                <a:ext cx="3091282" cy="369332"/>
+              </a:xfrm>
+              <a:prstGeom prst="rect">
+                <a:avLst/>
+              </a:prstGeom>
+              <a:noFill/>
+            </p:spPr>
+            <p:txBody>
+              <a:bodyPr wrap="square">
+                <a:spAutoFit/>
+              </a:bodyPr>
+              <a:lstStyle/>
+              <a:p>
+                <a14:m>
+                  <m:oMathPara xmlns:m="http://schemas.openxmlformats.org/officeDocument/2006/math">
+                    <m:oMathParaPr>
+                      <m:jc m:val="centerGroup"/>
+                    </m:oMathParaPr>
+                    <m:oMath xmlns:m="http://schemas.openxmlformats.org/officeDocument/2006/math">
+                      <m:r>
+                        <a:rPr lang="en-US" altLang="zh-CN" b="0" i="1" smtClean="0">
+                          <a:latin typeface="Cambria Math" panose="02040503050406030204" pitchFamily="18" charset="0"/>
+                        </a:rPr>
+                        <m:t>𝑋</m:t>
+                      </m:r>
+                    </m:oMath>
+                  </m:oMathPara>
+                </a14:m>
+                <a:endParaRPr lang="zh-CN" altLang="en-US" dirty="0"/>
+              </a:p>
+            </p:txBody>
+          </p:sp>
+        </mc:Choice>
+        <mc:Fallback>
+          <p:sp>
+            <p:nvSpPr>
+              <p:cNvPr id="16" name="文本框 15">
+                <a:extLst>
+                  <a:ext uri="{FF2B5EF4-FFF2-40B4-BE49-F238E27FC236}">
+                    <a16:creationId xmlns:a16="http://schemas.microsoft.com/office/drawing/2014/main" id="{FC65BFEE-99C1-40D4-912C-1F94F5D2635D}"/>
+                  </a:ext>
+                </a:extLst>
+              </p:cNvPr>
+              <p:cNvSpPr txBox="1">
+                <a:spLocks noRot="1" noChangeAspect="1" noMove="1" noResize="1" noEditPoints="1" noAdjustHandles="1" noChangeArrowheads="1" noChangeShapeType="1" noTextEdit="1"/>
+              </p:cNvSpPr>
+              <p:nvPr/>
+            </p:nvSpPr>
+            <p:spPr>
+              <a:xfrm>
+                <a:off x="5920969" y="4261577"/>
+                <a:ext cx="3091282" cy="369332"/>
+              </a:xfrm>
+              <a:prstGeom prst="rect">
+                <a:avLst/>
+              </a:prstGeom>
+              <a:blipFill>
+                <a:blip r:embed="rId2"/>
+                <a:stretch>
+                  <a:fillRect/>
+                </a:stretch>
+              </a:blipFill>
+            </p:spPr>
+            <p:txBody>
+              <a:bodyPr/>
+              <a:lstStyle/>
+              <a:p>
+                <a:r>
+                  <a:rPr lang="zh-CN" altLang="en-US">
+                    <a:noFill/>
+                  </a:rPr>
+                  <a:t> </a:t>
+                </a:r>
+              </a:p>
+            </p:txBody>
+          </p:sp>
+        </mc:Fallback>
+      </mc:AlternateContent>
+      <mc:AlternateContent xmlns:mc="http://schemas.openxmlformats.org/markup-compatibility/2006">
+        <mc:Choice xmlns:a14="http://schemas.microsoft.com/office/drawing/2010/main" Requires="a14">
+          <p:sp>
+            <p:nvSpPr>
+              <p:cNvPr id="17" name="文本框 16">
+                <a:extLst>
+                  <a:ext uri="{FF2B5EF4-FFF2-40B4-BE49-F238E27FC236}">
+                    <a16:creationId xmlns:a16="http://schemas.microsoft.com/office/drawing/2014/main" id="{78537CB6-E8BE-4664-A254-2D98BF6B2FA5}"/>
+                  </a:ext>
+                </a:extLst>
+              </p:cNvPr>
+              <p:cNvSpPr txBox="1"/>
+              <p:nvPr/>
+            </p:nvSpPr>
+            <p:spPr>
+              <a:xfrm>
+                <a:off x="6754645" y="5563651"/>
+                <a:ext cx="3091282" cy="369332"/>
+              </a:xfrm>
+              <a:prstGeom prst="rect">
+                <a:avLst/>
+              </a:prstGeom>
+              <a:noFill/>
+            </p:spPr>
+            <p:txBody>
+              <a:bodyPr wrap="square">
+                <a:spAutoFit/>
+              </a:bodyPr>
+              <a:lstStyle/>
+              <a:p>
+                <a14:m>
+                  <m:oMathPara xmlns:m="http://schemas.openxmlformats.org/officeDocument/2006/math">
+                    <m:oMathParaPr>
+                      <m:jc m:val="centerGroup"/>
+                    </m:oMathParaPr>
+                    <m:oMath xmlns:m="http://schemas.openxmlformats.org/officeDocument/2006/math">
+                      <m:r>
+                        <a:rPr lang="en-US" altLang="zh-CN" b="0" i="1" smtClean="0">
+                          <a:latin typeface="Cambria Math" panose="02040503050406030204" pitchFamily="18" charset="0"/>
+                        </a:rPr>
+                        <m:t>𝑌</m:t>
+                      </m:r>
+                    </m:oMath>
+                  </m:oMathPara>
+                </a14:m>
+                <a:endParaRPr lang="zh-CN" altLang="en-US" dirty="0"/>
+              </a:p>
+            </p:txBody>
+          </p:sp>
+        </mc:Choice>
+        <mc:Fallback>
+          <p:sp>
+            <p:nvSpPr>
+              <p:cNvPr id="17" name="文本框 16">
+                <a:extLst>
+                  <a:ext uri="{FF2B5EF4-FFF2-40B4-BE49-F238E27FC236}">
+                    <a16:creationId xmlns:a16="http://schemas.microsoft.com/office/drawing/2014/main" id="{78537CB6-E8BE-4664-A254-2D98BF6B2FA5}"/>
+                  </a:ext>
+                </a:extLst>
+              </p:cNvPr>
+              <p:cNvSpPr txBox="1">
+                <a:spLocks noRot="1" noChangeAspect="1" noMove="1" noResize="1" noEditPoints="1" noAdjustHandles="1" noChangeArrowheads="1" noChangeShapeType="1" noTextEdit="1"/>
+              </p:cNvSpPr>
+              <p:nvPr/>
+            </p:nvSpPr>
+            <p:spPr>
+              <a:xfrm>
+                <a:off x="6754645" y="5563651"/>
+                <a:ext cx="3091282" cy="369332"/>
+              </a:xfrm>
+              <a:prstGeom prst="rect">
+                <a:avLst/>
+              </a:prstGeom>
+              <a:blipFill>
+                <a:blip r:embed="rId3"/>
+                <a:stretch>
+                  <a:fillRect/>
+                </a:stretch>
+              </a:blipFill>
+            </p:spPr>
+            <p:txBody>
+              <a:bodyPr/>
+              <a:lstStyle/>
+              <a:p>
+                <a:r>
+                  <a:rPr lang="zh-CN" altLang="en-US">
+                    <a:noFill/>
+                  </a:rPr>
+                  <a:t> </a:t>
+                </a:r>
+              </a:p>
+            </p:txBody>
+          </p:sp>
+        </mc:Fallback>
+      </mc:AlternateContent>
+      <p:sp>
+        <p:nvSpPr>
+          <p:cNvPr id="18" name="文本框 17">
+            <a:extLst>
+              <a:ext uri="{FF2B5EF4-FFF2-40B4-BE49-F238E27FC236}">
+                <a16:creationId xmlns:a16="http://schemas.microsoft.com/office/drawing/2014/main" id="{852E5220-34DB-45B2-ACD7-CBAE441B240D}"/>
+              </a:ext>
+            </a:extLst>
+          </p:cNvPr>
+          <p:cNvSpPr txBox="1"/>
+          <p:nvPr/>
+        </p:nvSpPr>
+        <p:spPr>
+          <a:xfrm>
+            <a:off x="760021" y="3262807"/>
+            <a:ext cx="1832428" cy="369332"/>
+          </a:xfrm>
+          <a:prstGeom prst="rect">
+            <a:avLst/>
+          </a:prstGeom>
+          <a:noFill/>
+        </p:spPr>
+        <p:txBody>
+          <a:bodyPr wrap="square" rtlCol="0">
+            <a:spAutoFit/>
+          </a:bodyPr>
+          <a:lstStyle/>
+          <a:p>
+            <a:r>
+              <a:rPr lang="zh-CN" altLang="en-US" b="1" dirty="0"/>
+              <a:t>机器学习过程：</a:t>
+            </a:r>
           </a:p>
         </p:txBody>
       </p:sp>
@@ -8568,42 +10650,7 @@
           <a:p>
             <a:r>
               <a:rPr lang="zh-CN" altLang="en-US" dirty="0"/>
-              <a:t>机器学习技术</a:t>
-            </a:r>
-          </a:p>
-        </p:txBody>
-      </p:sp>
-      <p:sp>
-        <p:nvSpPr>
-          <p:cNvPr id="5" name="文本框 4">
-            <a:extLst>
-              <a:ext uri="{FF2B5EF4-FFF2-40B4-BE49-F238E27FC236}">
-                <a16:creationId xmlns:a16="http://schemas.microsoft.com/office/drawing/2014/main" id="{B458A5A2-55A6-4C71-AC44-54D4C45BA2FD}"/>
-              </a:ext>
-            </a:extLst>
-          </p:cNvPr>
-          <p:cNvSpPr txBox="1"/>
-          <p:nvPr/>
-        </p:nvSpPr>
-        <p:spPr>
-          <a:xfrm>
-            <a:off x="760021" y="1741714"/>
-            <a:ext cx="10474036" cy="646331"/>
-          </a:xfrm>
-          <a:prstGeom prst="rect">
-            <a:avLst/>
-          </a:prstGeom>
-          <a:noFill/>
-        </p:spPr>
-        <p:txBody>
-          <a:bodyPr wrap="square" rtlCol="0">
-            <a:spAutoFit/>
-          </a:bodyPr>
-          <a:lstStyle/>
-          <a:p>
-            <a:r>
-              <a:rPr lang="zh-CN" altLang="en-US" dirty="0"/>
-              <a:t>使用机器学习方法，通过分析大量包含发射信号、接收信号以及浓度值、浆液成分的测试样本，可以推导出超声衰减特性与浆液性质的数学模型。</a:t>
+              <a:t>数据处理与分析</a:t>
             </a:r>
           </a:p>
         </p:txBody>
@@ -8622,46 +10669,15 @@
           </p:cNvPicPr>
           <p:nvPr/>
         </p:nvPicPr>
-        <p:blipFill>
+        <p:blipFill rotWithShape="1">
           <a:blip r:embed="rId2"/>
-          <a:stretch>
-            <a:fillRect/>
-          </a:stretch>
+          <a:srcRect t="80223"/>
+          <a:stretch/>
         </p:blipFill>
         <p:spPr>
           <a:xfrm>
-            <a:off x="813397" y="3012374"/>
-            <a:ext cx="2868904" cy="2297875"/>
-          </a:xfrm>
-          <a:prstGeom prst="rect">
-            <a:avLst/>
-          </a:prstGeom>
-        </p:spPr>
-      </p:pic>
-      <p:pic>
-        <p:nvPicPr>
-          <p:cNvPr id="6" name="图片 5">
-            <a:extLst>
-              <a:ext uri="{FF2B5EF4-FFF2-40B4-BE49-F238E27FC236}">
-                <a16:creationId xmlns:a16="http://schemas.microsoft.com/office/drawing/2014/main" id="{73E12A54-351D-43AA-985C-463A55047D8C}"/>
-              </a:ext>
-            </a:extLst>
-          </p:cNvPr>
-          <p:cNvPicPr>
-            <a:picLocks noChangeAspect="1"/>
-          </p:cNvPicPr>
-          <p:nvPr/>
-        </p:nvPicPr>
-        <p:blipFill>
-          <a:blip r:embed="rId3"/>
-          <a:stretch>
-            <a:fillRect/>
-          </a:stretch>
-        </p:blipFill>
-        <p:spPr>
-          <a:xfrm>
-            <a:off x="4103679" y="3012374"/>
-            <a:ext cx="2857746" cy="2297875"/>
+            <a:off x="2900426" y="2238851"/>
+            <a:ext cx="4351214" cy="689263"/>
           </a:xfrm>
           <a:prstGeom prst="rect">
             <a:avLst/>
@@ -8682,22 +10698,284 @@
           </p:cNvPicPr>
           <p:nvPr/>
         </p:nvPicPr>
-        <p:blipFill>
-          <a:blip r:embed="rId4"/>
-          <a:stretch>
-            <a:fillRect/>
-          </a:stretch>
+        <p:blipFill rotWithShape="1">
+          <a:blip r:embed="rId3"/>
+          <a:srcRect t="79911"/>
+          <a:stretch/>
         </p:blipFill>
         <p:spPr>
           <a:xfrm>
-            <a:off x="7237297" y="3021659"/>
-            <a:ext cx="2857746" cy="2288590"/>
+            <a:off x="2900426" y="3209272"/>
+            <a:ext cx="4351214" cy="700023"/>
           </a:xfrm>
           <a:prstGeom prst="rect">
             <a:avLst/>
           </a:prstGeom>
         </p:spPr>
       </p:pic>
+      <p:sp>
+        <p:nvSpPr>
+          <p:cNvPr id="4" name="文本框 3">
+            <a:extLst>
+              <a:ext uri="{FF2B5EF4-FFF2-40B4-BE49-F238E27FC236}">
+                <a16:creationId xmlns:a16="http://schemas.microsoft.com/office/drawing/2014/main" id="{927DF14A-502D-4531-BC8A-EC0F9C997475}"/>
+              </a:ext>
+            </a:extLst>
+          </p:cNvPr>
+          <p:cNvSpPr txBox="1"/>
+          <p:nvPr/>
+        </p:nvSpPr>
+        <p:spPr>
+          <a:xfrm>
+            <a:off x="1299241" y="2398816"/>
+            <a:ext cx="1832428" cy="369332"/>
+          </a:xfrm>
+          <a:prstGeom prst="rect">
+            <a:avLst/>
+          </a:prstGeom>
+          <a:noFill/>
+        </p:spPr>
+        <p:txBody>
+          <a:bodyPr wrap="square" rtlCol="0">
+            <a:spAutoFit/>
+          </a:bodyPr>
+          <a:lstStyle/>
+          <a:p>
+            <a:r>
+              <a:rPr lang="zh-CN" altLang="en-US" dirty="0"/>
+              <a:t>发射脉冲：</a:t>
+            </a:r>
+          </a:p>
+        </p:txBody>
+      </p:sp>
+      <p:sp>
+        <p:nvSpPr>
+          <p:cNvPr id="8" name="文本框 7">
+            <a:extLst>
+              <a:ext uri="{FF2B5EF4-FFF2-40B4-BE49-F238E27FC236}">
+                <a16:creationId xmlns:a16="http://schemas.microsoft.com/office/drawing/2014/main" id="{D04DFBFE-C782-44F8-86AE-DE60C3B4E087}"/>
+              </a:ext>
+            </a:extLst>
+          </p:cNvPr>
+          <p:cNvSpPr txBox="1"/>
+          <p:nvPr/>
+        </p:nvSpPr>
+        <p:spPr>
+          <a:xfrm>
+            <a:off x="1299241" y="3343762"/>
+            <a:ext cx="1832428" cy="369332"/>
+          </a:xfrm>
+          <a:prstGeom prst="rect">
+            <a:avLst/>
+          </a:prstGeom>
+          <a:noFill/>
+        </p:spPr>
+        <p:txBody>
+          <a:bodyPr wrap="square" rtlCol="0">
+            <a:spAutoFit/>
+          </a:bodyPr>
+          <a:lstStyle/>
+          <a:p>
+            <a:r>
+              <a:rPr lang="zh-CN" altLang="en-US" dirty="0"/>
+              <a:t>接收脉冲：</a:t>
+            </a:r>
+          </a:p>
+        </p:txBody>
+      </p:sp>
+      <p:cxnSp>
+        <p:nvCxnSpPr>
+          <p:cNvPr id="10" name="直接箭头连接符 9">
+            <a:extLst>
+              <a:ext uri="{FF2B5EF4-FFF2-40B4-BE49-F238E27FC236}">
+                <a16:creationId xmlns:a16="http://schemas.microsoft.com/office/drawing/2014/main" id="{6F2510E6-AD55-4605-BEE9-FE9033B9477A}"/>
+              </a:ext>
+            </a:extLst>
+          </p:cNvPr>
+          <p:cNvCxnSpPr/>
+          <p:nvPr/>
+        </p:nvCxnSpPr>
+        <p:spPr>
+          <a:xfrm>
+            <a:off x="2787940" y="2287451"/>
+            <a:ext cx="0" cy="611635"/>
+          </a:xfrm>
+          <a:prstGeom prst="straightConnector1">
+            <a:avLst/>
+          </a:prstGeom>
+          <a:ln>
+            <a:headEnd type="triangle"/>
+            <a:tailEnd type="triangle"/>
+          </a:ln>
+        </p:spPr>
+        <p:style>
+          <a:lnRef idx="1">
+            <a:schemeClr val="accent1"/>
+          </a:lnRef>
+          <a:fillRef idx="0">
+            <a:schemeClr val="accent1"/>
+          </a:fillRef>
+          <a:effectRef idx="0">
+            <a:schemeClr val="accent1"/>
+          </a:effectRef>
+          <a:fontRef idx="minor">
+            <a:schemeClr val="tx1"/>
+          </a:fontRef>
+        </p:style>
+      </p:cxnSp>
+      <p:sp>
+        <p:nvSpPr>
+          <p:cNvPr id="11" name="文本框 10">
+            <a:extLst>
+              <a:ext uri="{FF2B5EF4-FFF2-40B4-BE49-F238E27FC236}">
+                <a16:creationId xmlns:a16="http://schemas.microsoft.com/office/drawing/2014/main" id="{88264B15-1EAD-4585-92D7-6AD8C48C0D12}"/>
+              </a:ext>
+            </a:extLst>
+          </p:cNvPr>
+          <p:cNvSpPr txBox="1"/>
+          <p:nvPr/>
+        </p:nvSpPr>
+        <p:spPr>
+          <a:xfrm>
+            <a:off x="2372311" y="2076784"/>
+            <a:ext cx="711184" cy="276999"/>
+          </a:xfrm>
+          <a:prstGeom prst="rect">
+            <a:avLst/>
+          </a:prstGeom>
+          <a:noFill/>
+        </p:spPr>
+        <p:txBody>
+          <a:bodyPr wrap="square" rtlCol="0">
+            <a:spAutoFit/>
+          </a:bodyPr>
+          <a:lstStyle/>
+          <a:p>
+            <a:r>
+              <a:rPr lang="zh-CN" altLang="en-US" sz="1200" b="1" dirty="0">
+                <a:solidFill>
+                  <a:schemeClr val="accent1"/>
+                </a:solidFill>
+              </a:rPr>
+              <a:t>低频</a:t>
+            </a:r>
+          </a:p>
+        </p:txBody>
+      </p:sp>
+      <p:cxnSp>
+        <p:nvCxnSpPr>
+          <p:cNvPr id="12" name="直接箭头连接符 11">
+            <a:extLst>
+              <a:ext uri="{FF2B5EF4-FFF2-40B4-BE49-F238E27FC236}">
+                <a16:creationId xmlns:a16="http://schemas.microsoft.com/office/drawing/2014/main" id="{71990925-E36D-4182-8519-2F7CAA7B4266}"/>
+              </a:ext>
+            </a:extLst>
+          </p:cNvPr>
+          <p:cNvCxnSpPr/>
+          <p:nvPr/>
+        </p:nvCxnSpPr>
+        <p:spPr>
+          <a:xfrm>
+            <a:off x="2777054" y="3253465"/>
+            <a:ext cx="0" cy="611635"/>
+          </a:xfrm>
+          <a:prstGeom prst="straightConnector1">
+            <a:avLst/>
+          </a:prstGeom>
+          <a:ln>
+            <a:headEnd type="triangle"/>
+            <a:tailEnd type="triangle"/>
+          </a:ln>
+        </p:spPr>
+        <p:style>
+          <a:lnRef idx="1">
+            <a:schemeClr val="accent1"/>
+          </a:lnRef>
+          <a:fillRef idx="0">
+            <a:schemeClr val="accent1"/>
+          </a:fillRef>
+          <a:effectRef idx="0">
+            <a:schemeClr val="accent1"/>
+          </a:effectRef>
+          <a:fontRef idx="minor">
+            <a:schemeClr val="tx1"/>
+          </a:fontRef>
+        </p:style>
+      </p:cxnSp>
+      <p:sp>
+        <p:nvSpPr>
+          <p:cNvPr id="13" name="文本框 12">
+            <a:extLst>
+              <a:ext uri="{FF2B5EF4-FFF2-40B4-BE49-F238E27FC236}">
+                <a16:creationId xmlns:a16="http://schemas.microsoft.com/office/drawing/2014/main" id="{3FF9E3A3-2712-4F82-B597-F6CCC6D604F3}"/>
+              </a:ext>
+            </a:extLst>
+          </p:cNvPr>
+          <p:cNvSpPr txBox="1"/>
+          <p:nvPr/>
+        </p:nvSpPr>
+        <p:spPr>
+          <a:xfrm>
+            <a:off x="2366541" y="2785605"/>
+            <a:ext cx="711184" cy="276999"/>
+          </a:xfrm>
+          <a:prstGeom prst="rect">
+            <a:avLst/>
+          </a:prstGeom>
+          <a:noFill/>
+        </p:spPr>
+        <p:txBody>
+          <a:bodyPr wrap="square" rtlCol="0">
+            <a:spAutoFit/>
+          </a:bodyPr>
+          <a:lstStyle/>
+          <a:p>
+            <a:r>
+              <a:rPr lang="zh-CN" altLang="en-US" sz="1200" b="1" dirty="0">
+                <a:solidFill>
+                  <a:schemeClr val="accent1"/>
+                </a:solidFill>
+              </a:rPr>
+              <a:t>高频</a:t>
+            </a:r>
+          </a:p>
+        </p:txBody>
+      </p:sp>
+      <p:sp>
+        <p:nvSpPr>
+          <p:cNvPr id="14" name="文本框 13">
+            <a:extLst>
+              <a:ext uri="{FF2B5EF4-FFF2-40B4-BE49-F238E27FC236}">
+                <a16:creationId xmlns:a16="http://schemas.microsoft.com/office/drawing/2014/main" id="{F86D0C42-D4F1-40C8-BD45-036B024F1942}"/>
+              </a:ext>
+            </a:extLst>
+          </p:cNvPr>
+          <p:cNvSpPr txBox="1"/>
+          <p:nvPr/>
+        </p:nvSpPr>
+        <p:spPr>
+          <a:xfrm>
+            <a:off x="727364" y="1851328"/>
+            <a:ext cx="1832428" cy="369332"/>
+          </a:xfrm>
+          <a:prstGeom prst="rect">
+            <a:avLst/>
+          </a:prstGeom>
+          <a:noFill/>
+        </p:spPr>
+        <p:txBody>
+          <a:bodyPr wrap="square" rtlCol="0">
+            <a:spAutoFit/>
+          </a:bodyPr>
+          <a:lstStyle/>
+          <a:p>
+            <a:r>
+              <a:rPr lang="zh-CN" altLang="en-US" b="1" dirty="0"/>
+              <a:t>时域信号示例：</a:t>
+            </a:r>
+          </a:p>
+        </p:txBody>
+      </p:sp>
     </p:spTree>
     <p:extLst>
       <p:ext uri="{BB962C8B-B14F-4D97-AF65-F5344CB8AC3E}">

--- a/机器学习超声波浓度计.pptx
+++ b/机器学习超声波浓度计.pptx
@@ -5,7 +5,7 @@
     <p:sldMasterId id="2147483660" r:id="rId1"/>
   </p:sldMasterIdLst>
   <p:notesMasterIdLst>
-    <p:notesMasterId r:id="rId16"/>
+    <p:notesMasterId r:id="rId12"/>
   </p:notesMasterIdLst>
   <p:sldIdLst>
     <p:sldId id="256" r:id="rId2"/>
@@ -15,13 +15,9 @@
     <p:sldId id="263" r:id="rId6"/>
     <p:sldId id="258" r:id="rId7"/>
     <p:sldId id="260" r:id="rId8"/>
-    <p:sldId id="261" r:id="rId9"/>
+    <p:sldId id="264" r:id="rId9"/>
     <p:sldId id="268" r:id="rId10"/>
-    <p:sldId id="264" r:id="rId11"/>
-    <p:sldId id="271" r:id="rId12"/>
-    <p:sldId id="266" r:id="rId13"/>
-    <p:sldId id="267" r:id="rId14"/>
-    <p:sldId id="265" r:id="rId15"/>
+    <p:sldId id="261" r:id="rId11"/>
   </p:sldIdLst>
   <p:sldSz cx="12192000" cy="6858000"/>
   <p:notesSz cx="6858000" cy="9144000"/>
@@ -3862,6 +3858,10 @@
               <a:rPr lang="zh-CN" altLang="en-US" sz="6600" dirty="0"/>
               <a:t>超声波建筑料浆浓度计</a:t>
             </a:r>
+            <a:r>
+              <a:rPr lang="en-US" altLang="zh-CN" sz="6600" dirty="0"/>
+              <a:t/>
+            </a:r>
             <a:br>
               <a:rPr lang="en-US" altLang="zh-CN" sz="6600" dirty="0"/>
             </a:br>
@@ -3954,955 +3954,13 @@
           <a:lstStyle/>
           <a:p>
             <a:r>
-              <a:rPr lang="zh-CN" altLang="en-US" dirty="0"/>
-              <a:t>测试容器与探头</a:t>
-            </a:r>
-          </a:p>
-        </p:txBody>
-      </p:sp>
-      <p:pic>
-        <p:nvPicPr>
-          <p:cNvPr id="3" name="图片 2">
-            <a:extLst>
-              <a:ext uri="{FF2B5EF4-FFF2-40B4-BE49-F238E27FC236}">
-                <a16:creationId xmlns:a16="http://schemas.microsoft.com/office/drawing/2014/main" id="{C9FA2C3F-685F-4F07-95A9-61B7B057E4CC}"/>
-              </a:ext>
-            </a:extLst>
-          </p:cNvPr>
-          <p:cNvPicPr>
-            <a:picLocks noChangeAspect="1"/>
-          </p:cNvPicPr>
-          <p:nvPr/>
-        </p:nvPicPr>
-        <p:blipFill>
-          <a:blip r:embed="rId2"/>
-          <a:stretch>
-            <a:fillRect/>
-          </a:stretch>
-        </p:blipFill>
-        <p:spPr>
-          <a:xfrm>
-            <a:off x="711652" y="2044141"/>
-            <a:ext cx="3853543" cy="1966240"/>
-          </a:xfrm>
-          <a:prstGeom prst="rect">
-            <a:avLst/>
-          </a:prstGeom>
-        </p:spPr>
-      </p:pic>
-      <p:pic>
-        <p:nvPicPr>
-          <p:cNvPr id="4" name="图片 3">
-            <a:extLst>
-              <a:ext uri="{FF2B5EF4-FFF2-40B4-BE49-F238E27FC236}">
-                <a16:creationId xmlns:a16="http://schemas.microsoft.com/office/drawing/2014/main" id="{8900E6E9-ADB8-4EE7-8CC7-059A81410EBE}"/>
-              </a:ext>
-            </a:extLst>
-          </p:cNvPr>
-          <p:cNvPicPr>
-            <a:picLocks noChangeAspect="1"/>
-          </p:cNvPicPr>
-          <p:nvPr/>
-        </p:nvPicPr>
-        <p:blipFill>
-          <a:blip r:embed="rId3"/>
-          <a:stretch>
-            <a:fillRect/>
-          </a:stretch>
-        </p:blipFill>
-        <p:spPr>
-          <a:xfrm>
-            <a:off x="1322125" y="4529503"/>
-            <a:ext cx="2698332" cy="1631811"/>
-          </a:xfrm>
-          <a:prstGeom prst="rect">
-            <a:avLst/>
-          </a:prstGeom>
-        </p:spPr>
-      </p:pic>
-      <p:cxnSp>
-        <p:nvCxnSpPr>
-          <p:cNvPr id="6" name="直接连接符 5">
-            <a:extLst>
-              <a:ext uri="{FF2B5EF4-FFF2-40B4-BE49-F238E27FC236}">
-                <a16:creationId xmlns:a16="http://schemas.microsoft.com/office/drawing/2014/main" id="{C7B274E8-50E5-4550-AE3A-7DAA1A535C7B}"/>
-              </a:ext>
-            </a:extLst>
-          </p:cNvPr>
-          <p:cNvCxnSpPr/>
-          <p:nvPr/>
-        </p:nvCxnSpPr>
-        <p:spPr>
-          <a:xfrm>
-            <a:off x="2576286" y="2184400"/>
-            <a:ext cx="2322285" cy="0"/>
-          </a:xfrm>
-          <a:prstGeom prst="line">
-            <a:avLst/>
-          </a:prstGeom>
-        </p:spPr>
-        <p:style>
-          <a:lnRef idx="1">
-            <a:schemeClr val="accent1"/>
-          </a:lnRef>
-          <a:fillRef idx="0">
-            <a:schemeClr val="accent1"/>
-          </a:fillRef>
-          <a:effectRef idx="0">
-            <a:schemeClr val="accent1"/>
-          </a:effectRef>
-          <a:fontRef idx="minor">
-            <a:schemeClr val="tx1"/>
-          </a:fontRef>
-        </p:style>
-      </p:cxnSp>
-      <p:cxnSp>
-        <p:nvCxnSpPr>
-          <p:cNvPr id="7" name="直接连接符 6">
-            <a:extLst>
-              <a:ext uri="{FF2B5EF4-FFF2-40B4-BE49-F238E27FC236}">
-                <a16:creationId xmlns:a16="http://schemas.microsoft.com/office/drawing/2014/main" id="{AF70B4BB-3163-40C9-92FB-F402B8997953}"/>
-              </a:ext>
-            </a:extLst>
-          </p:cNvPr>
-          <p:cNvCxnSpPr/>
-          <p:nvPr/>
-        </p:nvCxnSpPr>
-        <p:spPr>
-          <a:xfrm>
-            <a:off x="2576285" y="3857171"/>
-            <a:ext cx="2322285" cy="0"/>
-          </a:xfrm>
-          <a:prstGeom prst="line">
-            <a:avLst/>
-          </a:prstGeom>
-        </p:spPr>
-        <p:style>
-          <a:lnRef idx="1">
-            <a:schemeClr val="accent1"/>
-          </a:lnRef>
-          <a:fillRef idx="0">
-            <a:schemeClr val="accent1"/>
-          </a:fillRef>
-          <a:effectRef idx="0">
-            <a:schemeClr val="accent1"/>
-          </a:effectRef>
-          <a:fontRef idx="minor">
-            <a:schemeClr val="tx1"/>
-          </a:fontRef>
-        </p:style>
-      </p:cxnSp>
-      <p:cxnSp>
-        <p:nvCxnSpPr>
-          <p:cNvPr id="9" name="直接箭头连接符 8">
-            <a:extLst>
-              <a:ext uri="{FF2B5EF4-FFF2-40B4-BE49-F238E27FC236}">
-                <a16:creationId xmlns:a16="http://schemas.microsoft.com/office/drawing/2014/main" id="{6EF7344D-2A48-4991-84A6-2CCDD973174F}"/>
-              </a:ext>
-            </a:extLst>
-          </p:cNvPr>
-          <p:cNvCxnSpPr/>
-          <p:nvPr/>
-        </p:nvCxnSpPr>
-        <p:spPr>
-          <a:xfrm>
-            <a:off x="4829629" y="2217057"/>
-            <a:ext cx="0" cy="1582057"/>
-          </a:xfrm>
-          <a:prstGeom prst="straightConnector1">
-            <a:avLst/>
-          </a:prstGeom>
-          <a:ln>
-            <a:headEnd type="triangle"/>
-            <a:tailEnd type="triangle"/>
-          </a:ln>
-        </p:spPr>
-        <p:style>
-          <a:lnRef idx="1">
-            <a:schemeClr val="accent1"/>
-          </a:lnRef>
-          <a:fillRef idx="0">
-            <a:schemeClr val="accent1"/>
-          </a:fillRef>
-          <a:effectRef idx="0">
-            <a:schemeClr val="accent1"/>
-          </a:effectRef>
-          <a:fontRef idx="minor">
-            <a:schemeClr val="tx1"/>
-          </a:fontRef>
-        </p:style>
-      </p:cxnSp>
-      <p:sp>
-        <p:nvSpPr>
-          <p:cNvPr id="10" name="文本框 9">
-            <a:extLst>
-              <a:ext uri="{FF2B5EF4-FFF2-40B4-BE49-F238E27FC236}">
-                <a16:creationId xmlns:a16="http://schemas.microsoft.com/office/drawing/2014/main" id="{7BE113DA-7470-4D1B-A2A8-9A8710F1C18F}"/>
-              </a:ext>
-            </a:extLst>
-          </p:cNvPr>
-          <p:cNvSpPr txBox="1"/>
-          <p:nvPr/>
-        </p:nvSpPr>
-        <p:spPr>
-          <a:xfrm>
-            <a:off x="4439346" y="2855616"/>
-            <a:ext cx="711184" cy="276999"/>
-          </a:xfrm>
-          <a:prstGeom prst="rect">
-            <a:avLst/>
-          </a:prstGeom>
-          <a:noFill/>
-        </p:spPr>
-        <p:txBody>
-          <a:bodyPr wrap="square" rtlCol="0">
-            <a:spAutoFit/>
-          </a:bodyPr>
-          <a:lstStyle/>
-          <a:p>
-            <a:r>
-              <a:rPr lang="en-US" altLang="zh-CN" sz="1200" b="1" dirty="0">
-                <a:solidFill>
-                  <a:schemeClr val="accent1"/>
-                </a:solidFill>
-              </a:rPr>
-              <a:t>300</a:t>
-            </a:r>
-            <a:endParaRPr lang="zh-CN" altLang="en-US" sz="1200" b="1" dirty="0">
-              <a:solidFill>
-                <a:schemeClr val="accent1"/>
-              </a:solidFill>
-            </a:endParaRPr>
-          </a:p>
-        </p:txBody>
-      </p:sp>
-      <p:cxnSp>
-        <p:nvCxnSpPr>
-          <p:cNvPr id="11" name="直接连接符 10">
-            <a:extLst>
-              <a:ext uri="{FF2B5EF4-FFF2-40B4-BE49-F238E27FC236}">
-                <a16:creationId xmlns:a16="http://schemas.microsoft.com/office/drawing/2014/main" id="{D0EC5E26-8F11-4116-8331-499E304F9401}"/>
-              </a:ext>
-            </a:extLst>
-          </p:cNvPr>
-          <p:cNvCxnSpPr/>
-          <p:nvPr/>
-        </p:nvCxnSpPr>
-        <p:spPr>
-          <a:xfrm>
-            <a:off x="2576284" y="4775200"/>
-            <a:ext cx="2322285" cy="0"/>
-          </a:xfrm>
-          <a:prstGeom prst="line">
-            <a:avLst/>
-          </a:prstGeom>
-        </p:spPr>
-        <p:style>
-          <a:lnRef idx="1">
-            <a:schemeClr val="accent1"/>
-          </a:lnRef>
-          <a:fillRef idx="0">
-            <a:schemeClr val="accent1"/>
-          </a:fillRef>
-          <a:effectRef idx="0">
-            <a:schemeClr val="accent1"/>
-          </a:effectRef>
-          <a:fontRef idx="minor">
-            <a:schemeClr val="tx1"/>
-          </a:fontRef>
-        </p:style>
-      </p:cxnSp>
-      <p:cxnSp>
-        <p:nvCxnSpPr>
-          <p:cNvPr id="12" name="直接连接符 11">
-            <a:extLst>
-              <a:ext uri="{FF2B5EF4-FFF2-40B4-BE49-F238E27FC236}">
-                <a16:creationId xmlns:a16="http://schemas.microsoft.com/office/drawing/2014/main" id="{FF47B0F9-8310-4726-BE21-D42BF2405476}"/>
-              </a:ext>
-            </a:extLst>
-          </p:cNvPr>
-          <p:cNvCxnSpPr/>
-          <p:nvPr/>
-        </p:nvCxnSpPr>
-        <p:spPr>
-          <a:xfrm>
-            <a:off x="2576284" y="5889171"/>
-            <a:ext cx="2322285" cy="0"/>
-          </a:xfrm>
-          <a:prstGeom prst="line">
-            <a:avLst/>
-          </a:prstGeom>
-        </p:spPr>
-        <p:style>
-          <a:lnRef idx="1">
-            <a:schemeClr val="accent1"/>
-          </a:lnRef>
-          <a:fillRef idx="0">
-            <a:schemeClr val="accent1"/>
-          </a:fillRef>
-          <a:effectRef idx="0">
-            <a:schemeClr val="accent1"/>
-          </a:effectRef>
-          <a:fontRef idx="minor">
-            <a:schemeClr val="tx1"/>
-          </a:fontRef>
-        </p:style>
-      </p:cxnSp>
-      <p:cxnSp>
-        <p:nvCxnSpPr>
-          <p:cNvPr id="13" name="直接箭头连接符 12">
-            <a:extLst>
-              <a:ext uri="{FF2B5EF4-FFF2-40B4-BE49-F238E27FC236}">
-                <a16:creationId xmlns:a16="http://schemas.microsoft.com/office/drawing/2014/main" id="{014D73C8-769A-4843-AA21-A5D208657079}"/>
-              </a:ext>
-            </a:extLst>
-          </p:cNvPr>
-          <p:cNvCxnSpPr>
-            <a:cxnSpLocks/>
-          </p:cNvCxnSpPr>
-          <p:nvPr/>
-        </p:nvCxnSpPr>
-        <p:spPr>
-          <a:xfrm>
-            <a:off x="4823967" y="4775200"/>
-            <a:ext cx="0" cy="1113971"/>
-          </a:xfrm>
-          <a:prstGeom prst="straightConnector1">
-            <a:avLst/>
-          </a:prstGeom>
-          <a:ln>
-            <a:headEnd type="triangle"/>
-            <a:tailEnd type="triangle"/>
-          </a:ln>
-        </p:spPr>
-        <p:style>
-          <a:lnRef idx="1">
-            <a:schemeClr val="accent1"/>
-          </a:lnRef>
-          <a:fillRef idx="0">
-            <a:schemeClr val="accent1"/>
-          </a:fillRef>
-          <a:effectRef idx="0">
-            <a:schemeClr val="accent1"/>
-          </a:effectRef>
-          <a:fontRef idx="minor">
-            <a:schemeClr val="tx1"/>
-          </a:fontRef>
-        </p:style>
-      </p:cxnSp>
-      <p:sp>
-        <p:nvSpPr>
-          <p:cNvPr id="15" name="文本框 14">
-            <a:extLst>
-              <a:ext uri="{FF2B5EF4-FFF2-40B4-BE49-F238E27FC236}">
-                <a16:creationId xmlns:a16="http://schemas.microsoft.com/office/drawing/2014/main" id="{89A85368-5A32-4449-A1DD-688BC5681ACA}"/>
-              </a:ext>
-            </a:extLst>
-          </p:cNvPr>
-          <p:cNvSpPr txBox="1"/>
-          <p:nvPr/>
-        </p:nvSpPr>
-        <p:spPr>
-          <a:xfrm>
-            <a:off x="4410317" y="5182800"/>
-            <a:ext cx="711184" cy="276999"/>
-          </a:xfrm>
-          <a:prstGeom prst="rect">
-            <a:avLst/>
-          </a:prstGeom>
-          <a:noFill/>
-        </p:spPr>
-        <p:txBody>
-          <a:bodyPr wrap="square" rtlCol="0">
-            <a:spAutoFit/>
-          </a:bodyPr>
-          <a:lstStyle/>
-          <a:p>
-            <a:r>
-              <a:rPr lang="en-US" altLang="zh-CN" sz="1200" b="1" dirty="0">
-                <a:solidFill>
-                  <a:schemeClr val="accent1"/>
-                </a:solidFill>
-              </a:rPr>
-              <a:t>300</a:t>
-            </a:r>
-            <a:endParaRPr lang="zh-CN" altLang="en-US" sz="1200" b="1" dirty="0">
-              <a:solidFill>
-                <a:schemeClr val="accent1"/>
-              </a:solidFill>
-            </a:endParaRPr>
-          </a:p>
-        </p:txBody>
-      </p:sp>
-      <p:graphicFrame>
-        <p:nvGraphicFramePr>
-          <p:cNvPr id="16" name="表格 16">
-            <a:extLst>
-              <a:ext uri="{FF2B5EF4-FFF2-40B4-BE49-F238E27FC236}">
-                <a16:creationId xmlns:a16="http://schemas.microsoft.com/office/drawing/2014/main" id="{A456A347-A4C0-42AA-8698-BB7E1803B695}"/>
-              </a:ext>
-            </a:extLst>
-          </p:cNvPr>
-          <p:cNvGraphicFramePr>
-            <a:graphicFrameLocks noGrp="1"/>
-          </p:cNvGraphicFramePr>
-          <p:nvPr>
-            <p:extLst>
-              <p:ext uri="{D42A27DB-BD31-4B8C-83A1-F6EECF244321}">
-                <p14:modId xmlns:p14="http://schemas.microsoft.com/office/powerpoint/2010/main" val="2701350935"/>
-              </p:ext>
-            </p:extLst>
-          </p:nvPr>
-        </p:nvGraphicFramePr>
-        <p:xfrm>
-          <a:off x="5455782" y="2045350"/>
-          <a:ext cx="6024561" cy="3376992"/>
-        </p:xfrm>
-        <a:graphic>
-          <a:graphicData uri="http://schemas.openxmlformats.org/drawingml/2006/table">
-            <a:tbl>
-              <a:tblPr firstRow="1" bandRow="1">
-                <a:tableStyleId>{5C22544A-7EE6-4342-B048-85BDC9FD1C3A}</a:tableStyleId>
-              </a:tblPr>
-              <a:tblGrid>
-                <a:gridCol w="2008187">
-                  <a:extLst>
-                    <a:ext uri="{9D8B030D-6E8A-4147-A177-3AD203B41FA5}">
-                      <a16:colId xmlns:a16="http://schemas.microsoft.com/office/drawing/2014/main" val="1578515739"/>
-                    </a:ext>
-                  </a:extLst>
-                </a:gridCol>
-                <a:gridCol w="2008187">
-                  <a:extLst>
-                    <a:ext uri="{9D8B030D-6E8A-4147-A177-3AD203B41FA5}">
-                      <a16:colId xmlns:a16="http://schemas.microsoft.com/office/drawing/2014/main" val="986104016"/>
-                    </a:ext>
-                  </a:extLst>
-                </a:gridCol>
-                <a:gridCol w="2008187">
-                  <a:extLst>
-                    <a:ext uri="{9D8B030D-6E8A-4147-A177-3AD203B41FA5}">
-                      <a16:colId xmlns:a16="http://schemas.microsoft.com/office/drawing/2014/main" val="3331766350"/>
-                    </a:ext>
-                  </a:extLst>
-                </a:gridCol>
-              </a:tblGrid>
-              <a:tr h="422124">
-                <a:tc>
-                  <a:txBody>
-                    <a:bodyPr/>
-                    <a:lstStyle/>
-                    <a:p>
-                      <a:r>
-                        <a:rPr lang="zh-CN" altLang="en-US" dirty="0"/>
-                        <a:t>传感器名称</a:t>
-                      </a:r>
-                    </a:p>
-                  </a:txBody>
-                  <a:tcPr/>
-                </a:tc>
-                <a:tc>
-                  <a:txBody>
-                    <a:bodyPr/>
-                    <a:lstStyle/>
-                    <a:p>
-                      <a:r>
-                        <a:rPr lang="zh-CN" altLang="en-US" dirty="0"/>
-                        <a:t>型号</a:t>
-                      </a:r>
-                    </a:p>
-                  </a:txBody>
-                  <a:tcPr/>
-                </a:tc>
-                <a:tc>
-                  <a:txBody>
-                    <a:bodyPr/>
-                    <a:lstStyle/>
-                    <a:p>
-                      <a:r>
-                        <a:rPr lang="zh-CN" altLang="en-US" dirty="0"/>
-                        <a:t>参数</a:t>
-                      </a:r>
-                    </a:p>
-                  </a:txBody>
-                  <a:tcPr/>
-                </a:tc>
-                <a:extLst>
-                  <a:ext uri="{0D108BD9-81ED-4DB2-BD59-A6C34878D82A}">
-                    <a16:rowId xmlns:a16="http://schemas.microsoft.com/office/drawing/2014/main" val="2735985280"/>
-                  </a:ext>
-                </a:extLst>
-              </a:tr>
-              <a:tr h="422124">
-                <a:tc>
-                  <a:txBody>
-                    <a:bodyPr/>
-                    <a:lstStyle/>
-                    <a:p>
-                      <a:r>
-                        <a:rPr lang="zh-CN" altLang="en-US" dirty="0"/>
-                        <a:t>超声波探头</a:t>
-                      </a:r>
-                      <a:r>
-                        <a:rPr lang="en-US" altLang="zh-CN" dirty="0"/>
-                        <a:t>1</a:t>
-                      </a:r>
-                      <a:endParaRPr lang="zh-CN" altLang="en-US" dirty="0"/>
-                    </a:p>
-                  </a:txBody>
-                  <a:tcPr/>
-                </a:tc>
-                <a:tc>
-                  <a:txBody>
-                    <a:bodyPr/>
-                    <a:lstStyle/>
-                    <a:p>
-                      <a:endParaRPr lang="zh-CN" altLang="en-US"/>
-                    </a:p>
-                  </a:txBody>
-                  <a:tcPr/>
-                </a:tc>
-                <a:tc>
-                  <a:txBody>
-                    <a:bodyPr/>
-                    <a:lstStyle/>
-                    <a:p>
-                      <a:endParaRPr lang="zh-CN" altLang="en-US"/>
-                    </a:p>
-                  </a:txBody>
-                  <a:tcPr/>
-                </a:tc>
-                <a:extLst>
-                  <a:ext uri="{0D108BD9-81ED-4DB2-BD59-A6C34878D82A}">
-                    <a16:rowId xmlns:a16="http://schemas.microsoft.com/office/drawing/2014/main" val="119577629"/>
-                  </a:ext>
-                </a:extLst>
-              </a:tr>
-              <a:tr h="422124">
-                <a:tc>
-                  <a:txBody>
-                    <a:bodyPr/>
-                    <a:lstStyle/>
-                    <a:p>
-                      <a:pPr marL="0" marR="0" lvl="0" indent="0" algn="l" defTabSz="914400" rtl="0" eaLnBrk="1" fontAlgn="auto" latinLnBrk="0" hangingPunct="1">
-                        <a:lnSpc>
-                          <a:spcPct val="100000"/>
-                        </a:lnSpc>
-                        <a:spcBef>
-                          <a:spcPts val="0"/>
-                        </a:spcBef>
-                        <a:spcAft>
-                          <a:spcPts val="0"/>
-                        </a:spcAft>
-                        <a:buClrTx/>
-                        <a:buSzTx/>
-                        <a:buFontTx/>
-                        <a:buNone/>
-                        <a:tabLst/>
-                        <a:defRPr/>
-                      </a:pPr>
-                      <a:r>
-                        <a:rPr lang="zh-CN" altLang="en-US" dirty="0"/>
-                        <a:t>超声波探头</a:t>
-                      </a:r>
-                      <a:r>
-                        <a:rPr lang="en-US" altLang="zh-CN" dirty="0"/>
-                        <a:t>2</a:t>
-                      </a:r>
-                      <a:endParaRPr lang="zh-CN" altLang="en-US" dirty="0"/>
-                    </a:p>
-                  </a:txBody>
-                  <a:tcPr/>
-                </a:tc>
-                <a:tc>
-                  <a:txBody>
-                    <a:bodyPr/>
-                    <a:lstStyle/>
-                    <a:p>
-                      <a:endParaRPr lang="zh-CN" altLang="en-US"/>
-                    </a:p>
-                  </a:txBody>
-                  <a:tcPr/>
-                </a:tc>
-                <a:tc>
-                  <a:txBody>
-                    <a:bodyPr/>
-                    <a:lstStyle/>
-                    <a:p>
-                      <a:endParaRPr lang="zh-CN" altLang="en-US" dirty="0"/>
-                    </a:p>
-                  </a:txBody>
-                  <a:tcPr/>
-                </a:tc>
-                <a:extLst>
-                  <a:ext uri="{0D108BD9-81ED-4DB2-BD59-A6C34878D82A}">
-                    <a16:rowId xmlns:a16="http://schemas.microsoft.com/office/drawing/2014/main" val="2241767081"/>
-                  </a:ext>
-                </a:extLst>
-              </a:tr>
-              <a:tr h="422124">
-                <a:tc>
-                  <a:txBody>
-                    <a:bodyPr/>
-                    <a:lstStyle/>
-                    <a:p>
-                      <a:pPr marL="0" marR="0" lvl="0" indent="0" algn="l" defTabSz="914400" rtl="0" eaLnBrk="1" fontAlgn="auto" latinLnBrk="0" hangingPunct="1">
-                        <a:lnSpc>
-                          <a:spcPct val="100000"/>
-                        </a:lnSpc>
-                        <a:spcBef>
-                          <a:spcPts val="0"/>
-                        </a:spcBef>
-                        <a:spcAft>
-                          <a:spcPts val="0"/>
-                        </a:spcAft>
-                        <a:buClrTx/>
-                        <a:buSzTx/>
-                        <a:buFontTx/>
-                        <a:buNone/>
-                        <a:tabLst/>
-                        <a:defRPr/>
-                      </a:pPr>
-                      <a:r>
-                        <a:rPr lang="zh-CN" altLang="en-US" dirty="0"/>
-                        <a:t>超声波探头</a:t>
-                      </a:r>
-                      <a:r>
-                        <a:rPr lang="en-US" altLang="zh-CN" dirty="0"/>
-                        <a:t>3</a:t>
-                      </a:r>
-                      <a:endParaRPr lang="zh-CN" altLang="en-US" dirty="0"/>
-                    </a:p>
-                  </a:txBody>
-                  <a:tcPr/>
-                </a:tc>
-                <a:tc>
-                  <a:txBody>
-                    <a:bodyPr/>
-                    <a:lstStyle/>
-                    <a:p>
-                      <a:endParaRPr lang="zh-CN" altLang="en-US"/>
-                    </a:p>
-                  </a:txBody>
-                  <a:tcPr/>
-                </a:tc>
-                <a:tc>
-                  <a:txBody>
-                    <a:bodyPr/>
-                    <a:lstStyle/>
-                    <a:p>
-                      <a:endParaRPr lang="zh-CN" altLang="en-US"/>
-                    </a:p>
-                  </a:txBody>
-                  <a:tcPr/>
-                </a:tc>
-                <a:extLst>
-                  <a:ext uri="{0D108BD9-81ED-4DB2-BD59-A6C34878D82A}">
-                    <a16:rowId xmlns:a16="http://schemas.microsoft.com/office/drawing/2014/main" val="1142917262"/>
-                  </a:ext>
-                </a:extLst>
-              </a:tr>
-              <a:tr h="422124">
-                <a:tc>
-                  <a:txBody>
-                    <a:bodyPr/>
-                    <a:lstStyle/>
-                    <a:p>
-                      <a:pPr marL="0" marR="0" lvl="0" indent="0" algn="l" defTabSz="914400" rtl="0" eaLnBrk="1" fontAlgn="auto" latinLnBrk="0" hangingPunct="1">
-                        <a:lnSpc>
-                          <a:spcPct val="100000"/>
-                        </a:lnSpc>
-                        <a:spcBef>
-                          <a:spcPts val="0"/>
-                        </a:spcBef>
-                        <a:spcAft>
-                          <a:spcPts val="0"/>
-                        </a:spcAft>
-                        <a:buClrTx/>
-                        <a:buSzTx/>
-                        <a:buFontTx/>
-                        <a:buNone/>
-                        <a:tabLst/>
-                        <a:defRPr/>
-                      </a:pPr>
-                      <a:r>
-                        <a:rPr lang="zh-CN" altLang="en-US" dirty="0"/>
-                        <a:t>超声波探头</a:t>
-                      </a:r>
-                      <a:r>
-                        <a:rPr lang="en-US" altLang="zh-CN" dirty="0"/>
-                        <a:t>4</a:t>
-                      </a:r>
-                      <a:endParaRPr lang="zh-CN" altLang="en-US" dirty="0"/>
-                    </a:p>
-                  </a:txBody>
-                  <a:tcPr/>
-                </a:tc>
-                <a:tc>
-                  <a:txBody>
-                    <a:bodyPr/>
-                    <a:lstStyle/>
-                    <a:p>
-                      <a:endParaRPr lang="zh-CN" altLang="en-US"/>
-                    </a:p>
-                  </a:txBody>
-                  <a:tcPr/>
-                </a:tc>
-                <a:tc>
-                  <a:txBody>
-                    <a:bodyPr/>
-                    <a:lstStyle/>
-                    <a:p>
-                      <a:endParaRPr lang="zh-CN" altLang="en-US" dirty="0"/>
-                    </a:p>
-                  </a:txBody>
-                  <a:tcPr/>
-                </a:tc>
-                <a:extLst>
-                  <a:ext uri="{0D108BD9-81ED-4DB2-BD59-A6C34878D82A}">
-                    <a16:rowId xmlns:a16="http://schemas.microsoft.com/office/drawing/2014/main" val="3984963339"/>
-                  </a:ext>
-                </a:extLst>
-              </a:tr>
-              <a:tr h="422124">
-                <a:tc>
-                  <a:txBody>
-                    <a:bodyPr/>
-                    <a:lstStyle/>
-                    <a:p>
-                      <a:pPr marL="0" marR="0" lvl="0" indent="0" algn="l" defTabSz="914400" rtl="0" eaLnBrk="1" fontAlgn="auto" latinLnBrk="0" hangingPunct="1">
-                        <a:lnSpc>
-                          <a:spcPct val="100000"/>
-                        </a:lnSpc>
-                        <a:spcBef>
-                          <a:spcPts val="0"/>
-                        </a:spcBef>
-                        <a:spcAft>
-                          <a:spcPts val="0"/>
-                        </a:spcAft>
-                        <a:buClrTx/>
-                        <a:buSzTx/>
-                        <a:buFontTx/>
-                        <a:buNone/>
-                        <a:tabLst/>
-                        <a:defRPr/>
-                      </a:pPr>
-                      <a:r>
-                        <a:rPr lang="zh-CN" altLang="en-US" dirty="0"/>
-                        <a:t>温度传感器</a:t>
-                      </a:r>
-                    </a:p>
-                  </a:txBody>
-                  <a:tcPr/>
-                </a:tc>
-                <a:tc>
-                  <a:txBody>
-                    <a:bodyPr/>
-                    <a:lstStyle/>
-                    <a:p>
-                      <a:endParaRPr lang="zh-CN" altLang="en-US"/>
-                    </a:p>
-                  </a:txBody>
-                  <a:tcPr/>
-                </a:tc>
-                <a:tc>
-                  <a:txBody>
-                    <a:bodyPr/>
-                    <a:lstStyle/>
-                    <a:p>
-                      <a:endParaRPr lang="zh-CN" altLang="en-US"/>
-                    </a:p>
-                  </a:txBody>
-                  <a:tcPr/>
-                </a:tc>
-                <a:extLst>
-                  <a:ext uri="{0D108BD9-81ED-4DB2-BD59-A6C34878D82A}">
-                    <a16:rowId xmlns:a16="http://schemas.microsoft.com/office/drawing/2014/main" val="2758240923"/>
-                  </a:ext>
-                </a:extLst>
-              </a:tr>
-              <a:tr h="422124">
-                <a:tc>
-                  <a:txBody>
-                    <a:bodyPr/>
-                    <a:lstStyle/>
-                    <a:p>
-                      <a:r>
-                        <a:rPr lang="zh-CN" altLang="en-US" dirty="0"/>
-                        <a:t>压力传感器</a:t>
-                      </a:r>
-                      <a:r>
-                        <a:rPr lang="en-US" altLang="zh-CN" dirty="0"/>
-                        <a:t>1</a:t>
-                      </a:r>
-                      <a:endParaRPr lang="zh-CN" altLang="en-US" dirty="0"/>
-                    </a:p>
-                  </a:txBody>
-                  <a:tcPr/>
-                </a:tc>
-                <a:tc>
-                  <a:txBody>
-                    <a:bodyPr/>
-                    <a:lstStyle/>
-                    <a:p>
-                      <a:endParaRPr lang="zh-CN" altLang="en-US"/>
-                    </a:p>
-                  </a:txBody>
-                  <a:tcPr/>
-                </a:tc>
-                <a:tc>
-                  <a:txBody>
-                    <a:bodyPr/>
-                    <a:lstStyle/>
-                    <a:p>
-                      <a:endParaRPr lang="zh-CN" altLang="en-US"/>
-                    </a:p>
-                  </a:txBody>
-                  <a:tcPr/>
-                </a:tc>
-                <a:extLst>
-                  <a:ext uri="{0D108BD9-81ED-4DB2-BD59-A6C34878D82A}">
-                    <a16:rowId xmlns:a16="http://schemas.microsoft.com/office/drawing/2014/main" val="771717282"/>
-                  </a:ext>
-                </a:extLst>
-              </a:tr>
-              <a:tr h="422124">
-                <a:tc>
-                  <a:txBody>
-                    <a:bodyPr/>
-                    <a:lstStyle/>
-                    <a:p>
-                      <a:r>
-                        <a:rPr lang="zh-CN" altLang="en-US" dirty="0"/>
-                        <a:t>压力传感器</a:t>
-                      </a:r>
-                      <a:r>
-                        <a:rPr lang="en-US" altLang="zh-CN" dirty="0"/>
-                        <a:t>2</a:t>
-                      </a:r>
-                      <a:endParaRPr lang="zh-CN" altLang="en-US" dirty="0"/>
-                    </a:p>
-                  </a:txBody>
-                  <a:tcPr/>
-                </a:tc>
-                <a:tc>
-                  <a:txBody>
-                    <a:bodyPr/>
-                    <a:lstStyle/>
-                    <a:p>
-                      <a:endParaRPr lang="zh-CN" altLang="en-US"/>
-                    </a:p>
-                  </a:txBody>
-                  <a:tcPr/>
-                </a:tc>
-                <a:tc>
-                  <a:txBody>
-                    <a:bodyPr/>
-                    <a:lstStyle/>
-                    <a:p>
-                      <a:endParaRPr lang="zh-CN" altLang="en-US" dirty="0"/>
-                    </a:p>
-                  </a:txBody>
-                  <a:tcPr/>
-                </a:tc>
-                <a:extLst>
-                  <a:ext uri="{0D108BD9-81ED-4DB2-BD59-A6C34878D82A}">
-                    <a16:rowId xmlns:a16="http://schemas.microsoft.com/office/drawing/2014/main" val="2061946412"/>
-                  </a:ext>
-                </a:extLst>
-              </a:tr>
-            </a:tbl>
-          </a:graphicData>
-        </a:graphic>
-      </p:graphicFrame>
-    </p:spTree>
-    <p:extLst>
-      <p:ext uri="{BB962C8B-B14F-4D97-AF65-F5344CB8AC3E}">
-        <p14:creationId xmlns:p14="http://schemas.microsoft.com/office/powerpoint/2010/main" val="2769266391"/>
-      </p:ext>
-    </p:extLst>
-  </p:cSld>
-  <p:clrMapOvr>
-    <a:masterClrMapping/>
-  </p:clrMapOvr>
-</p:sld>
-</file>
-
-<file path=ppt/slides/slide11.xml><?xml version="1.0" encoding="utf-8"?>
-<p:sld xmlns:a="http://schemas.openxmlformats.org/drawingml/2006/main" xmlns:r="http://schemas.openxmlformats.org/officeDocument/2006/relationships" xmlns:p="http://schemas.openxmlformats.org/presentationml/2006/main">
-  <p:cSld>
-    <p:spTree>
-      <p:nvGrpSpPr>
-        <p:cNvPr id="1" name=""/>
-        <p:cNvGrpSpPr/>
-        <p:nvPr/>
-      </p:nvGrpSpPr>
-      <p:grpSpPr>
-        <a:xfrm>
-          <a:off x="0" y="0"/>
-          <a:ext cx="0" cy="0"/>
-          <a:chOff x="0" y="0"/>
-          <a:chExt cx="0" cy="0"/>
-        </a:xfrm>
-      </p:grpSpPr>
-      <p:sp>
-        <p:nvSpPr>
-          <p:cNvPr id="2" name="标题 1">
-            <a:extLst>
-              <a:ext uri="{FF2B5EF4-FFF2-40B4-BE49-F238E27FC236}">
-                <a16:creationId xmlns:a16="http://schemas.microsoft.com/office/drawing/2014/main" id="{F9FF4E26-1B9F-462E-9BC6-D6604CFF5438}"/>
-              </a:ext>
-            </a:extLst>
-          </p:cNvPr>
-          <p:cNvSpPr>
-            <a:spLocks noGrp="1"/>
-          </p:cNvSpPr>
-          <p:nvPr>
-            <p:ph type="title"/>
-          </p:nvPr>
-        </p:nvSpPr>
-        <p:spPr/>
-        <p:txBody>
-          <a:bodyPr/>
-          <a:lstStyle/>
-          <a:p>
-            <a:r>
-              <a:rPr lang="zh-CN" altLang="en-US" dirty="0"/>
-              <a:t>频率选择</a:t>
-            </a:r>
-          </a:p>
-        </p:txBody>
-      </p:sp>
-      <p:pic>
-        <p:nvPicPr>
-          <p:cNvPr id="4" name="图片 3">
-            <a:extLst>
-              <a:ext uri="{FF2B5EF4-FFF2-40B4-BE49-F238E27FC236}">
-                <a16:creationId xmlns:a16="http://schemas.microsoft.com/office/drawing/2014/main" id="{34A577A9-8965-4B06-8A66-D41309D6D379}"/>
-              </a:ext>
-            </a:extLst>
-          </p:cNvPr>
-          <p:cNvPicPr>
-            <a:picLocks noChangeAspect="1"/>
-          </p:cNvPicPr>
-          <p:nvPr/>
-        </p:nvPicPr>
-        <p:blipFill>
-          <a:blip r:embed="rId2"/>
-          <a:stretch>
-            <a:fillRect/>
-          </a:stretch>
-        </p:blipFill>
-        <p:spPr>
-          <a:xfrm>
-            <a:off x="815439" y="3579221"/>
-            <a:ext cx="6931231" cy="2925250"/>
-          </a:xfrm>
-          <a:prstGeom prst="rect">
-            <a:avLst/>
-          </a:prstGeom>
-        </p:spPr>
-      </p:pic>
+              <a:rPr lang="zh-CN" altLang="en-US" dirty="0" smtClean="0"/>
+              <a:t>信号处理</a:t>
+            </a:r>
+            <a:endParaRPr lang="zh-CN" altLang="en-US" dirty="0"/>
+          </a:p>
+        </p:txBody>
+      </p:sp>
       <p:sp>
         <p:nvSpPr>
           <p:cNvPr id="5" name="文本框 4">
@@ -4918,7 +3976,7 @@
         <p:spPr>
           <a:xfrm>
             <a:off x="760021" y="1741714"/>
-            <a:ext cx="10474036" cy="1754326"/>
+            <a:ext cx="10474036" cy="1200329"/>
           </a:xfrm>
           <a:prstGeom prst="rect">
             <a:avLst/>
@@ -4933,115 +3991,411 @@
           <a:p>
             <a:r>
               <a:rPr lang="zh-CN" altLang="en-US" dirty="0"/>
-              <a:t>传感器向被测物质中发出一束超声波脉冲，超声波在经过悬浮颗粒时由于悬浮颗粒的散射和能量吸收会发生衰减，其衰减特性与悬浮颗粒的种类、粒径以及浆液浓度有关。</a:t>
+              <a:t>换能器在一定时间内连续发出不同频率的超声波脉冲，在另一端被接收，接收到的信号包含了悬浮颗粒与浆液浓度的信息。</a:t>
             </a:r>
             <a:endParaRPr lang="en-US" altLang="zh-CN" dirty="0"/>
           </a:p>
           <a:p>
-            <a:endParaRPr lang="en-US" altLang="zh-CN" dirty="0"/>
-          </a:p>
-          <a:p>
             <a:r>
               <a:rPr lang="zh-CN" altLang="en-US" dirty="0"/>
-              <a:t>换能器在一定时间内连续发出不同频率的超声波脉冲，在另一端被接收，接收到的信号包含了悬浮颗粒与浆液浓度的信息。使用机器学习方法，通过分析大量包含发射信号、接收信号以及浓度值、浆液成分的测试样本，可以推导出超声衰减特性与浆液性质的数学模型。</a:t>
-            </a:r>
-          </a:p>
-        </p:txBody>
-      </p:sp>
-    </p:spTree>
-    <p:extLst>
-      <p:ext uri="{BB962C8B-B14F-4D97-AF65-F5344CB8AC3E}">
-        <p14:creationId xmlns:p14="http://schemas.microsoft.com/office/powerpoint/2010/main" val="801606145"/>
-      </p:ext>
-    </p:extLst>
-  </p:cSld>
-  <p:clrMapOvr>
-    <a:masterClrMapping/>
-  </p:clrMapOvr>
-</p:sld>
-</file>
-
-<file path=ppt/slides/slide12.xml><?xml version="1.0" encoding="utf-8"?>
-<p:sld xmlns:a="http://schemas.openxmlformats.org/drawingml/2006/main" xmlns:r="http://schemas.openxmlformats.org/officeDocument/2006/relationships" xmlns:p="http://schemas.openxmlformats.org/presentationml/2006/main">
-  <p:cSld>
-    <p:spTree>
-      <p:nvGrpSpPr>
-        <p:cNvPr id="1" name=""/>
-        <p:cNvGrpSpPr/>
-        <p:nvPr/>
-      </p:nvGrpSpPr>
-      <p:grpSpPr>
-        <a:xfrm>
-          <a:off x="0" y="0"/>
-          <a:ext cx="0" cy="0"/>
-          <a:chOff x="0" y="0"/>
-          <a:chExt cx="0" cy="0"/>
-        </a:xfrm>
-      </p:grpSpPr>
-      <p:sp>
-        <p:nvSpPr>
-          <p:cNvPr id="2" name="标题 1">
+              <a:t>使用机器学习方法，通过分析大量包含发射信号、接收信号以及浓度值、浆液成分的测试样本，可以推导出超声衰减特性与浆液性质的数学模型。</a:t>
+            </a:r>
+          </a:p>
+        </p:txBody>
+      </p:sp>
+      <p:sp>
+        <p:nvSpPr>
+          <p:cNvPr id="3" name="箭头: 右 2">
             <a:extLst>
               <a:ext uri="{FF2B5EF4-FFF2-40B4-BE49-F238E27FC236}">
-                <a16:creationId xmlns:a16="http://schemas.microsoft.com/office/drawing/2014/main" id="{F9FF4E26-1B9F-462E-9BC6-D6604CFF5438}"/>
+                <a16:creationId xmlns:a16="http://schemas.microsoft.com/office/drawing/2014/main" id="{0D5EDDAE-B9A2-48A7-B6E8-52EFC09017D7}"/>
               </a:ext>
             </a:extLst>
           </p:cNvPr>
-          <p:cNvSpPr>
-            <a:spLocks noGrp="1"/>
-          </p:cNvSpPr>
-          <p:nvPr>
-            <p:ph type="title"/>
-          </p:nvPr>
-        </p:nvSpPr>
-        <p:spPr/>
-        <p:txBody>
-          <a:bodyPr/>
+          <p:cNvSpPr/>
+          <p:nvPr/>
+        </p:nvSpPr>
+        <p:spPr>
+          <a:xfrm>
+            <a:off x="2292927" y="3559299"/>
+            <a:ext cx="2280062" cy="542306"/>
+          </a:xfrm>
+          <a:prstGeom prst="rightArrow">
+            <a:avLst/>
+          </a:prstGeom>
+        </p:spPr>
+        <p:style>
+          <a:lnRef idx="2">
+            <a:schemeClr val="accent1">
+              <a:shade val="50000"/>
+            </a:schemeClr>
+          </a:lnRef>
+          <a:fillRef idx="1">
+            <a:schemeClr val="accent1"/>
+          </a:fillRef>
+          <a:effectRef idx="0">
+            <a:schemeClr val="accent1"/>
+          </a:effectRef>
+          <a:fontRef idx="minor">
+            <a:schemeClr val="lt1"/>
+          </a:fontRef>
+        </p:style>
+        <p:txBody>
+          <a:bodyPr rtlCol="0" anchor="ctr"/>
           <a:lstStyle/>
           <a:p>
+            <a:pPr algn="ctr"/>
             <a:r>
               <a:rPr lang="zh-CN" altLang="en-US" dirty="0"/>
-              <a:t>发射电路设计</a:t>
-            </a:r>
-          </a:p>
-        </p:txBody>
-      </p:sp>
-      <p:pic>
-        <p:nvPicPr>
-          <p:cNvPr id="4" name="图片 3">
+              <a:t>超声波发射脉冲</a:t>
+            </a:r>
+          </a:p>
+        </p:txBody>
+      </p:sp>
+      <p:sp>
+        <p:nvSpPr>
+          <p:cNvPr id="6" name="箭头: 右 5">
             <a:extLst>
               <a:ext uri="{FF2B5EF4-FFF2-40B4-BE49-F238E27FC236}">
-                <a16:creationId xmlns:a16="http://schemas.microsoft.com/office/drawing/2014/main" id="{34A577A9-8965-4B06-8A66-D41309D6D379}"/>
+                <a16:creationId xmlns:a16="http://schemas.microsoft.com/office/drawing/2014/main" id="{AE695759-5B0F-4B0B-BF38-90ECA9C1C7FC}"/>
               </a:ext>
             </a:extLst>
           </p:cNvPr>
-          <p:cNvPicPr>
-            <a:picLocks noChangeAspect="1"/>
-          </p:cNvPicPr>
+          <p:cNvSpPr/>
           <p:nvPr/>
-        </p:nvPicPr>
-        <p:blipFill>
-          <a:blip r:embed="rId2"/>
-          <a:stretch>
-            <a:fillRect/>
-          </a:stretch>
-        </p:blipFill>
+        </p:nvSpPr>
         <p:spPr>
           <a:xfrm>
-            <a:off x="815439" y="3579221"/>
-            <a:ext cx="6931231" cy="2925250"/>
+            <a:off x="2292927" y="4263901"/>
+            <a:ext cx="2280062" cy="542306"/>
           </a:xfrm>
-          <a:prstGeom prst="rect">
+          <a:prstGeom prst="rightArrow">
             <a:avLst/>
           </a:prstGeom>
         </p:spPr>
-      </p:pic>
-      <p:sp>
-        <p:nvSpPr>
-          <p:cNvPr id="5" name="文本框 4">
+        <p:style>
+          <a:lnRef idx="2">
+            <a:schemeClr val="accent1">
+              <a:shade val="50000"/>
+            </a:schemeClr>
+          </a:lnRef>
+          <a:fillRef idx="1">
+            <a:schemeClr val="accent1"/>
+          </a:fillRef>
+          <a:effectRef idx="0">
+            <a:schemeClr val="accent1"/>
+          </a:effectRef>
+          <a:fontRef idx="minor">
+            <a:schemeClr val="lt1"/>
+          </a:fontRef>
+        </p:style>
+        <p:txBody>
+          <a:bodyPr rtlCol="0" anchor="ctr"/>
+          <a:lstStyle/>
+          <a:p>
+            <a:pPr algn="ctr"/>
+            <a:r>
+              <a:rPr lang="zh-CN" altLang="en-US" dirty="0"/>
+              <a:t>超声波接收脉冲</a:t>
+            </a:r>
+          </a:p>
+        </p:txBody>
+      </p:sp>
+      <p:sp>
+        <p:nvSpPr>
+          <p:cNvPr id="7" name="箭头: 右 6">
             <a:extLst>
               <a:ext uri="{FF2B5EF4-FFF2-40B4-BE49-F238E27FC236}">
-                <a16:creationId xmlns:a16="http://schemas.microsoft.com/office/drawing/2014/main" id="{B458A5A2-55A6-4C71-AC44-54D4C45BA2FD}"/>
+                <a16:creationId xmlns:a16="http://schemas.microsoft.com/office/drawing/2014/main" id="{6C784F09-716A-4BF7-B1CF-F81A4E2B6B8D}"/>
+              </a:ext>
+            </a:extLst>
+          </p:cNvPr>
+          <p:cNvSpPr/>
+          <p:nvPr/>
+        </p:nvSpPr>
+        <p:spPr>
+          <a:xfrm>
+            <a:off x="2292927" y="5029860"/>
+            <a:ext cx="2280062" cy="542306"/>
+          </a:xfrm>
+          <a:prstGeom prst="rightArrow">
+            <a:avLst/>
+          </a:prstGeom>
+        </p:spPr>
+        <p:style>
+          <a:lnRef idx="2">
+            <a:schemeClr val="accent1">
+              <a:shade val="50000"/>
+            </a:schemeClr>
+          </a:lnRef>
+          <a:fillRef idx="1">
+            <a:schemeClr val="accent1"/>
+          </a:fillRef>
+          <a:effectRef idx="0">
+            <a:schemeClr val="accent1"/>
+          </a:effectRef>
+          <a:fontRef idx="minor">
+            <a:schemeClr val="lt1"/>
+          </a:fontRef>
+        </p:style>
+        <p:txBody>
+          <a:bodyPr rtlCol="0" anchor="ctr"/>
+          <a:lstStyle/>
+          <a:p>
+            <a:pPr algn="ctr"/>
+            <a:r>
+              <a:rPr lang="zh-CN" altLang="en-US" dirty="0"/>
+              <a:t>温度传感器信号</a:t>
+            </a:r>
+          </a:p>
+        </p:txBody>
+      </p:sp>
+      <p:sp>
+        <p:nvSpPr>
+          <p:cNvPr id="8" name="矩形: 圆角 7">
+            <a:extLst>
+              <a:ext uri="{FF2B5EF4-FFF2-40B4-BE49-F238E27FC236}">
+                <a16:creationId xmlns:a16="http://schemas.microsoft.com/office/drawing/2014/main" id="{12437D84-2359-4CFC-918B-4D69AE1066A3}"/>
+              </a:ext>
+            </a:extLst>
+          </p:cNvPr>
+          <p:cNvSpPr/>
+          <p:nvPr/>
+        </p:nvSpPr>
+        <p:spPr>
+          <a:xfrm>
+            <a:off x="4846122" y="3683000"/>
+            <a:ext cx="1717963" cy="2516474"/>
+          </a:xfrm>
+          <a:prstGeom prst="roundRect">
+            <a:avLst/>
+          </a:prstGeom>
+        </p:spPr>
+        <p:style>
+          <a:lnRef idx="2">
+            <a:schemeClr val="accent1">
+              <a:shade val="50000"/>
+            </a:schemeClr>
+          </a:lnRef>
+          <a:fillRef idx="1">
+            <a:schemeClr val="accent1"/>
+          </a:fillRef>
+          <a:effectRef idx="0">
+            <a:schemeClr val="accent1"/>
+          </a:effectRef>
+          <a:fontRef idx="minor">
+            <a:schemeClr val="lt1"/>
+          </a:fontRef>
+        </p:style>
+        <p:txBody>
+          <a:bodyPr rtlCol="0" anchor="ctr"/>
+          <a:lstStyle/>
+          <a:p>
+            <a:pPr algn="ctr"/>
+            <a:r>
+              <a:rPr lang="en-US" altLang="zh-CN" dirty="0"/>
+              <a:t>ADC</a:t>
+            </a:r>
+            <a:endParaRPr lang="zh-CN" altLang="en-US" dirty="0"/>
+          </a:p>
+        </p:txBody>
+      </p:sp>
+      <p:sp>
+        <p:nvSpPr>
+          <p:cNvPr id="9" name="箭头: 右 8">
+            <a:extLst>
+              <a:ext uri="{FF2B5EF4-FFF2-40B4-BE49-F238E27FC236}">
+                <a16:creationId xmlns:a16="http://schemas.microsoft.com/office/drawing/2014/main" id="{D9C1C266-A578-472F-98BF-FCDF1EB56380}"/>
+              </a:ext>
+            </a:extLst>
+          </p:cNvPr>
+          <p:cNvSpPr/>
+          <p:nvPr/>
+        </p:nvSpPr>
+        <p:spPr>
+          <a:xfrm>
+            <a:off x="2292927" y="5748317"/>
+            <a:ext cx="2280062" cy="542306"/>
+          </a:xfrm>
+          <a:prstGeom prst="rightArrow">
+            <a:avLst/>
+          </a:prstGeom>
+        </p:spPr>
+        <p:style>
+          <a:lnRef idx="2">
+            <a:schemeClr val="accent1">
+              <a:shade val="50000"/>
+            </a:schemeClr>
+          </a:lnRef>
+          <a:fillRef idx="1">
+            <a:schemeClr val="accent1"/>
+          </a:fillRef>
+          <a:effectRef idx="0">
+            <a:schemeClr val="accent1"/>
+          </a:effectRef>
+          <a:fontRef idx="minor">
+            <a:schemeClr val="lt1"/>
+          </a:fontRef>
+        </p:style>
+        <p:txBody>
+          <a:bodyPr rtlCol="0" anchor="ctr"/>
+          <a:lstStyle/>
+          <a:p>
+            <a:pPr algn="ctr"/>
+            <a:r>
+              <a:rPr lang="zh-CN" altLang="en-US" dirty="0"/>
+              <a:t>压力传感器信号</a:t>
+            </a:r>
+          </a:p>
+        </p:txBody>
+      </p:sp>
+      <p:sp>
+        <p:nvSpPr>
+          <p:cNvPr id="10" name="箭头: 右 9">
+            <a:extLst>
+              <a:ext uri="{FF2B5EF4-FFF2-40B4-BE49-F238E27FC236}">
+                <a16:creationId xmlns:a16="http://schemas.microsoft.com/office/drawing/2014/main" id="{03784E52-0905-4DAF-ADF5-4889174E52A3}"/>
+              </a:ext>
+            </a:extLst>
+          </p:cNvPr>
+          <p:cNvSpPr/>
+          <p:nvPr/>
+        </p:nvSpPr>
+        <p:spPr>
+          <a:xfrm>
+            <a:off x="6754645" y="3868756"/>
+            <a:ext cx="1517073" cy="542306"/>
+          </a:xfrm>
+          <a:prstGeom prst="rightArrow">
+            <a:avLst/>
+          </a:prstGeom>
+        </p:spPr>
+        <p:style>
+          <a:lnRef idx="2">
+            <a:schemeClr val="accent1">
+              <a:shade val="50000"/>
+            </a:schemeClr>
+          </a:lnRef>
+          <a:fillRef idx="1">
+            <a:schemeClr val="accent1"/>
+          </a:fillRef>
+          <a:effectRef idx="0">
+            <a:schemeClr val="accent1"/>
+          </a:effectRef>
+          <a:fontRef idx="minor">
+            <a:schemeClr val="lt1"/>
+          </a:fontRef>
+        </p:style>
+        <p:txBody>
+          <a:bodyPr rtlCol="0" anchor="ctr"/>
+          <a:lstStyle/>
+          <a:p>
+            <a:pPr algn="ctr"/>
+            <a:endParaRPr lang="zh-CN" altLang="en-US" dirty="0"/>
+          </a:p>
+        </p:txBody>
+      </p:sp>
+      <p:sp>
+        <p:nvSpPr>
+          <p:cNvPr id="11" name="矩形: 圆角 10">
+            <a:extLst>
+              <a:ext uri="{FF2B5EF4-FFF2-40B4-BE49-F238E27FC236}">
+                <a16:creationId xmlns:a16="http://schemas.microsoft.com/office/drawing/2014/main" id="{9F28D601-23D6-4BEC-BE21-03AD446168BF}"/>
+              </a:ext>
+            </a:extLst>
+          </p:cNvPr>
+          <p:cNvSpPr/>
+          <p:nvPr/>
+        </p:nvSpPr>
+        <p:spPr>
+          <a:xfrm>
+            <a:off x="8494321" y="3786379"/>
+            <a:ext cx="1592777" cy="1493217"/>
+          </a:xfrm>
+          <a:prstGeom prst="roundRect">
+            <a:avLst/>
+          </a:prstGeom>
+        </p:spPr>
+        <p:style>
+          <a:lnRef idx="2">
+            <a:schemeClr val="accent1">
+              <a:shade val="50000"/>
+            </a:schemeClr>
+          </a:lnRef>
+          <a:fillRef idx="1">
+            <a:schemeClr val="accent1"/>
+          </a:fillRef>
+          <a:effectRef idx="0">
+            <a:schemeClr val="accent1"/>
+          </a:effectRef>
+          <a:fontRef idx="minor">
+            <a:schemeClr val="lt1"/>
+          </a:fontRef>
+        </p:style>
+        <p:txBody>
+          <a:bodyPr rtlCol="0" anchor="ctr"/>
+          <a:lstStyle/>
+          <a:p>
+            <a:pPr algn="ctr"/>
+            <a:r>
+              <a:rPr lang="zh-CN" altLang="en-US" dirty="0"/>
+              <a:t>机器学习模型</a:t>
+            </a:r>
+          </a:p>
+        </p:txBody>
+      </p:sp>
+      <p:sp>
+        <p:nvSpPr>
+          <p:cNvPr id="14" name="箭头: 右 13">
+            <a:extLst>
+              <a:ext uri="{FF2B5EF4-FFF2-40B4-BE49-F238E27FC236}">
+                <a16:creationId xmlns:a16="http://schemas.microsoft.com/office/drawing/2014/main" id="{43098296-8697-4B39-8F1E-959E701F397B}"/>
+              </a:ext>
+            </a:extLst>
+          </p:cNvPr>
+          <p:cNvSpPr/>
+          <p:nvPr/>
+        </p:nvSpPr>
+        <p:spPr>
+          <a:xfrm rot="18816139">
+            <a:off x="8325812" y="5560304"/>
+            <a:ext cx="830365" cy="542306"/>
+          </a:xfrm>
+          <a:prstGeom prst="rightArrow">
+            <a:avLst/>
+          </a:prstGeom>
+        </p:spPr>
+        <p:style>
+          <a:lnRef idx="2">
+            <a:schemeClr val="accent1">
+              <a:shade val="50000"/>
+            </a:schemeClr>
+          </a:lnRef>
+          <a:fillRef idx="1">
+            <a:schemeClr val="accent1"/>
+          </a:fillRef>
+          <a:effectRef idx="0">
+            <a:schemeClr val="accent1"/>
+          </a:effectRef>
+          <a:fontRef idx="minor">
+            <a:schemeClr val="lt1"/>
+          </a:fontRef>
+        </p:style>
+        <p:txBody>
+          <a:bodyPr rtlCol="0" anchor="ctr"/>
+          <a:lstStyle/>
+          <a:p>
+            <a:pPr algn="ctr"/>
+            <a:endParaRPr lang="zh-CN" altLang="en-US" dirty="0"/>
+          </a:p>
+        </p:txBody>
+      </p:sp>
+      <p:sp>
+        <p:nvSpPr>
+          <p:cNvPr id="15" name="文本框 14">
+            <a:extLst>
+              <a:ext uri="{FF2B5EF4-FFF2-40B4-BE49-F238E27FC236}">
+                <a16:creationId xmlns:a16="http://schemas.microsoft.com/office/drawing/2014/main" id="{708A1020-D1E9-4388-AED1-7451F122BE75}"/>
               </a:ext>
             </a:extLst>
           </p:cNvPr>
@@ -5050,8 +4404,8 @@
         </p:nvSpPr>
         <p:spPr>
           <a:xfrm>
-            <a:off x="760021" y="1741714"/>
-            <a:ext cx="10474036" cy="1754326"/>
+            <a:off x="6879770" y="6256412"/>
+            <a:ext cx="3091282" cy="369332"/>
           </a:xfrm>
           <a:prstGeom prst="rect">
             <a:avLst/>
@@ -5059,122 +4413,217 @@
           <a:noFill/>
         </p:spPr>
         <p:txBody>
-          <a:bodyPr wrap="square" rtlCol="0">
+          <a:bodyPr wrap="square">
             <a:spAutoFit/>
           </a:bodyPr>
           <a:lstStyle/>
           <a:p>
             <a:r>
-              <a:rPr lang="zh-CN" altLang="en-US" dirty="0"/>
-              <a:t>传感器向被测物质中发出一束超声波脉冲，超声波在经过悬浮颗粒时由于悬浮颗粒的散射和能量吸收会发生衰减，其衰减特性与悬浮颗粒的种类、粒径以及浆液浓度有关。</a:t>
-            </a:r>
-            <a:endParaRPr lang="en-US" altLang="zh-CN" dirty="0"/>
-          </a:p>
-          <a:p>
-            <a:endParaRPr lang="en-US" altLang="zh-CN" dirty="0"/>
-          </a:p>
-          <a:p>
-            <a:r>
-              <a:rPr lang="zh-CN" altLang="en-US" dirty="0"/>
-              <a:t>换能器在一定时间内连续发出不同频率的超声波脉冲，在另一端被接收，接收到的信号包含了悬浮颗粒与浆液浓度的信息。使用机器学习方法，通过分析大量包含发射信号、接收信号以及浓度值、浆液成分的测试样本，可以推导出超声衰减特性与浆液性质的数学模型。</a:t>
-            </a:r>
-          </a:p>
-        </p:txBody>
-      </p:sp>
-    </p:spTree>
-    <p:extLst>
-      <p:ext uri="{BB962C8B-B14F-4D97-AF65-F5344CB8AC3E}">
-        <p14:creationId xmlns:p14="http://schemas.microsoft.com/office/powerpoint/2010/main" val="4063264762"/>
-      </p:ext>
-    </p:extLst>
-  </p:cSld>
-  <p:clrMapOvr>
-    <a:masterClrMapping/>
-  </p:clrMapOvr>
-</p:sld>
-</file>
-
-<file path=ppt/slides/slide13.xml><?xml version="1.0" encoding="utf-8"?>
-<p:sld xmlns:a="http://schemas.openxmlformats.org/drawingml/2006/main" xmlns:r="http://schemas.openxmlformats.org/officeDocument/2006/relationships" xmlns:p="http://schemas.openxmlformats.org/presentationml/2006/main">
-  <p:cSld>
-    <p:spTree>
-      <p:nvGrpSpPr>
-        <p:cNvPr id="1" name=""/>
-        <p:cNvGrpSpPr/>
-        <p:nvPr/>
-      </p:nvGrpSpPr>
-      <p:grpSpPr>
-        <a:xfrm>
-          <a:off x="0" y="0"/>
-          <a:ext cx="0" cy="0"/>
-          <a:chOff x="0" y="0"/>
-          <a:chExt cx="0" cy="0"/>
-        </a:xfrm>
-      </p:grpSpPr>
-      <p:sp>
-        <p:nvSpPr>
-          <p:cNvPr id="2" name="标题 1">
+              <a:rPr lang="zh-CN" altLang="en-US" b="1" dirty="0"/>
+              <a:t>人工烘干法测量浓度值</a:t>
+            </a:r>
+            <a:endParaRPr lang="zh-CN" altLang="en-US" dirty="0"/>
+          </a:p>
+        </p:txBody>
+      </p:sp>
+      <mc:AlternateContent xmlns:mc="http://schemas.openxmlformats.org/markup-compatibility/2006" xmlns:a14="http://schemas.microsoft.com/office/drawing/2010/main">
+        <mc:Choice Requires="a14">
+          <p:sp>
+            <p:nvSpPr>
+              <p:cNvPr id="16" name="文本框 15">
+                <a:extLst>
+                  <a:ext uri="{FF2B5EF4-FFF2-40B4-BE49-F238E27FC236}">
+                    <a16:creationId xmlns:a16="http://schemas.microsoft.com/office/drawing/2014/main" id="{FC65BFEE-99C1-40D4-912C-1F94F5D2635D}"/>
+                  </a:ext>
+                </a:extLst>
+              </p:cNvPr>
+              <p:cNvSpPr txBox="1"/>
+              <p:nvPr/>
+            </p:nvSpPr>
+            <p:spPr>
+              <a:xfrm>
+                <a:off x="5920969" y="4261577"/>
+                <a:ext cx="3091282" cy="369332"/>
+              </a:xfrm>
+              <a:prstGeom prst="rect">
+                <a:avLst/>
+              </a:prstGeom>
+              <a:noFill/>
+            </p:spPr>
+            <p:txBody>
+              <a:bodyPr wrap="square">
+                <a:spAutoFit/>
+              </a:bodyPr>
+              <a:lstStyle/>
+              <a:p>
+                <a:pPr/>
+                <a14:m>
+                  <m:oMathPara xmlns:m="http://schemas.openxmlformats.org/officeDocument/2006/math">
+                    <m:oMathParaPr>
+                      <m:jc m:val="centerGroup"/>
+                    </m:oMathParaPr>
+                    <m:oMath xmlns:m="http://schemas.openxmlformats.org/officeDocument/2006/math">
+                      <m:r>
+                        <a:rPr lang="en-US" altLang="zh-CN" b="0" i="1" smtClean="0">
+                          <a:latin typeface="Cambria Math" panose="02040503050406030204" pitchFamily="18" charset="0"/>
+                        </a:rPr>
+                        <m:t>𝑋</m:t>
+                      </m:r>
+                    </m:oMath>
+                  </m:oMathPara>
+                </a14:m>
+                <a:endParaRPr lang="zh-CN" altLang="en-US" dirty="0"/>
+              </a:p>
+            </p:txBody>
+          </p:sp>
+        </mc:Choice>
+        <mc:Fallback xmlns="">
+          <p:sp>
+            <p:nvSpPr>
+              <p:cNvPr id="16" name="文本框 15">
+                <a:extLst>
+                  <a:ext uri="{FF2B5EF4-FFF2-40B4-BE49-F238E27FC236}">
+                    <a16:creationId xmlns:a16="http://schemas.microsoft.com/office/drawing/2014/main" id="{FC65BFEE-99C1-40D4-912C-1F94F5D2635D}"/>
+                  </a:ext>
+                </a:extLst>
+              </p:cNvPr>
+              <p:cNvSpPr txBox="1">
+                <a:spLocks noRot="1" noChangeAspect="1" noMove="1" noResize="1" noEditPoints="1" noAdjustHandles="1" noChangeArrowheads="1" noChangeShapeType="1" noTextEdit="1"/>
+              </p:cNvSpPr>
+              <p:nvPr/>
+            </p:nvSpPr>
+            <p:spPr>
+              <a:xfrm>
+                <a:off x="5920969" y="4261577"/>
+                <a:ext cx="3091282" cy="369332"/>
+              </a:xfrm>
+              <a:prstGeom prst="rect">
+                <a:avLst/>
+              </a:prstGeom>
+              <a:blipFill>
+                <a:blip r:embed="rId2"/>
+                <a:stretch>
+                  <a:fillRect/>
+                </a:stretch>
+              </a:blipFill>
+            </p:spPr>
+            <p:txBody>
+              <a:bodyPr/>
+              <a:lstStyle/>
+              <a:p>
+                <a:r>
+                  <a:rPr lang="zh-CN" altLang="en-US">
+                    <a:noFill/>
+                  </a:rPr>
+                  <a:t> </a:t>
+                </a:r>
+              </a:p>
+            </p:txBody>
+          </p:sp>
+        </mc:Fallback>
+      </mc:AlternateContent>
+      <mc:AlternateContent xmlns:mc="http://schemas.openxmlformats.org/markup-compatibility/2006" xmlns:a14="http://schemas.microsoft.com/office/drawing/2010/main">
+        <mc:Choice Requires="a14">
+          <p:sp>
+            <p:nvSpPr>
+              <p:cNvPr id="17" name="文本框 16">
+                <a:extLst>
+                  <a:ext uri="{FF2B5EF4-FFF2-40B4-BE49-F238E27FC236}">
+                    <a16:creationId xmlns:a16="http://schemas.microsoft.com/office/drawing/2014/main" id="{78537CB6-E8BE-4664-A254-2D98BF6B2FA5}"/>
+                  </a:ext>
+                </a:extLst>
+              </p:cNvPr>
+              <p:cNvSpPr txBox="1"/>
+              <p:nvPr/>
+            </p:nvSpPr>
+            <p:spPr>
+              <a:xfrm>
+                <a:off x="6754645" y="5563651"/>
+                <a:ext cx="3091282" cy="369332"/>
+              </a:xfrm>
+              <a:prstGeom prst="rect">
+                <a:avLst/>
+              </a:prstGeom>
+              <a:noFill/>
+            </p:spPr>
+            <p:txBody>
+              <a:bodyPr wrap="square">
+                <a:spAutoFit/>
+              </a:bodyPr>
+              <a:lstStyle/>
+              <a:p>
+                <a:pPr/>
+                <a14:m>
+                  <m:oMathPara xmlns:m="http://schemas.openxmlformats.org/officeDocument/2006/math">
+                    <m:oMathParaPr>
+                      <m:jc m:val="centerGroup"/>
+                    </m:oMathParaPr>
+                    <m:oMath xmlns:m="http://schemas.openxmlformats.org/officeDocument/2006/math">
+                      <m:r>
+                        <a:rPr lang="en-US" altLang="zh-CN" b="0" i="1" smtClean="0">
+                          <a:latin typeface="Cambria Math" panose="02040503050406030204" pitchFamily="18" charset="0"/>
+                        </a:rPr>
+                        <m:t>𝑌</m:t>
+                      </m:r>
+                    </m:oMath>
+                  </m:oMathPara>
+                </a14:m>
+                <a:endParaRPr lang="zh-CN" altLang="en-US" dirty="0"/>
+              </a:p>
+            </p:txBody>
+          </p:sp>
+        </mc:Choice>
+        <mc:Fallback xmlns="">
+          <p:sp>
+            <p:nvSpPr>
+              <p:cNvPr id="17" name="文本框 16">
+                <a:extLst>
+                  <a:ext uri="{FF2B5EF4-FFF2-40B4-BE49-F238E27FC236}">
+                    <a16:creationId xmlns:a16="http://schemas.microsoft.com/office/drawing/2014/main" id="{78537CB6-E8BE-4664-A254-2D98BF6B2FA5}"/>
+                  </a:ext>
+                </a:extLst>
+              </p:cNvPr>
+              <p:cNvSpPr txBox="1">
+                <a:spLocks noRot="1" noChangeAspect="1" noMove="1" noResize="1" noEditPoints="1" noAdjustHandles="1" noChangeArrowheads="1" noChangeShapeType="1" noTextEdit="1"/>
+              </p:cNvSpPr>
+              <p:nvPr/>
+            </p:nvSpPr>
+            <p:spPr>
+              <a:xfrm>
+                <a:off x="6754645" y="5563651"/>
+                <a:ext cx="3091282" cy="369332"/>
+              </a:xfrm>
+              <a:prstGeom prst="rect">
+                <a:avLst/>
+              </a:prstGeom>
+              <a:blipFill>
+                <a:blip r:embed="rId3"/>
+                <a:stretch>
+                  <a:fillRect/>
+                </a:stretch>
+              </a:blipFill>
+            </p:spPr>
+            <p:txBody>
+              <a:bodyPr/>
+              <a:lstStyle/>
+              <a:p>
+                <a:r>
+                  <a:rPr lang="zh-CN" altLang="en-US">
+                    <a:noFill/>
+                  </a:rPr>
+                  <a:t> </a:t>
+                </a:r>
+              </a:p>
+            </p:txBody>
+          </p:sp>
+        </mc:Fallback>
+      </mc:AlternateContent>
+      <p:sp>
+        <p:nvSpPr>
+          <p:cNvPr id="18" name="文本框 17">
             <a:extLst>
               <a:ext uri="{FF2B5EF4-FFF2-40B4-BE49-F238E27FC236}">
-                <a16:creationId xmlns:a16="http://schemas.microsoft.com/office/drawing/2014/main" id="{F9FF4E26-1B9F-462E-9BC6-D6604CFF5438}"/>
-              </a:ext>
-            </a:extLst>
-          </p:cNvPr>
-          <p:cNvSpPr>
-            <a:spLocks noGrp="1"/>
-          </p:cNvSpPr>
-          <p:nvPr>
-            <p:ph type="title"/>
-          </p:nvPr>
-        </p:nvSpPr>
-        <p:spPr/>
-        <p:txBody>
-          <a:bodyPr/>
-          <a:lstStyle/>
-          <a:p>
-            <a:r>
-              <a:rPr lang="zh-CN" altLang="en-US" dirty="0"/>
-              <a:t>接收电路设计</a:t>
-            </a:r>
-          </a:p>
-        </p:txBody>
-      </p:sp>
-      <p:pic>
-        <p:nvPicPr>
-          <p:cNvPr id="4" name="图片 3">
-            <a:extLst>
-              <a:ext uri="{FF2B5EF4-FFF2-40B4-BE49-F238E27FC236}">
-                <a16:creationId xmlns:a16="http://schemas.microsoft.com/office/drawing/2014/main" id="{34A577A9-8965-4B06-8A66-D41309D6D379}"/>
-              </a:ext>
-            </a:extLst>
-          </p:cNvPr>
-          <p:cNvPicPr>
-            <a:picLocks noChangeAspect="1"/>
-          </p:cNvPicPr>
-          <p:nvPr/>
-        </p:nvPicPr>
-        <p:blipFill>
-          <a:blip r:embed="rId2"/>
-          <a:stretch>
-            <a:fillRect/>
-          </a:stretch>
-        </p:blipFill>
-        <p:spPr>
-          <a:xfrm>
-            <a:off x="815439" y="3579221"/>
-            <a:ext cx="6931231" cy="2925250"/>
-          </a:xfrm>
-          <a:prstGeom prst="rect">
-            <a:avLst/>
-          </a:prstGeom>
-        </p:spPr>
-      </p:pic>
-      <p:sp>
-        <p:nvSpPr>
-          <p:cNvPr id="5" name="文本框 4">
-            <a:extLst>
-              <a:ext uri="{FF2B5EF4-FFF2-40B4-BE49-F238E27FC236}">
-                <a16:creationId xmlns:a16="http://schemas.microsoft.com/office/drawing/2014/main" id="{B458A5A2-55A6-4C71-AC44-54D4C45BA2FD}"/>
+                <a16:creationId xmlns:a16="http://schemas.microsoft.com/office/drawing/2014/main" id="{852E5220-34DB-45B2-ACD7-CBAE441B240D}"/>
               </a:ext>
             </a:extLst>
           </p:cNvPr>
@@ -5183,8 +4632,8 @@
         </p:nvSpPr>
         <p:spPr>
           <a:xfrm>
-            <a:off x="760021" y="1741714"/>
-            <a:ext cx="10474036" cy="1754326"/>
+            <a:off x="760021" y="3262807"/>
+            <a:ext cx="1832428" cy="369332"/>
           </a:xfrm>
           <a:prstGeom prst="rect">
             <a:avLst/>
@@ -5198,18 +4647,8 @@
           <a:lstStyle/>
           <a:p>
             <a:r>
-              <a:rPr lang="zh-CN" altLang="en-US" dirty="0"/>
-              <a:t>传感器向被测物质中发出一束超声波脉冲，超声波在经过悬浮颗粒时由于悬浮颗粒的散射和能量吸收会发生衰减，其衰减特性与悬浮颗粒的种类、粒径以及浆液浓度有关。</a:t>
-            </a:r>
-            <a:endParaRPr lang="en-US" altLang="zh-CN" dirty="0"/>
-          </a:p>
-          <a:p>
-            <a:endParaRPr lang="en-US" altLang="zh-CN" dirty="0"/>
-          </a:p>
-          <a:p>
-            <a:r>
-              <a:rPr lang="zh-CN" altLang="en-US" dirty="0"/>
-              <a:t>换能器在一定时间内连续发出不同频率的超声波脉冲，在另一端被接收，接收到的信号包含了悬浮颗粒与浆液浓度的信息。使用机器学习方法，通过分析大量包含发射信号、接收信号以及浓度值、浆液成分的测试样本，可以推导出超声衰减特性与浆液性质的数学模型。</a:t>
+              <a:rPr lang="zh-CN" altLang="en-US" b="1" dirty="0"/>
+              <a:t>机器学习过程：</a:t>
             </a:r>
           </a:p>
         </p:txBody>
@@ -5217,140 +4656,7 @@
     </p:spTree>
     <p:extLst>
       <p:ext uri="{BB962C8B-B14F-4D97-AF65-F5344CB8AC3E}">
-        <p14:creationId xmlns:p14="http://schemas.microsoft.com/office/powerpoint/2010/main" val="4168163252"/>
-      </p:ext>
-    </p:extLst>
-  </p:cSld>
-  <p:clrMapOvr>
-    <a:masterClrMapping/>
-  </p:clrMapOvr>
-</p:sld>
-</file>
-
-<file path=ppt/slides/slide14.xml><?xml version="1.0" encoding="utf-8"?>
-<p:sld xmlns:a="http://schemas.openxmlformats.org/drawingml/2006/main" xmlns:r="http://schemas.openxmlformats.org/officeDocument/2006/relationships" xmlns:p="http://schemas.openxmlformats.org/presentationml/2006/main">
-  <p:cSld>
-    <p:spTree>
-      <p:nvGrpSpPr>
-        <p:cNvPr id="1" name=""/>
-        <p:cNvGrpSpPr/>
-        <p:nvPr/>
-      </p:nvGrpSpPr>
-      <p:grpSpPr>
-        <a:xfrm>
-          <a:off x="0" y="0"/>
-          <a:ext cx="0" cy="0"/>
-          <a:chOff x="0" y="0"/>
-          <a:chExt cx="0" cy="0"/>
-        </a:xfrm>
-      </p:grpSpPr>
-      <p:sp>
-        <p:nvSpPr>
-          <p:cNvPr id="2" name="标题 1">
-            <a:extLst>
-              <a:ext uri="{FF2B5EF4-FFF2-40B4-BE49-F238E27FC236}">
-                <a16:creationId xmlns:a16="http://schemas.microsoft.com/office/drawing/2014/main" id="{F9FF4E26-1B9F-462E-9BC6-D6604CFF5438}"/>
-              </a:ext>
-            </a:extLst>
-          </p:cNvPr>
-          <p:cNvSpPr>
-            <a:spLocks noGrp="1"/>
-          </p:cNvSpPr>
-          <p:nvPr>
-            <p:ph type="title"/>
-          </p:nvPr>
-        </p:nvSpPr>
-        <p:spPr/>
-        <p:txBody>
-          <a:bodyPr/>
-          <a:lstStyle/>
-          <a:p>
-            <a:r>
-              <a:rPr lang="zh-CN" altLang="en-US" dirty="0"/>
-              <a:t>控制电路设计</a:t>
-            </a:r>
-          </a:p>
-        </p:txBody>
-      </p:sp>
-      <p:pic>
-        <p:nvPicPr>
-          <p:cNvPr id="4" name="图片 3">
-            <a:extLst>
-              <a:ext uri="{FF2B5EF4-FFF2-40B4-BE49-F238E27FC236}">
-                <a16:creationId xmlns:a16="http://schemas.microsoft.com/office/drawing/2014/main" id="{34A577A9-8965-4B06-8A66-D41309D6D379}"/>
-              </a:ext>
-            </a:extLst>
-          </p:cNvPr>
-          <p:cNvPicPr>
-            <a:picLocks noChangeAspect="1"/>
-          </p:cNvPicPr>
-          <p:nvPr/>
-        </p:nvPicPr>
-        <p:blipFill>
-          <a:blip r:embed="rId2"/>
-          <a:stretch>
-            <a:fillRect/>
-          </a:stretch>
-        </p:blipFill>
-        <p:spPr>
-          <a:xfrm>
-            <a:off x="815439" y="3579221"/>
-            <a:ext cx="6931231" cy="2925250"/>
-          </a:xfrm>
-          <a:prstGeom prst="rect">
-            <a:avLst/>
-          </a:prstGeom>
-        </p:spPr>
-      </p:pic>
-      <p:sp>
-        <p:nvSpPr>
-          <p:cNvPr id="5" name="文本框 4">
-            <a:extLst>
-              <a:ext uri="{FF2B5EF4-FFF2-40B4-BE49-F238E27FC236}">
-                <a16:creationId xmlns:a16="http://schemas.microsoft.com/office/drawing/2014/main" id="{B458A5A2-55A6-4C71-AC44-54D4C45BA2FD}"/>
-              </a:ext>
-            </a:extLst>
-          </p:cNvPr>
-          <p:cNvSpPr txBox="1"/>
-          <p:nvPr/>
-        </p:nvSpPr>
-        <p:spPr>
-          <a:xfrm>
-            <a:off x="760021" y="1741714"/>
-            <a:ext cx="10474036" cy="1754326"/>
-          </a:xfrm>
-          <a:prstGeom prst="rect">
-            <a:avLst/>
-          </a:prstGeom>
-          <a:noFill/>
-        </p:spPr>
-        <p:txBody>
-          <a:bodyPr wrap="square" rtlCol="0">
-            <a:spAutoFit/>
-          </a:bodyPr>
-          <a:lstStyle/>
-          <a:p>
-            <a:r>
-              <a:rPr lang="zh-CN" altLang="en-US" dirty="0"/>
-              <a:t>传感器向被测物质中发出一束超声波脉冲，超声波在经过悬浮颗粒时由于悬浮颗粒的散射和能量吸收会发生衰减，其衰减特性与悬浮颗粒的种类、粒径以及浆液浓度有关。</a:t>
-            </a:r>
-            <a:endParaRPr lang="en-US" altLang="zh-CN" dirty="0"/>
-          </a:p>
-          <a:p>
-            <a:endParaRPr lang="en-US" altLang="zh-CN" dirty="0"/>
-          </a:p>
-          <a:p>
-            <a:r>
-              <a:rPr lang="zh-CN" altLang="en-US" dirty="0"/>
-              <a:t>换能器在一定时间内连续发出不同频率的超声波脉冲，在另一端被接收，接收到的信号包含了悬浮颗粒与浆液浓度的信息。使用机器学习方法，通过分析大量包含发射信号、接收信号以及浓度值、浆液成分的测试样本，可以推导出超声衰减特性与浆液性质的数学模型。</a:t>
-            </a:r>
-          </a:p>
-        </p:txBody>
-      </p:sp>
-    </p:spTree>
-    <p:extLst>
-      <p:ext uri="{BB962C8B-B14F-4D97-AF65-F5344CB8AC3E}">
-        <p14:creationId xmlns:p14="http://schemas.microsoft.com/office/powerpoint/2010/main" val="895328374"/>
+        <p14:creationId xmlns:p14="http://schemas.microsoft.com/office/powerpoint/2010/main" val="1158029200"/>
       </p:ext>
     </p:extLst>
   </p:cSld>
@@ -5441,8 +4747,8 @@
           </a:p>
         </p:txBody>
       </p:sp>
-      <mc:AlternateContent xmlns:mc="http://schemas.openxmlformats.org/markup-compatibility/2006">
-        <mc:Choice xmlns:a14="http://schemas.microsoft.com/office/drawing/2010/main" Requires="a14">
+      <mc:AlternateContent xmlns:mc="http://schemas.openxmlformats.org/markup-compatibility/2006" xmlns:a14="http://schemas.microsoft.com/office/drawing/2010/main">
+        <mc:Choice Requires="a14">
           <p:graphicFrame>
             <p:nvGraphicFramePr>
               <p:cNvPr id="3" name="表格 5">
@@ -5892,7 +5198,7 @@
             </a:graphic>
           </p:graphicFrame>
         </mc:Choice>
-        <mc:Fallback>
+        <mc:Fallback xmlns="">
           <p:graphicFrame>
             <p:nvGraphicFramePr>
               <p:cNvPr id="3" name="表格 5">
@@ -6308,8 +5614,8 @@
           </a:p>
         </p:txBody>
       </p:sp>
-      <mc:AlternateContent xmlns:mc="http://schemas.openxmlformats.org/markup-compatibility/2006">
-        <mc:Choice xmlns:a14="http://schemas.microsoft.com/office/drawing/2010/main" Requires="a14">
+      <mc:AlternateContent xmlns:mc="http://schemas.openxmlformats.org/markup-compatibility/2006" xmlns:a14="http://schemas.microsoft.com/office/drawing/2010/main">
+        <mc:Choice Requires="a14">
           <p:sp>
             <p:nvSpPr>
               <p:cNvPr id="9" name="文本框 8">
@@ -6570,7 +5876,7 @@
             </p:txBody>
           </p:sp>
         </mc:Choice>
-        <mc:Fallback>
+        <mc:Fallback xmlns="">
           <p:sp>
             <p:nvSpPr>
               <p:cNvPr id="9" name="文本框 8">
@@ -8008,8 +7314,8 @@
           </p:sp>
         </mc:Fallback>
       </mc:AlternateContent>
-      <mc:AlternateContent xmlns:mc="http://schemas.openxmlformats.org/markup-compatibility/2006">
-        <mc:Choice xmlns:a14="http://schemas.microsoft.com/office/drawing/2010/main" Requires="a14">
+      <mc:AlternateContent xmlns:mc="http://schemas.openxmlformats.org/markup-compatibility/2006" xmlns:a14="http://schemas.microsoft.com/office/drawing/2010/main">
+        <mc:Choice Requires="a14">
           <p:sp>
             <p:nvSpPr>
               <p:cNvPr id="6" name="文本框 5">
@@ -8205,7 +7511,7 @@
             </p:txBody>
           </p:sp>
         </mc:Choice>
-        <mc:Fallback>
+        <mc:Fallback xmlns="">
           <p:sp>
             <p:nvSpPr>
               <p:cNvPr id="6" name="文本框 5">
@@ -9568,7 +8874,7 @@
           <p:nvPr>
             <p:extLst>
               <p:ext uri="{D42A27DB-BD31-4B8C-83A1-F6EECF244321}">
-                <p14:modId xmlns:p14="http://schemas.microsoft.com/office/powerpoint/2010/main" val="2313771850"/>
+                <p14:modId xmlns:p14="http://schemas.microsoft.com/office/powerpoint/2010/main" val="3190145174"/>
               </p:ext>
             </p:extLst>
           </p:nvPr>
@@ -9619,9 +8925,10 @@
                     <a:lstStyle/>
                     <a:p>
                       <a:r>
-                        <a:rPr lang="zh-CN" altLang="en-US" dirty="0"/>
-                        <a:t>频率</a:t>
+                        <a:rPr lang="zh-CN" altLang="en-US" dirty="0" smtClean="0"/>
+                        <a:t>谐振频率</a:t>
                       </a:r>
+                      <a:endParaRPr lang="zh-CN" altLang="en-US" dirty="0"/>
                     </a:p>
                   </a:txBody>
                   <a:tcPr/>
@@ -9697,7 +9004,11 @@
                     <a:p>
                       <a:r>
                         <a:rPr lang="en-US" altLang="zh-CN" dirty="0"/>
-                        <a:t>1MHz</a:t>
+                        <a:t>2</a:t>
+                      </a:r>
+                      <a:r>
+                        <a:rPr lang="en-US" altLang="zh-CN" dirty="0" smtClean="0"/>
+                        <a:t>MHz</a:t>
                       </a:r>
                       <a:endParaRPr lang="zh-CN" altLang="en-US" dirty="0"/>
                     </a:p>
@@ -9775,7 +9086,11 @@
                     <a:p>
                       <a:r>
                         <a:rPr lang="en-US" altLang="zh-CN" dirty="0"/>
-                        <a:t>2MHz</a:t>
+                        <a:t>1</a:t>
+                      </a:r>
+                      <a:r>
+                        <a:rPr lang="en-US" altLang="zh-CN" dirty="0" smtClean="0"/>
+                        <a:t>MHz</a:t>
                       </a:r>
                       <a:endParaRPr lang="zh-CN" altLang="en-US" dirty="0"/>
                     </a:p>
@@ -9846,6 +9161,158 @@
               <a:t>	</a:t>
             </a:r>
             <a:endParaRPr lang="zh-CN" altLang="en-US" sz="2400" b="1" dirty="0"/>
+          </a:p>
+        </p:txBody>
+      </p:sp>
+      <p:sp>
+        <p:nvSpPr>
+          <p:cNvPr id="3" name="文本框 2"/>
+          <p:cNvSpPr txBox="1"/>
+          <p:nvPr/>
+        </p:nvSpPr>
+        <p:spPr>
+          <a:xfrm>
+            <a:off x="3479800" y="3289300"/>
+            <a:ext cx="285628" cy="369332"/>
+          </a:xfrm>
+          <a:prstGeom prst="rect">
+            <a:avLst/>
+          </a:prstGeom>
+          <a:noFill/>
+        </p:spPr>
+        <p:txBody>
+          <a:bodyPr wrap="square" rtlCol="0">
+            <a:spAutoFit/>
+          </a:bodyPr>
+          <a:lstStyle/>
+          <a:p>
+            <a:r>
+              <a:rPr lang="en-US" b="1" dirty="0" smtClean="0">
+                <a:solidFill>
+                  <a:srgbClr val="FF0000"/>
+                </a:solidFill>
+              </a:rPr>
+              <a:t>1</a:t>
+            </a:r>
+            <a:endParaRPr lang="en-US" b="1" dirty="0">
+              <a:solidFill>
+                <a:srgbClr val="FF0000"/>
+              </a:solidFill>
+            </a:endParaRPr>
+          </a:p>
+        </p:txBody>
+      </p:sp>
+      <p:sp>
+        <p:nvSpPr>
+          <p:cNvPr id="21" name="文本框 20"/>
+          <p:cNvSpPr txBox="1"/>
+          <p:nvPr/>
+        </p:nvSpPr>
+        <p:spPr>
+          <a:xfrm>
+            <a:off x="1861217" y="4604863"/>
+            <a:ext cx="285628" cy="369332"/>
+          </a:xfrm>
+          <a:prstGeom prst="rect">
+            <a:avLst/>
+          </a:prstGeom>
+          <a:noFill/>
+        </p:spPr>
+        <p:txBody>
+          <a:bodyPr wrap="square" rtlCol="0">
+            <a:spAutoFit/>
+          </a:bodyPr>
+          <a:lstStyle/>
+          <a:p>
+            <a:r>
+              <a:rPr lang="en-US" b="1" dirty="0">
+                <a:solidFill>
+                  <a:srgbClr val="FF0000"/>
+                </a:solidFill>
+              </a:rPr>
+              <a:t>2</a:t>
+            </a:r>
+            <a:endParaRPr lang="en-US" b="1" dirty="0">
+              <a:solidFill>
+                <a:srgbClr val="FF0000"/>
+              </a:solidFill>
+            </a:endParaRPr>
+          </a:p>
+        </p:txBody>
+      </p:sp>
+      <p:sp>
+        <p:nvSpPr>
+          <p:cNvPr id="23" name="文本框 22"/>
+          <p:cNvSpPr txBox="1"/>
+          <p:nvPr/>
+        </p:nvSpPr>
+        <p:spPr>
+          <a:xfrm>
+            <a:off x="2032202" y="3260894"/>
+            <a:ext cx="285628" cy="369332"/>
+          </a:xfrm>
+          <a:prstGeom prst="rect">
+            <a:avLst/>
+          </a:prstGeom>
+          <a:noFill/>
+        </p:spPr>
+        <p:txBody>
+          <a:bodyPr wrap="square" rtlCol="0">
+            <a:spAutoFit/>
+          </a:bodyPr>
+          <a:lstStyle/>
+          <a:p>
+            <a:r>
+              <a:rPr lang="en-US" b="1" dirty="0">
+                <a:solidFill>
+                  <a:srgbClr val="FF0000"/>
+                </a:solidFill>
+              </a:rPr>
+              <a:t>3</a:t>
+            </a:r>
+            <a:endParaRPr lang="en-US" b="1" dirty="0">
+              <a:solidFill>
+                <a:srgbClr val="FF0000"/>
+              </a:solidFill>
+            </a:endParaRPr>
+          </a:p>
+        </p:txBody>
+      </p:sp>
+      <p:sp>
+        <p:nvSpPr>
+          <p:cNvPr id="24" name="文本框 23"/>
+          <p:cNvSpPr txBox="1"/>
+          <p:nvPr/>
+        </p:nvSpPr>
+        <p:spPr>
+          <a:xfrm>
+            <a:off x="3136791" y="4630023"/>
+            <a:ext cx="285628" cy="369332"/>
+          </a:xfrm>
+          <a:prstGeom prst="rect">
+            <a:avLst/>
+          </a:prstGeom>
+          <a:noFill/>
+        </p:spPr>
+        <p:txBody>
+          <a:bodyPr wrap="square" rtlCol="0">
+            <a:spAutoFit/>
+          </a:bodyPr>
+          <a:lstStyle/>
+          <a:p>
+            <a:r>
+              <a:rPr lang="en-US" b="1" dirty="0">
+                <a:solidFill>
+                  <a:srgbClr val="FF0000"/>
+                </a:solidFill>
+              </a:rPr>
+              <a:t>4</a:t>
+            </a:r>
+            <a:endParaRPr lang="en-US" b="1" dirty="0">
+              <a:solidFill>
+                <a:srgbClr val="FF0000"/>
+              </a:solidFill>
+            </a:endParaRPr>
           </a:p>
         </p:txBody>
       </p:sp>
@@ -9902,17 +9369,194 @@
           <a:p>
             <a:r>
               <a:rPr lang="zh-CN" altLang="en-US" dirty="0"/>
-              <a:t>方案介绍</a:t>
-            </a:r>
-          </a:p>
-        </p:txBody>
-      </p:sp>
-      <p:sp>
-        <p:nvSpPr>
-          <p:cNvPr id="5" name="文本框 4">
+              <a:t>测试容器与</a:t>
+            </a:r>
+            <a:r>
+              <a:rPr lang="zh-CN" altLang="en-US" dirty="0" smtClean="0"/>
+              <a:t>探头分布</a:t>
+            </a:r>
+            <a:endParaRPr lang="zh-CN" altLang="en-US" dirty="0"/>
+          </a:p>
+        </p:txBody>
+      </p:sp>
+      <p:pic>
+        <p:nvPicPr>
+          <p:cNvPr id="3" name="图片 2">
             <a:extLst>
               <a:ext uri="{FF2B5EF4-FFF2-40B4-BE49-F238E27FC236}">
-                <a16:creationId xmlns:a16="http://schemas.microsoft.com/office/drawing/2014/main" id="{B458A5A2-55A6-4C71-AC44-54D4C45BA2FD}"/>
+                <a16:creationId xmlns:a16="http://schemas.microsoft.com/office/drawing/2014/main" id="{C9FA2C3F-685F-4F07-95A9-61B7B057E4CC}"/>
+              </a:ext>
+            </a:extLst>
+          </p:cNvPr>
+          <p:cNvPicPr>
+            <a:picLocks noChangeAspect="1"/>
+          </p:cNvPicPr>
+          <p:nvPr/>
+        </p:nvPicPr>
+        <p:blipFill>
+          <a:blip r:embed="rId2"/>
+          <a:stretch>
+            <a:fillRect/>
+          </a:stretch>
+        </p:blipFill>
+        <p:spPr>
+          <a:xfrm>
+            <a:off x="711652" y="2044141"/>
+            <a:ext cx="3853543" cy="1966240"/>
+          </a:xfrm>
+          <a:prstGeom prst="rect">
+            <a:avLst/>
+          </a:prstGeom>
+        </p:spPr>
+      </p:pic>
+      <p:pic>
+        <p:nvPicPr>
+          <p:cNvPr id="4" name="图片 3">
+            <a:extLst>
+              <a:ext uri="{FF2B5EF4-FFF2-40B4-BE49-F238E27FC236}">
+                <a16:creationId xmlns:a16="http://schemas.microsoft.com/office/drawing/2014/main" id="{8900E6E9-ADB8-4EE7-8CC7-059A81410EBE}"/>
+              </a:ext>
+            </a:extLst>
+          </p:cNvPr>
+          <p:cNvPicPr>
+            <a:picLocks noChangeAspect="1"/>
+          </p:cNvPicPr>
+          <p:nvPr/>
+        </p:nvPicPr>
+        <p:blipFill>
+          <a:blip r:embed="rId3"/>
+          <a:stretch>
+            <a:fillRect/>
+          </a:stretch>
+        </p:blipFill>
+        <p:spPr>
+          <a:xfrm>
+            <a:off x="1322125" y="4529503"/>
+            <a:ext cx="2698332" cy="1631811"/>
+          </a:xfrm>
+          <a:prstGeom prst="rect">
+            <a:avLst/>
+          </a:prstGeom>
+        </p:spPr>
+      </p:pic>
+      <p:cxnSp>
+        <p:nvCxnSpPr>
+          <p:cNvPr id="6" name="直接连接符 5">
+            <a:extLst>
+              <a:ext uri="{FF2B5EF4-FFF2-40B4-BE49-F238E27FC236}">
+                <a16:creationId xmlns:a16="http://schemas.microsoft.com/office/drawing/2014/main" id="{C7B274E8-50E5-4550-AE3A-7DAA1A535C7B}"/>
+              </a:ext>
+            </a:extLst>
+          </p:cNvPr>
+          <p:cNvCxnSpPr/>
+          <p:nvPr/>
+        </p:nvCxnSpPr>
+        <p:spPr>
+          <a:xfrm>
+            <a:off x="2576286" y="2184400"/>
+            <a:ext cx="2322285" cy="0"/>
+          </a:xfrm>
+          <a:prstGeom prst="line">
+            <a:avLst/>
+          </a:prstGeom>
+        </p:spPr>
+        <p:style>
+          <a:lnRef idx="1">
+            <a:schemeClr val="accent1"/>
+          </a:lnRef>
+          <a:fillRef idx="0">
+            <a:schemeClr val="accent1"/>
+          </a:fillRef>
+          <a:effectRef idx="0">
+            <a:schemeClr val="accent1"/>
+          </a:effectRef>
+          <a:fontRef idx="minor">
+            <a:schemeClr val="tx1"/>
+          </a:fontRef>
+        </p:style>
+      </p:cxnSp>
+      <p:cxnSp>
+        <p:nvCxnSpPr>
+          <p:cNvPr id="7" name="直接连接符 6">
+            <a:extLst>
+              <a:ext uri="{FF2B5EF4-FFF2-40B4-BE49-F238E27FC236}">
+                <a16:creationId xmlns:a16="http://schemas.microsoft.com/office/drawing/2014/main" id="{AF70B4BB-3163-40C9-92FB-F402B8997953}"/>
+              </a:ext>
+            </a:extLst>
+          </p:cNvPr>
+          <p:cNvCxnSpPr/>
+          <p:nvPr/>
+        </p:nvCxnSpPr>
+        <p:spPr>
+          <a:xfrm>
+            <a:off x="2576285" y="3857171"/>
+            <a:ext cx="2322285" cy="0"/>
+          </a:xfrm>
+          <a:prstGeom prst="line">
+            <a:avLst/>
+          </a:prstGeom>
+        </p:spPr>
+        <p:style>
+          <a:lnRef idx="1">
+            <a:schemeClr val="accent1"/>
+          </a:lnRef>
+          <a:fillRef idx="0">
+            <a:schemeClr val="accent1"/>
+          </a:fillRef>
+          <a:effectRef idx="0">
+            <a:schemeClr val="accent1"/>
+          </a:effectRef>
+          <a:fontRef idx="minor">
+            <a:schemeClr val="tx1"/>
+          </a:fontRef>
+        </p:style>
+      </p:cxnSp>
+      <p:cxnSp>
+        <p:nvCxnSpPr>
+          <p:cNvPr id="9" name="直接箭头连接符 8">
+            <a:extLst>
+              <a:ext uri="{FF2B5EF4-FFF2-40B4-BE49-F238E27FC236}">
+                <a16:creationId xmlns:a16="http://schemas.microsoft.com/office/drawing/2014/main" id="{6EF7344D-2A48-4991-84A6-2CCDD973174F}"/>
+              </a:ext>
+            </a:extLst>
+          </p:cNvPr>
+          <p:cNvCxnSpPr/>
+          <p:nvPr/>
+        </p:nvCxnSpPr>
+        <p:spPr>
+          <a:xfrm>
+            <a:off x="4829629" y="2217057"/>
+            <a:ext cx="0" cy="1582057"/>
+          </a:xfrm>
+          <a:prstGeom prst="straightConnector1">
+            <a:avLst/>
+          </a:prstGeom>
+          <a:ln>
+            <a:headEnd type="triangle"/>
+            <a:tailEnd type="triangle"/>
+          </a:ln>
+        </p:spPr>
+        <p:style>
+          <a:lnRef idx="1">
+            <a:schemeClr val="accent1"/>
+          </a:lnRef>
+          <a:fillRef idx="0">
+            <a:schemeClr val="accent1"/>
+          </a:fillRef>
+          <a:effectRef idx="0">
+            <a:schemeClr val="accent1"/>
+          </a:effectRef>
+          <a:fontRef idx="minor">
+            <a:schemeClr val="tx1"/>
+          </a:fontRef>
+        </p:style>
+      </p:cxnSp>
+      <p:sp>
+        <p:nvSpPr>
+          <p:cNvPr id="10" name="文本框 9">
+            <a:extLst>
+              <a:ext uri="{FF2B5EF4-FFF2-40B4-BE49-F238E27FC236}">
+                <a16:creationId xmlns:a16="http://schemas.microsoft.com/office/drawing/2014/main" id="{7BE113DA-7470-4D1B-A2A8-9A8710F1C18F}"/>
               </a:ext>
             </a:extLst>
           </p:cNvPr>
@@ -9921,8 +9565,8 @@
         </p:nvSpPr>
         <p:spPr>
           <a:xfrm>
-            <a:off x="760021" y="1741714"/>
-            <a:ext cx="10474036" cy="1200329"/>
+            <a:off x="4439346" y="2855616"/>
+            <a:ext cx="711184" cy="276999"/>
           </a:xfrm>
           <a:prstGeom prst="rect">
             <a:avLst/>
@@ -9936,412 +9580,141 @@
           <a:lstStyle/>
           <a:p>
             <a:r>
-              <a:rPr lang="zh-CN" altLang="en-US" dirty="0"/>
-              <a:t>换能器在一定时间内连续发出不同频率的超声波脉冲，在另一端被接收，接收到的信号包含了悬浮颗粒与浆液浓度的信息。</a:t>
-            </a:r>
-            <a:endParaRPr lang="en-US" altLang="zh-CN" dirty="0"/>
-          </a:p>
-          <a:p>
-            <a:r>
-              <a:rPr lang="zh-CN" altLang="en-US" dirty="0"/>
-              <a:t>使用机器学习方法，通过分析大量包含发射信号、接收信号以及浓度值、浆液成分的测试样本，可以推导出超声衰减特性与浆液性质的数学模型。</a:t>
-            </a:r>
-          </a:p>
-        </p:txBody>
-      </p:sp>
-      <p:sp>
-        <p:nvSpPr>
-          <p:cNvPr id="3" name="箭头: 右 2">
+              <a:rPr lang="en-US" altLang="zh-CN" sz="1200" b="1" dirty="0">
+                <a:solidFill>
+                  <a:schemeClr val="accent1"/>
+                </a:solidFill>
+              </a:rPr>
+              <a:t>300</a:t>
+            </a:r>
+            <a:endParaRPr lang="zh-CN" altLang="en-US" sz="1200" b="1" dirty="0">
+              <a:solidFill>
+                <a:schemeClr val="accent1"/>
+              </a:solidFill>
+            </a:endParaRPr>
+          </a:p>
+        </p:txBody>
+      </p:sp>
+      <p:cxnSp>
+        <p:nvCxnSpPr>
+          <p:cNvPr id="11" name="直接连接符 10">
             <a:extLst>
               <a:ext uri="{FF2B5EF4-FFF2-40B4-BE49-F238E27FC236}">
-                <a16:creationId xmlns:a16="http://schemas.microsoft.com/office/drawing/2014/main" id="{0D5EDDAE-B9A2-48A7-B6E8-52EFC09017D7}"/>
+                <a16:creationId xmlns:a16="http://schemas.microsoft.com/office/drawing/2014/main" id="{D0EC5E26-8F11-4116-8331-499E304F9401}"/>
               </a:ext>
             </a:extLst>
           </p:cNvPr>
-          <p:cNvSpPr/>
+          <p:cNvCxnSpPr/>
           <p:nvPr/>
-        </p:nvSpPr>
+        </p:nvCxnSpPr>
         <p:spPr>
           <a:xfrm>
-            <a:off x="2292927" y="3559299"/>
-            <a:ext cx="2280062" cy="542306"/>
+            <a:off x="2576284" y="4775200"/>
+            <a:ext cx="2322285" cy="0"/>
           </a:xfrm>
-          <a:prstGeom prst="rightArrow">
+          <a:prstGeom prst="line">
             <a:avLst/>
           </a:prstGeom>
         </p:spPr>
         <p:style>
-          <a:lnRef idx="2">
-            <a:schemeClr val="accent1">
-              <a:shade val="50000"/>
-            </a:schemeClr>
+          <a:lnRef idx="1">
+            <a:schemeClr val="accent1"/>
           </a:lnRef>
-          <a:fillRef idx="1">
+          <a:fillRef idx="0">
             <a:schemeClr val="accent1"/>
           </a:fillRef>
           <a:effectRef idx="0">
             <a:schemeClr val="accent1"/>
           </a:effectRef>
           <a:fontRef idx="minor">
-            <a:schemeClr val="lt1"/>
+            <a:schemeClr val="tx1"/>
           </a:fontRef>
         </p:style>
-        <p:txBody>
-          <a:bodyPr rtlCol="0" anchor="ctr"/>
-          <a:lstStyle/>
-          <a:p>
-            <a:pPr algn="ctr"/>
-            <a:r>
-              <a:rPr lang="zh-CN" altLang="en-US" dirty="0"/>
-              <a:t>超声波发射脉冲</a:t>
-            </a:r>
-          </a:p>
-        </p:txBody>
-      </p:sp>
-      <p:sp>
-        <p:nvSpPr>
-          <p:cNvPr id="6" name="箭头: 右 5">
+      </p:cxnSp>
+      <p:cxnSp>
+        <p:nvCxnSpPr>
+          <p:cNvPr id="12" name="直接连接符 11">
             <a:extLst>
               <a:ext uri="{FF2B5EF4-FFF2-40B4-BE49-F238E27FC236}">
-                <a16:creationId xmlns:a16="http://schemas.microsoft.com/office/drawing/2014/main" id="{AE695759-5B0F-4B0B-BF38-90ECA9C1C7FC}"/>
+                <a16:creationId xmlns:a16="http://schemas.microsoft.com/office/drawing/2014/main" id="{FF47B0F9-8310-4726-BE21-D42BF2405476}"/>
               </a:ext>
             </a:extLst>
           </p:cNvPr>
-          <p:cNvSpPr/>
+          <p:cNvCxnSpPr/>
           <p:nvPr/>
-        </p:nvSpPr>
+        </p:nvCxnSpPr>
         <p:spPr>
           <a:xfrm>
-            <a:off x="2292927" y="4263901"/>
-            <a:ext cx="2280062" cy="542306"/>
+            <a:off x="2576284" y="5889171"/>
+            <a:ext cx="2322285" cy="0"/>
           </a:xfrm>
-          <a:prstGeom prst="rightArrow">
+          <a:prstGeom prst="line">
             <a:avLst/>
           </a:prstGeom>
         </p:spPr>
         <p:style>
-          <a:lnRef idx="2">
-            <a:schemeClr val="accent1">
-              <a:shade val="50000"/>
-            </a:schemeClr>
+          <a:lnRef idx="1">
+            <a:schemeClr val="accent1"/>
           </a:lnRef>
-          <a:fillRef idx="1">
+          <a:fillRef idx="0">
             <a:schemeClr val="accent1"/>
           </a:fillRef>
           <a:effectRef idx="0">
             <a:schemeClr val="accent1"/>
           </a:effectRef>
           <a:fontRef idx="minor">
-            <a:schemeClr val="lt1"/>
+            <a:schemeClr val="tx1"/>
           </a:fontRef>
         </p:style>
-        <p:txBody>
-          <a:bodyPr rtlCol="0" anchor="ctr"/>
-          <a:lstStyle/>
-          <a:p>
-            <a:pPr algn="ctr"/>
-            <a:r>
-              <a:rPr lang="zh-CN" altLang="en-US" dirty="0"/>
-              <a:t>超声波接收脉冲</a:t>
-            </a:r>
-          </a:p>
-        </p:txBody>
-      </p:sp>
-      <p:sp>
-        <p:nvSpPr>
-          <p:cNvPr id="7" name="箭头: 右 6">
+      </p:cxnSp>
+      <p:cxnSp>
+        <p:nvCxnSpPr>
+          <p:cNvPr id="13" name="直接箭头连接符 12">
             <a:extLst>
               <a:ext uri="{FF2B5EF4-FFF2-40B4-BE49-F238E27FC236}">
-                <a16:creationId xmlns:a16="http://schemas.microsoft.com/office/drawing/2014/main" id="{6C784F09-716A-4BF7-B1CF-F81A4E2B6B8D}"/>
+                <a16:creationId xmlns:a16="http://schemas.microsoft.com/office/drawing/2014/main" id="{014D73C8-769A-4843-AA21-A5D208657079}"/>
               </a:ext>
             </a:extLst>
           </p:cNvPr>
-          <p:cNvSpPr/>
+          <p:cNvCxnSpPr>
+            <a:cxnSpLocks/>
+          </p:cNvCxnSpPr>
           <p:nvPr/>
-        </p:nvSpPr>
+        </p:nvCxnSpPr>
         <p:spPr>
           <a:xfrm>
-            <a:off x="2292927" y="5029860"/>
-            <a:ext cx="2280062" cy="542306"/>
+            <a:off x="4823967" y="4775200"/>
+            <a:ext cx="0" cy="1113971"/>
           </a:xfrm>
-          <a:prstGeom prst="rightArrow">
+          <a:prstGeom prst="straightConnector1">
             <a:avLst/>
           </a:prstGeom>
+          <a:ln>
+            <a:headEnd type="triangle"/>
+            <a:tailEnd type="triangle"/>
+          </a:ln>
         </p:spPr>
         <p:style>
-          <a:lnRef idx="2">
-            <a:schemeClr val="accent1">
-              <a:shade val="50000"/>
-            </a:schemeClr>
+          <a:lnRef idx="1">
+            <a:schemeClr val="accent1"/>
           </a:lnRef>
-          <a:fillRef idx="1">
+          <a:fillRef idx="0">
             <a:schemeClr val="accent1"/>
           </a:fillRef>
           <a:effectRef idx="0">
             <a:schemeClr val="accent1"/>
           </a:effectRef>
           <a:fontRef idx="minor">
-            <a:schemeClr val="lt1"/>
+            <a:schemeClr val="tx1"/>
           </a:fontRef>
         </p:style>
-        <p:txBody>
-          <a:bodyPr rtlCol="0" anchor="ctr"/>
-          <a:lstStyle/>
-          <a:p>
-            <a:pPr algn="ctr"/>
-            <a:r>
-              <a:rPr lang="zh-CN" altLang="en-US" dirty="0"/>
-              <a:t>温度传感器信号</a:t>
-            </a:r>
-          </a:p>
-        </p:txBody>
-      </p:sp>
-      <p:sp>
-        <p:nvSpPr>
-          <p:cNvPr id="8" name="矩形: 圆角 7">
-            <a:extLst>
-              <a:ext uri="{FF2B5EF4-FFF2-40B4-BE49-F238E27FC236}">
-                <a16:creationId xmlns:a16="http://schemas.microsoft.com/office/drawing/2014/main" id="{12437D84-2359-4CFC-918B-4D69AE1066A3}"/>
-              </a:ext>
-            </a:extLst>
-          </p:cNvPr>
-          <p:cNvSpPr/>
-          <p:nvPr/>
-        </p:nvSpPr>
-        <p:spPr>
-          <a:xfrm>
-            <a:off x="4846122" y="3683000"/>
-            <a:ext cx="1717963" cy="2516474"/>
-          </a:xfrm>
-          <a:prstGeom prst="roundRect">
-            <a:avLst/>
-          </a:prstGeom>
-        </p:spPr>
-        <p:style>
-          <a:lnRef idx="2">
-            <a:schemeClr val="accent1">
-              <a:shade val="50000"/>
-            </a:schemeClr>
-          </a:lnRef>
-          <a:fillRef idx="1">
-            <a:schemeClr val="accent1"/>
-          </a:fillRef>
-          <a:effectRef idx="0">
-            <a:schemeClr val="accent1"/>
-          </a:effectRef>
-          <a:fontRef idx="minor">
-            <a:schemeClr val="lt1"/>
-          </a:fontRef>
-        </p:style>
-        <p:txBody>
-          <a:bodyPr rtlCol="0" anchor="ctr"/>
-          <a:lstStyle/>
-          <a:p>
-            <a:pPr algn="ctr"/>
-            <a:r>
-              <a:rPr lang="en-US" altLang="zh-CN" dirty="0"/>
-              <a:t>ADC</a:t>
-            </a:r>
-            <a:endParaRPr lang="zh-CN" altLang="en-US" dirty="0"/>
-          </a:p>
-        </p:txBody>
-      </p:sp>
-      <p:sp>
-        <p:nvSpPr>
-          <p:cNvPr id="9" name="箭头: 右 8">
-            <a:extLst>
-              <a:ext uri="{FF2B5EF4-FFF2-40B4-BE49-F238E27FC236}">
-                <a16:creationId xmlns:a16="http://schemas.microsoft.com/office/drawing/2014/main" id="{D9C1C266-A578-472F-98BF-FCDF1EB56380}"/>
-              </a:ext>
-            </a:extLst>
-          </p:cNvPr>
-          <p:cNvSpPr/>
-          <p:nvPr/>
-        </p:nvSpPr>
-        <p:spPr>
-          <a:xfrm>
-            <a:off x="2292927" y="5748317"/>
-            <a:ext cx="2280062" cy="542306"/>
-          </a:xfrm>
-          <a:prstGeom prst="rightArrow">
-            <a:avLst/>
-          </a:prstGeom>
-        </p:spPr>
-        <p:style>
-          <a:lnRef idx="2">
-            <a:schemeClr val="accent1">
-              <a:shade val="50000"/>
-            </a:schemeClr>
-          </a:lnRef>
-          <a:fillRef idx="1">
-            <a:schemeClr val="accent1"/>
-          </a:fillRef>
-          <a:effectRef idx="0">
-            <a:schemeClr val="accent1"/>
-          </a:effectRef>
-          <a:fontRef idx="minor">
-            <a:schemeClr val="lt1"/>
-          </a:fontRef>
-        </p:style>
-        <p:txBody>
-          <a:bodyPr rtlCol="0" anchor="ctr"/>
-          <a:lstStyle/>
-          <a:p>
-            <a:pPr algn="ctr"/>
-            <a:r>
-              <a:rPr lang="zh-CN" altLang="en-US" dirty="0"/>
-              <a:t>压力传感器信号</a:t>
-            </a:r>
-          </a:p>
-        </p:txBody>
-      </p:sp>
-      <p:sp>
-        <p:nvSpPr>
-          <p:cNvPr id="10" name="箭头: 右 9">
-            <a:extLst>
-              <a:ext uri="{FF2B5EF4-FFF2-40B4-BE49-F238E27FC236}">
-                <a16:creationId xmlns:a16="http://schemas.microsoft.com/office/drawing/2014/main" id="{03784E52-0905-4DAF-ADF5-4889174E52A3}"/>
-              </a:ext>
-            </a:extLst>
-          </p:cNvPr>
-          <p:cNvSpPr/>
-          <p:nvPr/>
-        </p:nvSpPr>
-        <p:spPr>
-          <a:xfrm>
-            <a:off x="6754645" y="3868756"/>
-            <a:ext cx="1517073" cy="542306"/>
-          </a:xfrm>
-          <a:prstGeom prst="rightArrow">
-            <a:avLst/>
-          </a:prstGeom>
-        </p:spPr>
-        <p:style>
-          <a:lnRef idx="2">
-            <a:schemeClr val="accent1">
-              <a:shade val="50000"/>
-            </a:schemeClr>
-          </a:lnRef>
-          <a:fillRef idx="1">
-            <a:schemeClr val="accent1"/>
-          </a:fillRef>
-          <a:effectRef idx="0">
-            <a:schemeClr val="accent1"/>
-          </a:effectRef>
-          <a:fontRef idx="minor">
-            <a:schemeClr val="lt1"/>
-          </a:fontRef>
-        </p:style>
-        <p:txBody>
-          <a:bodyPr rtlCol="0" anchor="ctr"/>
-          <a:lstStyle/>
-          <a:p>
-            <a:pPr algn="ctr"/>
-            <a:endParaRPr lang="zh-CN" altLang="en-US" dirty="0"/>
-          </a:p>
-        </p:txBody>
-      </p:sp>
-      <p:sp>
-        <p:nvSpPr>
-          <p:cNvPr id="11" name="矩形: 圆角 10">
-            <a:extLst>
-              <a:ext uri="{FF2B5EF4-FFF2-40B4-BE49-F238E27FC236}">
-                <a16:creationId xmlns:a16="http://schemas.microsoft.com/office/drawing/2014/main" id="{9F28D601-23D6-4BEC-BE21-03AD446168BF}"/>
-              </a:ext>
-            </a:extLst>
-          </p:cNvPr>
-          <p:cNvSpPr/>
-          <p:nvPr/>
-        </p:nvSpPr>
-        <p:spPr>
-          <a:xfrm>
-            <a:off x="8494321" y="3786379"/>
-            <a:ext cx="1592777" cy="1493217"/>
-          </a:xfrm>
-          <a:prstGeom prst="roundRect">
-            <a:avLst/>
-          </a:prstGeom>
-        </p:spPr>
-        <p:style>
-          <a:lnRef idx="2">
-            <a:schemeClr val="accent1">
-              <a:shade val="50000"/>
-            </a:schemeClr>
-          </a:lnRef>
-          <a:fillRef idx="1">
-            <a:schemeClr val="accent1"/>
-          </a:fillRef>
-          <a:effectRef idx="0">
-            <a:schemeClr val="accent1"/>
-          </a:effectRef>
-          <a:fontRef idx="minor">
-            <a:schemeClr val="lt1"/>
-          </a:fontRef>
-        </p:style>
-        <p:txBody>
-          <a:bodyPr rtlCol="0" anchor="ctr"/>
-          <a:lstStyle/>
-          <a:p>
-            <a:pPr algn="ctr"/>
-            <a:r>
-              <a:rPr lang="zh-CN" altLang="en-US" dirty="0"/>
-              <a:t>机器学习模型</a:t>
-            </a:r>
-          </a:p>
-        </p:txBody>
-      </p:sp>
-      <p:sp>
-        <p:nvSpPr>
-          <p:cNvPr id="14" name="箭头: 右 13">
-            <a:extLst>
-              <a:ext uri="{FF2B5EF4-FFF2-40B4-BE49-F238E27FC236}">
-                <a16:creationId xmlns:a16="http://schemas.microsoft.com/office/drawing/2014/main" id="{43098296-8697-4B39-8F1E-959E701F397B}"/>
-              </a:ext>
-            </a:extLst>
-          </p:cNvPr>
-          <p:cNvSpPr/>
-          <p:nvPr/>
-        </p:nvSpPr>
-        <p:spPr>
-          <a:xfrm rot="18816139">
-            <a:off x="8325812" y="5560304"/>
-            <a:ext cx="830365" cy="542306"/>
-          </a:xfrm>
-          <a:prstGeom prst="rightArrow">
-            <a:avLst/>
-          </a:prstGeom>
-        </p:spPr>
-        <p:style>
-          <a:lnRef idx="2">
-            <a:schemeClr val="accent1">
-              <a:shade val="50000"/>
-            </a:schemeClr>
-          </a:lnRef>
-          <a:fillRef idx="1">
-            <a:schemeClr val="accent1"/>
-          </a:fillRef>
-          <a:effectRef idx="0">
-            <a:schemeClr val="accent1"/>
-          </a:effectRef>
-          <a:fontRef idx="minor">
-            <a:schemeClr val="lt1"/>
-          </a:fontRef>
-        </p:style>
-        <p:txBody>
-          <a:bodyPr rtlCol="0" anchor="ctr"/>
-          <a:lstStyle/>
-          <a:p>
-            <a:pPr algn="ctr"/>
-            <a:endParaRPr lang="zh-CN" altLang="en-US" dirty="0"/>
-          </a:p>
-        </p:txBody>
-      </p:sp>
+      </p:cxnSp>
       <p:sp>
         <p:nvSpPr>
           <p:cNvPr id="15" name="文本框 14">
             <a:extLst>
               <a:ext uri="{FF2B5EF4-FFF2-40B4-BE49-F238E27FC236}">
-                <a16:creationId xmlns:a16="http://schemas.microsoft.com/office/drawing/2014/main" id="{708A1020-D1E9-4388-AED1-7451F122BE75}"/>
+                <a16:creationId xmlns:a16="http://schemas.microsoft.com/office/drawing/2014/main" id="{89A85368-5A32-4449-A1DD-688BC5681ACA}"/>
               </a:ext>
             </a:extLst>
           </p:cNvPr>
@@ -10350,8 +9723,8 @@
         </p:nvSpPr>
         <p:spPr>
           <a:xfrm>
-            <a:off x="6879770" y="6256412"/>
-            <a:ext cx="3091282" cy="369332"/>
+            <a:off x="4410317" y="5182800"/>
+            <a:ext cx="711184" cy="276999"/>
           </a:xfrm>
           <a:prstGeom prst="rect">
             <a:avLst/>
@@ -10359,248 +9732,536 @@
           <a:noFill/>
         </p:spPr>
         <p:txBody>
-          <a:bodyPr wrap="square">
-            <a:spAutoFit/>
-          </a:bodyPr>
-          <a:lstStyle/>
-          <a:p>
-            <a:r>
-              <a:rPr lang="zh-CN" altLang="en-US" b="1" dirty="0"/>
-              <a:t>人工烘干法测量浓度值</a:t>
-            </a:r>
-            <a:endParaRPr lang="zh-CN" altLang="en-US" dirty="0"/>
-          </a:p>
-        </p:txBody>
-      </p:sp>
-      <mc:AlternateContent xmlns:mc="http://schemas.openxmlformats.org/markup-compatibility/2006">
-        <mc:Choice xmlns:a14="http://schemas.microsoft.com/office/drawing/2010/main" Requires="a14">
-          <p:sp>
-            <p:nvSpPr>
-              <p:cNvPr id="16" name="文本框 15">
-                <a:extLst>
-                  <a:ext uri="{FF2B5EF4-FFF2-40B4-BE49-F238E27FC236}">
-                    <a16:creationId xmlns:a16="http://schemas.microsoft.com/office/drawing/2014/main" id="{FC65BFEE-99C1-40D4-912C-1F94F5D2635D}"/>
-                  </a:ext>
-                </a:extLst>
-              </p:cNvPr>
-              <p:cNvSpPr txBox="1"/>
-              <p:nvPr/>
-            </p:nvSpPr>
-            <p:spPr>
-              <a:xfrm>
-                <a:off x="5920969" y="4261577"/>
-                <a:ext cx="3091282" cy="369332"/>
-              </a:xfrm>
-              <a:prstGeom prst="rect">
-                <a:avLst/>
-              </a:prstGeom>
-              <a:noFill/>
-            </p:spPr>
-            <p:txBody>
-              <a:bodyPr wrap="square">
-                <a:spAutoFit/>
-              </a:bodyPr>
-              <a:lstStyle/>
-              <a:p>
-                <a14:m>
-                  <m:oMathPara xmlns:m="http://schemas.openxmlformats.org/officeDocument/2006/math">
-                    <m:oMathParaPr>
-                      <m:jc m:val="centerGroup"/>
-                    </m:oMathParaPr>
-                    <m:oMath xmlns:m="http://schemas.openxmlformats.org/officeDocument/2006/math">
-                      <m:r>
-                        <a:rPr lang="en-US" altLang="zh-CN" b="0" i="1" smtClean="0">
-                          <a:latin typeface="Cambria Math" panose="02040503050406030204" pitchFamily="18" charset="0"/>
-                        </a:rPr>
-                        <m:t>𝑋</m:t>
-                      </m:r>
-                    </m:oMath>
-                  </m:oMathPara>
-                </a14:m>
-                <a:endParaRPr lang="zh-CN" altLang="en-US" dirty="0"/>
-              </a:p>
-            </p:txBody>
-          </p:sp>
-        </mc:Choice>
-        <mc:Fallback>
-          <p:sp>
-            <p:nvSpPr>
-              <p:cNvPr id="16" name="文本框 15">
-                <a:extLst>
-                  <a:ext uri="{FF2B5EF4-FFF2-40B4-BE49-F238E27FC236}">
-                    <a16:creationId xmlns:a16="http://schemas.microsoft.com/office/drawing/2014/main" id="{FC65BFEE-99C1-40D4-912C-1F94F5D2635D}"/>
-                  </a:ext>
-                </a:extLst>
-              </p:cNvPr>
-              <p:cNvSpPr txBox="1">
-                <a:spLocks noRot="1" noChangeAspect="1" noMove="1" noResize="1" noEditPoints="1" noAdjustHandles="1" noChangeArrowheads="1" noChangeShapeType="1" noTextEdit="1"/>
-              </p:cNvSpPr>
-              <p:nvPr/>
-            </p:nvSpPr>
-            <p:spPr>
-              <a:xfrm>
-                <a:off x="5920969" y="4261577"/>
-                <a:ext cx="3091282" cy="369332"/>
-              </a:xfrm>
-              <a:prstGeom prst="rect">
-                <a:avLst/>
-              </a:prstGeom>
-              <a:blipFill>
-                <a:blip r:embed="rId2"/>
-                <a:stretch>
-                  <a:fillRect/>
-                </a:stretch>
-              </a:blipFill>
-            </p:spPr>
-            <p:txBody>
-              <a:bodyPr/>
-              <a:lstStyle/>
-              <a:p>
-                <a:r>
-                  <a:rPr lang="zh-CN" altLang="en-US">
-                    <a:noFill/>
-                  </a:rPr>
-                  <a:t> </a:t>
-                </a:r>
-              </a:p>
-            </p:txBody>
-          </p:sp>
-        </mc:Fallback>
-      </mc:AlternateContent>
-      <mc:AlternateContent xmlns:mc="http://schemas.openxmlformats.org/markup-compatibility/2006">
-        <mc:Choice xmlns:a14="http://schemas.microsoft.com/office/drawing/2010/main" Requires="a14">
-          <p:sp>
-            <p:nvSpPr>
-              <p:cNvPr id="17" name="文本框 16">
-                <a:extLst>
-                  <a:ext uri="{FF2B5EF4-FFF2-40B4-BE49-F238E27FC236}">
-                    <a16:creationId xmlns:a16="http://schemas.microsoft.com/office/drawing/2014/main" id="{78537CB6-E8BE-4664-A254-2D98BF6B2FA5}"/>
-                  </a:ext>
-                </a:extLst>
-              </p:cNvPr>
-              <p:cNvSpPr txBox="1"/>
-              <p:nvPr/>
-            </p:nvSpPr>
-            <p:spPr>
-              <a:xfrm>
-                <a:off x="6754645" y="5563651"/>
-                <a:ext cx="3091282" cy="369332"/>
-              </a:xfrm>
-              <a:prstGeom prst="rect">
-                <a:avLst/>
-              </a:prstGeom>
-              <a:noFill/>
-            </p:spPr>
-            <p:txBody>
-              <a:bodyPr wrap="square">
-                <a:spAutoFit/>
-              </a:bodyPr>
-              <a:lstStyle/>
-              <a:p>
-                <a14:m>
-                  <m:oMathPara xmlns:m="http://schemas.openxmlformats.org/officeDocument/2006/math">
-                    <m:oMathParaPr>
-                      <m:jc m:val="centerGroup"/>
-                    </m:oMathParaPr>
-                    <m:oMath xmlns:m="http://schemas.openxmlformats.org/officeDocument/2006/math">
-                      <m:r>
-                        <a:rPr lang="en-US" altLang="zh-CN" b="0" i="1" smtClean="0">
-                          <a:latin typeface="Cambria Math" panose="02040503050406030204" pitchFamily="18" charset="0"/>
-                        </a:rPr>
-                        <m:t>𝑌</m:t>
-                      </m:r>
-                    </m:oMath>
-                  </m:oMathPara>
-                </a14:m>
-                <a:endParaRPr lang="zh-CN" altLang="en-US" dirty="0"/>
-              </a:p>
-            </p:txBody>
-          </p:sp>
-        </mc:Choice>
-        <mc:Fallback>
-          <p:sp>
-            <p:nvSpPr>
-              <p:cNvPr id="17" name="文本框 16">
-                <a:extLst>
-                  <a:ext uri="{FF2B5EF4-FFF2-40B4-BE49-F238E27FC236}">
-                    <a16:creationId xmlns:a16="http://schemas.microsoft.com/office/drawing/2014/main" id="{78537CB6-E8BE-4664-A254-2D98BF6B2FA5}"/>
-                  </a:ext>
-                </a:extLst>
-              </p:cNvPr>
-              <p:cNvSpPr txBox="1">
-                <a:spLocks noRot="1" noChangeAspect="1" noMove="1" noResize="1" noEditPoints="1" noAdjustHandles="1" noChangeArrowheads="1" noChangeShapeType="1" noTextEdit="1"/>
-              </p:cNvSpPr>
-              <p:nvPr/>
-            </p:nvSpPr>
-            <p:spPr>
-              <a:xfrm>
-                <a:off x="6754645" y="5563651"/>
-                <a:ext cx="3091282" cy="369332"/>
-              </a:xfrm>
-              <a:prstGeom prst="rect">
-                <a:avLst/>
-              </a:prstGeom>
-              <a:blipFill>
-                <a:blip r:embed="rId3"/>
-                <a:stretch>
-                  <a:fillRect/>
-                </a:stretch>
-              </a:blipFill>
-            </p:spPr>
-            <p:txBody>
-              <a:bodyPr/>
-              <a:lstStyle/>
-              <a:p>
-                <a:r>
-                  <a:rPr lang="zh-CN" altLang="en-US">
-                    <a:noFill/>
-                  </a:rPr>
-                  <a:t> </a:t>
-                </a:r>
-              </a:p>
-            </p:txBody>
-          </p:sp>
-        </mc:Fallback>
-      </mc:AlternateContent>
-      <p:sp>
-        <p:nvSpPr>
-          <p:cNvPr id="18" name="文本框 17">
-            <a:extLst>
-              <a:ext uri="{FF2B5EF4-FFF2-40B4-BE49-F238E27FC236}">
-                <a16:creationId xmlns:a16="http://schemas.microsoft.com/office/drawing/2014/main" id="{852E5220-34DB-45B2-ACD7-CBAE441B240D}"/>
-              </a:ext>
-            </a:extLst>
-          </p:cNvPr>
-          <p:cNvSpPr txBox="1"/>
-          <p:nvPr/>
-        </p:nvSpPr>
-        <p:spPr>
-          <a:xfrm>
-            <a:off x="760021" y="3262807"/>
-            <a:ext cx="1832428" cy="369332"/>
-          </a:xfrm>
-          <a:prstGeom prst="rect">
-            <a:avLst/>
-          </a:prstGeom>
-          <a:noFill/>
-        </p:spPr>
-        <p:txBody>
           <a:bodyPr wrap="square" rtlCol="0">
             <a:spAutoFit/>
           </a:bodyPr>
           <a:lstStyle/>
           <a:p>
             <a:r>
-              <a:rPr lang="zh-CN" altLang="en-US" b="1" dirty="0"/>
-              <a:t>机器学习过程：</a:t>
-            </a:r>
-          </a:p>
-        </p:txBody>
-      </p:sp>
+              <a:rPr lang="en-US" altLang="zh-CN" sz="1200" b="1" dirty="0">
+                <a:solidFill>
+                  <a:schemeClr val="accent1"/>
+                </a:solidFill>
+              </a:rPr>
+              <a:t>300</a:t>
+            </a:r>
+            <a:endParaRPr lang="zh-CN" altLang="en-US" sz="1200" b="1" dirty="0">
+              <a:solidFill>
+                <a:schemeClr val="accent1"/>
+              </a:solidFill>
+            </a:endParaRPr>
+          </a:p>
+        </p:txBody>
+      </p:sp>
+      <p:graphicFrame>
+        <p:nvGraphicFramePr>
+          <p:cNvPr id="16" name="表格 16">
+            <a:extLst>
+              <a:ext uri="{FF2B5EF4-FFF2-40B4-BE49-F238E27FC236}">
+                <a16:creationId xmlns:a16="http://schemas.microsoft.com/office/drawing/2014/main" id="{A456A347-A4C0-42AA-8698-BB7E1803B695}"/>
+              </a:ext>
+            </a:extLst>
+          </p:cNvPr>
+          <p:cNvGraphicFramePr>
+            <a:graphicFrameLocks noGrp="1"/>
+          </p:cNvGraphicFramePr>
+          <p:nvPr>
+            <p:extLst>
+              <p:ext uri="{D42A27DB-BD31-4B8C-83A1-F6EECF244321}">
+                <p14:modId xmlns:p14="http://schemas.microsoft.com/office/powerpoint/2010/main" val="2701350935"/>
+              </p:ext>
+            </p:extLst>
+          </p:nvPr>
+        </p:nvGraphicFramePr>
+        <p:xfrm>
+          <a:off x="5455782" y="2045350"/>
+          <a:ext cx="6024561" cy="3376992"/>
+        </p:xfrm>
+        <a:graphic>
+          <a:graphicData uri="http://schemas.openxmlformats.org/drawingml/2006/table">
+            <a:tbl>
+              <a:tblPr firstRow="1" bandRow="1">
+                <a:tableStyleId>{5C22544A-7EE6-4342-B048-85BDC9FD1C3A}</a:tableStyleId>
+              </a:tblPr>
+              <a:tblGrid>
+                <a:gridCol w="2008187">
+                  <a:extLst>
+                    <a:ext uri="{9D8B030D-6E8A-4147-A177-3AD203B41FA5}">
+                      <a16:colId xmlns:a16="http://schemas.microsoft.com/office/drawing/2014/main" val="1578515739"/>
+                    </a:ext>
+                  </a:extLst>
+                </a:gridCol>
+                <a:gridCol w="2008187">
+                  <a:extLst>
+                    <a:ext uri="{9D8B030D-6E8A-4147-A177-3AD203B41FA5}">
+                      <a16:colId xmlns:a16="http://schemas.microsoft.com/office/drawing/2014/main" val="986104016"/>
+                    </a:ext>
+                  </a:extLst>
+                </a:gridCol>
+                <a:gridCol w="2008187">
+                  <a:extLst>
+                    <a:ext uri="{9D8B030D-6E8A-4147-A177-3AD203B41FA5}">
+                      <a16:colId xmlns:a16="http://schemas.microsoft.com/office/drawing/2014/main" val="3331766350"/>
+                    </a:ext>
+                  </a:extLst>
+                </a:gridCol>
+              </a:tblGrid>
+              <a:tr h="422124">
+                <a:tc>
+                  <a:txBody>
+                    <a:bodyPr/>
+                    <a:lstStyle/>
+                    <a:p>
+                      <a:r>
+                        <a:rPr lang="zh-CN" altLang="en-US" dirty="0"/>
+                        <a:t>传感器名称</a:t>
+                      </a:r>
+                    </a:p>
+                  </a:txBody>
+                  <a:tcPr/>
+                </a:tc>
+                <a:tc>
+                  <a:txBody>
+                    <a:bodyPr/>
+                    <a:lstStyle/>
+                    <a:p>
+                      <a:r>
+                        <a:rPr lang="zh-CN" altLang="en-US" dirty="0"/>
+                        <a:t>型号</a:t>
+                      </a:r>
+                    </a:p>
+                  </a:txBody>
+                  <a:tcPr/>
+                </a:tc>
+                <a:tc>
+                  <a:txBody>
+                    <a:bodyPr/>
+                    <a:lstStyle/>
+                    <a:p>
+                      <a:r>
+                        <a:rPr lang="zh-CN" altLang="en-US" dirty="0"/>
+                        <a:t>参数</a:t>
+                      </a:r>
+                    </a:p>
+                  </a:txBody>
+                  <a:tcPr/>
+                </a:tc>
+                <a:extLst>
+                  <a:ext uri="{0D108BD9-81ED-4DB2-BD59-A6C34878D82A}">
+                    <a16:rowId xmlns:a16="http://schemas.microsoft.com/office/drawing/2014/main" val="2735985280"/>
+                  </a:ext>
+                </a:extLst>
+              </a:tr>
+              <a:tr h="422124">
+                <a:tc>
+                  <a:txBody>
+                    <a:bodyPr/>
+                    <a:lstStyle/>
+                    <a:p>
+                      <a:r>
+                        <a:rPr lang="zh-CN" altLang="en-US" dirty="0"/>
+                        <a:t>超声波探头</a:t>
+                      </a:r>
+                      <a:r>
+                        <a:rPr lang="en-US" altLang="zh-CN" dirty="0"/>
+                        <a:t>1</a:t>
+                      </a:r>
+                      <a:endParaRPr lang="zh-CN" altLang="en-US" dirty="0"/>
+                    </a:p>
+                  </a:txBody>
+                  <a:tcPr/>
+                </a:tc>
+                <a:tc>
+                  <a:txBody>
+                    <a:bodyPr/>
+                    <a:lstStyle/>
+                    <a:p>
+                      <a:endParaRPr lang="zh-CN" altLang="en-US" dirty="0"/>
+                    </a:p>
+                  </a:txBody>
+                  <a:tcPr/>
+                </a:tc>
+                <a:tc>
+                  <a:txBody>
+                    <a:bodyPr/>
+                    <a:lstStyle/>
+                    <a:p>
+                      <a:endParaRPr lang="zh-CN" altLang="en-US"/>
+                    </a:p>
+                  </a:txBody>
+                  <a:tcPr/>
+                </a:tc>
+                <a:extLst>
+                  <a:ext uri="{0D108BD9-81ED-4DB2-BD59-A6C34878D82A}">
+                    <a16:rowId xmlns:a16="http://schemas.microsoft.com/office/drawing/2014/main" val="119577629"/>
+                  </a:ext>
+                </a:extLst>
+              </a:tr>
+              <a:tr h="422124">
+                <a:tc>
+                  <a:txBody>
+                    <a:bodyPr/>
+                    <a:lstStyle/>
+                    <a:p>
+                      <a:pPr marL="0" marR="0" lvl="0" indent="0" algn="l" defTabSz="914400" rtl="0" eaLnBrk="1" fontAlgn="auto" latinLnBrk="0" hangingPunct="1">
+                        <a:lnSpc>
+                          <a:spcPct val="100000"/>
+                        </a:lnSpc>
+                        <a:spcBef>
+                          <a:spcPts val="0"/>
+                        </a:spcBef>
+                        <a:spcAft>
+                          <a:spcPts val="0"/>
+                        </a:spcAft>
+                        <a:buClrTx/>
+                        <a:buSzTx/>
+                        <a:buFontTx/>
+                        <a:buNone/>
+                        <a:tabLst/>
+                        <a:defRPr/>
+                      </a:pPr>
+                      <a:r>
+                        <a:rPr lang="zh-CN" altLang="en-US" dirty="0"/>
+                        <a:t>超声波探头</a:t>
+                      </a:r>
+                      <a:r>
+                        <a:rPr lang="en-US" altLang="zh-CN" dirty="0"/>
+                        <a:t>2</a:t>
+                      </a:r>
+                      <a:endParaRPr lang="zh-CN" altLang="en-US" dirty="0"/>
+                    </a:p>
+                  </a:txBody>
+                  <a:tcPr/>
+                </a:tc>
+                <a:tc>
+                  <a:txBody>
+                    <a:bodyPr/>
+                    <a:lstStyle/>
+                    <a:p>
+                      <a:endParaRPr lang="zh-CN" altLang="en-US"/>
+                    </a:p>
+                  </a:txBody>
+                  <a:tcPr/>
+                </a:tc>
+                <a:tc>
+                  <a:txBody>
+                    <a:bodyPr/>
+                    <a:lstStyle/>
+                    <a:p>
+                      <a:endParaRPr lang="zh-CN" altLang="en-US" dirty="0"/>
+                    </a:p>
+                  </a:txBody>
+                  <a:tcPr/>
+                </a:tc>
+                <a:extLst>
+                  <a:ext uri="{0D108BD9-81ED-4DB2-BD59-A6C34878D82A}">
+                    <a16:rowId xmlns:a16="http://schemas.microsoft.com/office/drawing/2014/main" val="2241767081"/>
+                  </a:ext>
+                </a:extLst>
+              </a:tr>
+              <a:tr h="422124">
+                <a:tc>
+                  <a:txBody>
+                    <a:bodyPr/>
+                    <a:lstStyle/>
+                    <a:p>
+                      <a:pPr marL="0" marR="0" lvl="0" indent="0" algn="l" defTabSz="914400" rtl="0" eaLnBrk="1" fontAlgn="auto" latinLnBrk="0" hangingPunct="1">
+                        <a:lnSpc>
+                          <a:spcPct val="100000"/>
+                        </a:lnSpc>
+                        <a:spcBef>
+                          <a:spcPts val="0"/>
+                        </a:spcBef>
+                        <a:spcAft>
+                          <a:spcPts val="0"/>
+                        </a:spcAft>
+                        <a:buClrTx/>
+                        <a:buSzTx/>
+                        <a:buFontTx/>
+                        <a:buNone/>
+                        <a:tabLst/>
+                        <a:defRPr/>
+                      </a:pPr>
+                      <a:r>
+                        <a:rPr lang="zh-CN" altLang="en-US" dirty="0"/>
+                        <a:t>超声波探头</a:t>
+                      </a:r>
+                      <a:r>
+                        <a:rPr lang="en-US" altLang="zh-CN" dirty="0"/>
+                        <a:t>3</a:t>
+                      </a:r>
+                      <a:endParaRPr lang="zh-CN" altLang="en-US" dirty="0"/>
+                    </a:p>
+                  </a:txBody>
+                  <a:tcPr/>
+                </a:tc>
+                <a:tc>
+                  <a:txBody>
+                    <a:bodyPr/>
+                    <a:lstStyle/>
+                    <a:p>
+                      <a:endParaRPr lang="zh-CN" altLang="en-US"/>
+                    </a:p>
+                  </a:txBody>
+                  <a:tcPr/>
+                </a:tc>
+                <a:tc>
+                  <a:txBody>
+                    <a:bodyPr/>
+                    <a:lstStyle/>
+                    <a:p>
+                      <a:endParaRPr lang="zh-CN" altLang="en-US"/>
+                    </a:p>
+                  </a:txBody>
+                  <a:tcPr/>
+                </a:tc>
+                <a:extLst>
+                  <a:ext uri="{0D108BD9-81ED-4DB2-BD59-A6C34878D82A}">
+                    <a16:rowId xmlns:a16="http://schemas.microsoft.com/office/drawing/2014/main" val="1142917262"/>
+                  </a:ext>
+                </a:extLst>
+              </a:tr>
+              <a:tr h="422124">
+                <a:tc>
+                  <a:txBody>
+                    <a:bodyPr/>
+                    <a:lstStyle/>
+                    <a:p>
+                      <a:pPr marL="0" marR="0" lvl="0" indent="0" algn="l" defTabSz="914400" rtl="0" eaLnBrk="1" fontAlgn="auto" latinLnBrk="0" hangingPunct="1">
+                        <a:lnSpc>
+                          <a:spcPct val="100000"/>
+                        </a:lnSpc>
+                        <a:spcBef>
+                          <a:spcPts val="0"/>
+                        </a:spcBef>
+                        <a:spcAft>
+                          <a:spcPts val="0"/>
+                        </a:spcAft>
+                        <a:buClrTx/>
+                        <a:buSzTx/>
+                        <a:buFontTx/>
+                        <a:buNone/>
+                        <a:tabLst/>
+                        <a:defRPr/>
+                      </a:pPr>
+                      <a:r>
+                        <a:rPr lang="zh-CN" altLang="en-US" dirty="0"/>
+                        <a:t>超声波探头</a:t>
+                      </a:r>
+                      <a:r>
+                        <a:rPr lang="en-US" altLang="zh-CN" dirty="0"/>
+                        <a:t>4</a:t>
+                      </a:r>
+                      <a:endParaRPr lang="zh-CN" altLang="en-US" dirty="0"/>
+                    </a:p>
+                  </a:txBody>
+                  <a:tcPr/>
+                </a:tc>
+                <a:tc>
+                  <a:txBody>
+                    <a:bodyPr/>
+                    <a:lstStyle/>
+                    <a:p>
+                      <a:endParaRPr lang="zh-CN" altLang="en-US"/>
+                    </a:p>
+                  </a:txBody>
+                  <a:tcPr/>
+                </a:tc>
+                <a:tc>
+                  <a:txBody>
+                    <a:bodyPr/>
+                    <a:lstStyle/>
+                    <a:p>
+                      <a:endParaRPr lang="zh-CN" altLang="en-US" dirty="0"/>
+                    </a:p>
+                  </a:txBody>
+                  <a:tcPr/>
+                </a:tc>
+                <a:extLst>
+                  <a:ext uri="{0D108BD9-81ED-4DB2-BD59-A6C34878D82A}">
+                    <a16:rowId xmlns:a16="http://schemas.microsoft.com/office/drawing/2014/main" val="3984963339"/>
+                  </a:ext>
+                </a:extLst>
+              </a:tr>
+              <a:tr h="422124">
+                <a:tc>
+                  <a:txBody>
+                    <a:bodyPr/>
+                    <a:lstStyle/>
+                    <a:p>
+                      <a:pPr marL="0" marR="0" lvl="0" indent="0" algn="l" defTabSz="914400" rtl="0" eaLnBrk="1" fontAlgn="auto" latinLnBrk="0" hangingPunct="1">
+                        <a:lnSpc>
+                          <a:spcPct val="100000"/>
+                        </a:lnSpc>
+                        <a:spcBef>
+                          <a:spcPts val="0"/>
+                        </a:spcBef>
+                        <a:spcAft>
+                          <a:spcPts val="0"/>
+                        </a:spcAft>
+                        <a:buClrTx/>
+                        <a:buSzTx/>
+                        <a:buFontTx/>
+                        <a:buNone/>
+                        <a:tabLst/>
+                        <a:defRPr/>
+                      </a:pPr>
+                      <a:r>
+                        <a:rPr lang="zh-CN" altLang="en-US" dirty="0"/>
+                        <a:t>温度传感器</a:t>
+                      </a:r>
+                    </a:p>
+                  </a:txBody>
+                  <a:tcPr/>
+                </a:tc>
+                <a:tc>
+                  <a:txBody>
+                    <a:bodyPr/>
+                    <a:lstStyle/>
+                    <a:p>
+                      <a:endParaRPr lang="zh-CN" altLang="en-US"/>
+                    </a:p>
+                  </a:txBody>
+                  <a:tcPr/>
+                </a:tc>
+                <a:tc>
+                  <a:txBody>
+                    <a:bodyPr/>
+                    <a:lstStyle/>
+                    <a:p>
+                      <a:endParaRPr lang="zh-CN" altLang="en-US"/>
+                    </a:p>
+                  </a:txBody>
+                  <a:tcPr/>
+                </a:tc>
+                <a:extLst>
+                  <a:ext uri="{0D108BD9-81ED-4DB2-BD59-A6C34878D82A}">
+                    <a16:rowId xmlns:a16="http://schemas.microsoft.com/office/drawing/2014/main" val="2758240923"/>
+                  </a:ext>
+                </a:extLst>
+              </a:tr>
+              <a:tr h="422124">
+                <a:tc>
+                  <a:txBody>
+                    <a:bodyPr/>
+                    <a:lstStyle/>
+                    <a:p>
+                      <a:r>
+                        <a:rPr lang="zh-CN" altLang="en-US" dirty="0"/>
+                        <a:t>压力传感器</a:t>
+                      </a:r>
+                      <a:r>
+                        <a:rPr lang="en-US" altLang="zh-CN" dirty="0"/>
+                        <a:t>1</a:t>
+                      </a:r>
+                      <a:endParaRPr lang="zh-CN" altLang="en-US" dirty="0"/>
+                    </a:p>
+                  </a:txBody>
+                  <a:tcPr/>
+                </a:tc>
+                <a:tc>
+                  <a:txBody>
+                    <a:bodyPr/>
+                    <a:lstStyle/>
+                    <a:p>
+                      <a:r>
+                        <a:rPr lang="en-US" sz="1800" b="1" i="0" kern="1200" dirty="0" smtClean="0">
+                          <a:solidFill>
+                            <a:schemeClr val="dk1"/>
+                          </a:solidFill>
+                          <a:effectLst/>
+                          <a:latin typeface="+mn-lt"/>
+                          <a:ea typeface="+mn-ea"/>
+                          <a:cs typeface="+mn-cs"/>
+                        </a:rPr>
+                        <a:t>AP-12S</a:t>
+                      </a:r>
+                      <a:endParaRPr lang="zh-CN" altLang="en-US" dirty="0"/>
+                    </a:p>
+                  </a:txBody>
+                  <a:tcPr/>
+                </a:tc>
+                <a:tc>
+                  <a:txBody>
+                    <a:bodyPr/>
+                    <a:lstStyle/>
+                    <a:p>
+                      <a:endParaRPr lang="zh-CN" altLang="en-US"/>
+                    </a:p>
+                  </a:txBody>
+                  <a:tcPr/>
+                </a:tc>
+                <a:extLst>
+                  <a:ext uri="{0D108BD9-81ED-4DB2-BD59-A6C34878D82A}">
+                    <a16:rowId xmlns:a16="http://schemas.microsoft.com/office/drawing/2014/main" val="771717282"/>
+                  </a:ext>
+                </a:extLst>
+              </a:tr>
+              <a:tr h="422124">
+                <a:tc>
+                  <a:txBody>
+                    <a:bodyPr/>
+                    <a:lstStyle/>
+                    <a:p>
+                      <a:r>
+                        <a:rPr lang="zh-CN" altLang="en-US" dirty="0"/>
+                        <a:t>压力传感器</a:t>
+                      </a:r>
+                      <a:r>
+                        <a:rPr lang="en-US" altLang="zh-CN" dirty="0"/>
+                        <a:t>2</a:t>
+                      </a:r>
+                      <a:endParaRPr lang="zh-CN" altLang="en-US" dirty="0"/>
+                    </a:p>
+                  </a:txBody>
+                  <a:tcPr/>
+                </a:tc>
+                <a:tc>
+                  <a:txBody>
+                    <a:bodyPr/>
+                    <a:lstStyle/>
+                    <a:p>
+                      <a:r>
+                        <a:rPr lang="en-US" sz="1800" b="1" i="0" kern="1200" dirty="0" smtClean="0">
+                          <a:solidFill>
+                            <a:schemeClr val="dk1"/>
+                          </a:solidFill>
+                          <a:effectLst/>
+                          <a:latin typeface="+mn-lt"/>
+                          <a:ea typeface="+mn-ea"/>
+                          <a:cs typeface="+mn-cs"/>
+                        </a:rPr>
+                        <a:t>AP-12S</a:t>
+                      </a:r>
+                      <a:endParaRPr lang="zh-CN" altLang="en-US" dirty="0"/>
+                    </a:p>
+                  </a:txBody>
+                  <a:tcPr/>
+                </a:tc>
+                <a:tc>
+                  <a:txBody>
+                    <a:bodyPr/>
+                    <a:lstStyle/>
+                    <a:p>
+                      <a:endParaRPr lang="zh-CN" altLang="en-US" dirty="0"/>
+                    </a:p>
+                  </a:txBody>
+                  <a:tcPr/>
+                </a:tc>
+                <a:extLst>
+                  <a:ext uri="{0D108BD9-81ED-4DB2-BD59-A6C34878D82A}">
+                    <a16:rowId xmlns:a16="http://schemas.microsoft.com/office/drawing/2014/main" val="2061946412"/>
+                  </a:ext>
+                </a:extLst>
+              </a:tr>
+            </a:tbl>
+          </a:graphicData>
+        </a:graphic>
+      </p:graphicFrame>
     </p:spTree>
     <p:extLst>
       <p:ext uri="{BB962C8B-B14F-4D97-AF65-F5344CB8AC3E}">
-        <p14:creationId xmlns:p14="http://schemas.microsoft.com/office/powerpoint/2010/main" val="1158029200"/>
+        <p14:creationId xmlns:p14="http://schemas.microsoft.com/office/powerpoint/2010/main" val="2769266391"/>
       </p:ext>
     </p:extLst>
   </p:cSld>
@@ -10649,9 +10310,10 @@
           <a:lstStyle/>
           <a:p>
             <a:r>
-              <a:rPr lang="zh-CN" altLang="en-US" dirty="0"/>
-              <a:t>数据处理与分析</a:t>
-            </a:r>
+              <a:rPr lang="zh-CN" altLang="en-US" dirty="0" smtClean="0"/>
+              <a:t>超声信号发送与接收</a:t>
+            </a:r>
+            <a:endParaRPr lang="zh-CN" altLang="en-US" dirty="0"/>
           </a:p>
         </p:txBody>
       </p:sp>
@@ -10727,7 +10389,7 @@
         </p:nvSpPr>
         <p:spPr>
           <a:xfrm>
-            <a:off x="1299241" y="2398816"/>
+            <a:off x="801056" y="2394573"/>
             <a:ext cx="1832428" cy="369332"/>
           </a:xfrm>
           <a:prstGeom prst="rect">
@@ -10742,8 +10404,12 @@
           <a:lstStyle/>
           <a:p>
             <a:r>
+              <a:rPr lang="zh-CN" altLang="en-US" dirty="0" smtClean="0"/>
+              <a:t>发射超声波脉冲</a:t>
+            </a:r>
+            <a:r>
               <a:rPr lang="zh-CN" altLang="en-US" dirty="0"/>
-              <a:t>发射脉冲：</a:t>
+              <a:t>：</a:t>
             </a:r>
           </a:p>
         </p:txBody>
@@ -10762,7 +10428,7 @@
         </p:nvSpPr>
         <p:spPr>
           <a:xfrm>
-            <a:off x="1299241" y="3343762"/>
+            <a:off x="801056" y="3309760"/>
             <a:ext cx="1832428" cy="369332"/>
           </a:xfrm>
           <a:prstGeom prst="rect">
@@ -10777,8 +10443,12 @@
           <a:lstStyle/>
           <a:p>
             <a:r>
+              <a:rPr lang="zh-CN" altLang="en-US" dirty="0" smtClean="0"/>
+              <a:t>接收超声波脉冲</a:t>
+            </a:r>
+            <a:r>
               <a:rPr lang="zh-CN" altLang="en-US" dirty="0"/>
-              <a:t>接收脉冲：</a:t>
+              <a:t>：</a:t>
             </a:r>
           </a:p>
         </p:txBody>
@@ -10973,6 +10643,372 @@
               <a:rPr lang="zh-CN" altLang="en-US" b="1" dirty="0"/>
               <a:t>时域信号示例：</a:t>
             </a:r>
+          </a:p>
+        </p:txBody>
+      </p:sp>
+      <p:cxnSp>
+        <p:nvCxnSpPr>
+          <p:cNvPr id="15" name="直接箭头连接符 14">
+            <a:extLst>
+              <a:ext uri="{FF2B5EF4-FFF2-40B4-BE49-F238E27FC236}">
+                <a16:creationId xmlns:a16="http://schemas.microsoft.com/office/drawing/2014/main" id="{71990925-E36D-4182-8519-2F7CAA7B4266}"/>
+              </a:ext>
+            </a:extLst>
+          </p:cNvPr>
+          <p:cNvCxnSpPr/>
+          <p:nvPr/>
+        </p:nvCxnSpPr>
+        <p:spPr>
+          <a:xfrm flipH="1">
+            <a:off x="2929454" y="4000500"/>
+            <a:ext cx="4322186" cy="17000"/>
+          </a:xfrm>
+          <a:prstGeom prst="straightConnector1">
+            <a:avLst/>
+          </a:prstGeom>
+          <a:ln>
+            <a:headEnd type="triangle"/>
+            <a:tailEnd type="triangle"/>
+          </a:ln>
+        </p:spPr>
+        <p:style>
+          <a:lnRef idx="1">
+            <a:schemeClr val="accent1"/>
+          </a:lnRef>
+          <a:fillRef idx="0">
+            <a:schemeClr val="accent1"/>
+          </a:fillRef>
+          <a:effectRef idx="0">
+            <a:schemeClr val="accent1"/>
+          </a:effectRef>
+          <a:fontRef idx="minor">
+            <a:schemeClr val="tx1"/>
+          </a:fontRef>
+        </p:style>
+      </p:cxnSp>
+      <p:sp>
+        <p:nvSpPr>
+          <p:cNvPr id="16" name="文本框 15">
+            <a:extLst>
+              <a:ext uri="{FF2B5EF4-FFF2-40B4-BE49-F238E27FC236}">
+                <a16:creationId xmlns:a16="http://schemas.microsoft.com/office/drawing/2014/main" id="{3FF9E3A3-2712-4F82-B597-F6CCC6D604F3}"/>
+              </a:ext>
+            </a:extLst>
+          </p:cNvPr>
+          <p:cNvSpPr txBox="1"/>
+          <p:nvPr/>
+        </p:nvSpPr>
+        <p:spPr>
+          <a:xfrm>
+            <a:off x="4537024" y="4051953"/>
+            <a:ext cx="1107045" cy="276999"/>
+          </a:xfrm>
+          <a:prstGeom prst="rect">
+            <a:avLst/>
+          </a:prstGeom>
+          <a:noFill/>
+        </p:spPr>
+        <p:txBody>
+          <a:bodyPr wrap="square" rtlCol="0">
+            <a:spAutoFit/>
+          </a:bodyPr>
+          <a:lstStyle/>
+          <a:p>
+            <a:r>
+              <a:rPr lang="zh-CN" altLang="en-US" sz="1200" b="1" dirty="0" smtClean="0">
+                <a:solidFill>
+                  <a:schemeClr val="accent1"/>
+                </a:solidFill>
+              </a:rPr>
+              <a:t>采样周期</a:t>
+            </a:r>
+            <a:r>
+              <a:rPr lang="en-US" altLang="zh-CN" sz="1200" b="1" dirty="0" smtClean="0">
+                <a:solidFill>
+                  <a:schemeClr val="accent1"/>
+                </a:solidFill>
+              </a:rPr>
+              <a:t>T</a:t>
+            </a:r>
+            <a:endParaRPr lang="zh-CN" altLang="en-US" sz="1200" b="1" dirty="0">
+              <a:solidFill>
+                <a:schemeClr val="accent1"/>
+              </a:solidFill>
+            </a:endParaRPr>
+          </a:p>
+        </p:txBody>
+      </p:sp>
+      <p:sp>
+        <p:nvSpPr>
+          <p:cNvPr id="6" name="文本框 5"/>
+          <p:cNvSpPr txBox="1"/>
+          <p:nvPr/>
+        </p:nvSpPr>
+        <p:spPr>
+          <a:xfrm>
+            <a:off x="727364" y="5930900"/>
+            <a:ext cx="8228644" cy="369332"/>
+          </a:xfrm>
+          <a:prstGeom prst="rect">
+            <a:avLst/>
+          </a:prstGeom>
+          <a:noFill/>
+        </p:spPr>
+        <p:txBody>
+          <a:bodyPr wrap="square" rtlCol="0">
+            <a:spAutoFit/>
+          </a:bodyPr>
+          <a:lstStyle/>
+          <a:p>
+            <a:r>
+              <a:rPr lang="zh-CN" altLang="en-US" dirty="0" smtClean="0"/>
+              <a:t>使用人工神经网络实现连续型变量的回归预测：</a:t>
+            </a:r>
+            <a:endParaRPr lang="en-US" dirty="0"/>
+          </a:p>
+        </p:txBody>
+      </p:sp>
+      <p:sp>
+        <p:nvSpPr>
+          <p:cNvPr id="17" name="文本框 16">
+            <a:extLst>
+              <a:ext uri="{FF2B5EF4-FFF2-40B4-BE49-F238E27FC236}">
+                <a16:creationId xmlns:a16="http://schemas.microsoft.com/office/drawing/2014/main" id="{F86D0C42-D4F1-40C8-BD45-036B024F1942}"/>
+              </a:ext>
+            </a:extLst>
+          </p:cNvPr>
+          <p:cNvSpPr txBox="1"/>
+          <p:nvPr/>
+        </p:nvSpPr>
+        <p:spPr>
+          <a:xfrm>
+            <a:off x="727364" y="4127420"/>
+            <a:ext cx="1832428" cy="369332"/>
+          </a:xfrm>
+          <a:prstGeom prst="rect">
+            <a:avLst/>
+          </a:prstGeom>
+          <a:noFill/>
+        </p:spPr>
+        <p:txBody>
+          <a:bodyPr wrap="square" rtlCol="0">
+            <a:spAutoFit/>
+          </a:bodyPr>
+          <a:lstStyle/>
+          <a:p>
+            <a:r>
+              <a:rPr lang="zh-CN" altLang="en-US" b="1" dirty="0"/>
+              <a:t>时域信号示例：</a:t>
+            </a:r>
+          </a:p>
+        </p:txBody>
+      </p:sp>
+      <p:sp>
+        <p:nvSpPr>
+          <p:cNvPr id="9" name="矩形 8"/>
+          <p:cNvSpPr/>
+          <p:nvPr/>
+        </p:nvSpPr>
+        <p:spPr>
+          <a:xfrm>
+            <a:off x="7986405" y="3121266"/>
+            <a:ext cx="2492990" cy="369332"/>
+          </a:xfrm>
+          <a:prstGeom prst="rect">
+            <a:avLst/>
+          </a:prstGeom>
+        </p:spPr>
+        <p:txBody>
+          <a:bodyPr wrap="none">
+            <a:spAutoFit/>
+          </a:bodyPr>
+          <a:lstStyle/>
+          <a:p>
+            <a:r>
+              <a:rPr lang="en-US" dirty="0" err="1"/>
+              <a:t>超声波换能器频率响应</a:t>
+            </a:r>
+            <a:endParaRPr lang="en-US" dirty="0"/>
+          </a:p>
+        </p:txBody>
+      </p:sp>
+      <p:sp>
+        <p:nvSpPr>
+          <p:cNvPr id="18" name="矩形 17"/>
+          <p:cNvSpPr/>
+          <p:nvPr/>
+        </p:nvSpPr>
+        <p:spPr>
+          <a:xfrm>
+            <a:off x="801056" y="4963375"/>
+            <a:ext cx="10857544" cy="369332"/>
+          </a:xfrm>
+          <a:prstGeom prst="rect">
+            <a:avLst/>
+          </a:prstGeom>
+        </p:spPr>
+        <p:txBody>
+          <a:bodyPr wrap="square">
+            <a:spAutoFit/>
+          </a:bodyPr>
+          <a:lstStyle/>
+          <a:p>
+            <a:r>
+              <a:rPr lang="zh-CN" altLang="en-US" b="1" dirty="0">
+                <a:solidFill>
+                  <a:srgbClr val="000000"/>
+                </a:solidFill>
+                <a:latin typeface="FangSong" panose="02010609060101010101" pitchFamily="49" charset="-122"/>
+                <a:ea typeface="FangSong" panose="02010609060101010101" pitchFamily="49" charset="-122"/>
+              </a:rPr>
+              <a:t>杜鹏，姜楠，宋波</a:t>
+            </a:r>
+            <a:r>
+              <a:rPr lang="zh-CN" altLang="en-US" b="1" dirty="0">
+                <a:solidFill>
+                  <a:srgbClr val="000000"/>
+                </a:solidFill>
+                <a:latin typeface="E-BZ+ZEEGZk-1"/>
+              </a:rPr>
+              <a:t>． </a:t>
+            </a:r>
+            <a:r>
+              <a:rPr lang="zh-CN" altLang="en-US" b="1" dirty="0">
+                <a:solidFill>
+                  <a:srgbClr val="000000"/>
+                </a:solidFill>
+                <a:latin typeface="FangSong" panose="02010609060101010101" pitchFamily="49" charset="-122"/>
+                <a:ea typeface="FangSong" panose="02010609060101010101" pitchFamily="49" charset="-122"/>
+              </a:rPr>
+              <a:t>超声换能器频率特性及匹配研究［</a:t>
+            </a:r>
+            <a:r>
+              <a:rPr lang="en-US" altLang="zh-CN" b="1" dirty="0">
+                <a:solidFill>
+                  <a:srgbClr val="000000"/>
+                </a:solidFill>
+                <a:latin typeface="E-BZ+ZEEGZk-1"/>
+              </a:rPr>
+              <a:t>J</a:t>
+            </a:r>
+            <a:r>
+              <a:rPr lang="zh-CN" altLang="en-US" b="1" dirty="0">
+                <a:solidFill>
+                  <a:srgbClr val="000000"/>
+                </a:solidFill>
+                <a:latin typeface="FangSong" panose="02010609060101010101" pitchFamily="49" charset="-122"/>
+                <a:ea typeface="FangSong" panose="02010609060101010101" pitchFamily="49" charset="-122"/>
+              </a:rPr>
+              <a:t>］ </a:t>
+            </a:r>
+            <a:r>
+              <a:rPr lang="zh-CN" altLang="en-US" b="1" dirty="0">
+                <a:solidFill>
+                  <a:srgbClr val="000000"/>
+                </a:solidFill>
+                <a:latin typeface="E-BZ+ZEEGZk-1"/>
+              </a:rPr>
+              <a:t>． </a:t>
+            </a:r>
+            <a:r>
+              <a:rPr lang="zh-CN" altLang="en-US" b="1" dirty="0">
+                <a:solidFill>
+                  <a:srgbClr val="000000"/>
+                </a:solidFill>
+                <a:latin typeface="FangSong" panose="02010609060101010101" pitchFamily="49" charset="-122"/>
+                <a:ea typeface="FangSong" panose="02010609060101010101" pitchFamily="49" charset="-122"/>
+              </a:rPr>
+              <a:t>电声技术，</a:t>
+            </a:r>
+            <a:r>
+              <a:rPr lang="en-US" altLang="zh-CN" b="1" dirty="0">
+                <a:solidFill>
+                  <a:srgbClr val="000000"/>
+                </a:solidFill>
+                <a:latin typeface="E-BZ+ZEEGZk-1"/>
+              </a:rPr>
+              <a:t>2016</a:t>
+            </a:r>
+            <a:r>
+              <a:rPr lang="zh-CN" altLang="en-US" b="1" dirty="0">
+                <a:solidFill>
+                  <a:srgbClr val="000000"/>
+                </a:solidFill>
+                <a:latin typeface="FangSong" panose="02010609060101010101" pitchFamily="49" charset="-122"/>
+                <a:ea typeface="FangSong" panose="02010609060101010101" pitchFamily="49" charset="-122"/>
+              </a:rPr>
+              <a:t>，</a:t>
+            </a:r>
+            <a:r>
+              <a:rPr lang="en-US" altLang="zh-CN" b="1" dirty="0">
+                <a:solidFill>
+                  <a:srgbClr val="000000"/>
+                </a:solidFill>
+                <a:latin typeface="E-BZ+ZEEGZk-1"/>
+              </a:rPr>
+              <a:t>40</a:t>
+            </a:r>
+            <a:r>
+              <a:rPr lang="en-US" altLang="zh-CN" b="1" dirty="0">
+                <a:solidFill>
+                  <a:srgbClr val="000000"/>
+                </a:solidFill>
+                <a:latin typeface="FangSong" panose="02010609060101010101" pitchFamily="49" charset="-122"/>
+                <a:ea typeface="FangSong" panose="02010609060101010101" pitchFamily="49" charset="-122"/>
+              </a:rPr>
+              <a:t>( </a:t>
+            </a:r>
+            <a:r>
+              <a:rPr lang="en-US" altLang="zh-CN" b="1" dirty="0">
+                <a:solidFill>
+                  <a:srgbClr val="000000"/>
+                </a:solidFill>
+                <a:latin typeface="E-BZ+ZEEGZk-1"/>
+              </a:rPr>
+              <a:t>1</a:t>
+            </a:r>
+            <a:r>
+              <a:rPr lang="en-US" altLang="zh-CN" b="1" dirty="0">
+                <a:solidFill>
+                  <a:srgbClr val="000000"/>
+                </a:solidFill>
+                <a:latin typeface="FangSong" panose="02010609060101010101" pitchFamily="49" charset="-122"/>
+                <a:ea typeface="FangSong" panose="02010609060101010101" pitchFamily="49" charset="-122"/>
+              </a:rPr>
+              <a:t>) : </a:t>
+            </a:r>
+            <a:r>
+              <a:rPr lang="en-US" altLang="zh-CN" b="1" dirty="0">
+                <a:solidFill>
+                  <a:srgbClr val="000000"/>
+                </a:solidFill>
+                <a:latin typeface="E-BZ+ZEEGZk-1"/>
+              </a:rPr>
+              <a:t>41 </a:t>
+            </a:r>
+            <a:r>
+              <a:rPr lang="zh-CN" altLang="en-US" b="1" dirty="0">
+                <a:solidFill>
+                  <a:srgbClr val="000000"/>
+                </a:solidFill>
+                <a:latin typeface="E-BZ+ZEEGZk-1"/>
+              </a:rPr>
+              <a:t>－ </a:t>
+            </a:r>
+            <a:r>
+              <a:rPr lang="en-US" altLang="zh-CN" b="1" dirty="0">
+                <a:solidFill>
+                  <a:srgbClr val="000000"/>
+                </a:solidFill>
+                <a:latin typeface="E-BZ+ZEEGZk-1"/>
+              </a:rPr>
+              <a:t>45</a:t>
+            </a:r>
+            <a:r>
+              <a:rPr lang="zh-CN" altLang="en-US" b="1" dirty="0"/>
+              <a:t> </a:t>
+            </a:r>
+            <a:endParaRPr lang="en-US" b="1" dirty="0"/>
           </a:p>
         </p:txBody>
       </p:sp>

--- a/机器学习超声波浓度计.pptx
+++ b/机器学习超声波浓度计.pptx
@@ -5,7 +5,7 @@
     <p:sldMasterId id="2147483660" r:id="rId1"/>
   </p:sldMasterIdLst>
   <p:notesMasterIdLst>
-    <p:notesMasterId r:id="rId12"/>
+    <p:notesMasterId r:id="rId15"/>
   </p:notesMasterIdLst>
   <p:sldIdLst>
     <p:sldId id="256" r:id="rId2"/>
@@ -16,8 +16,11 @@
     <p:sldId id="258" r:id="rId7"/>
     <p:sldId id="260" r:id="rId8"/>
     <p:sldId id="264" r:id="rId9"/>
-    <p:sldId id="268" r:id="rId10"/>
-    <p:sldId id="261" r:id="rId11"/>
+    <p:sldId id="275" r:id="rId10"/>
+    <p:sldId id="276" r:id="rId11"/>
+    <p:sldId id="261" r:id="rId12"/>
+    <p:sldId id="268" r:id="rId13"/>
+    <p:sldId id="277" r:id="rId14"/>
   </p:sldIdLst>
   <p:sldSz cx="12192000" cy="6858000"/>
   <p:notesSz cx="6858000" cy="9144000"/>
@@ -206,7 +209,7 @@
           <a:p>
             <a:fld id="{7847351C-C40C-48F4-A16E-71001CD5D461}" type="datetimeFigureOut">
               <a:rPr lang="zh-CN" altLang="en-US" smtClean="0"/>
-              <a:t>2020/12/2</a:t>
+              <a:t>2020/12/3</a:t>
             </a:fld>
             <a:endParaRPr lang="zh-CN" altLang="en-US"/>
           </a:p>
@@ -757,7 +760,7 @@
           <a:p>
             <a:fld id="{CC1E3A38-61D5-4945-B55D-CAA481F2DA76}" type="datetimeFigureOut">
               <a:rPr lang="zh-CN" altLang="en-US" smtClean="0"/>
-              <a:t>2020/12/2</a:t>
+              <a:t>2020/12/3</a:t>
             </a:fld>
             <a:endParaRPr lang="zh-CN" altLang="en-US"/>
           </a:p>
@@ -947,7 +950,7 @@
           <a:p>
             <a:fld id="{CC1E3A38-61D5-4945-B55D-CAA481F2DA76}" type="datetimeFigureOut">
               <a:rPr lang="zh-CN" altLang="en-US" smtClean="0"/>
-              <a:t>2020/12/2</a:t>
+              <a:t>2020/12/3</a:t>
             </a:fld>
             <a:endParaRPr lang="zh-CN" altLang="en-US"/>
           </a:p>
@@ -1127,7 +1130,7 @@
           <a:p>
             <a:fld id="{CC1E3A38-61D5-4945-B55D-CAA481F2DA76}" type="datetimeFigureOut">
               <a:rPr lang="zh-CN" altLang="en-US" smtClean="0"/>
-              <a:t>2020/12/2</a:t>
+              <a:t>2020/12/3</a:t>
             </a:fld>
             <a:endParaRPr lang="zh-CN" altLang="en-US"/>
           </a:p>
@@ -1297,7 +1300,7 @@
           <a:p>
             <a:fld id="{CC1E3A38-61D5-4945-B55D-CAA481F2DA76}" type="datetimeFigureOut">
               <a:rPr lang="zh-CN" altLang="en-US" smtClean="0"/>
-              <a:t>2020/12/2</a:t>
+              <a:t>2020/12/3</a:t>
             </a:fld>
             <a:endParaRPr lang="zh-CN" altLang="en-US"/>
           </a:p>
@@ -1553,7 +1556,7 @@
           <a:p>
             <a:fld id="{CC1E3A38-61D5-4945-B55D-CAA481F2DA76}" type="datetimeFigureOut">
               <a:rPr lang="zh-CN" altLang="en-US" smtClean="0"/>
-              <a:t>2020/12/2</a:t>
+              <a:t>2020/12/3</a:t>
             </a:fld>
             <a:endParaRPr lang="zh-CN" altLang="en-US"/>
           </a:p>
@@ -1841,7 +1844,7 @@
           <a:p>
             <a:fld id="{CC1E3A38-61D5-4945-B55D-CAA481F2DA76}" type="datetimeFigureOut">
               <a:rPr lang="zh-CN" altLang="en-US" smtClean="0"/>
-              <a:t>2020/12/2</a:t>
+              <a:t>2020/12/3</a:t>
             </a:fld>
             <a:endParaRPr lang="zh-CN" altLang="en-US"/>
           </a:p>
@@ -2279,7 +2282,7 @@
           <a:p>
             <a:fld id="{CC1E3A38-61D5-4945-B55D-CAA481F2DA76}" type="datetimeFigureOut">
               <a:rPr lang="zh-CN" altLang="en-US" smtClean="0"/>
-              <a:t>2020/12/2</a:t>
+              <a:t>2020/12/3</a:t>
             </a:fld>
             <a:endParaRPr lang="zh-CN" altLang="en-US"/>
           </a:p>
@@ -2397,7 +2400,7 @@
           <a:p>
             <a:fld id="{CC1E3A38-61D5-4945-B55D-CAA481F2DA76}" type="datetimeFigureOut">
               <a:rPr lang="zh-CN" altLang="en-US" smtClean="0"/>
-              <a:t>2020/12/2</a:t>
+              <a:t>2020/12/3</a:t>
             </a:fld>
             <a:endParaRPr lang="zh-CN" altLang="en-US"/>
           </a:p>
@@ -2492,7 +2495,7 @@
           <a:p>
             <a:fld id="{CC1E3A38-61D5-4945-B55D-CAA481F2DA76}" type="datetimeFigureOut">
               <a:rPr lang="zh-CN" altLang="en-US" smtClean="0"/>
-              <a:t>2020/12/2</a:t>
+              <a:t>2020/12/3</a:t>
             </a:fld>
             <a:endParaRPr lang="zh-CN" altLang="en-US"/>
           </a:p>
@@ -2848,7 +2851,7 @@
           <a:p>
             <a:fld id="{CC1E3A38-61D5-4945-B55D-CAA481F2DA76}" type="datetimeFigureOut">
               <a:rPr lang="zh-CN" altLang="en-US" smtClean="0"/>
-              <a:t>2020/12/2</a:t>
+              <a:t>2020/12/3</a:t>
             </a:fld>
             <a:endParaRPr lang="zh-CN" altLang="en-US"/>
           </a:p>
@@ -3164,7 +3167,7 @@
           <a:p>
             <a:fld id="{CC1E3A38-61D5-4945-B55D-CAA481F2DA76}" type="datetimeFigureOut">
               <a:rPr lang="zh-CN" altLang="en-US" smtClean="0"/>
-              <a:t>2020/12/2</a:t>
+              <a:t>2020/12/3</a:t>
             </a:fld>
             <a:endParaRPr lang="zh-CN" altLang="en-US"/>
           </a:p>
@@ -3397,7 +3400,7 @@
           <a:p>
             <a:fld id="{CC1E3A38-61D5-4945-B55D-CAA481F2DA76}" type="datetimeFigureOut">
               <a:rPr lang="zh-CN" altLang="en-US" smtClean="0"/>
-              <a:t>2020/12/2</a:t>
+              <a:t>2020/12/3</a:t>
             </a:fld>
             <a:endParaRPr lang="zh-CN" altLang="en-US"/>
           </a:p>
@@ -3858,10 +3861,6 @@
               <a:rPr lang="zh-CN" altLang="en-US" sz="6600" dirty="0"/>
               <a:t>超声波建筑料浆浓度计</a:t>
             </a:r>
-            <a:r>
-              <a:rPr lang="en-US" altLang="zh-CN" sz="6600" dirty="0"/>
-              <a:t/>
-            </a:r>
             <a:br>
               <a:rPr lang="en-US" altLang="zh-CN" sz="6600" dirty="0"/>
             </a:br>
@@ -3934,6 +3933,110 @@
       </p:grpSpPr>
       <p:sp>
         <p:nvSpPr>
+          <p:cNvPr id="32" name="矩形 31">
+            <a:extLst>
+              <a:ext uri="{FF2B5EF4-FFF2-40B4-BE49-F238E27FC236}">
+                <a16:creationId xmlns:a16="http://schemas.microsoft.com/office/drawing/2014/main" id="{A3FE58D6-FDEB-41C1-8ACE-BBAC4B9B209C}"/>
+              </a:ext>
+            </a:extLst>
+          </p:cNvPr>
+          <p:cNvSpPr/>
+          <p:nvPr/>
+        </p:nvSpPr>
+        <p:spPr>
+          <a:xfrm>
+            <a:off x="3462794" y="5176154"/>
+            <a:ext cx="4953662" cy="700512"/>
+          </a:xfrm>
+          <a:prstGeom prst="rect">
+            <a:avLst/>
+          </a:prstGeom>
+          <a:solidFill>
+            <a:schemeClr val="accent1">
+              <a:lumMod val="20000"/>
+              <a:lumOff val="80000"/>
+            </a:schemeClr>
+          </a:solidFill>
+        </p:spPr>
+        <p:style>
+          <a:lnRef idx="2">
+            <a:schemeClr val="accent1">
+              <a:shade val="50000"/>
+            </a:schemeClr>
+          </a:lnRef>
+          <a:fillRef idx="1">
+            <a:schemeClr val="accent1"/>
+          </a:fillRef>
+          <a:effectRef idx="0">
+            <a:schemeClr val="accent1"/>
+          </a:effectRef>
+          <a:fontRef idx="minor">
+            <a:schemeClr val="lt1"/>
+          </a:fontRef>
+        </p:style>
+        <p:txBody>
+          <a:bodyPr rtlCol="0" anchor="ctr"/>
+          <a:lstStyle/>
+          <a:p>
+            <a:pPr algn="ctr"/>
+            <a:endParaRPr lang="zh-CN" altLang="en-US"/>
+          </a:p>
+        </p:txBody>
+      </p:sp>
+      <p:sp>
+        <p:nvSpPr>
+          <p:cNvPr id="13" name="矩形 12">
+            <a:extLst>
+              <a:ext uri="{FF2B5EF4-FFF2-40B4-BE49-F238E27FC236}">
+                <a16:creationId xmlns:a16="http://schemas.microsoft.com/office/drawing/2014/main" id="{35430FF5-6C34-4617-B235-163C60D1C141}"/>
+              </a:ext>
+            </a:extLst>
+          </p:cNvPr>
+          <p:cNvSpPr/>
+          <p:nvPr/>
+        </p:nvSpPr>
+        <p:spPr>
+          <a:xfrm>
+            <a:off x="3458818" y="3925514"/>
+            <a:ext cx="4953662" cy="700512"/>
+          </a:xfrm>
+          <a:prstGeom prst="rect">
+            <a:avLst/>
+          </a:prstGeom>
+          <a:solidFill>
+            <a:schemeClr val="accent1">
+              <a:lumMod val="20000"/>
+              <a:lumOff val="80000"/>
+            </a:schemeClr>
+          </a:solidFill>
+        </p:spPr>
+        <p:style>
+          <a:lnRef idx="2">
+            <a:schemeClr val="accent1">
+              <a:shade val="50000"/>
+            </a:schemeClr>
+          </a:lnRef>
+          <a:fillRef idx="1">
+            <a:schemeClr val="accent1"/>
+          </a:fillRef>
+          <a:effectRef idx="0">
+            <a:schemeClr val="accent1"/>
+          </a:effectRef>
+          <a:fontRef idx="minor">
+            <a:schemeClr val="lt1"/>
+          </a:fontRef>
+        </p:style>
+        <p:txBody>
+          <a:bodyPr rtlCol="0" anchor="ctr"/>
+          <a:lstStyle/>
+          <a:p>
+            <a:pPr algn="ctr"/>
+            <a:endParaRPr lang="zh-CN" altLang="en-US"/>
+          </a:p>
+        </p:txBody>
+      </p:sp>
+      <p:sp>
+        <p:nvSpPr>
           <p:cNvPr id="2" name="标题 1">
             <a:extLst>
               <a:ext uri="{FF2B5EF4-FFF2-40B4-BE49-F238E27FC236}">
@@ -3954,10 +4057,9 @@
           <a:lstStyle/>
           <a:p>
             <a:r>
-              <a:rPr lang="zh-CN" altLang="en-US" dirty="0" smtClean="0"/>
+              <a:rPr lang="zh-CN" altLang="en-US" dirty="0"/>
               <a:t>信号处理</a:t>
             </a:r>
-            <a:endParaRPr lang="zh-CN" altLang="en-US" dirty="0"/>
           </a:p>
         </p:txBody>
       </p:sp>
@@ -3975,8 +4077,8 @@
         </p:nvSpPr>
         <p:spPr>
           <a:xfrm>
-            <a:off x="760021" y="1741714"/>
-            <a:ext cx="10474036" cy="1200329"/>
+            <a:off x="690015" y="1873465"/>
+            <a:ext cx="10474036" cy="369332"/>
           </a:xfrm>
           <a:prstGeom prst="rect">
             <a:avLst/>
@@ -3990,15 +4092,1187 @@
           <a:lstStyle/>
           <a:p>
             <a:r>
+              <a:rPr lang="zh-CN" altLang="en-US" b="1" dirty="0"/>
+              <a:t>实验装置信号处理示意图：</a:t>
+            </a:r>
+          </a:p>
+        </p:txBody>
+      </p:sp>
+      <p:sp>
+        <p:nvSpPr>
+          <p:cNvPr id="4" name="矩形 3">
+            <a:extLst>
+              <a:ext uri="{FF2B5EF4-FFF2-40B4-BE49-F238E27FC236}">
+                <a16:creationId xmlns:a16="http://schemas.microsoft.com/office/drawing/2014/main" id="{187F12DB-C0CF-4E73-B40C-05353887C1A4}"/>
+              </a:ext>
+            </a:extLst>
+          </p:cNvPr>
+          <p:cNvSpPr/>
+          <p:nvPr/>
+        </p:nvSpPr>
+        <p:spPr>
+          <a:xfrm>
+            <a:off x="968735" y="3420578"/>
+            <a:ext cx="1957345" cy="574482"/>
+          </a:xfrm>
+          <a:prstGeom prst="rect">
+            <a:avLst/>
+          </a:prstGeom>
+        </p:spPr>
+        <p:style>
+          <a:lnRef idx="2">
+            <a:schemeClr val="accent1">
+              <a:shade val="50000"/>
+            </a:schemeClr>
+          </a:lnRef>
+          <a:fillRef idx="1">
+            <a:schemeClr val="accent1"/>
+          </a:fillRef>
+          <a:effectRef idx="0">
+            <a:schemeClr val="accent1"/>
+          </a:effectRef>
+          <a:fontRef idx="minor">
+            <a:schemeClr val="lt1"/>
+          </a:fontRef>
+        </p:style>
+        <p:txBody>
+          <a:bodyPr rtlCol="0" anchor="ctr"/>
+          <a:lstStyle/>
+          <a:p>
+            <a:pPr algn="ctr"/>
+            <a:r>
+              <a:rPr lang="zh-CN" altLang="en-US" b="1" dirty="0"/>
+              <a:t>计算机</a:t>
+            </a:r>
+            <a:endParaRPr lang="en-US" altLang="zh-CN" b="1" dirty="0"/>
+          </a:p>
+        </p:txBody>
+      </p:sp>
+      <p:sp>
+        <p:nvSpPr>
+          <p:cNvPr id="22" name="矩形 21">
+            <a:extLst>
+              <a:ext uri="{FF2B5EF4-FFF2-40B4-BE49-F238E27FC236}">
+                <a16:creationId xmlns:a16="http://schemas.microsoft.com/office/drawing/2014/main" id="{CAB37ED8-0B08-43DB-B5BB-F1189C791333}"/>
+              </a:ext>
+            </a:extLst>
+          </p:cNvPr>
+          <p:cNvSpPr/>
+          <p:nvPr/>
+        </p:nvSpPr>
+        <p:spPr>
+          <a:xfrm>
+            <a:off x="3616519" y="2458470"/>
+            <a:ext cx="1957345" cy="574482"/>
+          </a:xfrm>
+          <a:prstGeom prst="rect">
+            <a:avLst/>
+          </a:prstGeom>
+        </p:spPr>
+        <p:style>
+          <a:lnRef idx="2">
+            <a:schemeClr val="accent1">
+              <a:shade val="50000"/>
+            </a:schemeClr>
+          </a:lnRef>
+          <a:fillRef idx="1">
+            <a:schemeClr val="accent1"/>
+          </a:fillRef>
+          <a:effectRef idx="0">
+            <a:schemeClr val="accent1"/>
+          </a:effectRef>
+          <a:fontRef idx="minor">
+            <a:schemeClr val="lt1"/>
+          </a:fontRef>
+        </p:style>
+        <p:txBody>
+          <a:bodyPr rtlCol="0" anchor="ctr"/>
+          <a:lstStyle/>
+          <a:p>
+            <a:pPr algn="ctr"/>
+            <a:r>
+              <a:rPr lang="zh-CN" altLang="en-US" b="1" dirty="0"/>
+              <a:t>脉冲源</a:t>
+            </a:r>
+            <a:endParaRPr lang="en-US" altLang="zh-CN" b="1" dirty="0"/>
+          </a:p>
+        </p:txBody>
+      </p:sp>
+      <p:sp>
+        <p:nvSpPr>
+          <p:cNvPr id="23" name="矩形 22">
+            <a:extLst>
+              <a:ext uri="{FF2B5EF4-FFF2-40B4-BE49-F238E27FC236}">
+                <a16:creationId xmlns:a16="http://schemas.microsoft.com/office/drawing/2014/main" id="{316F0F96-260F-4CC5-9F4A-3BBCFA480AB3}"/>
+              </a:ext>
+            </a:extLst>
+          </p:cNvPr>
+          <p:cNvSpPr/>
+          <p:nvPr/>
+        </p:nvSpPr>
+        <p:spPr>
+          <a:xfrm>
+            <a:off x="6280205" y="2458470"/>
+            <a:ext cx="1957345" cy="574482"/>
+          </a:xfrm>
+          <a:prstGeom prst="rect">
+            <a:avLst/>
+          </a:prstGeom>
+        </p:spPr>
+        <p:style>
+          <a:lnRef idx="2">
+            <a:schemeClr val="accent1">
+              <a:shade val="50000"/>
+            </a:schemeClr>
+          </a:lnRef>
+          <a:fillRef idx="1">
+            <a:schemeClr val="accent1"/>
+          </a:fillRef>
+          <a:effectRef idx="0">
+            <a:schemeClr val="accent1"/>
+          </a:effectRef>
+          <a:fontRef idx="minor">
+            <a:schemeClr val="lt1"/>
+          </a:fontRef>
+        </p:style>
+        <p:txBody>
+          <a:bodyPr rtlCol="0" anchor="ctr"/>
+          <a:lstStyle/>
+          <a:p>
+            <a:pPr algn="ctr"/>
+            <a:r>
+              <a:rPr lang="zh-CN" altLang="en-US" b="1" dirty="0"/>
+              <a:t>功率放大</a:t>
+            </a:r>
+            <a:endParaRPr lang="en-US" altLang="zh-CN" b="1" dirty="0"/>
+          </a:p>
+        </p:txBody>
+      </p:sp>
+      <p:sp>
+        <p:nvSpPr>
+          <p:cNvPr id="24" name="矩形 23">
+            <a:extLst>
+              <a:ext uri="{FF2B5EF4-FFF2-40B4-BE49-F238E27FC236}">
+                <a16:creationId xmlns:a16="http://schemas.microsoft.com/office/drawing/2014/main" id="{A8ED9BBA-E851-4D97-BB56-091A05E673EE}"/>
+              </a:ext>
+            </a:extLst>
+          </p:cNvPr>
+          <p:cNvSpPr/>
+          <p:nvPr/>
+        </p:nvSpPr>
+        <p:spPr>
+          <a:xfrm>
+            <a:off x="8943890" y="2458470"/>
+            <a:ext cx="1957345" cy="574482"/>
+          </a:xfrm>
+          <a:prstGeom prst="rect">
+            <a:avLst/>
+          </a:prstGeom>
+        </p:spPr>
+        <p:style>
+          <a:lnRef idx="2">
+            <a:schemeClr val="accent1">
+              <a:shade val="50000"/>
+            </a:schemeClr>
+          </a:lnRef>
+          <a:fillRef idx="1">
+            <a:schemeClr val="accent1"/>
+          </a:fillRef>
+          <a:effectRef idx="0">
+            <a:schemeClr val="accent1"/>
+          </a:effectRef>
+          <a:fontRef idx="minor">
+            <a:schemeClr val="lt1"/>
+          </a:fontRef>
+        </p:style>
+        <p:txBody>
+          <a:bodyPr rtlCol="0" anchor="ctr"/>
+          <a:lstStyle/>
+          <a:p>
+            <a:pPr algn="ctr"/>
+            <a:r>
+              <a:rPr lang="zh-CN" altLang="en-US" b="1" dirty="0"/>
+              <a:t>发射换能器</a:t>
+            </a:r>
+            <a:endParaRPr lang="en-US" altLang="zh-CN" b="1" dirty="0"/>
+          </a:p>
+        </p:txBody>
+      </p:sp>
+      <p:sp>
+        <p:nvSpPr>
+          <p:cNvPr id="25" name="矩形 24">
+            <a:extLst>
+              <a:ext uri="{FF2B5EF4-FFF2-40B4-BE49-F238E27FC236}">
+                <a16:creationId xmlns:a16="http://schemas.microsoft.com/office/drawing/2014/main" id="{99A387A5-B485-4CE6-AC5F-D6DCFE1F5863}"/>
+              </a:ext>
+            </a:extLst>
+          </p:cNvPr>
+          <p:cNvSpPr/>
+          <p:nvPr/>
+        </p:nvSpPr>
+        <p:spPr>
+          <a:xfrm>
+            <a:off x="8953171" y="5239169"/>
+            <a:ext cx="1957345" cy="574482"/>
+          </a:xfrm>
+          <a:prstGeom prst="rect">
+            <a:avLst/>
+          </a:prstGeom>
+        </p:spPr>
+        <p:style>
+          <a:lnRef idx="2">
+            <a:schemeClr val="accent1">
+              <a:shade val="50000"/>
+            </a:schemeClr>
+          </a:lnRef>
+          <a:fillRef idx="1">
+            <a:schemeClr val="accent1"/>
+          </a:fillRef>
+          <a:effectRef idx="0">
+            <a:schemeClr val="accent1"/>
+          </a:effectRef>
+          <a:fontRef idx="minor">
+            <a:schemeClr val="lt1"/>
+          </a:fontRef>
+        </p:style>
+        <p:txBody>
+          <a:bodyPr rtlCol="0" anchor="ctr"/>
+          <a:lstStyle/>
+          <a:p>
+            <a:pPr algn="ctr"/>
+            <a:r>
+              <a:rPr lang="zh-CN" altLang="en-US" b="1" dirty="0"/>
+              <a:t>接收换能器</a:t>
+            </a:r>
+            <a:endParaRPr lang="en-US" altLang="zh-CN" b="1" dirty="0"/>
+          </a:p>
+        </p:txBody>
+      </p:sp>
+      <p:sp>
+        <p:nvSpPr>
+          <p:cNvPr id="26" name="矩形 25">
+            <a:extLst>
+              <a:ext uri="{FF2B5EF4-FFF2-40B4-BE49-F238E27FC236}">
+                <a16:creationId xmlns:a16="http://schemas.microsoft.com/office/drawing/2014/main" id="{E2FCB794-19C4-4B30-9426-4D6A4DA7000D}"/>
+              </a:ext>
+            </a:extLst>
+          </p:cNvPr>
+          <p:cNvSpPr/>
+          <p:nvPr/>
+        </p:nvSpPr>
+        <p:spPr>
+          <a:xfrm>
+            <a:off x="968734" y="5302184"/>
+            <a:ext cx="1957345" cy="574482"/>
+          </a:xfrm>
+          <a:prstGeom prst="rect">
+            <a:avLst/>
+          </a:prstGeom>
+        </p:spPr>
+        <p:style>
+          <a:lnRef idx="2">
+            <a:schemeClr val="accent1">
+              <a:shade val="50000"/>
+            </a:schemeClr>
+          </a:lnRef>
+          <a:fillRef idx="1">
+            <a:schemeClr val="accent1"/>
+          </a:fillRef>
+          <a:effectRef idx="0">
+            <a:schemeClr val="accent1"/>
+          </a:effectRef>
+          <a:fontRef idx="minor">
+            <a:schemeClr val="lt1"/>
+          </a:fontRef>
+        </p:style>
+        <p:txBody>
+          <a:bodyPr rtlCol="0" anchor="ctr"/>
+          <a:lstStyle/>
+          <a:p>
+            <a:pPr algn="ctr"/>
+            <a:r>
+              <a:rPr lang="zh-CN" altLang="en-US" b="1" dirty="0"/>
+              <a:t>温度传感器</a:t>
+            </a:r>
+            <a:endParaRPr lang="en-US" altLang="zh-CN" b="1" dirty="0"/>
+          </a:p>
+        </p:txBody>
+      </p:sp>
+      <p:sp>
+        <p:nvSpPr>
+          <p:cNvPr id="27" name="矩形 26">
+            <a:extLst>
+              <a:ext uri="{FF2B5EF4-FFF2-40B4-BE49-F238E27FC236}">
+                <a16:creationId xmlns:a16="http://schemas.microsoft.com/office/drawing/2014/main" id="{EB5A945E-8355-48E4-8CC2-BC0818AD25BD}"/>
+              </a:ext>
+            </a:extLst>
+          </p:cNvPr>
+          <p:cNvSpPr/>
+          <p:nvPr/>
+        </p:nvSpPr>
+        <p:spPr>
+          <a:xfrm>
+            <a:off x="6280204" y="5231347"/>
+            <a:ext cx="1957345" cy="574482"/>
+          </a:xfrm>
+          <a:prstGeom prst="rect">
+            <a:avLst/>
+          </a:prstGeom>
+        </p:spPr>
+        <p:style>
+          <a:lnRef idx="2">
+            <a:schemeClr val="accent1">
+              <a:shade val="50000"/>
+            </a:schemeClr>
+          </a:lnRef>
+          <a:fillRef idx="1">
+            <a:schemeClr val="accent1"/>
+          </a:fillRef>
+          <a:effectRef idx="0">
+            <a:schemeClr val="accent1"/>
+          </a:effectRef>
+          <a:fontRef idx="minor">
+            <a:schemeClr val="lt1"/>
+          </a:fontRef>
+        </p:style>
+        <p:txBody>
+          <a:bodyPr rtlCol="0" anchor="ctr"/>
+          <a:lstStyle/>
+          <a:p>
+            <a:pPr algn="ctr"/>
+            <a:r>
+              <a:rPr lang="en-US" altLang="zh-CN" b="1" dirty="0"/>
+              <a:t>ADC</a:t>
+            </a:r>
+          </a:p>
+        </p:txBody>
+      </p:sp>
+      <p:sp>
+        <p:nvSpPr>
+          <p:cNvPr id="28" name="矩形 27">
+            <a:extLst>
+              <a:ext uri="{FF2B5EF4-FFF2-40B4-BE49-F238E27FC236}">
+                <a16:creationId xmlns:a16="http://schemas.microsoft.com/office/drawing/2014/main" id="{B7F0B0BC-79B4-45EB-BC90-58F7E76D691B}"/>
+              </a:ext>
+            </a:extLst>
+          </p:cNvPr>
+          <p:cNvSpPr/>
+          <p:nvPr/>
+        </p:nvSpPr>
+        <p:spPr>
+          <a:xfrm>
+            <a:off x="3616519" y="5231347"/>
+            <a:ext cx="1957345" cy="574482"/>
+          </a:xfrm>
+          <a:prstGeom prst="rect">
+            <a:avLst/>
+          </a:prstGeom>
+        </p:spPr>
+        <p:style>
+          <a:lnRef idx="2">
+            <a:schemeClr val="accent1">
+              <a:shade val="50000"/>
+            </a:schemeClr>
+          </a:lnRef>
+          <a:fillRef idx="1">
+            <a:schemeClr val="accent1"/>
+          </a:fillRef>
+          <a:effectRef idx="0">
+            <a:schemeClr val="accent1"/>
+          </a:effectRef>
+          <a:fontRef idx="minor">
+            <a:schemeClr val="lt1"/>
+          </a:fontRef>
+        </p:style>
+        <p:txBody>
+          <a:bodyPr rtlCol="0" anchor="ctr"/>
+          <a:lstStyle/>
+          <a:p>
+            <a:pPr algn="ctr"/>
+            <a:r>
+              <a:rPr lang="zh-CN" altLang="en-US" b="1" dirty="0"/>
+              <a:t>信号预处理</a:t>
+            </a:r>
+            <a:endParaRPr lang="en-US" altLang="zh-CN" b="1" dirty="0"/>
+          </a:p>
+        </p:txBody>
+      </p:sp>
+      <p:sp>
+        <p:nvSpPr>
+          <p:cNvPr id="29" name="矩形 28">
+            <a:extLst>
+              <a:ext uri="{FF2B5EF4-FFF2-40B4-BE49-F238E27FC236}">
+                <a16:creationId xmlns:a16="http://schemas.microsoft.com/office/drawing/2014/main" id="{CCE229F8-18B3-4FCB-8F8F-1E1B66EEC0FC}"/>
+              </a:ext>
+            </a:extLst>
+          </p:cNvPr>
+          <p:cNvSpPr/>
+          <p:nvPr/>
+        </p:nvSpPr>
+        <p:spPr>
+          <a:xfrm>
+            <a:off x="6280204" y="3982662"/>
+            <a:ext cx="1957345" cy="574482"/>
+          </a:xfrm>
+          <a:prstGeom prst="rect">
+            <a:avLst/>
+          </a:prstGeom>
+        </p:spPr>
+        <p:style>
+          <a:lnRef idx="2">
+            <a:schemeClr val="accent1">
+              <a:shade val="50000"/>
+            </a:schemeClr>
+          </a:lnRef>
+          <a:fillRef idx="1">
+            <a:schemeClr val="accent1"/>
+          </a:fillRef>
+          <a:effectRef idx="0">
+            <a:schemeClr val="accent1"/>
+          </a:effectRef>
+          <a:fontRef idx="minor">
+            <a:schemeClr val="lt1"/>
+          </a:fontRef>
+        </p:style>
+        <p:txBody>
+          <a:bodyPr rtlCol="0" anchor="ctr"/>
+          <a:lstStyle/>
+          <a:p>
+            <a:pPr algn="ctr"/>
+            <a:r>
+              <a:rPr lang="en-US" altLang="zh-CN" b="1" dirty="0"/>
+              <a:t>ADC</a:t>
+            </a:r>
+          </a:p>
+        </p:txBody>
+      </p:sp>
+      <p:sp>
+        <p:nvSpPr>
+          <p:cNvPr id="30" name="矩形 29">
+            <a:extLst>
+              <a:ext uri="{FF2B5EF4-FFF2-40B4-BE49-F238E27FC236}">
+                <a16:creationId xmlns:a16="http://schemas.microsoft.com/office/drawing/2014/main" id="{D544470B-4D6C-4191-8959-088DD59E29CD}"/>
+              </a:ext>
+            </a:extLst>
+          </p:cNvPr>
+          <p:cNvSpPr/>
+          <p:nvPr/>
+        </p:nvSpPr>
+        <p:spPr>
+          <a:xfrm>
+            <a:off x="3616518" y="3982662"/>
+            <a:ext cx="1957345" cy="574482"/>
+          </a:xfrm>
+          <a:prstGeom prst="rect">
+            <a:avLst/>
+          </a:prstGeom>
+        </p:spPr>
+        <p:style>
+          <a:lnRef idx="2">
+            <a:schemeClr val="accent1">
+              <a:shade val="50000"/>
+            </a:schemeClr>
+          </a:lnRef>
+          <a:fillRef idx="1">
+            <a:schemeClr val="accent1"/>
+          </a:fillRef>
+          <a:effectRef idx="0">
+            <a:schemeClr val="accent1"/>
+          </a:effectRef>
+          <a:fontRef idx="minor">
+            <a:schemeClr val="lt1"/>
+          </a:fontRef>
+        </p:style>
+        <p:txBody>
+          <a:bodyPr rtlCol="0" anchor="ctr"/>
+          <a:lstStyle/>
+          <a:p>
+            <a:pPr algn="ctr"/>
+            <a:r>
+              <a:rPr lang="zh-CN" altLang="en-US" b="1" dirty="0"/>
+              <a:t>信号预处理</a:t>
+            </a:r>
+            <a:endParaRPr lang="en-US" altLang="zh-CN" b="1" dirty="0"/>
+          </a:p>
+        </p:txBody>
+      </p:sp>
+      <p:sp>
+        <p:nvSpPr>
+          <p:cNvPr id="12" name="箭头: 下 11">
+            <a:extLst>
+              <a:ext uri="{FF2B5EF4-FFF2-40B4-BE49-F238E27FC236}">
+                <a16:creationId xmlns:a16="http://schemas.microsoft.com/office/drawing/2014/main" id="{CC5E509F-FDB1-4AAB-ADAA-0589A716BE73}"/>
+              </a:ext>
+            </a:extLst>
+          </p:cNvPr>
+          <p:cNvSpPr/>
+          <p:nvPr/>
+        </p:nvSpPr>
+        <p:spPr>
+          <a:xfrm>
+            <a:off x="8990935" y="3356996"/>
+            <a:ext cx="1848017" cy="1612570"/>
+          </a:xfrm>
+          <a:prstGeom prst="downArrow">
+            <a:avLst/>
+          </a:prstGeom>
+          <a:solidFill>
+            <a:schemeClr val="accent1">
+              <a:lumMod val="20000"/>
+              <a:lumOff val="80000"/>
+            </a:schemeClr>
+          </a:solidFill>
+        </p:spPr>
+        <p:style>
+          <a:lnRef idx="2">
+            <a:schemeClr val="accent1">
+              <a:shade val="50000"/>
+            </a:schemeClr>
+          </a:lnRef>
+          <a:fillRef idx="1">
+            <a:schemeClr val="accent1"/>
+          </a:fillRef>
+          <a:effectRef idx="0">
+            <a:schemeClr val="accent1"/>
+          </a:effectRef>
+          <a:fontRef idx="minor">
+            <a:schemeClr val="lt1"/>
+          </a:fontRef>
+        </p:style>
+        <p:txBody>
+          <a:bodyPr rtlCol="0" anchor="ctr"/>
+          <a:lstStyle/>
+          <a:p>
+            <a:pPr algn="ctr"/>
+            <a:r>
+              <a:rPr lang="zh-CN" altLang="en-US" dirty="0">
+                <a:solidFill>
+                  <a:schemeClr val="tx1"/>
+                </a:solidFill>
+              </a:rPr>
+              <a:t>超声波</a:t>
+            </a:r>
+          </a:p>
+        </p:txBody>
+      </p:sp>
+      <p:sp>
+        <p:nvSpPr>
+          <p:cNvPr id="34" name="文本框 33">
+            <a:extLst>
+              <a:ext uri="{FF2B5EF4-FFF2-40B4-BE49-F238E27FC236}">
+                <a16:creationId xmlns:a16="http://schemas.microsoft.com/office/drawing/2014/main" id="{56A191E4-42FB-4271-AEEF-F147A64A3EE9}"/>
+              </a:ext>
+            </a:extLst>
+          </p:cNvPr>
+          <p:cNvSpPr txBox="1"/>
+          <p:nvPr/>
+        </p:nvSpPr>
+        <p:spPr>
+          <a:xfrm>
+            <a:off x="3381293" y="3608719"/>
+            <a:ext cx="1333831" cy="369332"/>
+          </a:xfrm>
+          <a:prstGeom prst="rect">
+            <a:avLst/>
+          </a:prstGeom>
+          <a:noFill/>
+        </p:spPr>
+        <p:txBody>
+          <a:bodyPr wrap="square">
+            <a:spAutoFit/>
+          </a:bodyPr>
+          <a:lstStyle/>
+          <a:p>
+            <a:r>
+              <a:rPr lang="zh-CN" altLang="en-US" b="1" dirty="0"/>
+              <a:t>参考信号</a:t>
+            </a:r>
+          </a:p>
+        </p:txBody>
+      </p:sp>
+      <p:sp>
+        <p:nvSpPr>
+          <p:cNvPr id="35" name="文本框 34">
+            <a:extLst>
+              <a:ext uri="{FF2B5EF4-FFF2-40B4-BE49-F238E27FC236}">
+                <a16:creationId xmlns:a16="http://schemas.microsoft.com/office/drawing/2014/main" id="{90DFD664-7ED0-4546-9C2E-12CCE63A628B}"/>
+              </a:ext>
+            </a:extLst>
+          </p:cNvPr>
+          <p:cNvSpPr txBox="1"/>
+          <p:nvPr/>
+        </p:nvSpPr>
+        <p:spPr>
+          <a:xfrm>
+            <a:off x="3372677" y="4840942"/>
+            <a:ext cx="1333831" cy="369332"/>
+          </a:xfrm>
+          <a:prstGeom prst="rect">
+            <a:avLst/>
+          </a:prstGeom>
+          <a:noFill/>
+        </p:spPr>
+        <p:txBody>
+          <a:bodyPr wrap="square">
+            <a:spAutoFit/>
+          </a:bodyPr>
+          <a:lstStyle/>
+          <a:p>
+            <a:r>
+              <a:rPr lang="zh-CN" altLang="en-US" b="1" dirty="0"/>
+              <a:t>接收信号</a:t>
+            </a:r>
+          </a:p>
+        </p:txBody>
+      </p:sp>
+      <p:cxnSp>
+        <p:nvCxnSpPr>
+          <p:cNvPr id="36" name="直接箭头连接符 35">
+            <a:extLst>
+              <a:ext uri="{FF2B5EF4-FFF2-40B4-BE49-F238E27FC236}">
+                <a16:creationId xmlns:a16="http://schemas.microsoft.com/office/drawing/2014/main" id="{0DBD319D-98E3-4683-B119-6061526745F4}"/>
+              </a:ext>
+            </a:extLst>
+          </p:cNvPr>
+          <p:cNvCxnSpPr>
+            <a:cxnSpLocks/>
+          </p:cNvCxnSpPr>
+          <p:nvPr/>
+        </p:nvCxnSpPr>
+        <p:spPr>
+          <a:xfrm flipV="1">
+            <a:off x="2910178" y="2976198"/>
+            <a:ext cx="641187" cy="399188"/>
+          </a:xfrm>
+          <a:prstGeom prst="straightConnector1">
+            <a:avLst/>
+          </a:prstGeom>
+          <a:ln w="38100">
+            <a:tailEnd type="triangle"/>
+          </a:ln>
+        </p:spPr>
+        <p:style>
+          <a:lnRef idx="1">
+            <a:schemeClr val="accent1"/>
+          </a:lnRef>
+          <a:fillRef idx="0">
+            <a:schemeClr val="accent1"/>
+          </a:fillRef>
+          <a:effectRef idx="0">
+            <a:schemeClr val="accent1"/>
+          </a:effectRef>
+          <a:fontRef idx="minor">
+            <a:schemeClr val="tx1"/>
+          </a:fontRef>
+        </p:style>
+      </p:cxnSp>
+      <p:cxnSp>
+        <p:nvCxnSpPr>
+          <p:cNvPr id="38" name="直接箭头连接符 37">
+            <a:extLst>
+              <a:ext uri="{FF2B5EF4-FFF2-40B4-BE49-F238E27FC236}">
+                <a16:creationId xmlns:a16="http://schemas.microsoft.com/office/drawing/2014/main" id="{504F88C9-B1AB-472F-9FA8-A97C322F5C39}"/>
+              </a:ext>
+            </a:extLst>
+          </p:cNvPr>
+          <p:cNvCxnSpPr>
+            <a:cxnSpLocks/>
+          </p:cNvCxnSpPr>
+          <p:nvPr/>
+        </p:nvCxnSpPr>
+        <p:spPr>
+          <a:xfrm flipH="1">
+            <a:off x="2641498" y="2778902"/>
+            <a:ext cx="871104" cy="551210"/>
+          </a:xfrm>
+          <a:prstGeom prst="straightConnector1">
+            <a:avLst/>
+          </a:prstGeom>
+          <a:ln w="38100">
+            <a:tailEnd type="triangle"/>
+          </a:ln>
+        </p:spPr>
+        <p:style>
+          <a:lnRef idx="1">
+            <a:schemeClr val="accent1"/>
+          </a:lnRef>
+          <a:fillRef idx="0">
+            <a:schemeClr val="accent1"/>
+          </a:fillRef>
+          <a:effectRef idx="0">
+            <a:schemeClr val="accent1"/>
+          </a:effectRef>
+          <a:fontRef idx="minor">
+            <a:schemeClr val="tx1"/>
+          </a:fontRef>
+        </p:style>
+      </p:cxnSp>
+      <p:cxnSp>
+        <p:nvCxnSpPr>
+          <p:cNvPr id="40" name="直接箭头连接符 39">
+            <a:extLst>
+              <a:ext uri="{FF2B5EF4-FFF2-40B4-BE49-F238E27FC236}">
+                <a16:creationId xmlns:a16="http://schemas.microsoft.com/office/drawing/2014/main" id="{6672FBC3-44ED-452C-860A-CC51F8E7E02F}"/>
+              </a:ext>
+            </a:extLst>
+          </p:cNvPr>
+          <p:cNvCxnSpPr>
+            <a:cxnSpLocks/>
+            <a:stCxn id="22" idx="3"/>
+            <a:endCxn id="23" idx="1"/>
+          </p:cNvCxnSpPr>
+          <p:nvPr/>
+        </p:nvCxnSpPr>
+        <p:spPr>
+          <a:xfrm>
+            <a:off x="5573864" y="2745711"/>
+            <a:ext cx="706341" cy="0"/>
+          </a:xfrm>
+          <a:prstGeom prst="straightConnector1">
+            <a:avLst/>
+          </a:prstGeom>
+          <a:ln w="38100">
+            <a:tailEnd type="triangle"/>
+          </a:ln>
+        </p:spPr>
+        <p:style>
+          <a:lnRef idx="1">
+            <a:schemeClr val="accent1"/>
+          </a:lnRef>
+          <a:fillRef idx="0">
+            <a:schemeClr val="accent1"/>
+          </a:fillRef>
+          <a:effectRef idx="0">
+            <a:schemeClr val="accent1"/>
+          </a:effectRef>
+          <a:fontRef idx="minor">
+            <a:schemeClr val="tx1"/>
+          </a:fontRef>
+        </p:style>
+      </p:cxnSp>
+      <p:cxnSp>
+        <p:nvCxnSpPr>
+          <p:cNvPr id="43" name="直接箭头连接符 42">
+            <a:extLst>
+              <a:ext uri="{FF2B5EF4-FFF2-40B4-BE49-F238E27FC236}">
+                <a16:creationId xmlns:a16="http://schemas.microsoft.com/office/drawing/2014/main" id="{3767A8DB-2501-442A-83C2-824E3F718B74}"/>
+              </a:ext>
+            </a:extLst>
+          </p:cNvPr>
+          <p:cNvCxnSpPr>
+            <a:cxnSpLocks/>
+          </p:cNvCxnSpPr>
+          <p:nvPr/>
+        </p:nvCxnSpPr>
+        <p:spPr>
+          <a:xfrm>
+            <a:off x="8237549" y="2745711"/>
+            <a:ext cx="706341" cy="0"/>
+          </a:xfrm>
+          <a:prstGeom prst="straightConnector1">
+            <a:avLst/>
+          </a:prstGeom>
+          <a:ln w="38100">
+            <a:tailEnd type="triangle"/>
+          </a:ln>
+        </p:spPr>
+        <p:style>
+          <a:lnRef idx="1">
+            <a:schemeClr val="accent1"/>
+          </a:lnRef>
+          <a:fillRef idx="0">
+            <a:schemeClr val="accent1"/>
+          </a:fillRef>
+          <a:effectRef idx="0">
+            <a:schemeClr val="accent1"/>
+          </a:effectRef>
+          <a:fontRef idx="minor">
+            <a:schemeClr val="tx1"/>
+          </a:fontRef>
+        </p:style>
+      </p:cxnSp>
+      <p:cxnSp>
+        <p:nvCxnSpPr>
+          <p:cNvPr id="44" name="直接箭头连接符 43">
+            <a:extLst>
+              <a:ext uri="{FF2B5EF4-FFF2-40B4-BE49-F238E27FC236}">
+                <a16:creationId xmlns:a16="http://schemas.microsoft.com/office/drawing/2014/main" id="{65DF745C-797F-4B44-9BE3-62FB2C024CE6}"/>
+              </a:ext>
+            </a:extLst>
+          </p:cNvPr>
+          <p:cNvCxnSpPr>
+            <a:cxnSpLocks/>
+            <a:stCxn id="25" idx="1"/>
+            <a:endCxn id="32" idx="3"/>
+          </p:cNvCxnSpPr>
+          <p:nvPr/>
+        </p:nvCxnSpPr>
+        <p:spPr>
+          <a:xfrm flipH="1">
+            <a:off x="8416456" y="5526410"/>
+            <a:ext cx="536715" cy="0"/>
+          </a:xfrm>
+          <a:prstGeom prst="straightConnector1">
+            <a:avLst/>
+          </a:prstGeom>
+          <a:ln w="38100">
+            <a:tailEnd type="triangle"/>
+          </a:ln>
+        </p:spPr>
+        <p:style>
+          <a:lnRef idx="1">
+            <a:schemeClr val="accent1"/>
+          </a:lnRef>
+          <a:fillRef idx="0">
+            <a:schemeClr val="accent1"/>
+          </a:fillRef>
+          <a:effectRef idx="0">
+            <a:schemeClr val="accent1"/>
+          </a:effectRef>
+          <a:fontRef idx="minor">
+            <a:schemeClr val="tx1"/>
+          </a:fontRef>
+        </p:style>
+      </p:cxnSp>
+      <p:cxnSp>
+        <p:nvCxnSpPr>
+          <p:cNvPr id="50" name="直接箭头连接符 49">
+            <a:extLst>
+              <a:ext uri="{FF2B5EF4-FFF2-40B4-BE49-F238E27FC236}">
+                <a16:creationId xmlns:a16="http://schemas.microsoft.com/office/drawing/2014/main" id="{F3DAE9C1-D20F-4221-A52B-79F4F851792C}"/>
+              </a:ext>
+            </a:extLst>
+          </p:cNvPr>
+          <p:cNvCxnSpPr>
+            <a:cxnSpLocks/>
+            <a:stCxn id="23" idx="2"/>
+          </p:cNvCxnSpPr>
+          <p:nvPr/>
+        </p:nvCxnSpPr>
+        <p:spPr>
+          <a:xfrm>
+            <a:off x="7258878" y="3032952"/>
+            <a:ext cx="0" cy="945099"/>
+          </a:xfrm>
+          <a:prstGeom prst="straightConnector1">
+            <a:avLst/>
+          </a:prstGeom>
+          <a:ln w="38100">
+            <a:tailEnd type="triangle"/>
+          </a:ln>
+        </p:spPr>
+        <p:style>
+          <a:lnRef idx="1">
+            <a:schemeClr val="accent1"/>
+          </a:lnRef>
+          <a:fillRef idx="0">
+            <a:schemeClr val="accent1"/>
+          </a:fillRef>
+          <a:effectRef idx="0">
+            <a:schemeClr val="accent1"/>
+          </a:effectRef>
+          <a:fontRef idx="minor">
+            <a:schemeClr val="tx1"/>
+          </a:fontRef>
+        </p:style>
+      </p:cxnSp>
+      <p:cxnSp>
+        <p:nvCxnSpPr>
+          <p:cNvPr id="53" name="直接箭头连接符 52">
+            <a:extLst>
+              <a:ext uri="{FF2B5EF4-FFF2-40B4-BE49-F238E27FC236}">
+                <a16:creationId xmlns:a16="http://schemas.microsoft.com/office/drawing/2014/main" id="{A29CA3FF-A583-405F-9959-238CAF2EBD9C}"/>
+              </a:ext>
+            </a:extLst>
+          </p:cNvPr>
+          <p:cNvCxnSpPr>
+            <a:cxnSpLocks/>
+          </p:cNvCxnSpPr>
+          <p:nvPr/>
+        </p:nvCxnSpPr>
+        <p:spPr>
+          <a:xfrm flipH="1">
+            <a:off x="5667291" y="5518588"/>
+            <a:ext cx="536715" cy="0"/>
+          </a:xfrm>
+          <a:prstGeom prst="straightConnector1">
+            <a:avLst/>
+          </a:prstGeom>
+          <a:ln w="38100">
+            <a:tailEnd type="triangle"/>
+          </a:ln>
+        </p:spPr>
+        <p:style>
+          <a:lnRef idx="1">
+            <a:schemeClr val="accent1"/>
+          </a:lnRef>
+          <a:fillRef idx="0">
+            <a:schemeClr val="accent1"/>
+          </a:fillRef>
+          <a:effectRef idx="0">
+            <a:schemeClr val="accent1"/>
+          </a:effectRef>
+          <a:fontRef idx="minor">
+            <a:schemeClr val="tx1"/>
+          </a:fontRef>
+        </p:style>
+      </p:cxnSp>
+      <p:cxnSp>
+        <p:nvCxnSpPr>
+          <p:cNvPr id="54" name="直接箭头连接符 53">
+            <a:extLst>
+              <a:ext uri="{FF2B5EF4-FFF2-40B4-BE49-F238E27FC236}">
+                <a16:creationId xmlns:a16="http://schemas.microsoft.com/office/drawing/2014/main" id="{02035599-56A5-45D0-80FA-227CB698B55C}"/>
+              </a:ext>
+            </a:extLst>
+          </p:cNvPr>
+          <p:cNvCxnSpPr>
+            <a:cxnSpLocks/>
+          </p:cNvCxnSpPr>
+          <p:nvPr/>
+        </p:nvCxnSpPr>
+        <p:spPr>
+          <a:xfrm flipH="1">
+            <a:off x="5658676" y="4269903"/>
+            <a:ext cx="536715" cy="0"/>
+          </a:xfrm>
+          <a:prstGeom prst="straightConnector1">
+            <a:avLst/>
+          </a:prstGeom>
+          <a:ln w="38100">
+            <a:tailEnd type="triangle"/>
+          </a:ln>
+        </p:spPr>
+        <p:style>
+          <a:lnRef idx="1">
+            <a:schemeClr val="accent1"/>
+          </a:lnRef>
+          <a:fillRef idx="0">
+            <a:schemeClr val="accent1"/>
+          </a:fillRef>
+          <a:effectRef idx="0">
+            <a:schemeClr val="accent1"/>
+          </a:effectRef>
+          <a:fontRef idx="minor">
+            <a:schemeClr val="tx1"/>
+          </a:fontRef>
+        </p:style>
+      </p:cxnSp>
+      <p:cxnSp>
+        <p:nvCxnSpPr>
+          <p:cNvPr id="55" name="直接箭头连接符 54">
+            <a:extLst>
+              <a:ext uri="{FF2B5EF4-FFF2-40B4-BE49-F238E27FC236}">
+                <a16:creationId xmlns:a16="http://schemas.microsoft.com/office/drawing/2014/main" id="{89C86C5C-94A0-457E-B841-0BB0F93B3315}"/>
+              </a:ext>
+            </a:extLst>
+          </p:cNvPr>
+          <p:cNvCxnSpPr>
+            <a:cxnSpLocks/>
+          </p:cNvCxnSpPr>
+          <p:nvPr/>
+        </p:nvCxnSpPr>
+        <p:spPr>
+          <a:xfrm flipH="1" flipV="1">
+            <a:off x="2910178" y="4063117"/>
+            <a:ext cx="486252" cy="206786"/>
+          </a:xfrm>
+          <a:prstGeom prst="straightConnector1">
+            <a:avLst/>
+          </a:prstGeom>
+          <a:ln w="38100">
+            <a:tailEnd type="triangle"/>
+          </a:ln>
+        </p:spPr>
+        <p:style>
+          <a:lnRef idx="1">
+            <a:schemeClr val="accent1"/>
+          </a:lnRef>
+          <a:fillRef idx="0">
+            <a:schemeClr val="accent1"/>
+          </a:fillRef>
+          <a:effectRef idx="0">
+            <a:schemeClr val="accent1"/>
+          </a:effectRef>
+          <a:fontRef idx="minor">
+            <a:schemeClr val="tx1"/>
+          </a:fontRef>
+        </p:style>
+      </p:cxnSp>
+      <p:cxnSp>
+        <p:nvCxnSpPr>
+          <p:cNvPr id="57" name="直接箭头连接符 56">
+            <a:extLst>
+              <a:ext uri="{FF2B5EF4-FFF2-40B4-BE49-F238E27FC236}">
+                <a16:creationId xmlns:a16="http://schemas.microsoft.com/office/drawing/2014/main" id="{4DDE2211-4C29-4731-9836-37A27B25F0E2}"/>
+              </a:ext>
+            </a:extLst>
+          </p:cNvPr>
+          <p:cNvCxnSpPr>
+            <a:cxnSpLocks/>
+            <a:stCxn id="32" idx="1"/>
+          </p:cNvCxnSpPr>
+          <p:nvPr/>
+        </p:nvCxnSpPr>
+        <p:spPr>
+          <a:xfrm flipH="1" flipV="1">
+            <a:off x="2825366" y="4189676"/>
+            <a:ext cx="637428" cy="1336734"/>
+          </a:xfrm>
+          <a:prstGeom prst="straightConnector1">
+            <a:avLst/>
+          </a:prstGeom>
+          <a:ln w="38100">
+            <a:tailEnd type="triangle"/>
+          </a:ln>
+        </p:spPr>
+        <p:style>
+          <a:lnRef idx="1">
+            <a:schemeClr val="accent1"/>
+          </a:lnRef>
+          <a:fillRef idx="0">
+            <a:schemeClr val="accent1"/>
+          </a:fillRef>
+          <a:effectRef idx="0">
+            <a:schemeClr val="accent1"/>
+          </a:effectRef>
+          <a:fontRef idx="minor">
+            <a:schemeClr val="tx1"/>
+          </a:fontRef>
+        </p:style>
+      </p:cxnSp>
+      <p:cxnSp>
+        <p:nvCxnSpPr>
+          <p:cNvPr id="60" name="直接箭头连接符 59">
+            <a:extLst>
+              <a:ext uri="{FF2B5EF4-FFF2-40B4-BE49-F238E27FC236}">
+                <a16:creationId xmlns:a16="http://schemas.microsoft.com/office/drawing/2014/main" id="{13DE2294-6C69-455F-9A4D-337071943094}"/>
+              </a:ext>
+            </a:extLst>
+          </p:cNvPr>
+          <p:cNvCxnSpPr>
+            <a:cxnSpLocks/>
+            <a:stCxn id="26" idx="0"/>
+            <a:endCxn id="4" idx="2"/>
+          </p:cNvCxnSpPr>
+          <p:nvPr/>
+        </p:nvCxnSpPr>
+        <p:spPr>
+          <a:xfrm flipV="1">
+            <a:off x="1947407" y="3995060"/>
+            <a:ext cx="1" cy="1307124"/>
+          </a:xfrm>
+          <a:prstGeom prst="straightConnector1">
+            <a:avLst/>
+          </a:prstGeom>
+          <a:ln w="38100">
+            <a:tailEnd type="triangle"/>
+          </a:ln>
+        </p:spPr>
+        <p:style>
+          <a:lnRef idx="1">
+            <a:schemeClr val="accent1"/>
+          </a:lnRef>
+          <a:fillRef idx="0">
+            <a:schemeClr val="accent1"/>
+          </a:fillRef>
+          <a:effectRef idx="0">
+            <a:schemeClr val="accent1"/>
+          </a:effectRef>
+          <a:fontRef idx="minor">
+            <a:schemeClr val="tx1"/>
+          </a:fontRef>
+        </p:style>
+      </p:cxnSp>
+    </p:spTree>
+    <p:extLst>
+      <p:ext uri="{BB962C8B-B14F-4D97-AF65-F5344CB8AC3E}">
+        <p14:creationId xmlns:p14="http://schemas.microsoft.com/office/powerpoint/2010/main" val="1296957245"/>
+      </p:ext>
+    </p:extLst>
+  </p:cSld>
+  <p:clrMapOvr>
+    <a:masterClrMapping/>
+  </p:clrMapOvr>
+</p:sld>
+</file>
+
+<file path=ppt/slides/slide11.xml><?xml version="1.0" encoding="utf-8"?>
+<p:sld xmlns:a="http://schemas.openxmlformats.org/drawingml/2006/main" xmlns:r="http://schemas.openxmlformats.org/officeDocument/2006/relationships" xmlns:p="http://schemas.openxmlformats.org/presentationml/2006/main">
+  <p:cSld>
+    <p:spTree>
+      <p:nvGrpSpPr>
+        <p:cNvPr id="1" name=""/>
+        <p:cNvGrpSpPr/>
+        <p:nvPr/>
+      </p:nvGrpSpPr>
+      <p:grpSpPr>
+        <a:xfrm>
+          <a:off x="0" y="0"/>
+          <a:ext cx="0" cy="0"/>
+          <a:chOff x="0" y="0"/>
+          <a:chExt cx="0" cy="0"/>
+        </a:xfrm>
+      </p:grpSpPr>
+      <p:sp>
+        <p:nvSpPr>
+          <p:cNvPr id="2" name="标题 1">
+            <a:extLst>
+              <a:ext uri="{FF2B5EF4-FFF2-40B4-BE49-F238E27FC236}">
+                <a16:creationId xmlns:a16="http://schemas.microsoft.com/office/drawing/2014/main" id="{F9FF4E26-1B9F-462E-9BC6-D6604CFF5438}"/>
+              </a:ext>
+            </a:extLst>
+          </p:cNvPr>
+          <p:cNvSpPr>
+            <a:spLocks noGrp="1"/>
+          </p:cNvSpPr>
+          <p:nvPr>
+            <p:ph type="title"/>
+          </p:nvPr>
+        </p:nvSpPr>
+        <p:spPr/>
+        <p:txBody>
+          <a:bodyPr/>
+          <a:lstStyle/>
+          <a:p>
+            <a:r>
               <a:rPr lang="zh-CN" altLang="en-US" dirty="0"/>
-              <a:t>换能器在一定时间内连续发出不同频率的超声波脉冲，在另一端被接收，接收到的信号包含了悬浮颗粒与浆液浓度的信息。</a:t>
-            </a:r>
-            <a:endParaRPr lang="en-US" altLang="zh-CN" dirty="0"/>
-          </a:p>
+              <a:t>机器学习方法</a:t>
+            </a:r>
+          </a:p>
+        </p:txBody>
+      </p:sp>
+      <p:sp>
+        <p:nvSpPr>
+          <p:cNvPr id="5" name="文本框 4">
+            <a:extLst>
+              <a:ext uri="{FF2B5EF4-FFF2-40B4-BE49-F238E27FC236}">
+                <a16:creationId xmlns:a16="http://schemas.microsoft.com/office/drawing/2014/main" id="{B458A5A2-55A6-4C71-AC44-54D4C45BA2FD}"/>
+              </a:ext>
+            </a:extLst>
+          </p:cNvPr>
+          <p:cNvSpPr txBox="1"/>
+          <p:nvPr/>
+        </p:nvSpPr>
+        <p:spPr>
+          <a:xfrm>
+            <a:off x="760021" y="1741714"/>
+            <a:ext cx="10474036" cy="646331"/>
+          </a:xfrm>
+          <a:prstGeom prst="rect">
+            <a:avLst/>
+          </a:prstGeom>
+          <a:noFill/>
+        </p:spPr>
+        <p:txBody>
+          <a:bodyPr wrap="square" rtlCol="0">
+            <a:spAutoFit/>
+          </a:bodyPr>
+          <a:lstStyle/>
           <a:p>
             <a:r>
               <a:rPr lang="zh-CN" altLang="en-US" dirty="0"/>
-              <a:t>使用机器学习方法，通过分析大量包含发射信号、接收信号以及浓度值、浆液成分的测试样本，可以推导出超声衰减特性与浆液性质的数学模型。</a:t>
+              <a:t>使用机器学习方法，通过分析大量包含发射信号、接收信号以及人工烘干法测量的浓度值、浆液成分的测试样本，可以推导出超声衰减特性与浆液性质的数学模型。</a:t>
             </a:r>
           </a:p>
         </p:txBody>
@@ -4017,7 +5291,7 @@
         </p:nvSpPr>
         <p:spPr>
           <a:xfrm>
-            <a:off x="2292927" y="3559299"/>
+            <a:off x="2292927" y="3172832"/>
             <a:ext cx="2280062" cy="542306"/>
           </a:xfrm>
           <a:prstGeom prst="rightArrow">
@@ -4066,7 +5340,7 @@
         </p:nvSpPr>
         <p:spPr>
           <a:xfrm>
-            <a:off x="2292927" y="4263901"/>
+            <a:off x="2292927" y="3877434"/>
             <a:ext cx="2280062" cy="542306"/>
           </a:xfrm>
           <a:prstGeom prst="rightArrow">
@@ -4115,7 +5389,7 @@
         </p:nvSpPr>
         <p:spPr>
           <a:xfrm>
-            <a:off x="2292927" y="5029860"/>
+            <a:off x="2292927" y="4643393"/>
             <a:ext cx="2280062" cy="542306"/>
           </a:xfrm>
           <a:prstGeom prst="rightArrow">
@@ -4164,7 +5438,7 @@
         </p:nvSpPr>
         <p:spPr>
           <a:xfrm>
-            <a:off x="4846122" y="3683000"/>
+            <a:off x="4846122" y="3296533"/>
             <a:ext cx="1717963" cy="2516474"/>
           </a:xfrm>
           <a:prstGeom prst="roundRect">
@@ -4214,7 +5488,7 @@
         </p:nvSpPr>
         <p:spPr>
           <a:xfrm>
-            <a:off x="2292927" y="5748317"/>
+            <a:off x="2292927" y="5361850"/>
             <a:ext cx="2280062" cy="542306"/>
           </a:xfrm>
           <a:prstGeom prst="rightArrow">
@@ -4263,7 +5537,7 @@
         </p:nvSpPr>
         <p:spPr>
           <a:xfrm>
-            <a:off x="6754645" y="3868756"/>
+            <a:off x="6754645" y="3482289"/>
             <a:ext cx="1517073" cy="542306"/>
           </a:xfrm>
           <a:prstGeom prst="rightArrow">
@@ -4309,7 +5583,7 @@
         </p:nvSpPr>
         <p:spPr>
           <a:xfrm>
-            <a:off x="8494321" y="3786379"/>
+            <a:off x="8494321" y="3399912"/>
             <a:ext cx="1592777" cy="1493217"/>
           </a:xfrm>
           <a:prstGeom prst="roundRect">
@@ -4358,8 +5632,8 @@
         </p:nvSpPr>
         <p:spPr>
           <a:xfrm rot="18816139">
-            <a:off x="8325812" y="5560304"/>
-            <a:ext cx="830365" cy="542306"/>
+            <a:off x="8301813" y="5117841"/>
+            <a:ext cx="985021" cy="542306"/>
           </a:xfrm>
           <a:prstGeom prst="rightArrow">
             <a:avLst/>
@@ -4404,7 +5678,7 @@
         </p:nvSpPr>
         <p:spPr>
           <a:xfrm>
-            <a:off x="6879770" y="6256412"/>
+            <a:off x="6879770" y="5869945"/>
             <a:ext cx="3091282" cy="369332"/>
           </a:xfrm>
           <a:prstGeom prst="rect">
@@ -4426,8 +5700,8 @@
           </a:p>
         </p:txBody>
       </p:sp>
-      <mc:AlternateContent xmlns:mc="http://schemas.openxmlformats.org/markup-compatibility/2006" xmlns:a14="http://schemas.microsoft.com/office/drawing/2010/main">
-        <mc:Choice Requires="a14">
+      <mc:AlternateContent xmlns:mc="http://schemas.openxmlformats.org/markup-compatibility/2006">
+        <mc:Choice xmlns:a14="http://schemas.microsoft.com/office/drawing/2010/main" Requires="a14">
           <p:sp>
             <p:nvSpPr>
               <p:cNvPr id="16" name="文本框 15">
@@ -4442,7 +5716,7 @@
             </p:nvSpPr>
             <p:spPr>
               <a:xfrm>
-                <a:off x="5920969" y="4261577"/>
+                <a:off x="5920969" y="3875110"/>
                 <a:ext cx="3091282" cy="369332"/>
               </a:xfrm>
               <a:prstGeom prst="rect">
@@ -4477,7 +5751,7 @@
             </p:txBody>
           </p:sp>
         </mc:Choice>
-        <mc:Fallback xmlns="">
+        <mc:Fallback>
           <p:sp>
             <p:nvSpPr>
               <p:cNvPr id="16" name="文本框 15">
@@ -4494,7 +5768,7 @@
             </p:nvSpPr>
             <p:spPr>
               <a:xfrm>
-                <a:off x="5920969" y="4261577"/>
+                <a:off x="5920969" y="3875110"/>
                 <a:ext cx="3091282" cy="369332"/>
               </a:xfrm>
               <a:prstGeom prst="rect">
@@ -4522,8 +5796,8 @@
           </p:sp>
         </mc:Fallback>
       </mc:AlternateContent>
-      <mc:AlternateContent xmlns:mc="http://schemas.openxmlformats.org/markup-compatibility/2006" xmlns:a14="http://schemas.microsoft.com/office/drawing/2010/main">
-        <mc:Choice Requires="a14">
+      <mc:AlternateContent xmlns:mc="http://schemas.openxmlformats.org/markup-compatibility/2006">
+        <mc:Choice xmlns:a14="http://schemas.microsoft.com/office/drawing/2010/main" Requires="a14">
           <p:sp>
             <p:nvSpPr>
               <p:cNvPr id="17" name="文本框 16">
@@ -4538,7 +5812,7 @@
             </p:nvSpPr>
             <p:spPr>
               <a:xfrm>
-                <a:off x="6754645" y="5563651"/>
+                <a:off x="6754645" y="5177184"/>
                 <a:ext cx="3091282" cy="369332"/>
               </a:xfrm>
               <a:prstGeom prst="rect">
@@ -4559,12 +5833,31 @@
                       <m:jc m:val="centerGroup"/>
                     </m:oMathParaPr>
                     <m:oMath xmlns:m="http://schemas.openxmlformats.org/officeDocument/2006/math">
-                      <m:r>
-                        <a:rPr lang="en-US" altLang="zh-CN" b="0" i="1" smtClean="0">
-                          <a:latin typeface="Cambria Math" panose="02040503050406030204" pitchFamily="18" charset="0"/>
-                        </a:rPr>
-                        <m:t>𝑌</m:t>
-                      </m:r>
+                      <m:sSub>
+                        <m:sSubPr>
+                          <m:ctrlPr>
+                            <a:rPr lang="en-US" altLang="zh-CN" b="0" i="0" smtClean="0">
+                              <a:latin typeface="Cambria Math" panose="02040503050406030204" pitchFamily="18" charset="0"/>
+                            </a:rPr>
+                          </m:ctrlPr>
+                        </m:sSubPr>
+                        <m:e>
+                          <m:r>
+                            <a:rPr lang="en-US" altLang="zh-CN" i="1">
+                              <a:latin typeface="Cambria Math" panose="02040503050406030204" pitchFamily="18" charset="0"/>
+                            </a:rPr>
+                            <m:t>𝑌</m:t>
+                          </m:r>
+                        </m:e>
+                        <m:sub>
+                          <m:r>
+                            <a:rPr lang="en-US" altLang="zh-CN" b="0" i="0" smtClean="0">
+                              <a:latin typeface="Cambria Math" panose="02040503050406030204" pitchFamily="18" charset="0"/>
+                            </a:rPr>
+                            <m:t>0</m:t>
+                          </m:r>
+                        </m:sub>
+                      </m:sSub>
                     </m:oMath>
                   </m:oMathPara>
                 </a14:m>
@@ -4573,7 +5866,7 @@
             </p:txBody>
           </p:sp>
         </mc:Choice>
-        <mc:Fallback xmlns="">
+        <mc:Fallback>
           <p:sp>
             <p:nvSpPr>
               <p:cNvPr id="17" name="文本框 16">
@@ -4590,7 +5883,7 @@
             </p:nvSpPr>
             <p:spPr>
               <a:xfrm>
-                <a:off x="6754645" y="5563651"/>
+                <a:off x="6754645" y="5177184"/>
                 <a:ext cx="3091282" cy="369332"/>
               </a:xfrm>
               <a:prstGeom prst="rect">
@@ -4632,7 +5925,7 @@
         </p:nvSpPr>
         <p:spPr>
           <a:xfrm>
-            <a:off x="760021" y="3262807"/>
+            <a:off x="760021" y="2876340"/>
             <a:ext cx="1832428" cy="369332"/>
           </a:xfrm>
           <a:prstGeom prst="rect">
@@ -4653,10 +5946,1446 @@
           </a:p>
         </p:txBody>
       </p:sp>
+      <p:sp>
+        <p:nvSpPr>
+          <p:cNvPr id="19" name="箭头: 右 18">
+            <a:extLst>
+              <a:ext uri="{FF2B5EF4-FFF2-40B4-BE49-F238E27FC236}">
+                <a16:creationId xmlns:a16="http://schemas.microsoft.com/office/drawing/2014/main" id="{8319A617-6B5F-4DCF-9101-B729E1CB512E}"/>
+              </a:ext>
+            </a:extLst>
+          </p:cNvPr>
+          <p:cNvSpPr/>
+          <p:nvPr/>
+        </p:nvSpPr>
+        <p:spPr>
+          <a:xfrm>
+            <a:off x="10201954" y="3482289"/>
+            <a:ext cx="981151" cy="446110"/>
+          </a:xfrm>
+          <a:prstGeom prst="rightArrow">
+            <a:avLst/>
+          </a:prstGeom>
+        </p:spPr>
+        <p:style>
+          <a:lnRef idx="2">
+            <a:schemeClr val="accent1">
+              <a:shade val="50000"/>
+            </a:schemeClr>
+          </a:lnRef>
+          <a:fillRef idx="1">
+            <a:schemeClr val="accent1"/>
+          </a:fillRef>
+          <a:effectRef idx="0">
+            <a:schemeClr val="accent1"/>
+          </a:effectRef>
+          <a:fontRef idx="minor">
+            <a:schemeClr val="lt1"/>
+          </a:fontRef>
+        </p:style>
+        <p:txBody>
+          <a:bodyPr rtlCol="0" anchor="ctr"/>
+          <a:lstStyle/>
+          <a:p>
+            <a:pPr algn="ctr"/>
+            <a:endParaRPr lang="zh-CN" altLang="en-US" dirty="0"/>
+          </a:p>
+        </p:txBody>
+      </p:sp>
+      <mc:AlternateContent xmlns:mc="http://schemas.openxmlformats.org/markup-compatibility/2006">
+        <mc:Choice xmlns:a14="http://schemas.microsoft.com/office/drawing/2010/main" Requires="a14">
+          <p:sp>
+            <p:nvSpPr>
+              <p:cNvPr id="20" name="文本框 19">
+                <a:extLst>
+                  <a:ext uri="{FF2B5EF4-FFF2-40B4-BE49-F238E27FC236}">
+                    <a16:creationId xmlns:a16="http://schemas.microsoft.com/office/drawing/2014/main" id="{3A700BBB-B2B4-404C-9775-53BC17F6CC08}"/>
+                  </a:ext>
+                </a:extLst>
+              </p:cNvPr>
+              <p:cNvSpPr txBox="1"/>
+              <p:nvPr/>
+            </p:nvSpPr>
+            <p:spPr>
+              <a:xfrm>
+                <a:off x="10890990" y="3505615"/>
+                <a:ext cx="1078017" cy="376770"/>
+              </a:xfrm>
+              <a:prstGeom prst="rect">
+                <a:avLst/>
+              </a:prstGeom>
+              <a:noFill/>
+            </p:spPr>
+            <p:txBody>
+              <a:bodyPr wrap="square">
+                <a:spAutoFit/>
+              </a:bodyPr>
+              <a:lstStyle/>
+              <a:p>
+                <a:pPr/>
+                <a14:m>
+                  <m:oMathPara xmlns:m="http://schemas.openxmlformats.org/officeDocument/2006/math">
+                    <m:oMathParaPr>
+                      <m:jc m:val="centerGroup"/>
+                    </m:oMathParaPr>
+                    <m:oMath xmlns:m="http://schemas.openxmlformats.org/officeDocument/2006/math">
+                      <m:acc>
+                        <m:accPr>
+                          <m:chr m:val="̂"/>
+                          <m:ctrlPr>
+                            <a:rPr lang="en-US" altLang="zh-CN" b="0" i="1" smtClean="0">
+                              <a:latin typeface="Cambria Math" panose="02040503050406030204" pitchFamily="18" charset="0"/>
+                            </a:rPr>
+                          </m:ctrlPr>
+                        </m:accPr>
+                        <m:e>
+                          <m:r>
+                            <a:rPr lang="en-US" altLang="zh-CN" b="0" i="1" smtClean="0">
+                              <a:latin typeface="Cambria Math" panose="02040503050406030204" pitchFamily="18" charset="0"/>
+                            </a:rPr>
+                            <m:t>𝑌</m:t>
+                          </m:r>
+                        </m:e>
+                      </m:acc>
+                    </m:oMath>
+                  </m:oMathPara>
+                </a14:m>
+                <a:endParaRPr lang="zh-CN" altLang="en-US" dirty="0"/>
+              </a:p>
+            </p:txBody>
+          </p:sp>
+        </mc:Choice>
+        <mc:Fallback>
+          <p:sp>
+            <p:nvSpPr>
+              <p:cNvPr id="20" name="文本框 19">
+                <a:extLst>
+                  <a:ext uri="{FF2B5EF4-FFF2-40B4-BE49-F238E27FC236}">
+                    <a16:creationId xmlns:a16="http://schemas.microsoft.com/office/drawing/2014/main" id="{3A700BBB-B2B4-404C-9775-53BC17F6CC08}"/>
+                  </a:ext>
+                </a:extLst>
+              </p:cNvPr>
+              <p:cNvSpPr txBox="1">
+                <a:spLocks noRot="1" noChangeAspect="1" noMove="1" noResize="1" noEditPoints="1" noAdjustHandles="1" noChangeArrowheads="1" noChangeShapeType="1" noTextEdit="1"/>
+              </p:cNvSpPr>
+              <p:nvPr/>
+            </p:nvSpPr>
+            <p:spPr>
+              <a:xfrm>
+                <a:off x="10890990" y="3505615"/>
+                <a:ext cx="1078017" cy="376770"/>
+              </a:xfrm>
+              <a:prstGeom prst="rect">
+                <a:avLst/>
+              </a:prstGeom>
+              <a:blipFill>
+                <a:blip r:embed="rId4"/>
+                <a:stretch>
+                  <a:fillRect t="-1613"/>
+                </a:stretch>
+              </a:blipFill>
+            </p:spPr>
+            <p:txBody>
+              <a:bodyPr/>
+              <a:lstStyle/>
+              <a:p>
+                <a:r>
+                  <a:rPr lang="zh-CN" altLang="en-US">
+                    <a:noFill/>
+                  </a:rPr>
+                  <a:t> </a:t>
+                </a:r>
+              </a:p>
+            </p:txBody>
+          </p:sp>
+        </mc:Fallback>
+      </mc:AlternateContent>
+      <p:sp>
+        <p:nvSpPr>
+          <p:cNvPr id="21" name="文本框 20">
+            <a:extLst>
+              <a:ext uri="{FF2B5EF4-FFF2-40B4-BE49-F238E27FC236}">
+                <a16:creationId xmlns:a16="http://schemas.microsoft.com/office/drawing/2014/main" id="{1CDBD674-C4CC-4D78-A5CD-1E46F3565E6D}"/>
+              </a:ext>
+            </a:extLst>
+          </p:cNvPr>
+          <p:cNvSpPr txBox="1"/>
+          <p:nvPr/>
+        </p:nvSpPr>
+        <p:spPr>
+          <a:xfrm>
+            <a:off x="11096105" y="3839929"/>
+            <a:ext cx="959902" cy="369332"/>
+          </a:xfrm>
+          <a:prstGeom prst="rect">
+            <a:avLst/>
+          </a:prstGeom>
+          <a:noFill/>
+        </p:spPr>
+        <p:txBody>
+          <a:bodyPr wrap="square">
+            <a:spAutoFit/>
+          </a:bodyPr>
+          <a:lstStyle/>
+          <a:p>
+            <a:r>
+              <a:rPr lang="zh-CN" altLang="en-US" b="1" dirty="0"/>
+              <a:t>分析值</a:t>
+            </a:r>
+          </a:p>
+        </p:txBody>
+      </p:sp>
     </p:spTree>
     <p:extLst>
       <p:ext uri="{BB962C8B-B14F-4D97-AF65-F5344CB8AC3E}">
         <p14:creationId xmlns:p14="http://schemas.microsoft.com/office/powerpoint/2010/main" val="1158029200"/>
+      </p:ext>
+    </p:extLst>
+  </p:cSld>
+  <p:clrMapOvr>
+    <a:masterClrMapping/>
+  </p:clrMapOvr>
+</p:sld>
+</file>
+
+<file path=ppt/slides/slide12.xml><?xml version="1.0" encoding="utf-8"?>
+<p:sld xmlns:a="http://schemas.openxmlformats.org/drawingml/2006/main" xmlns:r="http://schemas.openxmlformats.org/officeDocument/2006/relationships" xmlns:p="http://schemas.openxmlformats.org/presentationml/2006/main">
+  <p:cSld>
+    <p:spTree>
+      <p:nvGrpSpPr>
+        <p:cNvPr id="1" name=""/>
+        <p:cNvGrpSpPr/>
+        <p:nvPr/>
+      </p:nvGrpSpPr>
+      <p:grpSpPr>
+        <a:xfrm>
+          <a:off x="0" y="0"/>
+          <a:ext cx="0" cy="0"/>
+          <a:chOff x="0" y="0"/>
+          <a:chExt cx="0" cy="0"/>
+        </a:xfrm>
+      </p:grpSpPr>
+      <p:sp>
+        <p:nvSpPr>
+          <p:cNvPr id="2" name="标题 1">
+            <a:extLst>
+              <a:ext uri="{FF2B5EF4-FFF2-40B4-BE49-F238E27FC236}">
+                <a16:creationId xmlns:a16="http://schemas.microsoft.com/office/drawing/2014/main" id="{F9FF4E26-1B9F-462E-9BC6-D6604CFF5438}"/>
+              </a:ext>
+            </a:extLst>
+          </p:cNvPr>
+          <p:cNvSpPr>
+            <a:spLocks noGrp="1"/>
+          </p:cNvSpPr>
+          <p:nvPr>
+            <p:ph type="title"/>
+          </p:nvPr>
+        </p:nvSpPr>
+        <p:spPr/>
+        <p:txBody>
+          <a:bodyPr/>
+          <a:lstStyle/>
+          <a:p>
+            <a:r>
+              <a:rPr lang="zh-CN" altLang="en-US" dirty="0"/>
+              <a:t>机器学习方法</a:t>
+            </a:r>
+          </a:p>
+        </p:txBody>
+      </p:sp>
+      <p:pic>
+        <p:nvPicPr>
+          <p:cNvPr id="3" name="图片 2">
+            <a:extLst>
+              <a:ext uri="{FF2B5EF4-FFF2-40B4-BE49-F238E27FC236}">
+                <a16:creationId xmlns:a16="http://schemas.microsoft.com/office/drawing/2014/main" id="{2A4E63EB-B110-4031-8208-EC6420CC9006}"/>
+              </a:ext>
+            </a:extLst>
+          </p:cNvPr>
+          <p:cNvPicPr>
+            <a:picLocks noChangeAspect="1"/>
+          </p:cNvPicPr>
+          <p:nvPr/>
+        </p:nvPicPr>
+        <p:blipFill rotWithShape="1">
+          <a:blip r:embed="rId2"/>
+          <a:srcRect t="80223"/>
+          <a:stretch/>
+        </p:blipFill>
+        <p:spPr>
+          <a:xfrm>
+            <a:off x="1687800" y="2739737"/>
+            <a:ext cx="4351214" cy="689263"/>
+          </a:xfrm>
+          <a:prstGeom prst="rect">
+            <a:avLst/>
+          </a:prstGeom>
+        </p:spPr>
+      </p:pic>
+      <p:pic>
+        <p:nvPicPr>
+          <p:cNvPr id="7" name="图片 6">
+            <a:extLst>
+              <a:ext uri="{FF2B5EF4-FFF2-40B4-BE49-F238E27FC236}">
+                <a16:creationId xmlns:a16="http://schemas.microsoft.com/office/drawing/2014/main" id="{6827C3DD-745F-40F2-A4E5-2FFC92FE2EE2}"/>
+              </a:ext>
+            </a:extLst>
+          </p:cNvPr>
+          <p:cNvPicPr>
+            <a:picLocks noChangeAspect="1"/>
+          </p:cNvPicPr>
+          <p:nvPr/>
+        </p:nvPicPr>
+        <p:blipFill rotWithShape="1">
+          <a:blip r:embed="rId3"/>
+          <a:srcRect t="79911"/>
+          <a:stretch/>
+        </p:blipFill>
+        <p:spPr>
+          <a:xfrm>
+            <a:off x="6567129" y="2739737"/>
+            <a:ext cx="4351214" cy="700023"/>
+          </a:xfrm>
+          <a:prstGeom prst="rect">
+            <a:avLst/>
+          </a:prstGeom>
+        </p:spPr>
+      </p:pic>
+      <p:sp>
+        <p:nvSpPr>
+          <p:cNvPr id="4" name="文本框 3">
+            <a:extLst>
+              <a:ext uri="{FF2B5EF4-FFF2-40B4-BE49-F238E27FC236}">
+                <a16:creationId xmlns:a16="http://schemas.microsoft.com/office/drawing/2014/main" id="{927DF14A-502D-4531-BC8A-EC0F9C997475}"/>
+              </a:ext>
+            </a:extLst>
+          </p:cNvPr>
+          <p:cNvSpPr txBox="1"/>
+          <p:nvPr/>
+        </p:nvSpPr>
+        <p:spPr>
+          <a:xfrm>
+            <a:off x="1509507" y="2249548"/>
+            <a:ext cx="3825818" cy="369332"/>
+          </a:xfrm>
+          <a:prstGeom prst="rect">
+            <a:avLst/>
+          </a:prstGeom>
+          <a:noFill/>
+        </p:spPr>
+        <p:txBody>
+          <a:bodyPr wrap="square" rtlCol="0">
+            <a:spAutoFit/>
+          </a:bodyPr>
+          <a:lstStyle/>
+          <a:p>
+            <a:r>
+              <a:rPr lang="zh-CN" altLang="en-US" b="1" dirty="0"/>
+              <a:t> </a:t>
+            </a:r>
+            <a:r>
+              <a:rPr lang="en-US" altLang="zh-CN" b="1" dirty="0"/>
+              <a:t>Input1</a:t>
+            </a:r>
+            <a:r>
+              <a:rPr lang="zh-CN" altLang="en-US" dirty="0"/>
+              <a:t>： 发射超声波脉冲：</a:t>
+            </a:r>
+          </a:p>
+        </p:txBody>
+      </p:sp>
+      <p:sp>
+        <p:nvSpPr>
+          <p:cNvPr id="8" name="文本框 7">
+            <a:extLst>
+              <a:ext uri="{FF2B5EF4-FFF2-40B4-BE49-F238E27FC236}">
+                <a16:creationId xmlns:a16="http://schemas.microsoft.com/office/drawing/2014/main" id="{D04DFBFE-C782-44F8-86AE-DE60C3B4E087}"/>
+              </a:ext>
+            </a:extLst>
+          </p:cNvPr>
+          <p:cNvSpPr txBox="1"/>
+          <p:nvPr/>
+        </p:nvSpPr>
+        <p:spPr>
+          <a:xfrm>
+            <a:off x="6502139" y="2249462"/>
+            <a:ext cx="3079173" cy="369332"/>
+          </a:xfrm>
+          <a:prstGeom prst="rect">
+            <a:avLst/>
+          </a:prstGeom>
+          <a:noFill/>
+        </p:spPr>
+        <p:txBody>
+          <a:bodyPr wrap="square" rtlCol="0">
+            <a:spAutoFit/>
+          </a:bodyPr>
+          <a:lstStyle/>
+          <a:p>
+            <a:r>
+              <a:rPr lang="en-US" altLang="zh-CN" b="1" dirty="0"/>
+              <a:t>Input2</a:t>
+            </a:r>
+            <a:r>
+              <a:rPr lang="zh-CN" altLang="en-US" b="1" dirty="0"/>
+              <a:t>：</a:t>
+            </a:r>
+            <a:r>
+              <a:rPr lang="zh-CN" altLang="en-US" dirty="0"/>
+              <a:t>接收超声波脉冲：</a:t>
+            </a:r>
+          </a:p>
+        </p:txBody>
+      </p:sp>
+      <p:cxnSp>
+        <p:nvCxnSpPr>
+          <p:cNvPr id="10" name="直接箭头连接符 9">
+            <a:extLst>
+              <a:ext uri="{FF2B5EF4-FFF2-40B4-BE49-F238E27FC236}">
+                <a16:creationId xmlns:a16="http://schemas.microsoft.com/office/drawing/2014/main" id="{6F2510E6-AD55-4605-BEE9-FE9033B9477A}"/>
+              </a:ext>
+            </a:extLst>
+          </p:cNvPr>
+          <p:cNvCxnSpPr/>
+          <p:nvPr/>
+        </p:nvCxnSpPr>
+        <p:spPr>
+          <a:xfrm>
+            <a:off x="1575314" y="2788337"/>
+            <a:ext cx="0" cy="611635"/>
+          </a:xfrm>
+          <a:prstGeom prst="straightConnector1">
+            <a:avLst/>
+          </a:prstGeom>
+          <a:ln>
+            <a:headEnd type="triangle"/>
+            <a:tailEnd type="triangle"/>
+          </a:ln>
+        </p:spPr>
+        <p:style>
+          <a:lnRef idx="1">
+            <a:schemeClr val="accent1"/>
+          </a:lnRef>
+          <a:fillRef idx="0">
+            <a:schemeClr val="accent1"/>
+          </a:fillRef>
+          <a:effectRef idx="0">
+            <a:schemeClr val="accent1"/>
+          </a:effectRef>
+          <a:fontRef idx="minor">
+            <a:schemeClr val="tx1"/>
+          </a:fontRef>
+        </p:style>
+      </p:cxnSp>
+      <p:sp>
+        <p:nvSpPr>
+          <p:cNvPr id="11" name="文本框 10">
+            <a:extLst>
+              <a:ext uri="{FF2B5EF4-FFF2-40B4-BE49-F238E27FC236}">
+                <a16:creationId xmlns:a16="http://schemas.microsoft.com/office/drawing/2014/main" id="{88264B15-1EAD-4585-92D7-6AD8C48C0D12}"/>
+              </a:ext>
+            </a:extLst>
+          </p:cNvPr>
+          <p:cNvSpPr txBox="1"/>
+          <p:nvPr/>
+        </p:nvSpPr>
+        <p:spPr>
+          <a:xfrm>
+            <a:off x="1159685" y="2577670"/>
+            <a:ext cx="711184" cy="276999"/>
+          </a:xfrm>
+          <a:prstGeom prst="rect">
+            <a:avLst/>
+          </a:prstGeom>
+          <a:noFill/>
+        </p:spPr>
+        <p:txBody>
+          <a:bodyPr wrap="square" rtlCol="0">
+            <a:spAutoFit/>
+          </a:bodyPr>
+          <a:lstStyle/>
+          <a:p>
+            <a:r>
+              <a:rPr lang="zh-CN" altLang="en-US" sz="1200" b="1" dirty="0">
+                <a:solidFill>
+                  <a:schemeClr val="accent1"/>
+                </a:solidFill>
+              </a:rPr>
+              <a:t>低频</a:t>
+            </a:r>
+          </a:p>
+        </p:txBody>
+      </p:sp>
+      <p:cxnSp>
+        <p:nvCxnSpPr>
+          <p:cNvPr id="12" name="直接箭头连接符 11">
+            <a:extLst>
+              <a:ext uri="{FF2B5EF4-FFF2-40B4-BE49-F238E27FC236}">
+                <a16:creationId xmlns:a16="http://schemas.microsoft.com/office/drawing/2014/main" id="{71990925-E36D-4182-8519-2F7CAA7B4266}"/>
+              </a:ext>
+            </a:extLst>
+          </p:cNvPr>
+          <p:cNvCxnSpPr/>
+          <p:nvPr/>
+        </p:nvCxnSpPr>
+        <p:spPr>
+          <a:xfrm>
+            <a:off x="6443757" y="2783930"/>
+            <a:ext cx="0" cy="611635"/>
+          </a:xfrm>
+          <a:prstGeom prst="straightConnector1">
+            <a:avLst/>
+          </a:prstGeom>
+          <a:ln>
+            <a:headEnd type="triangle"/>
+            <a:tailEnd type="triangle"/>
+          </a:ln>
+        </p:spPr>
+        <p:style>
+          <a:lnRef idx="1">
+            <a:schemeClr val="accent1"/>
+          </a:lnRef>
+          <a:fillRef idx="0">
+            <a:schemeClr val="accent1"/>
+          </a:fillRef>
+          <a:effectRef idx="0">
+            <a:schemeClr val="accent1"/>
+          </a:effectRef>
+          <a:fontRef idx="minor">
+            <a:schemeClr val="tx1"/>
+          </a:fontRef>
+        </p:style>
+      </p:cxnSp>
+      <p:sp>
+        <p:nvSpPr>
+          <p:cNvPr id="13" name="文本框 12">
+            <a:extLst>
+              <a:ext uri="{FF2B5EF4-FFF2-40B4-BE49-F238E27FC236}">
+                <a16:creationId xmlns:a16="http://schemas.microsoft.com/office/drawing/2014/main" id="{3FF9E3A3-2712-4F82-B597-F6CCC6D604F3}"/>
+              </a:ext>
+            </a:extLst>
+          </p:cNvPr>
+          <p:cNvSpPr txBox="1"/>
+          <p:nvPr/>
+        </p:nvSpPr>
+        <p:spPr>
+          <a:xfrm>
+            <a:off x="1153915" y="3286491"/>
+            <a:ext cx="711184" cy="276999"/>
+          </a:xfrm>
+          <a:prstGeom prst="rect">
+            <a:avLst/>
+          </a:prstGeom>
+          <a:noFill/>
+        </p:spPr>
+        <p:txBody>
+          <a:bodyPr wrap="square" rtlCol="0">
+            <a:spAutoFit/>
+          </a:bodyPr>
+          <a:lstStyle/>
+          <a:p>
+            <a:r>
+              <a:rPr lang="zh-CN" altLang="en-US" sz="1200" b="1" dirty="0">
+                <a:solidFill>
+                  <a:schemeClr val="accent1"/>
+                </a:solidFill>
+              </a:rPr>
+              <a:t>高频</a:t>
+            </a:r>
+          </a:p>
+        </p:txBody>
+      </p:sp>
+      <p:sp>
+        <p:nvSpPr>
+          <p:cNvPr id="14" name="文本框 13">
+            <a:extLst>
+              <a:ext uri="{FF2B5EF4-FFF2-40B4-BE49-F238E27FC236}">
+                <a16:creationId xmlns:a16="http://schemas.microsoft.com/office/drawing/2014/main" id="{F86D0C42-D4F1-40C8-BD45-036B024F1942}"/>
+              </a:ext>
+            </a:extLst>
+          </p:cNvPr>
+          <p:cNvSpPr txBox="1"/>
+          <p:nvPr/>
+        </p:nvSpPr>
+        <p:spPr>
+          <a:xfrm>
+            <a:off x="481829" y="1771828"/>
+            <a:ext cx="6026783" cy="369332"/>
+          </a:xfrm>
+          <a:prstGeom prst="rect">
+            <a:avLst/>
+          </a:prstGeom>
+          <a:noFill/>
+        </p:spPr>
+        <p:txBody>
+          <a:bodyPr wrap="square" rtlCol="0">
+            <a:spAutoFit/>
+          </a:bodyPr>
+          <a:lstStyle/>
+          <a:p>
+            <a:r>
+              <a:rPr lang="zh-CN" altLang="en-US" b="1" dirty="0"/>
+              <a:t>使用人工神经网络实现连续型变量的回归预测</a:t>
+            </a:r>
+            <a:r>
+              <a:rPr lang="zh-CN" altLang="en-US" dirty="0"/>
+              <a:t>：</a:t>
+            </a:r>
+            <a:endParaRPr lang="en-US" altLang="zh-CN" dirty="0"/>
+          </a:p>
+        </p:txBody>
+      </p:sp>
+      <p:cxnSp>
+        <p:nvCxnSpPr>
+          <p:cNvPr id="15" name="直接箭头连接符 14">
+            <a:extLst>
+              <a:ext uri="{FF2B5EF4-FFF2-40B4-BE49-F238E27FC236}">
+                <a16:creationId xmlns:a16="http://schemas.microsoft.com/office/drawing/2014/main" id="{71990925-E36D-4182-8519-2F7CAA7B4266}"/>
+              </a:ext>
+            </a:extLst>
+          </p:cNvPr>
+          <p:cNvCxnSpPr/>
+          <p:nvPr/>
+        </p:nvCxnSpPr>
+        <p:spPr>
+          <a:xfrm flipH="1">
+            <a:off x="6596157" y="3530965"/>
+            <a:ext cx="4322186" cy="17000"/>
+          </a:xfrm>
+          <a:prstGeom prst="straightConnector1">
+            <a:avLst/>
+          </a:prstGeom>
+          <a:ln>
+            <a:headEnd type="triangle"/>
+            <a:tailEnd type="triangle"/>
+          </a:ln>
+        </p:spPr>
+        <p:style>
+          <a:lnRef idx="1">
+            <a:schemeClr val="accent1"/>
+          </a:lnRef>
+          <a:fillRef idx="0">
+            <a:schemeClr val="accent1"/>
+          </a:fillRef>
+          <a:effectRef idx="0">
+            <a:schemeClr val="accent1"/>
+          </a:effectRef>
+          <a:fontRef idx="minor">
+            <a:schemeClr val="tx1"/>
+          </a:fontRef>
+        </p:style>
+      </p:cxnSp>
+      <p:sp>
+        <p:nvSpPr>
+          <p:cNvPr id="16" name="文本框 15">
+            <a:extLst>
+              <a:ext uri="{FF2B5EF4-FFF2-40B4-BE49-F238E27FC236}">
+                <a16:creationId xmlns:a16="http://schemas.microsoft.com/office/drawing/2014/main" id="{3FF9E3A3-2712-4F82-B597-F6CCC6D604F3}"/>
+              </a:ext>
+            </a:extLst>
+          </p:cNvPr>
+          <p:cNvSpPr txBox="1"/>
+          <p:nvPr/>
+        </p:nvSpPr>
+        <p:spPr>
+          <a:xfrm>
+            <a:off x="8203727" y="3582418"/>
+            <a:ext cx="1107045" cy="276999"/>
+          </a:xfrm>
+          <a:prstGeom prst="rect">
+            <a:avLst/>
+          </a:prstGeom>
+          <a:noFill/>
+        </p:spPr>
+        <p:txBody>
+          <a:bodyPr wrap="square" rtlCol="0">
+            <a:spAutoFit/>
+          </a:bodyPr>
+          <a:lstStyle/>
+          <a:p>
+            <a:r>
+              <a:rPr lang="zh-CN" altLang="en-US" sz="1200" b="1" dirty="0">
+                <a:solidFill>
+                  <a:schemeClr val="accent1"/>
+                </a:solidFill>
+              </a:rPr>
+              <a:t>采样周期</a:t>
+            </a:r>
+            <a:r>
+              <a:rPr lang="en-US" altLang="zh-CN" sz="1200" b="1" dirty="0">
+                <a:solidFill>
+                  <a:schemeClr val="accent1"/>
+                </a:solidFill>
+              </a:rPr>
+              <a:t>T</a:t>
+            </a:r>
+            <a:endParaRPr lang="zh-CN" altLang="en-US" sz="1200" b="1" dirty="0">
+              <a:solidFill>
+                <a:schemeClr val="accent1"/>
+              </a:solidFill>
+            </a:endParaRPr>
+          </a:p>
+        </p:txBody>
+      </p:sp>
+      <p:cxnSp>
+        <p:nvCxnSpPr>
+          <p:cNvPr id="19" name="直接箭头连接符 18">
+            <a:extLst>
+              <a:ext uri="{FF2B5EF4-FFF2-40B4-BE49-F238E27FC236}">
+                <a16:creationId xmlns:a16="http://schemas.microsoft.com/office/drawing/2014/main" id="{2BC98B2D-F505-4D7E-8D17-CA4CF7252982}"/>
+              </a:ext>
+            </a:extLst>
+          </p:cNvPr>
+          <p:cNvCxnSpPr/>
+          <p:nvPr/>
+        </p:nvCxnSpPr>
+        <p:spPr>
+          <a:xfrm flipH="1">
+            <a:off x="1687800" y="3540794"/>
+            <a:ext cx="4322186" cy="17000"/>
+          </a:xfrm>
+          <a:prstGeom prst="straightConnector1">
+            <a:avLst/>
+          </a:prstGeom>
+          <a:ln>
+            <a:headEnd type="triangle"/>
+            <a:tailEnd type="triangle"/>
+          </a:ln>
+        </p:spPr>
+        <p:style>
+          <a:lnRef idx="1">
+            <a:schemeClr val="accent1"/>
+          </a:lnRef>
+          <a:fillRef idx="0">
+            <a:schemeClr val="accent1"/>
+          </a:fillRef>
+          <a:effectRef idx="0">
+            <a:schemeClr val="accent1"/>
+          </a:effectRef>
+          <a:fontRef idx="minor">
+            <a:schemeClr val="tx1"/>
+          </a:fontRef>
+        </p:style>
+      </p:cxnSp>
+      <p:sp>
+        <p:nvSpPr>
+          <p:cNvPr id="20" name="文本框 19">
+            <a:extLst>
+              <a:ext uri="{FF2B5EF4-FFF2-40B4-BE49-F238E27FC236}">
+                <a16:creationId xmlns:a16="http://schemas.microsoft.com/office/drawing/2014/main" id="{E8A798A9-04AA-43ED-B40F-446AF3948FA3}"/>
+              </a:ext>
+            </a:extLst>
+          </p:cNvPr>
+          <p:cNvSpPr txBox="1"/>
+          <p:nvPr/>
+        </p:nvSpPr>
+        <p:spPr>
+          <a:xfrm>
+            <a:off x="3295370" y="3592247"/>
+            <a:ext cx="1107045" cy="276999"/>
+          </a:xfrm>
+          <a:prstGeom prst="rect">
+            <a:avLst/>
+          </a:prstGeom>
+          <a:noFill/>
+        </p:spPr>
+        <p:txBody>
+          <a:bodyPr wrap="square" rtlCol="0">
+            <a:spAutoFit/>
+          </a:bodyPr>
+          <a:lstStyle/>
+          <a:p>
+            <a:r>
+              <a:rPr lang="zh-CN" altLang="en-US" sz="1200" b="1" dirty="0">
+                <a:solidFill>
+                  <a:schemeClr val="accent1"/>
+                </a:solidFill>
+              </a:rPr>
+              <a:t>采样周期</a:t>
+            </a:r>
+            <a:r>
+              <a:rPr lang="en-US" altLang="zh-CN" sz="1200" b="1" dirty="0">
+                <a:solidFill>
+                  <a:schemeClr val="accent1"/>
+                </a:solidFill>
+              </a:rPr>
+              <a:t>T</a:t>
+            </a:r>
+            <a:endParaRPr lang="zh-CN" altLang="en-US" sz="1200" b="1" dirty="0">
+              <a:solidFill>
+                <a:schemeClr val="accent1"/>
+              </a:solidFill>
+            </a:endParaRPr>
+          </a:p>
+        </p:txBody>
+      </p:sp>
+      <p:sp>
+        <p:nvSpPr>
+          <p:cNvPr id="21" name="矩形 20">
+            <a:extLst>
+              <a:ext uri="{FF2B5EF4-FFF2-40B4-BE49-F238E27FC236}">
+                <a16:creationId xmlns:a16="http://schemas.microsoft.com/office/drawing/2014/main" id="{C35C1160-0343-4A2E-AEC7-D1C7AD4527C8}"/>
+              </a:ext>
+            </a:extLst>
+          </p:cNvPr>
+          <p:cNvSpPr/>
+          <p:nvPr/>
+        </p:nvSpPr>
+        <p:spPr>
+          <a:xfrm>
+            <a:off x="3209901" y="4046498"/>
+            <a:ext cx="6026793" cy="543634"/>
+          </a:xfrm>
+          <a:prstGeom prst="rect">
+            <a:avLst/>
+          </a:prstGeom>
+        </p:spPr>
+        <p:style>
+          <a:lnRef idx="2">
+            <a:schemeClr val="accent1">
+              <a:shade val="50000"/>
+            </a:schemeClr>
+          </a:lnRef>
+          <a:fillRef idx="1">
+            <a:schemeClr val="accent1"/>
+          </a:fillRef>
+          <a:effectRef idx="0">
+            <a:schemeClr val="accent1"/>
+          </a:effectRef>
+          <a:fontRef idx="minor">
+            <a:schemeClr val="lt1"/>
+          </a:fontRef>
+        </p:style>
+        <p:txBody>
+          <a:bodyPr rtlCol="0" anchor="ctr"/>
+          <a:lstStyle/>
+          <a:p>
+            <a:pPr algn="ctr"/>
+            <a:r>
+              <a:rPr lang="en-US" altLang="zh-CN" b="1" dirty="0"/>
+              <a:t>Hidden Layer(</a:t>
+            </a:r>
+            <a:r>
+              <a:rPr lang="zh-CN" altLang="en-US" b="1" dirty="0"/>
+              <a:t>激活函数：</a:t>
+            </a:r>
+            <a:r>
+              <a:rPr lang="en-US" altLang="zh-CN" b="1" dirty="0" err="1"/>
+              <a:t>ReLU</a:t>
+            </a:r>
+            <a:r>
+              <a:rPr lang="en-US" altLang="zh-CN" b="1" dirty="0"/>
+              <a:t>)</a:t>
+            </a:r>
+          </a:p>
+        </p:txBody>
+      </p:sp>
+      <p:sp>
+        <p:nvSpPr>
+          <p:cNvPr id="22" name="矩形 21">
+            <a:extLst>
+              <a:ext uri="{FF2B5EF4-FFF2-40B4-BE49-F238E27FC236}">
+                <a16:creationId xmlns:a16="http://schemas.microsoft.com/office/drawing/2014/main" id="{DD9B2B94-0F16-4ACB-BE22-ECA6486ECE88}"/>
+              </a:ext>
+            </a:extLst>
+          </p:cNvPr>
+          <p:cNvSpPr/>
+          <p:nvPr/>
+        </p:nvSpPr>
+        <p:spPr>
+          <a:xfrm>
+            <a:off x="3437670" y="4857570"/>
+            <a:ext cx="5580186" cy="543634"/>
+          </a:xfrm>
+          <a:prstGeom prst="rect">
+            <a:avLst/>
+          </a:prstGeom>
+        </p:spPr>
+        <p:style>
+          <a:lnRef idx="2">
+            <a:schemeClr val="accent1">
+              <a:shade val="50000"/>
+            </a:schemeClr>
+          </a:lnRef>
+          <a:fillRef idx="1">
+            <a:schemeClr val="accent1"/>
+          </a:fillRef>
+          <a:effectRef idx="0">
+            <a:schemeClr val="accent1"/>
+          </a:effectRef>
+          <a:fontRef idx="minor">
+            <a:schemeClr val="lt1"/>
+          </a:fontRef>
+        </p:style>
+        <p:txBody>
+          <a:bodyPr rtlCol="0" anchor="ctr"/>
+          <a:lstStyle/>
+          <a:p>
+            <a:pPr algn="ctr"/>
+            <a:r>
+              <a:rPr lang="en-US" altLang="zh-CN" b="1" dirty="0"/>
+              <a:t>Output Layer(</a:t>
+            </a:r>
+            <a:r>
+              <a:rPr lang="zh-CN" altLang="en-US" b="1" dirty="0"/>
+              <a:t>转为</a:t>
+            </a:r>
+            <a:r>
+              <a:rPr lang="en-US" altLang="zh-CN" b="1" dirty="0"/>
+              <a:t>1</a:t>
+            </a:r>
+            <a:r>
+              <a:rPr lang="zh-CN" altLang="en-US" b="1" dirty="0"/>
+              <a:t>维，对隐层神经元输出求和</a:t>
+            </a:r>
+            <a:r>
+              <a:rPr lang="en-US" altLang="zh-CN" b="1" dirty="0"/>
+              <a:t>)</a:t>
+            </a:r>
+          </a:p>
+        </p:txBody>
+      </p:sp>
+      <mc:AlternateContent xmlns:mc="http://schemas.openxmlformats.org/markup-compatibility/2006">
+        <mc:Choice xmlns:a14="http://schemas.microsoft.com/office/drawing/2010/main" Requires="a14">
+          <p:sp>
+            <p:nvSpPr>
+              <p:cNvPr id="23" name="文本框 22">
+                <a:extLst>
+                  <a:ext uri="{FF2B5EF4-FFF2-40B4-BE49-F238E27FC236}">
+                    <a16:creationId xmlns:a16="http://schemas.microsoft.com/office/drawing/2014/main" id="{AB3A5AD7-E6B5-4147-8607-1FA107C55ED4}"/>
+                  </a:ext>
+                </a:extLst>
+              </p:cNvPr>
+              <p:cNvSpPr txBox="1"/>
+              <p:nvPr/>
+            </p:nvSpPr>
+            <p:spPr>
+              <a:xfrm>
+                <a:off x="5321895" y="5841445"/>
+                <a:ext cx="2548524" cy="376770"/>
+              </a:xfrm>
+              <a:prstGeom prst="rect">
+                <a:avLst/>
+              </a:prstGeom>
+              <a:noFill/>
+            </p:spPr>
+            <p:txBody>
+              <a:bodyPr wrap="square">
+                <a:spAutoFit/>
+              </a:bodyPr>
+              <a:lstStyle/>
+              <a:p>
+                <a:pPr/>
+                <a:r>
+                  <a:rPr lang="zh-CN" altLang="en-US" b="0" dirty="0"/>
+                  <a:t>浓度</a:t>
+                </a:r>
+                <a14:m>
+                  <m:oMath xmlns:m="http://schemas.openxmlformats.org/officeDocument/2006/math">
+                    <m:r>
+                      <a:rPr lang="zh-CN" altLang="en-US" i="1">
+                        <a:latin typeface="Cambria Math" panose="02040503050406030204" pitchFamily="18" charset="0"/>
+                      </a:rPr>
+                      <m:t>预测值</m:t>
+                    </m:r>
+                    <m:r>
+                      <a:rPr lang="zh-CN" altLang="en-US" i="1" smtClean="0">
+                        <a:latin typeface="Cambria Math" panose="02040503050406030204" pitchFamily="18" charset="0"/>
+                      </a:rPr>
+                      <m:t>：</m:t>
+                    </m:r>
+                    <m:acc>
+                      <m:accPr>
+                        <m:chr m:val="̂"/>
+                        <m:ctrlPr>
+                          <a:rPr lang="en-US" altLang="zh-CN" b="0" i="1" smtClean="0">
+                            <a:latin typeface="Cambria Math" panose="02040503050406030204" pitchFamily="18" charset="0"/>
+                          </a:rPr>
+                        </m:ctrlPr>
+                      </m:accPr>
+                      <m:e>
+                        <m:r>
+                          <a:rPr lang="en-US" altLang="zh-CN" b="0" i="1" smtClean="0">
+                            <a:latin typeface="Cambria Math" panose="02040503050406030204" pitchFamily="18" charset="0"/>
+                          </a:rPr>
+                          <m:t>𝑌</m:t>
+                        </m:r>
+                      </m:e>
+                    </m:acc>
+                  </m:oMath>
+                </a14:m>
+                <a:endParaRPr lang="zh-CN" altLang="en-US" dirty="0"/>
+              </a:p>
+            </p:txBody>
+          </p:sp>
+        </mc:Choice>
+        <mc:Fallback>
+          <p:sp>
+            <p:nvSpPr>
+              <p:cNvPr id="23" name="文本框 22">
+                <a:extLst>
+                  <a:ext uri="{FF2B5EF4-FFF2-40B4-BE49-F238E27FC236}">
+                    <a16:creationId xmlns:a16="http://schemas.microsoft.com/office/drawing/2014/main" id="{AB3A5AD7-E6B5-4147-8607-1FA107C55ED4}"/>
+                  </a:ext>
+                </a:extLst>
+              </p:cNvPr>
+              <p:cNvSpPr txBox="1">
+                <a:spLocks noRot="1" noChangeAspect="1" noMove="1" noResize="1" noEditPoints="1" noAdjustHandles="1" noChangeArrowheads="1" noChangeShapeType="1" noTextEdit="1"/>
+              </p:cNvSpPr>
+              <p:nvPr/>
+            </p:nvSpPr>
+            <p:spPr>
+              <a:xfrm>
+                <a:off x="5321895" y="5841445"/>
+                <a:ext cx="2548524" cy="376770"/>
+              </a:xfrm>
+              <a:prstGeom prst="rect">
+                <a:avLst/>
+              </a:prstGeom>
+              <a:blipFill>
+                <a:blip r:embed="rId4"/>
+                <a:stretch>
+                  <a:fillRect l="-1914" t="-11290" b="-19355"/>
+                </a:stretch>
+              </a:blipFill>
+            </p:spPr>
+            <p:txBody>
+              <a:bodyPr/>
+              <a:lstStyle/>
+              <a:p>
+                <a:r>
+                  <a:rPr lang="zh-CN" altLang="en-US">
+                    <a:noFill/>
+                  </a:rPr>
+                  <a:t> </a:t>
+                </a:r>
+              </a:p>
+            </p:txBody>
+          </p:sp>
+        </mc:Fallback>
+      </mc:AlternateContent>
+      <p:sp>
+        <p:nvSpPr>
+          <p:cNvPr id="24" name="矩形 23">
+            <a:extLst>
+              <a:ext uri="{FF2B5EF4-FFF2-40B4-BE49-F238E27FC236}">
+                <a16:creationId xmlns:a16="http://schemas.microsoft.com/office/drawing/2014/main" id="{4C9F694C-49C4-4334-A0BA-74128478C363}"/>
+              </a:ext>
+            </a:extLst>
+          </p:cNvPr>
+          <p:cNvSpPr/>
+          <p:nvPr/>
+        </p:nvSpPr>
+        <p:spPr>
+          <a:xfrm>
+            <a:off x="1093667" y="5724019"/>
+            <a:ext cx="3361981" cy="543634"/>
+          </a:xfrm>
+          <a:prstGeom prst="rect">
+            <a:avLst/>
+          </a:prstGeom>
+        </p:spPr>
+        <p:style>
+          <a:lnRef idx="2">
+            <a:schemeClr val="accent1">
+              <a:shade val="50000"/>
+            </a:schemeClr>
+          </a:lnRef>
+          <a:fillRef idx="1">
+            <a:schemeClr val="accent1"/>
+          </a:fillRef>
+          <a:effectRef idx="0">
+            <a:schemeClr val="accent1"/>
+          </a:effectRef>
+          <a:fontRef idx="minor">
+            <a:schemeClr val="lt1"/>
+          </a:fontRef>
+        </p:style>
+        <p:txBody>
+          <a:bodyPr rtlCol="0" anchor="ctr"/>
+          <a:lstStyle/>
+          <a:p>
+            <a:pPr algn="ctr"/>
+            <a:r>
+              <a:rPr lang="en-US" altLang="zh-CN" b="1" dirty="0"/>
+              <a:t>Loss Function(MSE)</a:t>
+            </a:r>
+          </a:p>
+        </p:txBody>
+      </p:sp>
+      <p:cxnSp>
+        <p:nvCxnSpPr>
+          <p:cNvPr id="25" name="直接箭头连接符 24">
+            <a:extLst>
+              <a:ext uri="{FF2B5EF4-FFF2-40B4-BE49-F238E27FC236}">
+                <a16:creationId xmlns:a16="http://schemas.microsoft.com/office/drawing/2014/main" id="{7C0E5117-A4BD-48BD-BF16-16F2957503DF}"/>
+              </a:ext>
+            </a:extLst>
+          </p:cNvPr>
+          <p:cNvCxnSpPr>
+            <a:cxnSpLocks/>
+          </p:cNvCxnSpPr>
+          <p:nvPr/>
+        </p:nvCxnSpPr>
+        <p:spPr>
+          <a:xfrm flipH="1">
+            <a:off x="7258878" y="3592247"/>
+            <a:ext cx="302812" cy="385804"/>
+          </a:xfrm>
+          <a:prstGeom prst="straightConnector1">
+            <a:avLst/>
+          </a:prstGeom>
+          <a:ln w="38100">
+            <a:tailEnd type="triangle"/>
+          </a:ln>
+        </p:spPr>
+        <p:style>
+          <a:lnRef idx="1">
+            <a:schemeClr val="accent1"/>
+          </a:lnRef>
+          <a:fillRef idx="0">
+            <a:schemeClr val="accent1"/>
+          </a:fillRef>
+          <a:effectRef idx="0">
+            <a:schemeClr val="accent1"/>
+          </a:effectRef>
+          <a:fontRef idx="minor">
+            <a:schemeClr val="tx1"/>
+          </a:fontRef>
+        </p:style>
+      </p:cxnSp>
+      <p:cxnSp>
+        <p:nvCxnSpPr>
+          <p:cNvPr id="26" name="直接箭头连接符 25">
+            <a:extLst>
+              <a:ext uri="{FF2B5EF4-FFF2-40B4-BE49-F238E27FC236}">
+                <a16:creationId xmlns:a16="http://schemas.microsoft.com/office/drawing/2014/main" id="{18FDF256-9C82-4716-A26D-4A0A8EC2AC89}"/>
+              </a:ext>
+            </a:extLst>
+          </p:cNvPr>
+          <p:cNvCxnSpPr>
+            <a:cxnSpLocks/>
+          </p:cNvCxnSpPr>
+          <p:nvPr/>
+        </p:nvCxnSpPr>
+        <p:spPr>
+          <a:xfrm>
+            <a:off x="5044452" y="3607742"/>
+            <a:ext cx="239885" cy="345216"/>
+          </a:xfrm>
+          <a:prstGeom prst="straightConnector1">
+            <a:avLst/>
+          </a:prstGeom>
+          <a:ln w="38100">
+            <a:tailEnd type="triangle"/>
+          </a:ln>
+        </p:spPr>
+        <p:style>
+          <a:lnRef idx="1">
+            <a:schemeClr val="accent1"/>
+          </a:lnRef>
+          <a:fillRef idx="0">
+            <a:schemeClr val="accent1"/>
+          </a:fillRef>
+          <a:effectRef idx="0">
+            <a:schemeClr val="accent1"/>
+          </a:effectRef>
+          <a:fontRef idx="minor">
+            <a:schemeClr val="tx1"/>
+          </a:fontRef>
+        </p:style>
+      </p:cxnSp>
+      <p:cxnSp>
+        <p:nvCxnSpPr>
+          <p:cNvPr id="28" name="直接箭头连接符 27">
+            <a:extLst>
+              <a:ext uri="{FF2B5EF4-FFF2-40B4-BE49-F238E27FC236}">
+                <a16:creationId xmlns:a16="http://schemas.microsoft.com/office/drawing/2014/main" id="{FDD55FEF-EBFD-47E9-9211-BBC4A6BBB2B4}"/>
+              </a:ext>
+            </a:extLst>
+          </p:cNvPr>
+          <p:cNvCxnSpPr>
+            <a:cxnSpLocks/>
+            <a:stCxn id="21" idx="2"/>
+            <a:endCxn id="22" idx="0"/>
+          </p:cNvCxnSpPr>
+          <p:nvPr/>
+        </p:nvCxnSpPr>
+        <p:spPr>
+          <a:xfrm>
+            <a:off x="6223298" y="4590132"/>
+            <a:ext cx="4465" cy="267438"/>
+          </a:xfrm>
+          <a:prstGeom prst="straightConnector1">
+            <a:avLst/>
+          </a:prstGeom>
+          <a:ln w="38100">
+            <a:tailEnd type="triangle"/>
+          </a:ln>
+        </p:spPr>
+        <p:style>
+          <a:lnRef idx="1">
+            <a:schemeClr val="accent1"/>
+          </a:lnRef>
+          <a:fillRef idx="0">
+            <a:schemeClr val="accent1"/>
+          </a:fillRef>
+          <a:effectRef idx="0">
+            <a:schemeClr val="accent1"/>
+          </a:effectRef>
+          <a:fontRef idx="minor">
+            <a:schemeClr val="tx1"/>
+          </a:fontRef>
+        </p:style>
+      </p:cxnSp>
+      <p:cxnSp>
+        <p:nvCxnSpPr>
+          <p:cNvPr id="32" name="直接箭头连接符 31">
+            <a:extLst>
+              <a:ext uri="{FF2B5EF4-FFF2-40B4-BE49-F238E27FC236}">
+                <a16:creationId xmlns:a16="http://schemas.microsoft.com/office/drawing/2014/main" id="{AE1B29ED-C29D-4151-85B0-8D40D74FE50C}"/>
+              </a:ext>
+            </a:extLst>
+          </p:cNvPr>
+          <p:cNvCxnSpPr>
+            <a:cxnSpLocks/>
+          </p:cNvCxnSpPr>
+          <p:nvPr/>
+        </p:nvCxnSpPr>
+        <p:spPr>
+          <a:xfrm>
+            <a:off x="6247406" y="5420235"/>
+            <a:ext cx="0" cy="421210"/>
+          </a:xfrm>
+          <a:prstGeom prst="straightConnector1">
+            <a:avLst/>
+          </a:prstGeom>
+          <a:ln w="38100">
+            <a:tailEnd type="triangle"/>
+          </a:ln>
+        </p:spPr>
+        <p:style>
+          <a:lnRef idx="1">
+            <a:schemeClr val="accent1"/>
+          </a:lnRef>
+          <a:fillRef idx="0">
+            <a:schemeClr val="accent1"/>
+          </a:fillRef>
+          <a:effectRef idx="0">
+            <a:schemeClr val="accent1"/>
+          </a:effectRef>
+          <a:fontRef idx="minor">
+            <a:schemeClr val="tx1"/>
+          </a:fontRef>
+        </p:style>
+      </p:cxnSp>
+      <p:cxnSp>
+        <p:nvCxnSpPr>
+          <p:cNvPr id="34" name="直接箭头连接符 33">
+            <a:extLst>
+              <a:ext uri="{FF2B5EF4-FFF2-40B4-BE49-F238E27FC236}">
+                <a16:creationId xmlns:a16="http://schemas.microsoft.com/office/drawing/2014/main" id="{87A21C08-EFBF-4CF2-AC8B-E9A362A3EDE6}"/>
+              </a:ext>
+            </a:extLst>
+          </p:cNvPr>
+          <p:cNvCxnSpPr>
+            <a:cxnSpLocks/>
+            <a:stCxn id="23" idx="1"/>
+          </p:cNvCxnSpPr>
+          <p:nvPr/>
+        </p:nvCxnSpPr>
+        <p:spPr>
+          <a:xfrm flipH="1">
+            <a:off x="4556329" y="6029830"/>
+            <a:ext cx="765566" cy="0"/>
+          </a:xfrm>
+          <a:prstGeom prst="straightConnector1">
+            <a:avLst/>
+          </a:prstGeom>
+          <a:ln w="38100">
+            <a:tailEnd type="triangle"/>
+          </a:ln>
+        </p:spPr>
+        <p:style>
+          <a:lnRef idx="1">
+            <a:schemeClr val="accent1"/>
+          </a:lnRef>
+          <a:fillRef idx="0">
+            <a:schemeClr val="accent1"/>
+          </a:fillRef>
+          <a:effectRef idx="0">
+            <a:schemeClr val="accent1"/>
+          </a:effectRef>
+          <a:fontRef idx="minor">
+            <a:schemeClr val="tx1"/>
+          </a:fontRef>
+        </p:style>
+      </p:cxnSp>
+      <p:cxnSp>
+        <p:nvCxnSpPr>
+          <p:cNvPr id="36" name="直接箭头连接符 35">
+            <a:extLst>
+              <a:ext uri="{FF2B5EF4-FFF2-40B4-BE49-F238E27FC236}">
+                <a16:creationId xmlns:a16="http://schemas.microsoft.com/office/drawing/2014/main" id="{AC1A9C58-A0AA-4E62-81E8-DADD0CA00E30}"/>
+              </a:ext>
+            </a:extLst>
+          </p:cNvPr>
+          <p:cNvCxnSpPr>
+            <a:cxnSpLocks/>
+          </p:cNvCxnSpPr>
+          <p:nvPr/>
+        </p:nvCxnSpPr>
+        <p:spPr>
+          <a:xfrm flipV="1">
+            <a:off x="2520563" y="5196035"/>
+            <a:ext cx="750447" cy="835"/>
+          </a:xfrm>
+          <a:prstGeom prst="straightConnector1">
+            <a:avLst/>
+          </a:prstGeom>
+          <a:ln w="38100">
+            <a:tailEnd type="triangle"/>
+          </a:ln>
+        </p:spPr>
+        <p:style>
+          <a:lnRef idx="1">
+            <a:schemeClr val="accent1"/>
+          </a:lnRef>
+          <a:fillRef idx="0">
+            <a:schemeClr val="accent1"/>
+          </a:fillRef>
+          <a:effectRef idx="0">
+            <a:schemeClr val="accent1"/>
+          </a:effectRef>
+          <a:fontRef idx="minor">
+            <a:schemeClr val="tx1"/>
+          </a:fontRef>
+        </p:style>
+      </p:cxnSp>
+      <p:cxnSp>
+        <p:nvCxnSpPr>
+          <p:cNvPr id="39" name="直接连接符 38">
+            <a:extLst>
+              <a:ext uri="{FF2B5EF4-FFF2-40B4-BE49-F238E27FC236}">
+                <a16:creationId xmlns:a16="http://schemas.microsoft.com/office/drawing/2014/main" id="{40DB65DB-88EB-464C-9141-7E4FB37E28A8}"/>
+              </a:ext>
+            </a:extLst>
+          </p:cNvPr>
+          <p:cNvCxnSpPr/>
+          <p:nvPr/>
+        </p:nvCxnSpPr>
+        <p:spPr>
+          <a:xfrm>
+            <a:off x="2520563" y="5196035"/>
+            <a:ext cx="0" cy="434805"/>
+          </a:xfrm>
+          <a:prstGeom prst="line">
+            <a:avLst/>
+          </a:prstGeom>
+          <a:ln w="38100"/>
+        </p:spPr>
+        <p:style>
+          <a:lnRef idx="1">
+            <a:schemeClr val="accent1"/>
+          </a:lnRef>
+          <a:fillRef idx="0">
+            <a:schemeClr val="accent1"/>
+          </a:fillRef>
+          <a:effectRef idx="0">
+            <a:schemeClr val="accent1"/>
+          </a:effectRef>
+          <a:fontRef idx="minor">
+            <a:schemeClr val="tx1"/>
+          </a:fontRef>
+        </p:style>
+      </p:cxnSp>
+    </p:spTree>
+    <p:extLst>
+      <p:ext uri="{BB962C8B-B14F-4D97-AF65-F5344CB8AC3E}">
+        <p14:creationId xmlns:p14="http://schemas.microsoft.com/office/powerpoint/2010/main" val="3365277375"/>
+      </p:ext>
+    </p:extLst>
+  </p:cSld>
+  <p:clrMapOvr>
+    <a:masterClrMapping/>
+  </p:clrMapOvr>
+</p:sld>
+</file>
+
+<file path=ppt/slides/slide13.xml><?xml version="1.0" encoding="utf-8"?>
+<p:sld xmlns:a="http://schemas.openxmlformats.org/drawingml/2006/main" xmlns:r="http://schemas.openxmlformats.org/officeDocument/2006/relationships" xmlns:p="http://schemas.openxmlformats.org/presentationml/2006/main">
+  <p:cSld>
+    <p:spTree>
+      <p:nvGrpSpPr>
+        <p:cNvPr id="1" name=""/>
+        <p:cNvGrpSpPr/>
+        <p:nvPr/>
+      </p:nvGrpSpPr>
+      <p:grpSpPr>
+        <a:xfrm>
+          <a:off x="0" y="0"/>
+          <a:ext cx="0" cy="0"/>
+          <a:chOff x="0" y="0"/>
+          <a:chExt cx="0" cy="0"/>
+        </a:xfrm>
+      </p:grpSpPr>
+      <p:sp>
+        <p:nvSpPr>
+          <p:cNvPr id="2" name="标题 1">
+            <a:extLst>
+              <a:ext uri="{FF2B5EF4-FFF2-40B4-BE49-F238E27FC236}">
+                <a16:creationId xmlns:a16="http://schemas.microsoft.com/office/drawing/2014/main" id="{F9FF4E26-1B9F-462E-9BC6-D6604CFF5438}"/>
+              </a:ext>
+            </a:extLst>
+          </p:cNvPr>
+          <p:cNvSpPr>
+            <a:spLocks noGrp="1"/>
+          </p:cNvSpPr>
+          <p:nvPr>
+            <p:ph type="title"/>
+          </p:nvPr>
+        </p:nvSpPr>
+        <p:spPr>
+          <a:xfrm>
+            <a:off x="641322" y="2065940"/>
+            <a:ext cx="10772775" cy="1658198"/>
+          </a:xfrm>
+        </p:spPr>
+        <p:txBody>
+          <a:bodyPr>
+            <a:normAutofit fontScale="90000"/>
+          </a:bodyPr>
+          <a:lstStyle/>
+          <a:p>
+            <a:r>
+              <a:rPr lang="zh-CN" altLang="en-US" dirty="0"/>
+              <a:t>下一步工作：</a:t>
+            </a:r>
+            <a:br>
+              <a:rPr lang="en-US" altLang="zh-CN" dirty="0"/>
+            </a:br>
+            <a:br>
+              <a:rPr lang="en-US" altLang="zh-CN" dirty="0"/>
+            </a:br>
+            <a:r>
+              <a:rPr lang="zh-CN" altLang="en-US" sz="4000" dirty="0"/>
+              <a:t>设计探头阻抗匹配电路和功率放大器</a:t>
+            </a:r>
+            <a:br>
+              <a:rPr lang="en-US" altLang="zh-CN" sz="4000" dirty="0"/>
+            </a:br>
+            <a:r>
+              <a:rPr lang="zh-CN" altLang="en-US" sz="4000" dirty="0"/>
+              <a:t>继续阅读文献</a:t>
+            </a:r>
+            <a:endParaRPr lang="zh-CN" altLang="en-US" dirty="0"/>
+          </a:p>
+        </p:txBody>
+      </p:sp>
+    </p:spTree>
+    <p:extLst>
+      <p:ext uri="{BB962C8B-B14F-4D97-AF65-F5344CB8AC3E}">
+        <p14:creationId xmlns:p14="http://schemas.microsoft.com/office/powerpoint/2010/main" val="1954752243"/>
       </p:ext>
     </p:extLst>
   </p:cSld>
@@ -8820,7 +11549,7 @@
         <p:spPr>
           <a:xfrm>
             <a:off x="6476540" y="1343852"/>
-            <a:ext cx="4310743" cy="830997"/>
+            <a:ext cx="4710045" cy="830997"/>
           </a:xfrm>
           <a:prstGeom prst="rect">
             <a:avLst/>
@@ -8843,7 +11572,7 @@
             </a:r>
             <a:r>
               <a:rPr lang="zh-CN" altLang="en-US" sz="2400" b="1" dirty="0"/>
-              <a:t>双频率</a:t>
+              <a:t>双频</a:t>
             </a:r>
             <a:r>
               <a:rPr lang="en-US" altLang="zh-CN" sz="2400" b="1" dirty="0"/>
@@ -8874,7 +11603,7 @@
           <p:nvPr>
             <p:extLst>
               <p:ext uri="{D42A27DB-BD31-4B8C-83A1-F6EECF244321}">
-                <p14:modId xmlns:p14="http://schemas.microsoft.com/office/powerpoint/2010/main" val="3190145174"/>
+                <p14:modId xmlns:p14="http://schemas.microsoft.com/office/powerpoint/2010/main" val="1868638039"/>
               </p:ext>
             </p:extLst>
           </p:nvPr>
@@ -8925,10 +11654,9 @@
                     <a:lstStyle/>
                     <a:p>
                       <a:r>
-                        <a:rPr lang="zh-CN" altLang="en-US" dirty="0" smtClean="0"/>
+                        <a:rPr lang="zh-CN" altLang="en-US" dirty="0"/>
                         <a:t>谐振频率</a:t>
                       </a:r>
-                      <a:endParaRPr lang="zh-CN" altLang="en-US" dirty="0"/>
                     </a:p>
                   </a:txBody>
                   <a:tcPr/>
@@ -9004,11 +11732,7 @@
                     <a:p>
                       <a:r>
                         <a:rPr lang="en-US" altLang="zh-CN" dirty="0"/>
-                        <a:t>2</a:t>
-                      </a:r>
-                      <a:r>
-                        <a:rPr lang="en-US" altLang="zh-CN" dirty="0" smtClean="0"/>
-                        <a:t>MHz</a:t>
+                        <a:t>1.25MHz</a:t>
                       </a:r>
                       <a:endParaRPr lang="zh-CN" altLang="en-US" dirty="0"/>
                     </a:p>
@@ -9086,11 +11810,7 @@
                     <a:p>
                       <a:r>
                         <a:rPr lang="en-US" altLang="zh-CN" dirty="0"/>
-                        <a:t>1</a:t>
-                      </a:r>
-                      <a:r>
-                        <a:rPr lang="en-US" altLang="zh-CN" dirty="0" smtClean="0"/>
-                        <a:t>MHz</a:t>
+                        <a:t>1.25MHz</a:t>
                       </a:r>
                       <a:endParaRPr lang="zh-CN" altLang="en-US" dirty="0"/>
                     </a:p>
@@ -9187,18 +11907,13 @@
           <a:lstStyle/>
           <a:p>
             <a:r>
-              <a:rPr lang="en-US" b="1" dirty="0" smtClean="0">
+              <a:rPr lang="en-US" b="1" dirty="0">
                 <a:solidFill>
                   <a:srgbClr val="FF0000"/>
                 </a:solidFill>
               </a:rPr>
               <a:t>1</a:t>
             </a:r>
-            <a:endParaRPr lang="en-US" b="1" dirty="0">
-              <a:solidFill>
-                <a:srgbClr val="FF0000"/>
-              </a:solidFill>
-            </a:endParaRPr>
           </a:p>
         </p:txBody>
       </p:sp>
@@ -9210,7 +11925,7 @@
         </p:nvSpPr>
         <p:spPr>
           <a:xfrm>
-            <a:off x="1861217" y="4604863"/>
+            <a:off x="2093554" y="3244334"/>
             <a:ext cx="285628" cy="369332"/>
           </a:xfrm>
           <a:prstGeom prst="rect">
@@ -9232,11 +11947,6 @@
               </a:rPr>
               <a:t>2</a:t>
             </a:r>
-            <a:endParaRPr lang="en-US" b="1" dirty="0">
-              <a:solidFill>
-                <a:srgbClr val="FF0000"/>
-              </a:solidFill>
-            </a:endParaRPr>
           </a:p>
         </p:txBody>
       </p:sp>
@@ -9248,7 +11958,7 @@
         </p:nvSpPr>
         <p:spPr>
           <a:xfrm>
-            <a:off x="2032202" y="3260894"/>
+            <a:off x="1855711" y="4657142"/>
             <a:ext cx="285628" cy="369332"/>
           </a:xfrm>
           <a:prstGeom prst="rect">
@@ -9270,11 +11980,6 @@
               </a:rPr>
               <a:t>3</a:t>
             </a:r>
-            <a:endParaRPr lang="en-US" b="1" dirty="0">
-              <a:solidFill>
-                <a:srgbClr val="FF0000"/>
-              </a:solidFill>
-            </a:endParaRPr>
           </a:p>
         </p:txBody>
       </p:sp>
@@ -9308,11 +12013,6 @@
               </a:rPr>
               <a:t>4</a:t>
             </a:r>
-            <a:endParaRPr lang="en-US" b="1" dirty="0">
-              <a:solidFill>
-                <a:srgbClr val="FF0000"/>
-              </a:solidFill>
-            </a:endParaRPr>
           </a:p>
         </p:txBody>
       </p:sp>
@@ -9369,13 +12069,8 @@
           <a:p>
             <a:r>
               <a:rPr lang="zh-CN" altLang="en-US" dirty="0"/>
-              <a:t>测试容器与</a:t>
-            </a:r>
-            <a:r>
-              <a:rPr lang="zh-CN" altLang="en-US" dirty="0" smtClean="0"/>
-              <a:t>探头分布</a:t>
-            </a:r>
-            <a:endParaRPr lang="zh-CN" altLang="en-US" dirty="0"/>
+              <a:t>测试容器与探头分布</a:t>
+            </a:r>
           </a:p>
         </p:txBody>
       </p:sp>
@@ -9585,7 +12280,7 @@
                   <a:schemeClr val="accent1"/>
                 </a:solidFill>
               </a:rPr>
-              <a:t>300</a:t>
+              <a:t>150</a:t>
             </a:r>
             <a:endParaRPr lang="zh-CN" altLang="en-US" sz="1200" b="1" dirty="0">
               <a:solidFill>
@@ -9743,7 +12438,7 @@
                   <a:schemeClr val="accent1"/>
                 </a:solidFill>
               </a:rPr>
-              <a:t>300</a:t>
+              <a:t>150</a:t>
             </a:r>
             <a:endParaRPr lang="zh-CN" altLang="en-US" sz="1200" b="1" dirty="0">
               <a:solidFill>
@@ -9768,14 +12463,14 @@
           <p:nvPr>
             <p:extLst>
               <p:ext uri="{D42A27DB-BD31-4B8C-83A1-F6EECF244321}">
-                <p14:modId xmlns:p14="http://schemas.microsoft.com/office/powerpoint/2010/main" val="2701350935"/>
+                <p14:modId xmlns:p14="http://schemas.microsoft.com/office/powerpoint/2010/main" val="2574511695"/>
               </p:ext>
             </p:extLst>
           </p:nvPr>
         </p:nvGraphicFramePr>
         <p:xfrm>
-          <a:off x="5455782" y="2045350"/>
-          <a:ext cx="6024561" cy="3376992"/>
+          <a:off x="5163004" y="2045350"/>
+          <a:ext cx="6867318" cy="3821303"/>
         </p:xfrm>
         <a:graphic>
           <a:graphicData uri="http://schemas.openxmlformats.org/drawingml/2006/table">
@@ -9784,21 +12479,21 @@
                 <a:tableStyleId>{5C22544A-7EE6-4342-B048-85BDC9FD1C3A}</a:tableStyleId>
               </a:tblPr>
               <a:tblGrid>
-                <a:gridCol w="2008187">
+                <a:gridCol w="1593395">
                   <a:extLst>
                     <a:ext uri="{9D8B030D-6E8A-4147-A177-3AD203B41FA5}">
                       <a16:colId xmlns:a16="http://schemas.microsoft.com/office/drawing/2014/main" val="1578515739"/>
                     </a:ext>
                   </a:extLst>
                 </a:gridCol>
-                <a:gridCol w="2008187">
+                <a:gridCol w="1616324">
                   <a:extLst>
                     <a:ext uri="{9D8B030D-6E8A-4147-A177-3AD203B41FA5}">
                       <a16:colId xmlns:a16="http://schemas.microsoft.com/office/drawing/2014/main" val="986104016"/>
                     </a:ext>
                   </a:extLst>
                 </a:gridCol>
-                <a:gridCol w="2008187">
+                <a:gridCol w="3657599">
                   <a:extLst>
                     <a:ext uri="{9D8B030D-6E8A-4147-A177-3AD203B41FA5}">
                       <a16:colId xmlns:a16="http://schemas.microsoft.com/office/drawing/2014/main" val="3331766350"/>
@@ -9871,12 +12566,15 @@
                   </a:txBody>
                   <a:tcPr/>
                 </a:tc>
-                <a:tc>
+                <a:tc rowSpan="4">
                   <a:txBody>
                     <a:bodyPr/>
                     <a:lstStyle/>
                     <a:p>
-                      <a:endParaRPr lang="zh-CN" altLang="en-US" dirty="0"/>
+                      <a:r>
+                        <a:rPr lang="zh-CN" altLang="en-US" dirty="0"/>
+                        <a:t>汕头超声点聚焦水浸式探头</a:t>
+                      </a:r>
                     </a:p>
                   </a:txBody>
                   <a:tcPr/>
@@ -9886,7 +12584,27 @@
                     <a:bodyPr/>
                     <a:lstStyle/>
                     <a:p>
-                      <a:endParaRPr lang="zh-CN" altLang="en-US"/>
+                      <a:r>
+                        <a:rPr lang="en-US" altLang="zh-CN" dirty="0"/>
+                        <a:t>1MHz </a:t>
+                      </a:r>
+                      <a:r>
+                        <a:rPr lang="zh-CN" altLang="en-US" dirty="0"/>
+                        <a:t>晶片尺寸</a:t>
+                      </a:r>
+                      <a:r>
+                        <a:rPr lang="en-US" altLang="zh-CN" dirty="0"/>
+                        <a:t>:10mm </a:t>
+                      </a:r>
+                      <a:r>
+                        <a:rPr lang="zh-CN" altLang="en-US" dirty="0"/>
+                        <a:t>焦距</a:t>
+                      </a:r>
+                      <a:r>
+                        <a:rPr lang="en-US" altLang="zh-CN" dirty="0"/>
+                        <a:t>:120mm</a:t>
+                      </a:r>
+                      <a:endParaRPr lang="zh-CN" altLang="en-US" dirty="0"/>
                     </a:p>
                   </a:txBody>
                   <a:tcPr/>
@@ -9933,12 +12651,12 @@
                   </a:txBody>
                   <a:tcPr/>
                 </a:tc>
-                <a:tc>
+                <a:tc vMerge="1">
                   <a:txBody>
                     <a:bodyPr/>
                     <a:lstStyle/>
                     <a:p>
-                      <a:endParaRPr lang="zh-CN" altLang="en-US"/>
+                      <a:endParaRPr lang="zh-CN" altLang="en-US" dirty="0"/>
                     </a:p>
                   </a:txBody>
                   <a:tcPr/>
@@ -9948,6 +12666,26 @@
                     <a:bodyPr/>
                     <a:lstStyle/>
                     <a:p>
+                      <a:r>
+                        <a:rPr lang="en-US" altLang="zh-CN" dirty="0"/>
+                        <a:t>1.25MHz </a:t>
+                      </a:r>
+                      <a:r>
+                        <a:rPr lang="zh-CN" altLang="en-US" dirty="0"/>
+                        <a:t>晶片尺寸</a:t>
+                      </a:r>
+                      <a:r>
+                        <a:rPr lang="en-US" altLang="zh-CN" dirty="0"/>
+                        <a:t>:10mm </a:t>
+                      </a:r>
+                      <a:r>
+                        <a:rPr lang="zh-CN" altLang="en-US" dirty="0"/>
+                        <a:t>焦距</a:t>
+                      </a:r>
+                      <a:r>
+                        <a:rPr lang="en-US" altLang="zh-CN" dirty="0"/>
+                        <a:t>:120mm</a:t>
+                      </a:r>
                       <a:endParaRPr lang="zh-CN" altLang="en-US" dirty="0"/>
                     </a:p>
                   </a:txBody>
@@ -9995,7 +12733,7 @@
                   </a:txBody>
                   <a:tcPr/>
                 </a:tc>
-                <a:tc>
+                <a:tc vMerge="1">
                   <a:txBody>
                     <a:bodyPr/>
                     <a:lstStyle/>
@@ -10010,7 +12748,27 @@
                     <a:bodyPr/>
                     <a:lstStyle/>
                     <a:p>
-                      <a:endParaRPr lang="zh-CN" altLang="en-US"/>
+                      <a:r>
+                        <a:rPr lang="en-US" altLang="zh-CN" dirty="0"/>
+                        <a:t>1MHz </a:t>
+                      </a:r>
+                      <a:r>
+                        <a:rPr lang="zh-CN" altLang="en-US" dirty="0"/>
+                        <a:t>晶片尺寸</a:t>
+                      </a:r>
+                      <a:r>
+                        <a:rPr lang="en-US" altLang="zh-CN" dirty="0"/>
+                        <a:t>:10mm </a:t>
+                      </a:r>
+                      <a:r>
+                        <a:rPr lang="zh-CN" altLang="en-US" dirty="0"/>
+                        <a:t>焦距</a:t>
+                      </a:r>
+                      <a:r>
+                        <a:rPr lang="en-US" altLang="zh-CN" dirty="0"/>
+                        <a:t>:120mm</a:t>
+                      </a:r>
+                      <a:endParaRPr lang="zh-CN" altLang="en-US" dirty="0"/>
                     </a:p>
                   </a:txBody>
                   <a:tcPr/>
@@ -10057,12 +12815,12 @@
                   </a:txBody>
                   <a:tcPr/>
                 </a:tc>
-                <a:tc>
+                <a:tc vMerge="1">
                   <a:txBody>
                     <a:bodyPr/>
                     <a:lstStyle/>
                     <a:p>
-                      <a:endParaRPr lang="zh-CN" altLang="en-US"/>
+                      <a:endParaRPr lang="zh-CN" altLang="en-US" dirty="0"/>
                     </a:p>
                   </a:txBody>
                   <a:tcPr/>
@@ -10072,6 +12830,26 @@
                     <a:bodyPr/>
                     <a:lstStyle/>
                     <a:p>
+                      <a:r>
+                        <a:rPr lang="en-US" altLang="zh-CN" dirty="0"/>
+                        <a:t>1.25MHz </a:t>
+                      </a:r>
+                      <a:r>
+                        <a:rPr lang="zh-CN" altLang="en-US" dirty="0"/>
+                        <a:t>晶片尺寸</a:t>
+                      </a:r>
+                      <a:r>
+                        <a:rPr lang="en-US" altLang="zh-CN" dirty="0"/>
+                        <a:t>:10mm </a:t>
+                      </a:r>
+                      <a:r>
+                        <a:rPr lang="zh-CN" altLang="en-US" dirty="0"/>
+                        <a:t>焦距</a:t>
+                      </a:r>
+                      <a:r>
+                        <a:rPr lang="en-US" altLang="zh-CN" dirty="0"/>
+                        <a:t>:120mm</a:t>
+                      </a:r>
                       <a:endParaRPr lang="zh-CN" altLang="en-US" dirty="0"/>
                     </a:p>
                   </a:txBody>
@@ -10119,7 +12897,10 @@
                     <a:bodyPr/>
                     <a:lstStyle/>
                     <a:p>
-                      <a:endParaRPr lang="zh-CN" altLang="en-US"/>
+                      <a:r>
+                        <a:rPr lang="zh-CN" altLang="en-US" dirty="0"/>
+                        <a:t>铂热电阻</a:t>
+                      </a:r>
                     </a:p>
                   </a:txBody>
                   <a:tcPr/>
@@ -10129,7 +12910,28 @@
                     <a:bodyPr/>
                     <a:lstStyle/>
                     <a:p>
-                      <a:endParaRPr lang="zh-CN" altLang="en-US"/>
+                      <a:pPr marL="0" marR="0" lvl="0" indent="0" algn="l" defTabSz="914400" rtl="0" eaLnBrk="1" fontAlgn="auto" latinLnBrk="0" hangingPunct="1">
+                        <a:lnSpc>
+                          <a:spcPct val="100000"/>
+                        </a:lnSpc>
+                        <a:spcBef>
+                          <a:spcPts val="0"/>
+                        </a:spcBef>
+                        <a:spcAft>
+                          <a:spcPts val="0"/>
+                        </a:spcAft>
+                        <a:buClrTx/>
+                        <a:buSzTx/>
+                        <a:buFontTx/>
+                        <a:buNone/>
+                        <a:tabLst/>
+                        <a:defRPr/>
+                      </a:pPr>
+                      <a:r>
+                        <a:rPr lang="en-US" altLang="zh-CN" dirty="0"/>
+                        <a:t>pt100</a:t>
+                      </a:r>
+                      <a:endParaRPr lang="zh-CN" altLang="en-US" dirty="0"/>
                     </a:p>
                   </a:txBody>
                   <a:tcPr/>
@@ -10159,13 +12961,25 @@
                   </a:txBody>
                   <a:tcPr/>
                 </a:tc>
-                <a:tc>
+                <a:tc rowSpan="2">
                   <a:txBody>
                     <a:bodyPr/>
                     <a:lstStyle/>
                     <a:p>
                       <a:r>
-                        <a:rPr lang="en-US" sz="1800" b="1" i="0" kern="1200" dirty="0" smtClean="0">
+                        <a:rPr lang="zh-CN" altLang="en-US" sz="1800" b="0" i="0" kern="1200" dirty="0">
+                          <a:solidFill>
+                            <a:schemeClr val="dk1"/>
+                          </a:solidFill>
+                          <a:effectLst/>
+                          <a:latin typeface="+mn-lt"/>
+                          <a:ea typeface="+mn-ea"/>
+                          <a:cs typeface="+mn-cs"/>
+                        </a:rPr>
+                        <a:t>基恩士</a:t>
+                      </a:r>
+                      <a:r>
+                        <a:rPr lang="en-US" sz="1800" b="0" i="0" kern="1200" dirty="0">
                           <a:solidFill>
                             <a:schemeClr val="dk1"/>
                           </a:solidFill>
@@ -10176,17 +12990,27 @@
                         </a:rPr>
                         <a:t>AP-12S</a:t>
                       </a:r>
+                    </a:p>
+                    <a:p>
                       <a:endParaRPr lang="zh-CN" altLang="en-US" dirty="0"/>
                     </a:p>
                   </a:txBody>
                   <a:tcPr/>
                 </a:tc>
-                <a:tc>
+                <a:tc rowSpan="2">
                   <a:txBody>
                     <a:bodyPr/>
                     <a:lstStyle/>
                     <a:p>
-                      <a:endParaRPr lang="zh-CN" altLang="en-US"/>
+                      <a:r>
+                        <a:rPr lang="en-US" altLang="zh-CN" dirty="0"/>
+                        <a:t>4-20mA</a:t>
+                      </a:r>
+                      <a:r>
+                        <a:rPr lang="zh-CN" altLang="en-US" dirty="0"/>
+                        <a:t>输出</a:t>
+                      </a:r>
+                      <a:endParaRPr lang="en-US" altLang="zh-CN" dirty="0"/>
                     </a:p>
                   </a:txBody>
                   <a:tcPr/>
@@ -10197,7 +13021,7 @@
                   </a:ext>
                 </a:extLst>
               </a:tr>
-              <a:tr h="422124">
+              <a:tr h="430523">
                 <a:tc>
                   <a:txBody>
                     <a:bodyPr/>
@@ -10216,13 +13040,13 @@
                   </a:txBody>
                   <a:tcPr/>
                 </a:tc>
-                <a:tc>
+                <a:tc vMerge="1">
                   <a:txBody>
                     <a:bodyPr/>
                     <a:lstStyle/>
                     <a:p>
                       <a:r>
-                        <a:rPr lang="en-US" sz="1800" b="1" i="0" kern="1200" dirty="0" smtClean="0">
+                        <a:rPr lang="en-US" sz="1800" b="1" i="0" kern="1200" dirty="0">
                           <a:solidFill>
                             <a:schemeClr val="dk1"/>
                           </a:solidFill>
@@ -10238,7 +13062,7 @@
                   </a:txBody>
                   <a:tcPr/>
                 </a:tc>
-                <a:tc>
+                <a:tc vMerge="1">
                   <a:txBody>
                     <a:bodyPr/>
                     <a:lstStyle/>
@@ -10310,303 +13134,8 @@
           <a:lstStyle/>
           <a:p>
             <a:r>
-              <a:rPr lang="zh-CN" altLang="en-US" dirty="0" smtClean="0"/>
-              <a:t>超声信号发送与接收</a:t>
-            </a:r>
-            <a:endParaRPr lang="zh-CN" altLang="en-US" dirty="0"/>
-          </a:p>
-        </p:txBody>
-      </p:sp>
-      <p:pic>
-        <p:nvPicPr>
-          <p:cNvPr id="3" name="图片 2">
-            <a:extLst>
-              <a:ext uri="{FF2B5EF4-FFF2-40B4-BE49-F238E27FC236}">
-                <a16:creationId xmlns:a16="http://schemas.microsoft.com/office/drawing/2014/main" id="{2A4E63EB-B110-4031-8208-EC6420CC9006}"/>
-              </a:ext>
-            </a:extLst>
-          </p:cNvPr>
-          <p:cNvPicPr>
-            <a:picLocks noChangeAspect="1"/>
-          </p:cNvPicPr>
-          <p:nvPr/>
-        </p:nvPicPr>
-        <p:blipFill rotWithShape="1">
-          <a:blip r:embed="rId2"/>
-          <a:srcRect t="80223"/>
-          <a:stretch/>
-        </p:blipFill>
-        <p:spPr>
-          <a:xfrm>
-            <a:off x="2900426" y="2238851"/>
-            <a:ext cx="4351214" cy="689263"/>
-          </a:xfrm>
-          <a:prstGeom prst="rect">
-            <a:avLst/>
-          </a:prstGeom>
-        </p:spPr>
-      </p:pic>
-      <p:pic>
-        <p:nvPicPr>
-          <p:cNvPr id="7" name="图片 6">
-            <a:extLst>
-              <a:ext uri="{FF2B5EF4-FFF2-40B4-BE49-F238E27FC236}">
-                <a16:creationId xmlns:a16="http://schemas.microsoft.com/office/drawing/2014/main" id="{6827C3DD-745F-40F2-A4E5-2FFC92FE2EE2}"/>
-              </a:ext>
-            </a:extLst>
-          </p:cNvPr>
-          <p:cNvPicPr>
-            <a:picLocks noChangeAspect="1"/>
-          </p:cNvPicPr>
-          <p:nvPr/>
-        </p:nvPicPr>
-        <p:blipFill rotWithShape="1">
-          <a:blip r:embed="rId3"/>
-          <a:srcRect t="79911"/>
-          <a:stretch/>
-        </p:blipFill>
-        <p:spPr>
-          <a:xfrm>
-            <a:off x="2900426" y="3209272"/>
-            <a:ext cx="4351214" cy="700023"/>
-          </a:xfrm>
-          <a:prstGeom prst="rect">
-            <a:avLst/>
-          </a:prstGeom>
-        </p:spPr>
-      </p:pic>
-      <p:sp>
-        <p:nvSpPr>
-          <p:cNvPr id="4" name="文本框 3">
-            <a:extLst>
-              <a:ext uri="{FF2B5EF4-FFF2-40B4-BE49-F238E27FC236}">
-                <a16:creationId xmlns:a16="http://schemas.microsoft.com/office/drawing/2014/main" id="{927DF14A-502D-4531-BC8A-EC0F9C997475}"/>
-              </a:ext>
-            </a:extLst>
-          </p:cNvPr>
-          <p:cNvSpPr txBox="1"/>
-          <p:nvPr/>
-        </p:nvSpPr>
-        <p:spPr>
-          <a:xfrm>
-            <a:off x="801056" y="2394573"/>
-            <a:ext cx="1832428" cy="369332"/>
-          </a:xfrm>
-          <a:prstGeom prst="rect">
-            <a:avLst/>
-          </a:prstGeom>
-          <a:noFill/>
-        </p:spPr>
-        <p:txBody>
-          <a:bodyPr wrap="square" rtlCol="0">
-            <a:spAutoFit/>
-          </a:bodyPr>
-          <a:lstStyle/>
-          <a:p>
-            <a:r>
-              <a:rPr lang="zh-CN" altLang="en-US" dirty="0" smtClean="0"/>
-              <a:t>发射超声波脉冲</a:t>
-            </a:r>
-            <a:r>
               <a:rPr lang="zh-CN" altLang="en-US" dirty="0"/>
-              <a:t>：</a:t>
-            </a:r>
-          </a:p>
-        </p:txBody>
-      </p:sp>
-      <p:sp>
-        <p:nvSpPr>
-          <p:cNvPr id="8" name="文本框 7">
-            <a:extLst>
-              <a:ext uri="{FF2B5EF4-FFF2-40B4-BE49-F238E27FC236}">
-                <a16:creationId xmlns:a16="http://schemas.microsoft.com/office/drawing/2014/main" id="{D04DFBFE-C782-44F8-86AE-DE60C3B4E087}"/>
-              </a:ext>
-            </a:extLst>
-          </p:cNvPr>
-          <p:cNvSpPr txBox="1"/>
-          <p:nvPr/>
-        </p:nvSpPr>
-        <p:spPr>
-          <a:xfrm>
-            <a:off x="801056" y="3309760"/>
-            <a:ext cx="1832428" cy="369332"/>
-          </a:xfrm>
-          <a:prstGeom prst="rect">
-            <a:avLst/>
-          </a:prstGeom>
-          <a:noFill/>
-        </p:spPr>
-        <p:txBody>
-          <a:bodyPr wrap="square" rtlCol="0">
-            <a:spAutoFit/>
-          </a:bodyPr>
-          <a:lstStyle/>
-          <a:p>
-            <a:r>
-              <a:rPr lang="zh-CN" altLang="en-US" dirty="0" smtClean="0"/>
-              <a:t>接收超声波脉冲</a:t>
-            </a:r>
-            <a:r>
-              <a:rPr lang="zh-CN" altLang="en-US" dirty="0"/>
-              <a:t>：</a:t>
-            </a:r>
-          </a:p>
-        </p:txBody>
-      </p:sp>
-      <p:cxnSp>
-        <p:nvCxnSpPr>
-          <p:cNvPr id="10" name="直接箭头连接符 9">
-            <a:extLst>
-              <a:ext uri="{FF2B5EF4-FFF2-40B4-BE49-F238E27FC236}">
-                <a16:creationId xmlns:a16="http://schemas.microsoft.com/office/drawing/2014/main" id="{6F2510E6-AD55-4605-BEE9-FE9033B9477A}"/>
-              </a:ext>
-            </a:extLst>
-          </p:cNvPr>
-          <p:cNvCxnSpPr/>
-          <p:nvPr/>
-        </p:nvCxnSpPr>
-        <p:spPr>
-          <a:xfrm>
-            <a:off x="2787940" y="2287451"/>
-            <a:ext cx="0" cy="611635"/>
-          </a:xfrm>
-          <a:prstGeom prst="straightConnector1">
-            <a:avLst/>
-          </a:prstGeom>
-          <a:ln>
-            <a:headEnd type="triangle"/>
-            <a:tailEnd type="triangle"/>
-          </a:ln>
-        </p:spPr>
-        <p:style>
-          <a:lnRef idx="1">
-            <a:schemeClr val="accent1"/>
-          </a:lnRef>
-          <a:fillRef idx="0">
-            <a:schemeClr val="accent1"/>
-          </a:fillRef>
-          <a:effectRef idx="0">
-            <a:schemeClr val="accent1"/>
-          </a:effectRef>
-          <a:fontRef idx="minor">
-            <a:schemeClr val="tx1"/>
-          </a:fontRef>
-        </p:style>
-      </p:cxnSp>
-      <p:sp>
-        <p:nvSpPr>
-          <p:cNvPr id="11" name="文本框 10">
-            <a:extLst>
-              <a:ext uri="{FF2B5EF4-FFF2-40B4-BE49-F238E27FC236}">
-                <a16:creationId xmlns:a16="http://schemas.microsoft.com/office/drawing/2014/main" id="{88264B15-1EAD-4585-92D7-6AD8C48C0D12}"/>
-              </a:ext>
-            </a:extLst>
-          </p:cNvPr>
-          <p:cNvSpPr txBox="1"/>
-          <p:nvPr/>
-        </p:nvSpPr>
-        <p:spPr>
-          <a:xfrm>
-            <a:off x="2372311" y="2076784"/>
-            <a:ext cx="711184" cy="276999"/>
-          </a:xfrm>
-          <a:prstGeom prst="rect">
-            <a:avLst/>
-          </a:prstGeom>
-          <a:noFill/>
-        </p:spPr>
-        <p:txBody>
-          <a:bodyPr wrap="square" rtlCol="0">
-            <a:spAutoFit/>
-          </a:bodyPr>
-          <a:lstStyle/>
-          <a:p>
-            <a:r>
-              <a:rPr lang="zh-CN" altLang="en-US" sz="1200" b="1" dirty="0">
-                <a:solidFill>
-                  <a:schemeClr val="accent1"/>
-                </a:solidFill>
-              </a:rPr>
-              <a:t>低频</a:t>
-            </a:r>
-          </a:p>
-        </p:txBody>
-      </p:sp>
-      <p:cxnSp>
-        <p:nvCxnSpPr>
-          <p:cNvPr id="12" name="直接箭头连接符 11">
-            <a:extLst>
-              <a:ext uri="{FF2B5EF4-FFF2-40B4-BE49-F238E27FC236}">
-                <a16:creationId xmlns:a16="http://schemas.microsoft.com/office/drawing/2014/main" id="{71990925-E36D-4182-8519-2F7CAA7B4266}"/>
-              </a:ext>
-            </a:extLst>
-          </p:cNvPr>
-          <p:cNvCxnSpPr/>
-          <p:nvPr/>
-        </p:nvCxnSpPr>
-        <p:spPr>
-          <a:xfrm>
-            <a:off x="2777054" y="3253465"/>
-            <a:ext cx="0" cy="611635"/>
-          </a:xfrm>
-          <a:prstGeom prst="straightConnector1">
-            <a:avLst/>
-          </a:prstGeom>
-          <a:ln>
-            <a:headEnd type="triangle"/>
-            <a:tailEnd type="triangle"/>
-          </a:ln>
-        </p:spPr>
-        <p:style>
-          <a:lnRef idx="1">
-            <a:schemeClr val="accent1"/>
-          </a:lnRef>
-          <a:fillRef idx="0">
-            <a:schemeClr val="accent1"/>
-          </a:fillRef>
-          <a:effectRef idx="0">
-            <a:schemeClr val="accent1"/>
-          </a:effectRef>
-          <a:fontRef idx="minor">
-            <a:schemeClr val="tx1"/>
-          </a:fontRef>
-        </p:style>
-      </p:cxnSp>
-      <p:sp>
-        <p:nvSpPr>
-          <p:cNvPr id="13" name="文本框 12">
-            <a:extLst>
-              <a:ext uri="{FF2B5EF4-FFF2-40B4-BE49-F238E27FC236}">
-                <a16:creationId xmlns:a16="http://schemas.microsoft.com/office/drawing/2014/main" id="{3FF9E3A3-2712-4F82-B597-F6CCC6D604F3}"/>
-              </a:ext>
-            </a:extLst>
-          </p:cNvPr>
-          <p:cNvSpPr txBox="1"/>
-          <p:nvPr/>
-        </p:nvSpPr>
-        <p:spPr>
-          <a:xfrm>
-            <a:off x="2366541" y="2785605"/>
-            <a:ext cx="711184" cy="276999"/>
-          </a:xfrm>
-          <a:prstGeom prst="rect">
-            <a:avLst/>
-          </a:prstGeom>
-          <a:noFill/>
-        </p:spPr>
-        <p:txBody>
-          <a:bodyPr wrap="square" rtlCol="0">
-            <a:spAutoFit/>
-          </a:bodyPr>
-          <a:lstStyle/>
-          <a:p>
-            <a:r>
-              <a:rPr lang="zh-CN" altLang="en-US" sz="1200" b="1" dirty="0">
-                <a:solidFill>
-                  <a:schemeClr val="accent1"/>
-                </a:solidFill>
-              </a:rPr>
-              <a:t>高频</a:t>
+              <a:t>频率选择</a:t>
             </a:r>
           </a:p>
         </p:txBody>
@@ -10625,8 +13154,8 @@
         </p:nvSpPr>
         <p:spPr>
           <a:xfrm>
-            <a:off x="727364" y="1851328"/>
-            <a:ext cx="1832428" cy="369332"/>
+            <a:off x="734037" y="1714632"/>
+            <a:ext cx="10619147" cy="646331"/>
           </a:xfrm>
           <a:prstGeom prst="rect">
             <a:avLst/>
@@ -10641,33 +13170,671 @@
           <a:p>
             <a:r>
               <a:rPr lang="zh-CN" altLang="en-US" b="1" dirty="0"/>
-              <a:t>时域信号示例：</a:t>
-            </a:r>
-          </a:p>
-        </p:txBody>
-      </p:sp>
-      <p:cxnSp>
-        <p:nvCxnSpPr>
-          <p:cNvPr id="15" name="直接箭头连接符 14">
+              <a:t>浆体中的超声衰减不仅与微粒浓度有关，还与微粒颗粒大小有关。建筑料浆中的微粒大小不一，需要选择合适的超声波频率，使得其衰减对微粒浓度敏感，而对微粒颗粒大小不敏感。</a:t>
+            </a:r>
+            <a:endParaRPr lang="en-US" altLang="zh-CN" b="1" dirty="0"/>
+          </a:p>
+        </p:txBody>
+      </p:sp>
+      <p:pic>
+        <p:nvPicPr>
+          <p:cNvPr id="3" name="图片 2">
             <a:extLst>
               <a:ext uri="{FF2B5EF4-FFF2-40B4-BE49-F238E27FC236}">
-                <a16:creationId xmlns:a16="http://schemas.microsoft.com/office/drawing/2014/main" id="{71990925-E36D-4182-8519-2F7CAA7B4266}"/>
+                <a16:creationId xmlns:a16="http://schemas.microsoft.com/office/drawing/2014/main" id="{F16A6A03-3A4E-4D1C-A295-238CF1F7DECB}"/>
               </a:ext>
             </a:extLst>
           </p:cNvPr>
-          <p:cNvCxnSpPr/>
+          <p:cNvPicPr>
+            <a:picLocks noChangeAspect="1"/>
+          </p:cNvPicPr>
+          <p:nvPr/>
+        </p:nvPicPr>
+        <p:blipFill>
+          <a:blip r:embed="rId2"/>
+          <a:stretch>
+            <a:fillRect/>
+          </a:stretch>
+        </p:blipFill>
+        <p:spPr>
+          <a:xfrm>
+            <a:off x="406718" y="2695492"/>
+            <a:ext cx="4785484" cy="3022794"/>
+          </a:xfrm>
+          <a:prstGeom prst="rect">
+            <a:avLst/>
+          </a:prstGeom>
+        </p:spPr>
+      </p:pic>
+      <p:sp>
+        <p:nvSpPr>
+          <p:cNvPr id="4" name="文本框 3">
+            <a:extLst>
+              <a:ext uri="{FF2B5EF4-FFF2-40B4-BE49-F238E27FC236}">
+                <a16:creationId xmlns:a16="http://schemas.microsoft.com/office/drawing/2014/main" id="{26128995-91B8-4AE6-BF29-A201465B2997}"/>
+              </a:ext>
+            </a:extLst>
+          </p:cNvPr>
+          <p:cNvSpPr txBox="1"/>
+          <p:nvPr/>
+        </p:nvSpPr>
+        <p:spPr>
+          <a:xfrm>
+            <a:off x="1184744" y="5661329"/>
+            <a:ext cx="3784821" cy="307777"/>
+          </a:xfrm>
+          <a:prstGeom prst="rect">
+            <a:avLst/>
+          </a:prstGeom>
+          <a:noFill/>
+        </p:spPr>
+        <p:txBody>
+          <a:bodyPr wrap="square" rtlCol="0">
+            <a:spAutoFit/>
+          </a:bodyPr>
+          <a:lstStyle/>
+          <a:p>
+            <a:r>
+              <a:rPr lang="zh-CN" altLang="en-US" sz="1400" dirty="0"/>
+              <a:t>玻璃珠</a:t>
+            </a:r>
+            <a:r>
+              <a:rPr lang="en-US" altLang="zh-CN" sz="1400" dirty="0"/>
+              <a:t>-</a:t>
+            </a:r>
+            <a:r>
+              <a:rPr lang="zh-CN" altLang="en-US" sz="1400" dirty="0"/>
+              <a:t>水悬浊液中的声衰减系数</a:t>
+            </a:r>
+            <a:r>
+              <a:rPr lang="en-US" altLang="zh-CN" sz="1400" dirty="0"/>
+              <a:t>(ECAH</a:t>
+            </a:r>
+            <a:r>
+              <a:rPr lang="zh-CN" altLang="en-US" sz="1400" dirty="0"/>
+              <a:t>模型</a:t>
+            </a:r>
+            <a:r>
+              <a:rPr lang="en-US" altLang="zh-CN" sz="1400" dirty="0"/>
+              <a:t>)[1]</a:t>
+            </a:r>
+            <a:endParaRPr lang="zh-CN" altLang="en-US" sz="1400" dirty="0"/>
+          </a:p>
+        </p:txBody>
+      </p:sp>
+      <p:sp>
+        <p:nvSpPr>
+          <p:cNvPr id="8" name="文本框 7">
+            <a:extLst>
+              <a:ext uri="{FF2B5EF4-FFF2-40B4-BE49-F238E27FC236}">
+                <a16:creationId xmlns:a16="http://schemas.microsoft.com/office/drawing/2014/main" id="{B58BE9A1-E457-4952-9F9A-08D940C46252}"/>
+              </a:ext>
+            </a:extLst>
+          </p:cNvPr>
+          <p:cNvSpPr txBox="1"/>
+          <p:nvPr/>
+        </p:nvSpPr>
+        <p:spPr>
+          <a:xfrm>
+            <a:off x="657224" y="5992282"/>
+            <a:ext cx="9607910" cy="400110"/>
+          </a:xfrm>
+          <a:prstGeom prst="rect">
+            <a:avLst/>
+          </a:prstGeom>
+          <a:noFill/>
+        </p:spPr>
+        <p:txBody>
+          <a:bodyPr wrap="square">
+            <a:spAutoFit/>
+          </a:bodyPr>
+          <a:lstStyle/>
+          <a:p>
+            <a:pPr marL="0" marR="0" lvl="0" indent="0" algn="l" defTabSz="457200" rtl="0" eaLnBrk="1" fontAlgn="auto" latinLnBrk="0" hangingPunct="1">
+              <a:lnSpc>
+                <a:spcPct val="100000"/>
+              </a:lnSpc>
+              <a:spcBef>
+                <a:spcPts val="0"/>
+              </a:spcBef>
+              <a:spcAft>
+                <a:spcPts val="0"/>
+              </a:spcAft>
+              <a:buClrTx/>
+              <a:buSzTx/>
+              <a:buFontTx/>
+              <a:buNone/>
+              <a:tabLst/>
+              <a:defRPr/>
+            </a:pPr>
+            <a:r>
+              <a:rPr kumimoji="0" lang="en-US" altLang="zh-CN" sz="1000" b="0" i="0" u="none" strike="noStrike" kern="1200" cap="none" spc="0" normalizeH="0" baseline="0" noProof="0" dirty="0">
+                <a:ln>
+                  <a:noFill/>
+                </a:ln>
+                <a:solidFill>
+                  <a:srgbClr val="C00000"/>
+                </a:solidFill>
+                <a:effectLst/>
+                <a:uLnTx/>
+                <a:uFillTx/>
+                <a:latin typeface="Calibri Light" panose="020F0302020204030204"/>
+                <a:ea typeface="宋体" panose="02010600030101010101" pitchFamily="2" charset="-122"/>
+                <a:cs typeface="+mn-cs"/>
+              </a:rPr>
+              <a:t>[</a:t>
+            </a:r>
+            <a:r>
+              <a:rPr lang="en-US" altLang="zh-CN" sz="1000" dirty="0">
+                <a:solidFill>
+                  <a:srgbClr val="C00000"/>
+                </a:solidFill>
+                <a:latin typeface="Calibri Light" panose="020F0302020204030204"/>
+                <a:ea typeface="宋体" panose="02010600030101010101" pitchFamily="2" charset="-122"/>
+              </a:rPr>
+              <a:t>1</a:t>
+            </a:r>
+            <a:r>
+              <a:rPr kumimoji="0" lang="en-US" altLang="zh-CN" sz="1000" b="0" i="0" u="none" strike="noStrike" kern="1200" cap="none" spc="0" normalizeH="0" baseline="0" noProof="0" dirty="0">
+                <a:ln>
+                  <a:noFill/>
+                </a:ln>
+                <a:solidFill>
+                  <a:srgbClr val="C00000"/>
+                </a:solidFill>
+                <a:effectLst/>
+                <a:uLnTx/>
+                <a:uFillTx/>
+                <a:latin typeface="Calibri Light" panose="020F0302020204030204"/>
+                <a:ea typeface="宋体" panose="02010600030101010101" pitchFamily="2" charset="-122"/>
+                <a:cs typeface="+mn-cs"/>
+              </a:rPr>
+              <a:t>] ALLEGRA</a:t>
+            </a:r>
+            <a:r>
+              <a:rPr kumimoji="0" lang="zh-CN" altLang="en-US" sz="1000" b="0" i="0" u="none" strike="noStrike" kern="1200" cap="none" spc="0" normalizeH="0" baseline="0" noProof="0" dirty="0">
+                <a:ln>
+                  <a:noFill/>
+                </a:ln>
+                <a:solidFill>
+                  <a:srgbClr val="C00000"/>
+                </a:solidFill>
+                <a:effectLst/>
+                <a:uLnTx/>
+                <a:uFillTx/>
+                <a:latin typeface="Calibri Light" panose="020F0302020204030204"/>
+                <a:ea typeface="宋体" panose="02010600030101010101" pitchFamily="2" charset="-122"/>
+                <a:cs typeface="+mn-cs"/>
+              </a:rPr>
+              <a:t> </a:t>
+            </a:r>
+            <a:r>
+              <a:rPr kumimoji="0" lang="en-US" altLang="zh-CN" sz="1000" b="0" i="0" u="none" strike="noStrike" kern="1200" cap="none" spc="0" normalizeH="0" baseline="0" noProof="0" dirty="0">
+                <a:ln>
+                  <a:noFill/>
+                </a:ln>
+                <a:solidFill>
+                  <a:srgbClr val="C00000"/>
+                </a:solidFill>
+                <a:effectLst/>
+                <a:uLnTx/>
+                <a:uFillTx/>
+                <a:latin typeface="Calibri Light" panose="020F0302020204030204"/>
+                <a:ea typeface="宋体" panose="02010600030101010101" pitchFamily="2" charset="-122"/>
+                <a:cs typeface="+mn-cs"/>
+              </a:rPr>
+              <a:t>J, RS AHAWLEY. Attenuation of sound in suspensions emulsions: theory and experiments[J]. </a:t>
+            </a:r>
+            <a:r>
+              <a:rPr kumimoji="0" lang="en-US" altLang="zh-CN" sz="1000" b="0" i="0" u="none" strike="noStrike" kern="1200" cap="none" spc="0" normalizeH="0" baseline="0" noProof="0" dirty="0" err="1">
+                <a:ln>
+                  <a:noFill/>
+                </a:ln>
+                <a:solidFill>
+                  <a:srgbClr val="C00000"/>
+                </a:solidFill>
+                <a:effectLst/>
+                <a:uLnTx/>
+                <a:uFillTx/>
+                <a:latin typeface="Calibri Light" panose="020F0302020204030204"/>
+                <a:ea typeface="宋体" panose="02010600030101010101" pitchFamily="2" charset="-122"/>
+                <a:cs typeface="+mn-cs"/>
+              </a:rPr>
+              <a:t>Acoust</a:t>
+            </a:r>
+            <a:r>
+              <a:rPr kumimoji="0" lang="en-US" altLang="zh-CN" sz="1000" b="0" i="0" u="none" strike="noStrike" kern="1200" cap="none" spc="0" normalizeH="0" baseline="0" noProof="0" dirty="0">
+                <a:ln>
+                  <a:noFill/>
+                </a:ln>
+                <a:solidFill>
+                  <a:srgbClr val="C00000"/>
+                </a:solidFill>
+                <a:effectLst/>
+                <a:uLnTx/>
+                <a:uFillTx/>
+                <a:latin typeface="Calibri Light" panose="020F0302020204030204"/>
+                <a:ea typeface="宋体" panose="02010600030101010101" pitchFamily="2" charset="-122"/>
+                <a:cs typeface="+mn-cs"/>
+              </a:rPr>
+              <a:t>. Soc. Am. 1972, 51, 1545-1564</a:t>
+            </a:r>
+          </a:p>
+          <a:p>
+            <a:pPr marL="0" marR="0" lvl="0" indent="0" algn="l" defTabSz="457200" rtl="0" eaLnBrk="1" fontAlgn="auto" latinLnBrk="0" hangingPunct="1">
+              <a:lnSpc>
+                <a:spcPct val="100000"/>
+              </a:lnSpc>
+              <a:spcBef>
+                <a:spcPts val="0"/>
+              </a:spcBef>
+              <a:spcAft>
+                <a:spcPts val="0"/>
+              </a:spcAft>
+              <a:buClrTx/>
+              <a:buSzTx/>
+              <a:buFontTx/>
+              <a:buNone/>
+              <a:tabLst/>
+              <a:defRPr/>
+            </a:pPr>
+            <a:r>
+              <a:rPr lang="en-US" altLang="zh-CN" sz="1000" dirty="0">
+                <a:solidFill>
+                  <a:srgbClr val="C00000"/>
+                </a:solidFill>
+                <a:latin typeface="Calibri Light" panose="020F0302020204030204"/>
+                <a:ea typeface="宋体" panose="02010600030101010101" pitchFamily="2" charset="-122"/>
+              </a:rPr>
+              <a:t>[2] DUKHIN A.S.P.J. GOETZ. Ultrasound for characterizing colloids particle sizing, zeta potential, Rheology[J]. Studies in interface science. Elsevier, 2002, 57, 106-109</a:t>
+            </a:r>
+            <a:endParaRPr kumimoji="0" lang="en-US" altLang="zh-CN" sz="1000" b="0" i="0" u="none" strike="noStrike" kern="1200" cap="none" spc="0" normalizeH="0" baseline="0" noProof="0" dirty="0">
+              <a:ln>
+                <a:noFill/>
+              </a:ln>
+              <a:solidFill>
+                <a:srgbClr val="C00000"/>
+              </a:solidFill>
+              <a:effectLst/>
+              <a:uLnTx/>
+              <a:uFillTx/>
+              <a:latin typeface="Calibri Light" panose="020F0302020204030204"/>
+              <a:ea typeface="宋体" panose="02010600030101010101" pitchFamily="2" charset="-122"/>
+              <a:cs typeface="+mn-cs"/>
+            </a:endParaRPr>
+          </a:p>
+        </p:txBody>
+      </p:sp>
+      <mc:AlternateContent xmlns:mc="http://schemas.openxmlformats.org/markup-compatibility/2006">
+        <mc:Choice xmlns:a14="http://schemas.microsoft.com/office/drawing/2010/main" Requires="a14">
+          <p:sp>
+            <p:nvSpPr>
+              <p:cNvPr id="6" name="文本框 5">
+                <a:extLst>
+                  <a:ext uri="{FF2B5EF4-FFF2-40B4-BE49-F238E27FC236}">
+                    <a16:creationId xmlns:a16="http://schemas.microsoft.com/office/drawing/2014/main" id="{DFC6C8B3-6C11-4265-95A9-0DA9654D430E}"/>
+                  </a:ext>
+                </a:extLst>
+              </p:cNvPr>
+              <p:cNvSpPr txBox="1"/>
+              <p:nvPr/>
+            </p:nvSpPr>
+            <p:spPr>
+              <a:xfrm>
+                <a:off x="5080882" y="2695492"/>
+                <a:ext cx="7111118" cy="3139321"/>
+              </a:xfrm>
+              <a:prstGeom prst="rect">
+                <a:avLst/>
+              </a:prstGeom>
+              <a:noFill/>
+            </p:spPr>
+            <p:txBody>
+              <a:bodyPr wrap="square" rtlCol="0">
+                <a:spAutoFit/>
+              </a:bodyPr>
+              <a:lstStyle/>
+              <a:p>
+                <a:r>
+                  <a:rPr lang="zh-CN" altLang="en-US" dirty="0">
+                    <a:latin typeface="+mj-ea"/>
+                    <a:ea typeface="+mj-ea"/>
+                  </a:rPr>
+                  <a:t>根据</a:t>
+                </a:r>
+                <a:r>
+                  <a:rPr lang="en-US" altLang="zh-CN" dirty="0">
+                    <a:latin typeface="+mj-ea"/>
+                    <a:ea typeface="+mj-ea"/>
+                  </a:rPr>
+                  <a:t>ECAH</a:t>
+                </a:r>
+                <a:r>
+                  <a:rPr lang="zh-CN" altLang="en-US" dirty="0">
+                    <a:latin typeface="+mj-ea"/>
+                    <a:ea typeface="+mj-ea"/>
+                  </a:rPr>
+                  <a:t>模型中颗粒平均粒度和浓度与声衰减系数之间的关系</a:t>
+                </a:r>
+                <a:r>
+                  <a:rPr lang="en-US" altLang="zh-CN" dirty="0">
+                    <a:latin typeface="+mj-ea"/>
+                    <a:ea typeface="+mj-ea"/>
+                  </a:rPr>
+                  <a:t>[1]</a:t>
+                </a:r>
+                <a:r>
+                  <a:rPr lang="zh-CN" altLang="en-US" dirty="0">
+                    <a:latin typeface="+mj-ea"/>
+                    <a:ea typeface="+mj-ea"/>
+                  </a:rPr>
+                  <a:t>以及文献</a:t>
+                </a:r>
+                <a:r>
+                  <a:rPr lang="en-US" altLang="zh-CN" dirty="0">
+                    <a:latin typeface="+mj-ea"/>
+                    <a:ea typeface="+mj-ea"/>
+                  </a:rPr>
+                  <a:t>[2]</a:t>
+                </a:r>
+                <a:r>
+                  <a:rPr lang="zh-CN" altLang="en-US" dirty="0">
+                    <a:latin typeface="+mj-ea"/>
+                    <a:ea typeface="+mj-ea"/>
+                  </a:rPr>
+                  <a:t>：当超声衰减处在散射区和粘滞区的过渡区域上，一定范围内的粒径对声衰减系数影响较小</a:t>
+                </a:r>
+                <a:r>
+                  <a:rPr lang="zh-CN" altLang="en-US" b="1" dirty="0">
+                    <a:latin typeface="+mj-ea"/>
+                    <a:ea typeface="+mj-ea"/>
+                  </a:rPr>
+                  <a:t>。</a:t>
+                </a:r>
+                <a:endParaRPr lang="en-US" altLang="zh-CN" b="1" dirty="0">
+                  <a:latin typeface="+mj-ea"/>
+                  <a:ea typeface="+mj-ea"/>
+                </a:endParaRPr>
+              </a:p>
+              <a:p>
+                <a:endParaRPr lang="en-US" altLang="zh-CN" b="1" dirty="0">
+                  <a:latin typeface="+mj-ea"/>
+                  <a:ea typeface="+mj-ea"/>
+                </a:endParaRPr>
+              </a:p>
+              <a:p>
+                <a:r>
+                  <a:rPr lang="en-US" altLang="zh-CN" b="1" dirty="0">
+                    <a:latin typeface="+mj-ea"/>
+                    <a:ea typeface="+mj-ea"/>
+                  </a:rPr>
+                  <a:t>		</a:t>
+                </a:r>
+                <a:r>
+                  <a:rPr lang="zh-CN" altLang="en-US" b="1" dirty="0">
+                    <a:solidFill>
+                      <a:schemeClr val="accent1"/>
+                    </a:solidFill>
+                    <a:latin typeface="+mj-ea"/>
+                    <a:ea typeface="+mj-ea"/>
+                  </a:rPr>
+                  <a:t>衰减系数      体积浓度   粒径  消声系数</a:t>
+                </a:r>
+                <a:r>
+                  <a:rPr lang="en-US" altLang="zh-CN" b="1" dirty="0">
+                    <a:solidFill>
+                      <a:schemeClr val="accent1"/>
+                    </a:solidFill>
+                    <a:latin typeface="+mj-ea"/>
+                    <a:ea typeface="+mj-ea"/>
+                  </a:rPr>
+                  <a:t>(</a:t>
+                </a:r>
+                <a:r>
+                  <a:rPr lang="zh-CN" altLang="en-US" b="1" dirty="0">
+                    <a:solidFill>
+                      <a:schemeClr val="accent1"/>
+                    </a:solidFill>
+                    <a:latin typeface="+mj-ea"/>
+                    <a:ea typeface="+mj-ea"/>
+                  </a:rPr>
+                  <a:t>与浓度无关</a:t>
+                </a:r>
+                <a:r>
+                  <a:rPr lang="en-US" altLang="zh-CN" b="1" dirty="0">
+                    <a:solidFill>
+                      <a:schemeClr val="accent1"/>
+                    </a:solidFill>
+                    <a:latin typeface="+mj-ea"/>
+                    <a:ea typeface="+mj-ea"/>
+                  </a:rPr>
+                  <a:t>)</a:t>
+                </a:r>
+              </a:p>
+              <a:p>
+                <a:endParaRPr lang="en-US" altLang="zh-CN" b="1" dirty="0">
+                  <a:latin typeface="+mj-ea"/>
+                  <a:ea typeface="+mj-ea"/>
+                </a:endParaRPr>
+              </a:p>
+              <a:p>
+                <a:r>
+                  <a:rPr lang="en-US" altLang="zh-CN" b="1" dirty="0">
+                    <a:latin typeface="+mj-ea"/>
+                    <a:ea typeface="+mj-ea"/>
+                  </a:rPr>
+                  <a:t>ECAH</a:t>
+                </a:r>
+                <a:r>
+                  <a:rPr lang="zh-CN" altLang="en-US" b="1" dirty="0">
+                    <a:latin typeface="+mj-ea"/>
+                    <a:ea typeface="+mj-ea"/>
+                  </a:rPr>
+                  <a:t>模型：</a:t>
+                </a:r>
+                <a:endParaRPr lang="en-US" altLang="zh-CN" b="1" dirty="0">
+                  <a:latin typeface="+mj-ea"/>
+                  <a:ea typeface="+mj-ea"/>
+                </a:endParaRPr>
+              </a:p>
+              <a:p>
+                <a:endParaRPr lang="en-US" altLang="zh-CN" b="1" dirty="0">
+                  <a:latin typeface="+mj-ea"/>
+                  <a:ea typeface="+mj-ea"/>
+                </a:endParaRPr>
+              </a:p>
+              <a:p>
+                <a:endParaRPr lang="en-US" altLang="zh-CN" b="1" dirty="0">
+                  <a:latin typeface="+mj-ea"/>
+                  <a:ea typeface="+mj-ea"/>
+                </a:endParaRPr>
+              </a:p>
+              <a:p>
+                <a:r>
+                  <a:rPr lang="zh-CN" altLang="en-US" dirty="0">
+                    <a:latin typeface="+mj-ea"/>
+                    <a:ea typeface="+mj-ea"/>
+                  </a:rPr>
+                  <a:t>经过研磨后，建筑料浆中多数颗粒粒径范围在 </a:t>
+                </a:r>
+                <a14:m>
+                  <m:oMath xmlns:m="http://schemas.openxmlformats.org/officeDocument/2006/math">
+                    <m:r>
+                      <a:rPr lang="en-US" altLang="zh-CN" b="0" i="0" smtClean="0">
+                        <a:latin typeface="Cambria Math" panose="02040503050406030204" pitchFamily="18" charset="0"/>
+                      </a:rPr>
+                      <m:t>1−</m:t>
+                    </m:r>
+                    <m:r>
+                      <a:rPr lang="en-US" altLang="zh-CN" b="0" i="1" smtClean="0">
+                        <a:latin typeface="Cambria Math" panose="02040503050406030204" pitchFamily="18" charset="0"/>
+                      </a:rPr>
+                      <m:t>50</m:t>
+                    </m:r>
+                    <m:r>
+                      <a:rPr lang="el-GR" altLang="zh-CN" b="0" i="1" smtClean="0">
+                        <a:latin typeface="Cambria Math" panose="02040503050406030204" pitchFamily="18" charset="0"/>
+                        <a:ea typeface="Cambria Math" panose="02040503050406030204" pitchFamily="18" charset="0"/>
+                      </a:rPr>
+                      <m:t>𝜇</m:t>
+                    </m:r>
+                    <m:r>
+                      <a:rPr lang="en-US" altLang="zh-CN" b="0" i="1" smtClean="0">
+                        <a:latin typeface="Cambria Math" panose="02040503050406030204" pitchFamily="18" charset="0"/>
+                        <a:ea typeface="Cambria Math" panose="02040503050406030204" pitchFamily="18" charset="0"/>
+                      </a:rPr>
+                      <m:t>𝑚</m:t>
+                    </m:r>
+                  </m:oMath>
+                </a14:m>
+                <a:r>
+                  <a:rPr lang="zh-CN" altLang="en-US" dirty="0"/>
+                  <a:t>之间</a:t>
+                </a:r>
+                <a:endParaRPr lang="en-US" altLang="zh-CN" dirty="0"/>
+              </a:p>
+              <a:p>
+                <a:r>
+                  <a:rPr lang="zh-CN" altLang="en-US" dirty="0">
+                    <a:latin typeface="+mj-ea"/>
+                    <a:ea typeface="+mj-ea"/>
+                  </a:rPr>
+                  <a:t>此处将测试超声波频率选择为</a:t>
+                </a:r>
+                <a:r>
+                  <a:rPr lang="en-US" altLang="zh-CN" b="1" dirty="0">
+                    <a:latin typeface="+mj-ea"/>
+                    <a:ea typeface="+mj-ea"/>
+                  </a:rPr>
+                  <a:t>1MHz</a:t>
+                </a:r>
+                <a:r>
+                  <a:rPr lang="zh-CN" altLang="en-US" b="1" dirty="0">
+                    <a:latin typeface="+mj-ea"/>
+                    <a:ea typeface="+mj-ea"/>
+                  </a:rPr>
+                  <a:t>和</a:t>
+                </a:r>
+                <a:r>
+                  <a:rPr lang="en-US" altLang="zh-CN" b="1" dirty="0">
+                    <a:latin typeface="+mj-ea"/>
+                    <a:ea typeface="+mj-ea"/>
+                  </a:rPr>
+                  <a:t>2MHz</a:t>
+                </a:r>
+                <a:r>
+                  <a:rPr lang="zh-CN" altLang="en-US" b="1" dirty="0">
+                    <a:latin typeface="+mj-ea"/>
+                    <a:ea typeface="+mj-ea"/>
+                  </a:rPr>
+                  <a:t>。</a:t>
+                </a:r>
+                <a:endParaRPr lang="en-US" altLang="zh-CN" b="1" dirty="0">
+                  <a:latin typeface="+mj-ea"/>
+                  <a:ea typeface="+mj-ea"/>
+                </a:endParaRPr>
+              </a:p>
+            </p:txBody>
+          </p:sp>
+        </mc:Choice>
+        <mc:Fallback>
+          <p:sp>
+            <p:nvSpPr>
+              <p:cNvPr id="6" name="文本框 5">
+                <a:extLst>
+                  <a:ext uri="{FF2B5EF4-FFF2-40B4-BE49-F238E27FC236}">
+                    <a16:creationId xmlns:a16="http://schemas.microsoft.com/office/drawing/2014/main" id="{DFC6C8B3-6C11-4265-95A9-0DA9654D430E}"/>
+                  </a:ext>
+                </a:extLst>
+              </p:cNvPr>
+              <p:cNvSpPr txBox="1">
+                <a:spLocks noRot="1" noChangeAspect="1" noMove="1" noResize="1" noEditPoints="1" noAdjustHandles="1" noChangeArrowheads="1" noChangeShapeType="1" noTextEdit="1"/>
+              </p:cNvSpPr>
+              <p:nvPr/>
+            </p:nvSpPr>
+            <p:spPr>
+              <a:xfrm>
+                <a:off x="5080882" y="2695492"/>
+                <a:ext cx="7111118" cy="3139321"/>
+              </a:xfrm>
+              <a:prstGeom prst="rect">
+                <a:avLst/>
+              </a:prstGeom>
+              <a:blipFill>
+                <a:blip r:embed="rId3"/>
+                <a:stretch>
+                  <a:fillRect l="-686" t="-971" b="-2136"/>
+                </a:stretch>
+              </a:blipFill>
+            </p:spPr>
+            <p:txBody>
+              <a:bodyPr/>
+              <a:lstStyle/>
+              <a:p>
+                <a:r>
+                  <a:rPr lang="zh-CN" altLang="en-US">
+                    <a:noFill/>
+                  </a:rPr>
+                  <a:t> </a:t>
+                </a:r>
+              </a:p>
+            </p:txBody>
+          </p:sp>
+        </mc:Fallback>
+      </mc:AlternateContent>
+      <p:pic>
+        <p:nvPicPr>
+          <p:cNvPr id="7" name="图片 6">
+            <a:extLst>
+              <a:ext uri="{FF2B5EF4-FFF2-40B4-BE49-F238E27FC236}">
+                <a16:creationId xmlns:a16="http://schemas.microsoft.com/office/drawing/2014/main" id="{0D2211AB-1353-4796-B277-6FD5C66573C1}"/>
+              </a:ext>
+            </a:extLst>
+          </p:cNvPr>
+          <p:cNvPicPr>
+            <a:picLocks noChangeAspect="1"/>
+          </p:cNvPicPr>
+          <p:nvPr/>
+        </p:nvPicPr>
+        <p:blipFill>
+          <a:blip r:embed="rId4"/>
+          <a:stretch>
+            <a:fillRect/>
+          </a:stretch>
+        </p:blipFill>
+        <p:spPr>
+          <a:xfrm>
+            <a:off x="6779211" y="4206889"/>
+            <a:ext cx="3784821" cy="589745"/>
+          </a:xfrm>
+          <a:prstGeom prst="rect">
+            <a:avLst/>
+          </a:prstGeom>
+        </p:spPr>
+      </p:pic>
+      <p:cxnSp>
+        <p:nvCxnSpPr>
+          <p:cNvPr id="12" name="直接箭头连接符 11">
+            <a:extLst>
+              <a:ext uri="{FF2B5EF4-FFF2-40B4-BE49-F238E27FC236}">
+                <a16:creationId xmlns:a16="http://schemas.microsoft.com/office/drawing/2014/main" id="{48912F33-2E5E-4D2D-ACB2-036FE1862D19}"/>
+              </a:ext>
+            </a:extLst>
+          </p:cNvPr>
+          <p:cNvCxnSpPr>
+            <a:cxnSpLocks/>
+          </p:cNvCxnSpPr>
           <p:nvPr/>
         </p:nvCxnSpPr>
         <p:spPr>
-          <a:xfrm flipH="1">
-            <a:off x="2929454" y="4000500"/>
-            <a:ext cx="4322186" cy="17000"/>
+          <a:xfrm>
+            <a:off x="6644356" y="4206889"/>
+            <a:ext cx="241474" cy="182231"/>
           </a:xfrm>
           <a:prstGeom prst="straightConnector1">
             <a:avLst/>
           </a:prstGeom>
-          <a:ln>
-            <a:headEnd type="triangle"/>
+          <a:ln w="38100">
             <a:tailEnd type="triangle"/>
           </a:ln>
         </p:spPr>
@@ -10686,336 +13853,133 @@
           </a:fontRef>
         </p:style>
       </p:cxnSp>
-      <p:sp>
-        <p:nvSpPr>
-          <p:cNvPr id="16" name="文本框 15">
+      <p:cxnSp>
+        <p:nvCxnSpPr>
+          <p:cNvPr id="15" name="直接箭头连接符 14">
             <a:extLst>
               <a:ext uri="{FF2B5EF4-FFF2-40B4-BE49-F238E27FC236}">
-                <a16:creationId xmlns:a16="http://schemas.microsoft.com/office/drawing/2014/main" id="{3FF9E3A3-2712-4F82-B597-F6CCC6D604F3}"/>
+                <a16:creationId xmlns:a16="http://schemas.microsoft.com/office/drawing/2014/main" id="{F5156B55-F0E8-4761-82D3-78146E88A55E}"/>
               </a:ext>
             </a:extLst>
           </p:cNvPr>
-          <p:cNvSpPr txBox="1"/>
+          <p:cNvCxnSpPr>
+            <a:cxnSpLocks/>
+          </p:cNvCxnSpPr>
           <p:nvPr/>
-        </p:nvSpPr>
+        </p:nvCxnSpPr>
         <p:spPr>
           <a:xfrm>
-            <a:off x="4537024" y="4051953"/>
-            <a:ext cx="1107045" cy="276999"/>
-          </a:xfrm>
-          <a:prstGeom prst="rect">
+            <a:off x="8550884" y="4082921"/>
+            <a:ext cx="0" cy="215083"/>
+          </a:xfrm>
+          <a:prstGeom prst="straightConnector1">
             <a:avLst/>
           </a:prstGeom>
-          <a:noFill/>
-        </p:spPr>
-        <p:txBody>
-          <a:bodyPr wrap="square" rtlCol="0">
-            <a:spAutoFit/>
-          </a:bodyPr>
-          <a:lstStyle/>
-          <a:p>
-            <a:r>
-              <a:rPr lang="zh-CN" altLang="en-US" sz="1200" b="1" dirty="0" smtClean="0">
-                <a:solidFill>
-                  <a:schemeClr val="accent1"/>
-                </a:solidFill>
-              </a:rPr>
-              <a:t>采样周期</a:t>
-            </a:r>
-            <a:r>
-              <a:rPr lang="en-US" altLang="zh-CN" sz="1200" b="1" dirty="0" smtClean="0">
-                <a:solidFill>
-                  <a:schemeClr val="accent1"/>
-                </a:solidFill>
-              </a:rPr>
-              <a:t>T</a:t>
-            </a:r>
-            <a:endParaRPr lang="zh-CN" altLang="en-US" sz="1200" b="1" dirty="0">
-              <a:solidFill>
-                <a:schemeClr val="accent1"/>
-              </a:solidFill>
-            </a:endParaRPr>
-          </a:p>
-        </p:txBody>
-      </p:sp>
-      <p:sp>
-        <p:nvSpPr>
-          <p:cNvPr id="6" name="文本框 5"/>
-          <p:cNvSpPr txBox="1"/>
-          <p:nvPr/>
-        </p:nvSpPr>
-        <p:spPr>
-          <a:xfrm>
-            <a:off x="727364" y="5930900"/>
-            <a:ext cx="8228644" cy="369332"/>
-          </a:xfrm>
-          <a:prstGeom prst="rect">
-            <a:avLst/>
-          </a:prstGeom>
-          <a:noFill/>
-        </p:spPr>
-        <p:txBody>
-          <a:bodyPr wrap="square" rtlCol="0">
-            <a:spAutoFit/>
-          </a:bodyPr>
-          <a:lstStyle/>
-          <a:p>
-            <a:r>
-              <a:rPr lang="zh-CN" altLang="en-US" dirty="0" smtClean="0"/>
-              <a:t>使用人工神经网络实现连续型变量的回归预测：</a:t>
-            </a:r>
-            <a:endParaRPr lang="en-US" dirty="0"/>
-          </a:p>
-        </p:txBody>
-      </p:sp>
-      <p:sp>
-        <p:nvSpPr>
-          <p:cNvPr id="17" name="文本框 16">
+          <a:ln w="38100">
+            <a:tailEnd type="triangle"/>
+          </a:ln>
+        </p:spPr>
+        <p:style>
+          <a:lnRef idx="1">
+            <a:schemeClr val="accent1"/>
+          </a:lnRef>
+          <a:fillRef idx="0">
+            <a:schemeClr val="accent1"/>
+          </a:fillRef>
+          <a:effectRef idx="0">
+            <a:schemeClr val="accent1"/>
+          </a:effectRef>
+          <a:fontRef idx="minor">
+            <a:schemeClr val="tx1"/>
+          </a:fontRef>
+        </p:style>
+      </p:cxnSp>
+      <p:cxnSp>
+        <p:nvCxnSpPr>
+          <p:cNvPr id="16" name="直接箭头连接符 15">
             <a:extLst>
               <a:ext uri="{FF2B5EF4-FFF2-40B4-BE49-F238E27FC236}">
-                <a16:creationId xmlns:a16="http://schemas.microsoft.com/office/drawing/2014/main" id="{F86D0C42-D4F1-40C8-BD45-036B024F1942}"/>
+                <a16:creationId xmlns:a16="http://schemas.microsoft.com/office/drawing/2014/main" id="{8E976388-A30E-42FF-A664-BCBE7AD7760F}"/>
               </a:ext>
             </a:extLst>
           </p:cNvPr>
-          <p:cNvSpPr txBox="1"/>
+          <p:cNvCxnSpPr>
+            <a:cxnSpLocks/>
+          </p:cNvCxnSpPr>
           <p:nvPr/>
-        </p:nvSpPr>
-        <p:spPr>
-          <a:xfrm>
-            <a:off x="727364" y="4127420"/>
-            <a:ext cx="1832428" cy="369332"/>
-          </a:xfrm>
-          <a:prstGeom prst="rect">
+        </p:nvCxnSpPr>
+        <p:spPr>
+          <a:xfrm flipH="1">
+            <a:off x="8604194" y="4106697"/>
+            <a:ext cx="560130" cy="465303"/>
+          </a:xfrm>
+          <a:prstGeom prst="straightConnector1">
             <a:avLst/>
           </a:prstGeom>
-          <a:noFill/>
-        </p:spPr>
-        <p:txBody>
-          <a:bodyPr wrap="square" rtlCol="0">
-            <a:spAutoFit/>
-          </a:bodyPr>
-          <a:lstStyle/>
-          <a:p>
-            <a:r>
-              <a:rPr lang="zh-CN" altLang="en-US" b="1" dirty="0"/>
-              <a:t>时域信号示例：</a:t>
-            </a:r>
-          </a:p>
-        </p:txBody>
-      </p:sp>
-      <p:sp>
-        <p:nvSpPr>
-          <p:cNvPr id="9" name="矩形 8"/>
-          <p:cNvSpPr/>
+          <a:ln w="38100">
+            <a:tailEnd type="triangle"/>
+          </a:ln>
+        </p:spPr>
+        <p:style>
+          <a:lnRef idx="1">
+            <a:schemeClr val="accent1"/>
+          </a:lnRef>
+          <a:fillRef idx="0">
+            <a:schemeClr val="accent1"/>
+          </a:fillRef>
+          <a:effectRef idx="0">
+            <a:schemeClr val="accent1"/>
+          </a:effectRef>
+          <a:fontRef idx="minor">
+            <a:schemeClr val="tx1"/>
+          </a:fontRef>
+        </p:style>
+      </p:cxnSp>
+      <p:cxnSp>
+        <p:nvCxnSpPr>
+          <p:cNvPr id="18" name="直接箭头连接符 17">
+            <a:extLst>
+              <a:ext uri="{FF2B5EF4-FFF2-40B4-BE49-F238E27FC236}">
+                <a16:creationId xmlns:a16="http://schemas.microsoft.com/office/drawing/2014/main" id="{A53711BD-3E5E-43FF-AA6C-DF4353799436}"/>
+              </a:ext>
+            </a:extLst>
+          </p:cNvPr>
+          <p:cNvCxnSpPr>
+            <a:cxnSpLocks/>
+          </p:cNvCxnSpPr>
           <p:nvPr/>
-        </p:nvSpPr>
-        <p:spPr>
-          <a:xfrm>
-            <a:off x="7986405" y="3121266"/>
-            <a:ext cx="2492990" cy="369332"/>
-          </a:xfrm>
-          <a:prstGeom prst="rect">
+        </p:nvCxnSpPr>
+        <p:spPr>
+          <a:xfrm flipH="1">
+            <a:off x="9164324" y="4106697"/>
+            <a:ext cx="576025" cy="374188"/>
+          </a:xfrm>
+          <a:prstGeom prst="straightConnector1">
             <a:avLst/>
           </a:prstGeom>
-        </p:spPr>
-        <p:txBody>
-          <a:bodyPr wrap="none">
-            <a:spAutoFit/>
-          </a:bodyPr>
-          <a:lstStyle/>
-          <a:p>
-            <a:r>
-              <a:rPr lang="en-US" dirty="0" err="1"/>
-              <a:t>超声波换能器频率响应</a:t>
-            </a:r>
-            <a:endParaRPr lang="en-US" dirty="0"/>
-          </a:p>
-        </p:txBody>
-      </p:sp>
-      <p:sp>
-        <p:nvSpPr>
-          <p:cNvPr id="18" name="矩形 17"/>
-          <p:cNvSpPr/>
-          <p:nvPr/>
-        </p:nvSpPr>
-        <p:spPr>
-          <a:xfrm>
-            <a:off x="801056" y="4963375"/>
-            <a:ext cx="10857544" cy="369332"/>
-          </a:xfrm>
-          <a:prstGeom prst="rect">
-            <a:avLst/>
-          </a:prstGeom>
-        </p:spPr>
-        <p:txBody>
-          <a:bodyPr wrap="square">
-            <a:spAutoFit/>
-          </a:bodyPr>
-          <a:lstStyle/>
-          <a:p>
-            <a:r>
-              <a:rPr lang="zh-CN" altLang="en-US" b="1" dirty="0">
-                <a:solidFill>
-                  <a:srgbClr val="000000"/>
-                </a:solidFill>
-                <a:latin typeface="FangSong" panose="02010609060101010101" pitchFamily="49" charset="-122"/>
-                <a:ea typeface="FangSong" panose="02010609060101010101" pitchFamily="49" charset="-122"/>
-              </a:rPr>
-              <a:t>杜鹏，姜楠，宋波</a:t>
-            </a:r>
-            <a:r>
-              <a:rPr lang="zh-CN" altLang="en-US" b="1" dirty="0">
-                <a:solidFill>
-                  <a:srgbClr val="000000"/>
-                </a:solidFill>
-                <a:latin typeface="E-BZ+ZEEGZk-1"/>
-              </a:rPr>
-              <a:t>． </a:t>
-            </a:r>
-            <a:r>
-              <a:rPr lang="zh-CN" altLang="en-US" b="1" dirty="0">
-                <a:solidFill>
-                  <a:srgbClr val="000000"/>
-                </a:solidFill>
-                <a:latin typeface="FangSong" panose="02010609060101010101" pitchFamily="49" charset="-122"/>
-                <a:ea typeface="FangSong" panose="02010609060101010101" pitchFamily="49" charset="-122"/>
-              </a:rPr>
-              <a:t>超声换能器频率特性及匹配研究［</a:t>
-            </a:r>
-            <a:r>
-              <a:rPr lang="en-US" altLang="zh-CN" b="1" dirty="0">
-                <a:solidFill>
-                  <a:srgbClr val="000000"/>
-                </a:solidFill>
-                <a:latin typeface="E-BZ+ZEEGZk-1"/>
-              </a:rPr>
-              <a:t>J</a:t>
-            </a:r>
-            <a:r>
-              <a:rPr lang="zh-CN" altLang="en-US" b="1" dirty="0">
-                <a:solidFill>
-                  <a:srgbClr val="000000"/>
-                </a:solidFill>
-                <a:latin typeface="FangSong" panose="02010609060101010101" pitchFamily="49" charset="-122"/>
-                <a:ea typeface="FangSong" panose="02010609060101010101" pitchFamily="49" charset="-122"/>
-              </a:rPr>
-              <a:t>］ </a:t>
-            </a:r>
-            <a:r>
-              <a:rPr lang="zh-CN" altLang="en-US" b="1" dirty="0">
-                <a:solidFill>
-                  <a:srgbClr val="000000"/>
-                </a:solidFill>
-                <a:latin typeface="E-BZ+ZEEGZk-1"/>
-              </a:rPr>
-              <a:t>． </a:t>
-            </a:r>
-            <a:r>
-              <a:rPr lang="zh-CN" altLang="en-US" b="1" dirty="0">
-                <a:solidFill>
-                  <a:srgbClr val="000000"/>
-                </a:solidFill>
-                <a:latin typeface="FangSong" panose="02010609060101010101" pitchFamily="49" charset="-122"/>
-                <a:ea typeface="FangSong" panose="02010609060101010101" pitchFamily="49" charset="-122"/>
-              </a:rPr>
-              <a:t>电声技术，</a:t>
-            </a:r>
-            <a:r>
-              <a:rPr lang="en-US" altLang="zh-CN" b="1" dirty="0">
-                <a:solidFill>
-                  <a:srgbClr val="000000"/>
-                </a:solidFill>
-                <a:latin typeface="E-BZ+ZEEGZk-1"/>
-              </a:rPr>
-              <a:t>2016</a:t>
-            </a:r>
-            <a:r>
-              <a:rPr lang="zh-CN" altLang="en-US" b="1" dirty="0">
-                <a:solidFill>
-                  <a:srgbClr val="000000"/>
-                </a:solidFill>
-                <a:latin typeface="FangSong" panose="02010609060101010101" pitchFamily="49" charset="-122"/>
-                <a:ea typeface="FangSong" panose="02010609060101010101" pitchFamily="49" charset="-122"/>
-              </a:rPr>
-              <a:t>，</a:t>
-            </a:r>
-            <a:r>
-              <a:rPr lang="en-US" altLang="zh-CN" b="1" dirty="0">
-                <a:solidFill>
-                  <a:srgbClr val="000000"/>
-                </a:solidFill>
-                <a:latin typeface="E-BZ+ZEEGZk-1"/>
-              </a:rPr>
-              <a:t>40</a:t>
-            </a:r>
-            <a:r>
-              <a:rPr lang="en-US" altLang="zh-CN" b="1" dirty="0">
-                <a:solidFill>
-                  <a:srgbClr val="000000"/>
-                </a:solidFill>
-                <a:latin typeface="FangSong" panose="02010609060101010101" pitchFamily="49" charset="-122"/>
-                <a:ea typeface="FangSong" panose="02010609060101010101" pitchFamily="49" charset="-122"/>
-              </a:rPr>
-              <a:t>( </a:t>
-            </a:r>
-            <a:r>
-              <a:rPr lang="en-US" altLang="zh-CN" b="1" dirty="0">
-                <a:solidFill>
-                  <a:srgbClr val="000000"/>
-                </a:solidFill>
-                <a:latin typeface="E-BZ+ZEEGZk-1"/>
-              </a:rPr>
-              <a:t>1</a:t>
-            </a:r>
-            <a:r>
-              <a:rPr lang="en-US" altLang="zh-CN" b="1" dirty="0">
-                <a:solidFill>
-                  <a:srgbClr val="000000"/>
-                </a:solidFill>
-                <a:latin typeface="FangSong" panose="02010609060101010101" pitchFamily="49" charset="-122"/>
-                <a:ea typeface="FangSong" panose="02010609060101010101" pitchFamily="49" charset="-122"/>
-              </a:rPr>
-              <a:t>) : </a:t>
-            </a:r>
-            <a:r>
-              <a:rPr lang="en-US" altLang="zh-CN" b="1" dirty="0">
-                <a:solidFill>
-                  <a:srgbClr val="000000"/>
-                </a:solidFill>
-                <a:latin typeface="E-BZ+ZEEGZk-1"/>
-              </a:rPr>
-              <a:t>41 </a:t>
-            </a:r>
-            <a:r>
-              <a:rPr lang="zh-CN" altLang="en-US" b="1" dirty="0">
-                <a:solidFill>
-                  <a:srgbClr val="000000"/>
-                </a:solidFill>
-                <a:latin typeface="E-BZ+ZEEGZk-1"/>
-              </a:rPr>
-              <a:t>－ </a:t>
-            </a:r>
-            <a:r>
-              <a:rPr lang="en-US" altLang="zh-CN" b="1" dirty="0">
-                <a:solidFill>
-                  <a:srgbClr val="000000"/>
-                </a:solidFill>
-                <a:latin typeface="E-BZ+ZEEGZk-1"/>
-              </a:rPr>
-              <a:t>45</a:t>
-            </a:r>
-            <a:r>
-              <a:rPr lang="zh-CN" altLang="en-US" b="1" dirty="0"/>
-              <a:t> </a:t>
-            </a:r>
-            <a:endParaRPr lang="en-US" b="1" dirty="0"/>
-          </a:p>
-        </p:txBody>
-      </p:sp>
+          <a:ln w="38100">
+            <a:tailEnd type="triangle"/>
+          </a:ln>
+        </p:spPr>
+        <p:style>
+          <a:lnRef idx="1">
+            <a:schemeClr val="accent1"/>
+          </a:lnRef>
+          <a:fillRef idx="0">
+            <a:schemeClr val="accent1"/>
+          </a:fillRef>
+          <a:effectRef idx="0">
+            <a:schemeClr val="accent1"/>
+          </a:effectRef>
+          <a:fontRef idx="minor">
+            <a:schemeClr val="tx1"/>
+          </a:fontRef>
+        </p:style>
+      </p:cxnSp>
     </p:spTree>
     <p:extLst>
       <p:ext uri="{BB962C8B-B14F-4D97-AF65-F5344CB8AC3E}">
-        <p14:creationId xmlns:p14="http://schemas.microsoft.com/office/powerpoint/2010/main" val="3365277375"/>
+        <p14:creationId xmlns:p14="http://schemas.microsoft.com/office/powerpoint/2010/main" val="3602892512"/>
       </p:ext>
     </p:extLst>
   </p:cSld>
